--- a/Документация/Разработка подсистемы СмартФикс.pptx
+++ b/Документация/Разработка подсистемы СмартФикс.pptx
@@ -267,7 +267,7 @@
           <a:p>
             <a:fld id="{62C09A54-4DF9-4EC3-B7B2-F195F9A44528}" type="datetimeFigureOut">
               <a:rPr lang="ru-RU" smtClean="0"/>
-              <a:t>25.11.2025</a:t>
+              <a:t>26.11.2025</a:t>
             </a:fld>
             <a:endParaRPr lang="ru-RU"/>
           </a:p>
@@ -465,7 +465,7 @@
           <a:p>
             <a:fld id="{62C09A54-4DF9-4EC3-B7B2-F195F9A44528}" type="datetimeFigureOut">
               <a:rPr lang="ru-RU" smtClean="0"/>
-              <a:t>25.11.2025</a:t>
+              <a:t>26.11.2025</a:t>
             </a:fld>
             <a:endParaRPr lang="ru-RU"/>
           </a:p>
@@ -673,7 +673,7 @@
           <a:p>
             <a:fld id="{62C09A54-4DF9-4EC3-B7B2-F195F9A44528}" type="datetimeFigureOut">
               <a:rPr lang="ru-RU" smtClean="0"/>
-              <a:t>25.11.2025</a:t>
+              <a:t>26.11.2025</a:t>
             </a:fld>
             <a:endParaRPr lang="ru-RU"/>
           </a:p>
@@ -871,7 +871,7 @@
           <a:p>
             <a:fld id="{62C09A54-4DF9-4EC3-B7B2-F195F9A44528}" type="datetimeFigureOut">
               <a:rPr lang="ru-RU" smtClean="0"/>
-              <a:t>25.11.2025</a:t>
+              <a:t>26.11.2025</a:t>
             </a:fld>
             <a:endParaRPr lang="ru-RU"/>
           </a:p>
@@ -1146,7 +1146,7 @@
           <a:p>
             <a:fld id="{62C09A54-4DF9-4EC3-B7B2-F195F9A44528}" type="datetimeFigureOut">
               <a:rPr lang="ru-RU" smtClean="0"/>
-              <a:t>25.11.2025</a:t>
+              <a:t>26.11.2025</a:t>
             </a:fld>
             <a:endParaRPr lang="ru-RU"/>
           </a:p>
@@ -1411,7 +1411,7 @@
           <a:p>
             <a:fld id="{62C09A54-4DF9-4EC3-B7B2-F195F9A44528}" type="datetimeFigureOut">
               <a:rPr lang="ru-RU" smtClean="0"/>
-              <a:t>25.11.2025</a:t>
+              <a:t>26.11.2025</a:t>
             </a:fld>
             <a:endParaRPr lang="ru-RU"/>
           </a:p>
@@ -1823,7 +1823,7 @@
           <a:p>
             <a:fld id="{62C09A54-4DF9-4EC3-B7B2-F195F9A44528}" type="datetimeFigureOut">
               <a:rPr lang="ru-RU" smtClean="0"/>
-              <a:t>25.11.2025</a:t>
+              <a:t>26.11.2025</a:t>
             </a:fld>
             <a:endParaRPr lang="ru-RU"/>
           </a:p>
@@ -1964,7 +1964,7 @@
           <a:p>
             <a:fld id="{62C09A54-4DF9-4EC3-B7B2-F195F9A44528}" type="datetimeFigureOut">
               <a:rPr lang="ru-RU" smtClean="0"/>
-              <a:t>25.11.2025</a:t>
+              <a:t>26.11.2025</a:t>
             </a:fld>
             <a:endParaRPr lang="ru-RU"/>
           </a:p>
@@ -2077,7 +2077,7 @@
           <a:p>
             <a:fld id="{62C09A54-4DF9-4EC3-B7B2-F195F9A44528}" type="datetimeFigureOut">
               <a:rPr lang="ru-RU" smtClean="0"/>
-              <a:t>25.11.2025</a:t>
+              <a:t>26.11.2025</a:t>
             </a:fld>
             <a:endParaRPr lang="ru-RU"/>
           </a:p>
@@ -2388,7 +2388,7 @@
           <a:p>
             <a:fld id="{62C09A54-4DF9-4EC3-B7B2-F195F9A44528}" type="datetimeFigureOut">
               <a:rPr lang="ru-RU" smtClean="0"/>
-              <a:t>25.11.2025</a:t>
+              <a:t>26.11.2025</a:t>
             </a:fld>
             <a:endParaRPr lang="ru-RU"/>
           </a:p>
@@ -2676,7 +2676,7 @@
           <a:p>
             <a:fld id="{62C09A54-4DF9-4EC3-B7B2-F195F9A44528}" type="datetimeFigureOut">
               <a:rPr lang="ru-RU" smtClean="0"/>
-              <a:t>25.11.2025</a:t>
+              <a:t>26.11.2025</a:t>
             </a:fld>
             <a:endParaRPr lang="ru-RU"/>
           </a:p>
@@ -2917,7 +2917,7 @@
           <a:p>
             <a:fld id="{62C09A54-4DF9-4EC3-B7B2-F195F9A44528}" type="datetimeFigureOut">
               <a:rPr lang="ru-RU" smtClean="0"/>
-              <a:t>25.11.2025</a:t>
+              <a:t>26.11.2025</a:t>
             </a:fld>
             <a:endParaRPr lang="ru-RU"/>
           </a:p>
@@ -3336,15 +3336,9 @@
       </p:grpSpPr>
       <p:pic>
         <p:nvPicPr>
-          <p:cNvPr id="1026" name="Picture 2" descr="Изображение пина-истории">
-            <a:extLst>
-              <a:ext uri="{FF2B5EF4-FFF2-40B4-BE49-F238E27FC236}">
-                <a16:creationId xmlns:a16="http://schemas.microsoft.com/office/drawing/2014/main" id="{1B2E3497-004C-45F0-B9B4-B11767AD6EB7}"/>
-              </a:ext>
-            </a:extLst>
-          </p:cNvPr>
+          <p:cNvPr id="3" name="Рисунок 2"/>
           <p:cNvPicPr>
-            <a:picLocks noChangeAspect="1" noChangeArrowheads="1"/>
+            <a:picLocks noChangeAspect="1"/>
           </p:cNvPicPr>
           <p:nvPr/>
         </p:nvPicPr>
@@ -3356,29 +3350,18 @@
               </a:ext>
             </a:extLst>
           </a:blip>
-          <a:srcRect/>
           <a:stretch>
             <a:fillRect/>
           </a:stretch>
         </p:blipFill>
-        <p:spPr bwMode="auto">
-          <a:xfrm rot="5400000">
-            <a:off x="2665590" y="-2665587"/>
-            <a:ext cx="6860823" cy="12192000"/>
+        <p:spPr>
+          <a:xfrm>
+            <a:off x="0" y="0"/>
+            <a:ext cx="12192000" cy="8001000"/>
           </a:xfrm>
           <a:prstGeom prst="rect">
             <a:avLst/>
           </a:prstGeom>
-          <a:noFill/>
-          <a:extLst>
-            <a:ext uri="{909E8E84-426E-40DD-AFC4-6F175D3DCCD1}">
-              <a14:hiddenFill xmlns:a14="http://schemas.microsoft.com/office/drawing/2010/main">
-                <a:solidFill>
-                  <a:srgbClr val="FFFFFF"/>
-                </a:solidFill>
-              </a14:hiddenFill>
-            </a:ext>
-          </a:extLst>
         </p:spPr>
       </p:pic>
       <p:sp>
@@ -3455,18 +3438,29 @@
                 <a:solidFill>
                   <a:schemeClr val="bg1"/>
                 </a:solidFill>
-                <a:latin typeface="Inter" panose="02000503000000020004" pitchFamily="50" charset="0"/>
+                <a:latin typeface="Montserrat Light" panose="00000400000000000000" pitchFamily="2" charset="-52"/>
                 <a:ea typeface="Inter" panose="02000503000000020004" pitchFamily="50" charset="0"/>
                 <a:cs typeface="Inter" panose="02000503000000020004" pitchFamily="50" charset="0"/>
               </a:rPr>
               <a:t>ФЕДЕРАЛЬНОЕ ГОСУДАРСТВЕННОЕ БЮДЖЕТНОЕ ОБРАЗОВАТЕЛЬНОЕ </a:t>
+            </a:r>
+            <a:r>
+              <a:rPr lang="en-US" sz="1050" dirty="0">
+                <a:solidFill>
+                  <a:schemeClr val="bg1"/>
+                </a:solidFill>
+                <a:latin typeface="Montserrat Light" panose="00000400000000000000" pitchFamily="2" charset="-52"/>
+                <a:ea typeface="Inter" panose="02000503000000020004" pitchFamily="50" charset="0"/>
+                <a:cs typeface="Inter" panose="02000503000000020004" pitchFamily="50" charset="0"/>
+              </a:rPr>
+              <a:t/>
             </a:r>
             <a:br>
               <a:rPr lang="en-US" sz="1050" dirty="0">
                 <a:solidFill>
                   <a:schemeClr val="bg1"/>
                 </a:solidFill>
-                <a:latin typeface="Inter" panose="02000503000000020004" pitchFamily="50" charset="0"/>
+                <a:latin typeface="Montserrat Light" panose="00000400000000000000" pitchFamily="2" charset="-52"/>
                 <a:ea typeface="Inter" panose="02000503000000020004" pitchFamily="50" charset="0"/>
                 <a:cs typeface="Inter" panose="02000503000000020004" pitchFamily="50" charset="0"/>
               </a:rPr>
@@ -3476,18 +3470,29 @@
                 <a:solidFill>
                   <a:schemeClr val="bg1"/>
                 </a:solidFill>
-                <a:latin typeface="Inter" panose="02000503000000020004" pitchFamily="50" charset="0"/>
+                <a:latin typeface="Montserrat Light" panose="00000400000000000000" pitchFamily="2" charset="-52"/>
                 <a:ea typeface="Inter" panose="02000503000000020004" pitchFamily="50" charset="0"/>
                 <a:cs typeface="Inter" panose="02000503000000020004" pitchFamily="50" charset="0"/>
               </a:rPr>
               <a:t>УЧРЕЖДЕНИЕ ВЫСШЕГО ОБРАЗОВАНИЯ </a:t>
+            </a:r>
+            <a:r>
+              <a:rPr lang="en-US" sz="1050" dirty="0">
+                <a:solidFill>
+                  <a:schemeClr val="bg1"/>
+                </a:solidFill>
+                <a:latin typeface="Montserrat Light" panose="00000400000000000000" pitchFamily="2" charset="-52"/>
+                <a:ea typeface="Inter" panose="02000503000000020004" pitchFamily="50" charset="0"/>
+                <a:cs typeface="Inter" panose="02000503000000020004" pitchFamily="50" charset="0"/>
+              </a:rPr>
+              <a:t/>
             </a:r>
             <a:br>
               <a:rPr lang="en-US" sz="1050" dirty="0">
                 <a:solidFill>
                   <a:schemeClr val="bg1"/>
                 </a:solidFill>
-                <a:latin typeface="Inter" panose="02000503000000020004" pitchFamily="50" charset="0"/>
+                <a:latin typeface="Montserrat Light" panose="00000400000000000000" pitchFamily="2" charset="-52"/>
                 <a:ea typeface="Inter" panose="02000503000000020004" pitchFamily="50" charset="0"/>
                 <a:cs typeface="Inter" panose="02000503000000020004" pitchFamily="50" charset="0"/>
               </a:rPr>
@@ -3497,18 +3502,29 @@
                 <a:solidFill>
                   <a:schemeClr val="bg1"/>
                 </a:solidFill>
-                <a:latin typeface="Inter" panose="02000503000000020004" pitchFamily="50" charset="0"/>
+                <a:latin typeface="Montserrat Light" panose="00000400000000000000" pitchFamily="2" charset="-52"/>
                 <a:ea typeface="Inter" panose="02000503000000020004" pitchFamily="50" charset="0"/>
                 <a:cs typeface="Inter" panose="02000503000000020004" pitchFamily="50" charset="0"/>
               </a:rPr>
               <a:t>«САНКТ-ПЕТЕРБУРГСКИЙ ГОСУДАРСТВЕННЫЙ УНИВЕРСИТЕТ </a:t>
+            </a:r>
+            <a:r>
+              <a:rPr lang="en-US" sz="1050" dirty="0">
+                <a:solidFill>
+                  <a:schemeClr val="bg1"/>
+                </a:solidFill>
+                <a:latin typeface="Montserrat Light" panose="00000400000000000000" pitchFamily="2" charset="-52"/>
+                <a:ea typeface="Inter" panose="02000503000000020004" pitchFamily="50" charset="0"/>
+                <a:cs typeface="Inter" panose="02000503000000020004" pitchFamily="50" charset="0"/>
+              </a:rPr>
+              <a:t/>
             </a:r>
             <a:br>
               <a:rPr lang="en-US" sz="1050" dirty="0">
                 <a:solidFill>
                   <a:schemeClr val="bg1"/>
                 </a:solidFill>
-                <a:latin typeface="Inter" panose="02000503000000020004" pitchFamily="50" charset="0"/>
+                <a:latin typeface="Montserrat Light" panose="00000400000000000000" pitchFamily="2" charset="-52"/>
                 <a:ea typeface="Inter" panose="02000503000000020004" pitchFamily="50" charset="0"/>
                 <a:cs typeface="Inter" panose="02000503000000020004" pitchFamily="50" charset="0"/>
               </a:rPr>
@@ -3518,7 +3534,7 @@
                 <a:solidFill>
                   <a:schemeClr val="bg1"/>
                 </a:solidFill>
-                <a:latin typeface="Inter" panose="02000503000000020004" pitchFamily="50" charset="0"/>
+                <a:latin typeface="Montserrat Light" panose="00000400000000000000" pitchFamily="2" charset="-52"/>
                 <a:ea typeface="Inter" panose="02000503000000020004" pitchFamily="50" charset="0"/>
                 <a:cs typeface="Inter" panose="02000503000000020004" pitchFamily="50" charset="0"/>
               </a:rPr>
@@ -3529,17 +3545,28 @@
                 <a:solidFill>
                   <a:schemeClr val="bg1"/>
                 </a:solidFill>
-                <a:latin typeface="Inter" panose="02000503000000020004" pitchFamily="50" charset="0"/>
+                <a:latin typeface="Montserrat Light" panose="00000400000000000000" pitchFamily="2" charset="-52"/>
                 <a:ea typeface="Inter" panose="02000503000000020004" pitchFamily="50" charset="0"/>
                 <a:cs typeface="Inter" panose="02000503000000020004" pitchFamily="50" charset="0"/>
               </a:rPr>
             </a:br>
+            <a:r>
+              <a:rPr lang="ru-RU" sz="1050" dirty="0">
+                <a:solidFill>
+                  <a:schemeClr val="bg1"/>
+                </a:solidFill>
+                <a:latin typeface="Montserrat Light" panose="00000400000000000000" pitchFamily="2" charset="-52"/>
+                <a:ea typeface="Inter" panose="02000503000000020004" pitchFamily="50" charset="0"/>
+                <a:cs typeface="Inter" panose="02000503000000020004" pitchFamily="50" charset="0"/>
+              </a:rPr>
+              <a:t/>
+            </a:r>
             <a:br>
               <a:rPr lang="ru-RU" sz="1050" dirty="0">
                 <a:solidFill>
                   <a:schemeClr val="bg1"/>
                 </a:solidFill>
-                <a:latin typeface="Inter" panose="02000503000000020004" pitchFamily="50" charset="0"/>
+                <a:latin typeface="Montserrat Light" panose="00000400000000000000" pitchFamily="2" charset="-52"/>
                 <a:ea typeface="Inter" panose="02000503000000020004" pitchFamily="50" charset="0"/>
                 <a:cs typeface="Inter" panose="02000503000000020004" pitchFamily="50" charset="0"/>
               </a:rPr>
@@ -3549,7 +3576,7 @@
                 <a:solidFill>
                   <a:schemeClr val="bg1"/>
                 </a:solidFill>
-                <a:latin typeface="Inter" panose="02000503000000020004" pitchFamily="50" charset="0"/>
+                <a:latin typeface="Montserrat Light" panose="00000400000000000000" pitchFamily="2" charset="-52"/>
                 <a:ea typeface="Inter" panose="02000503000000020004" pitchFamily="50" charset="0"/>
                 <a:cs typeface="Inter" panose="02000503000000020004" pitchFamily="50" charset="0"/>
               </a:rPr>
@@ -3560,7 +3587,7 @@
                 <a:solidFill>
                   <a:schemeClr val="bg1"/>
                 </a:solidFill>
-                <a:latin typeface="Inter" panose="02000503000000020004" pitchFamily="50" charset="0"/>
+                <a:latin typeface="Montserrat Light" panose="00000400000000000000" pitchFamily="2" charset="-52"/>
                 <a:ea typeface="Inter" panose="02000503000000020004" pitchFamily="50" charset="0"/>
                 <a:cs typeface="Inter" panose="02000503000000020004" pitchFamily="50" charset="0"/>
               </a:rPr>
@@ -3570,7 +3597,7 @@
                 <a:solidFill>
                   <a:schemeClr val="bg1"/>
                 </a:solidFill>
-                <a:latin typeface="Inter" panose="02000503000000020004" pitchFamily="50" charset="0"/>
+                <a:latin typeface="Montserrat Light" panose="00000400000000000000" pitchFamily="2" charset="-52"/>
                 <a:ea typeface="Inter" panose="02000503000000020004" pitchFamily="50" charset="0"/>
                 <a:cs typeface="Inter" panose="02000503000000020004" pitchFamily="50" charset="0"/>
               </a:rPr>
@@ -3581,7 +3608,7 @@
                 <a:solidFill>
                   <a:schemeClr val="bg1"/>
                 </a:solidFill>
-                <a:latin typeface="Inter" panose="02000503000000020004" pitchFamily="50" charset="0"/>
+                <a:latin typeface="Montserrat Light" panose="00000400000000000000" pitchFamily="2" charset="-52"/>
                 <a:ea typeface="Inter" panose="02000503000000020004" pitchFamily="50" charset="0"/>
                 <a:cs typeface="Inter" panose="02000503000000020004" pitchFamily="50" charset="0"/>
               </a:rPr>
@@ -3591,7 +3618,7 @@
                 <a:solidFill>
                   <a:schemeClr val="bg1"/>
                 </a:solidFill>
-                <a:latin typeface="Inter" panose="02000503000000020004" pitchFamily="50" charset="0"/>
+                <a:latin typeface="Montserrat Light" panose="00000400000000000000" pitchFamily="2" charset="-52"/>
                 <a:ea typeface="Inter" panose="02000503000000020004" pitchFamily="50" charset="0"/>
                 <a:cs typeface="Inter" panose="02000503000000020004" pitchFamily="50" charset="0"/>
               </a:rPr>
@@ -3614,7 +3641,7 @@
         </p:nvSpPr>
         <p:spPr>
           <a:xfrm>
-            <a:off x="930268" y="5000942"/>
+            <a:off x="886725" y="5000942"/>
             <a:ext cx="12430125" cy="707886"/>
           </a:xfrm>
           <a:prstGeom prst="rect">
@@ -3633,7 +3660,7 @@
                 <a:solidFill>
                   <a:schemeClr val="bg1"/>
                 </a:solidFill>
-                <a:latin typeface="Inter" panose="02000503000000020004" pitchFamily="50" charset="0"/>
+                <a:latin typeface="Montserrat Light" panose="00000400000000000000" pitchFamily="2" charset="-52"/>
                 <a:ea typeface="Inter" panose="02000503000000020004" pitchFamily="50" charset="0"/>
                 <a:cs typeface="Inter" panose="02000503000000020004" pitchFamily="50" charset="0"/>
               </a:rPr>
@@ -3644,7 +3671,7 @@
                 <a:solidFill>
                   <a:schemeClr val="bg1"/>
                 </a:solidFill>
-                <a:latin typeface="Inter" panose="02000503000000020004" pitchFamily="50" charset="0"/>
+                <a:latin typeface="Montserrat Light" panose="00000400000000000000" pitchFamily="2" charset="-52"/>
                 <a:ea typeface="Inter" panose="02000503000000020004" pitchFamily="50" charset="0"/>
                 <a:cs typeface="Inter" panose="02000503000000020004" pitchFamily="50" charset="0"/>
               </a:rPr>
@@ -3654,11 +3681,33 @@
                 <a:solidFill>
                   <a:schemeClr val="bg1"/>
                 </a:solidFill>
-                <a:latin typeface="Inter" panose="02000503000000020004" pitchFamily="50" charset="0"/>
+                <a:latin typeface="Montserrat Light" panose="00000400000000000000" pitchFamily="2" charset="-52"/>
                 <a:ea typeface="Inter" panose="02000503000000020004" pitchFamily="50" charset="0"/>
                 <a:cs typeface="Inter" panose="02000503000000020004" pitchFamily="50" charset="0"/>
               </a:rPr>
-              <a:t>Руководитель: Маломан Юлия Сергеевна</a:t>
+              <a:t>Руководитель: </a:t>
+            </a:r>
+            <a:r>
+              <a:rPr lang="ru-RU" sz="2000" dirty="0">
+                <a:solidFill>
+                  <a:schemeClr val="bg1"/>
+                </a:solidFill>
+                <a:latin typeface="Montserrat Light" panose="00000400000000000000" pitchFamily="2" charset="-52"/>
+                <a:ea typeface="Inter" panose="02000503000000020004" pitchFamily="50" charset="0"/>
+                <a:cs typeface="Inter" panose="02000503000000020004" pitchFamily="50" charset="0"/>
+              </a:rPr>
+              <a:t>Маломан</a:t>
+            </a:r>
+            <a:r>
+              <a:rPr lang="ru-RU" sz="2000" spc="-150" dirty="0">
+                <a:solidFill>
+                  <a:schemeClr val="bg1"/>
+                </a:solidFill>
+                <a:latin typeface="Montserrat Light" panose="00000400000000000000" pitchFamily="2" charset="-52"/>
+                <a:ea typeface="Inter" panose="02000503000000020004" pitchFamily="50" charset="0"/>
+                <a:cs typeface="Inter" panose="02000503000000020004" pitchFamily="50" charset="0"/>
+              </a:rPr>
+              <a:t> Юлия Сергеевна</a:t>
             </a:r>
           </a:p>
         </p:txBody>
@@ -3696,7 +3745,7 @@
                 <a:solidFill>
                   <a:schemeClr val="bg1"/>
                 </a:solidFill>
-                <a:latin typeface="Inter" panose="02000503000000020004" pitchFamily="50" charset="0"/>
+                <a:latin typeface="Montserrat Light" panose="00000400000000000000" pitchFamily="2" charset="-52"/>
                 <a:ea typeface="Inter" panose="02000503000000020004" pitchFamily="50" charset="0"/>
                 <a:cs typeface="Inter" panose="02000503000000020004" pitchFamily="50" charset="0"/>
               </a:rPr>
@@ -3715,6 +3764,13 @@
   <p:clrMapOvr>
     <a:masterClrMapping/>
   </p:clrMapOvr>
+  <p:timing>
+    <p:tnLst>
+      <p:par>
+        <p:cTn id="1" dur="indefinite" restart="never" nodeType="tmRoot"/>
+      </p:par>
+    </p:tnLst>
+  </p:timing>
 </p:sld>
 </file>
 
@@ -3735,52 +3791,9 @@
           <a:chExt cx="0" cy="0"/>
         </a:xfrm>
       </p:grpSpPr>
-      <p:sp>
-        <p:nvSpPr>
-          <p:cNvPr id="2" name="TextBox 1">
-            <a:extLst>
-              <a:ext uri="{FF2B5EF4-FFF2-40B4-BE49-F238E27FC236}">
-                <a16:creationId xmlns:a16="http://schemas.microsoft.com/office/drawing/2014/main" id="{A9EBA61E-5223-430A-9945-802F348D4B6B}"/>
-              </a:ext>
-            </a:extLst>
-          </p:cNvPr>
-          <p:cNvSpPr txBox="1"/>
-          <p:nvPr/>
-        </p:nvSpPr>
-        <p:spPr>
-          <a:xfrm>
-            <a:off x="3302000" y="228600"/>
-            <a:ext cx="9347200" cy="769441"/>
-          </a:xfrm>
-          <a:prstGeom prst="rect">
-            <a:avLst/>
-          </a:prstGeom>
-          <a:noFill/>
-        </p:spPr>
-        <p:txBody>
-          <a:bodyPr wrap="square" rtlCol="0">
-            <a:spAutoFit/>
-          </a:bodyPr>
-          <a:lstStyle/>
-          <a:p>
-            <a:r>
-              <a:rPr lang="ru-RU" sz="4400" dirty="0">
-                <a:latin typeface="Druk Wide Cyr" pitchFamily="2" charset="-52"/>
-              </a:rPr>
-              <a:t>Актуальность</a:t>
-            </a:r>
-          </a:p>
-        </p:txBody>
-      </p:sp>
       <p:pic>
         <p:nvPicPr>
-          <p:cNvPr id="4" name="Рисунок 3">
-            <a:extLst>
-              <a:ext uri="{FF2B5EF4-FFF2-40B4-BE49-F238E27FC236}">
-                <a16:creationId xmlns:a16="http://schemas.microsoft.com/office/drawing/2014/main" id="{87A33E39-DDDF-490F-9882-AF68309EC7DA}"/>
-              </a:ext>
-            </a:extLst>
-          </p:cNvPr>
+          <p:cNvPr id="30" name="Рисунок 29"/>
           <p:cNvPicPr>
             <a:picLocks noChangeAspect="1"/>
           </p:cNvPicPr>
@@ -3800,30 +3813,624 @@
         </p:blipFill>
         <p:spPr>
           <a:xfrm>
-            <a:off x="1043410" y="1512841"/>
-            <a:ext cx="1295391" cy="1295391"/>
+            <a:off x="0" y="0"/>
+            <a:ext cx="12192000" cy="6858000"/>
           </a:xfrm>
           <a:prstGeom prst="rect">
             <a:avLst/>
           </a:prstGeom>
         </p:spPr>
       </p:pic>
+      <p:sp>
+        <p:nvSpPr>
+          <p:cNvPr id="25" name="Скругленный прямоугольник 24"/>
+          <p:cNvSpPr/>
+          <p:nvPr/>
+        </p:nvSpPr>
+        <p:spPr>
+          <a:xfrm>
+            <a:off x="6821901" y="4104780"/>
+            <a:ext cx="2547524" cy="2419350"/>
+          </a:xfrm>
+          <a:prstGeom prst="roundRect">
+            <a:avLst/>
+          </a:prstGeom>
+          <a:solidFill>
+            <a:srgbClr val="202020"/>
+          </a:solidFill>
+          <a:ln w="28575">
+            <a:solidFill>
+              <a:srgbClr val="5DD62C"/>
+            </a:solidFill>
+          </a:ln>
+        </p:spPr>
+        <p:style>
+          <a:lnRef idx="2">
+            <a:schemeClr val="accent1">
+              <a:shade val="50000"/>
+            </a:schemeClr>
+          </a:lnRef>
+          <a:fillRef idx="1">
+            <a:schemeClr val="accent1"/>
+          </a:fillRef>
+          <a:effectRef idx="0">
+            <a:schemeClr val="accent1"/>
+          </a:effectRef>
+          <a:fontRef idx="minor">
+            <a:schemeClr val="lt1"/>
+          </a:fontRef>
+        </p:style>
+        <p:txBody>
+          <a:bodyPr rtlCol="0" anchor="ctr"/>
+          <a:lstStyle/>
+          <a:p>
+            <a:pPr algn="ctr"/>
+            <a:endParaRPr lang="ru-RU"/>
+          </a:p>
+        </p:txBody>
+      </p:sp>
+      <p:sp>
+        <p:nvSpPr>
+          <p:cNvPr id="23" name="Скругленный прямоугольник 22"/>
+          <p:cNvSpPr/>
+          <p:nvPr/>
+        </p:nvSpPr>
+        <p:spPr>
+          <a:xfrm>
+            <a:off x="2469879" y="4040055"/>
+            <a:ext cx="2547524" cy="2419350"/>
+          </a:xfrm>
+          <a:prstGeom prst="roundRect">
+            <a:avLst/>
+          </a:prstGeom>
+          <a:solidFill>
+            <a:srgbClr val="202020"/>
+          </a:solidFill>
+          <a:ln w="28575">
+            <a:solidFill>
+              <a:srgbClr val="5DD62C"/>
+            </a:solidFill>
+          </a:ln>
+        </p:spPr>
+        <p:style>
+          <a:lnRef idx="2">
+            <a:schemeClr val="accent1">
+              <a:shade val="50000"/>
+            </a:schemeClr>
+          </a:lnRef>
+          <a:fillRef idx="1">
+            <a:schemeClr val="accent1"/>
+          </a:fillRef>
+          <a:effectRef idx="0">
+            <a:schemeClr val="accent1"/>
+          </a:effectRef>
+          <a:fontRef idx="minor">
+            <a:schemeClr val="lt1"/>
+          </a:fontRef>
+        </p:style>
+        <p:txBody>
+          <a:bodyPr rtlCol="0" anchor="ctr"/>
+          <a:lstStyle/>
+          <a:p>
+            <a:pPr algn="ctr"/>
+            <a:endParaRPr lang="ru-RU"/>
+          </a:p>
+        </p:txBody>
+      </p:sp>
+      <p:sp>
+        <p:nvSpPr>
+          <p:cNvPr id="21" name="Скругленный прямоугольник 20"/>
+          <p:cNvSpPr/>
+          <p:nvPr/>
+        </p:nvSpPr>
+        <p:spPr>
+          <a:xfrm>
+            <a:off x="8891261" y="1420143"/>
+            <a:ext cx="2547524" cy="2419350"/>
+          </a:xfrm>
+          <a:prstGeom prst="roundRect">
+            <a:avLst/>
+          </a:prstGeom>
+          <a:solidFill>
+            <a:srgbClr val="202020"/>
+          </a:solidFill>
+          <a:ln w="28575">
+            <a:solidFill>
+              <a:srgbClr val="5DD62C"/>
+            </a:solidFill>
+          </a:ln>
+        </p:spPr>
+        <p:style>
+          <a:lnRef idx="2">
+            <a:schemeClr val="accent1">
+              <a:shade val="50000"/>
+            </a:schemeClr>
+          </a:lnRef>
+          <a:fillRef idx="1">
+            <a:schemeClr val="accent1"/>
+          </a:fillRef>
+          <a:effectRef idx="0">
+            <a:schemeClr val="accent1"/>
+          </a:effectRef>
+          <a:fontRef idx="minor">
+            <a:schemeClr val="lt1"/>
+          </a:fontRef>
+        </p:style>
+        <p:txBody>
+          <a:bodyPr rtlCol="0" anchor="ctr"/>
+          <a:lstStyle/>
+          <a:p>
+            <a:pPr algn="ctr"/>
+            <a:endParaRPr lang="ru-RU"/>
+          </a:p>
+        </p:txBody>
+      </p:sp>
+      <p:sp>
+        <p:nvSpPr>
+          <p:cNvPr id="20" name="Скругленный прямоугольник 19"/>
+          <p:cNvSpPr/>
+          <p:nvPr/>
+        </p:nvSpPr>
+        <p:spPr>
+          <a:xfrm>
+            <a:off x="4726053" y="1450338"/>
+            <a:ext cx="2547524" cy="2419350"/>
+          </a:xfrm>
+          <a:prstGeom prst="roundRect">
+            <a:avLst/>
+          </a:prstGeom>
+          <a:solidFill>
+            <a:srgbClr val="202020"/>
+          </a:solidFill>
+          <a:ln w="28575">
+            <a:solidFill>
+              <a:srgbClr val="5DD62C"/>
+            </a:solidFill>
+          </a:ln>
+        </p:spPr>
+        <p:style>
+          <a:lnRef idx="2">
+            <a:schemeClr val="accent1">
+              <a:shade val="50000"/>
+            </a:schemeClr>
+          </a:lnRef>
+          <a:fillRef idx="1">
+            <a:schemeClr val="accent1"/>
+          </a:fillRef>
+          <a:effectRef idx="0">
+            <a:schemeClr val="accent1"/>
+          </a:effectRef>
+          <a:fontRef idx="minor">
+            <a:schemeClr val="lt1"/>
+          </a:fontRef>
+        </p:style>
+        <p:txBody>
+          <a:bodyPr rtlCol="0" anchor="ctr"/>
+          <a:lstStyle/>
+          <a:p>
+            <a:pPr algn="ctr"/>
+            <a:endParaRPr lang="ru-RU"/>
+          </a:p>
+        </p:txBody>
+      </p:sp>
+      <p:sp>
+        <p:nvSpPr>
+          <p:cNvPr id="7" name="Скругленный прямоугольник 6"/>
+          <p:cNvSpPr/>
+          <p:nvPr/>
+        </p:nvSpPr>
+        <p:spPr>
+          <a:xfrm>
+            <a:off x="511863" y="1446579"/>
+            <a:ext cx="2547524" cy="2419350"/>
+          </a:xfrm>
+          <a:prstGeom prst="roundRect">
+            <a:avLst/>
+          </a:prstGeom>
+          <a:solidFill>
+            <a:srgbClr val="202020"/>
+          </a:solidFill>
+          <a:ln w="28575">
+            <a:solidFill>
+              <a:srgbClr val="5DD62C"/>
+            </a:solidFill>
+          </a:ln>
+        </p:spPr>
+        <p:style>
+          <a:lnRef idx="2">
+            <a:schemeClr val="accent1">
+              <a:shade val="50000"/>
+            </a:schemeClr>
+          </a:lnRef>
+          <a:fillRef idx="1">
+            <a:schemeClr val="accent1"/>
+          </a:fillRef>
+          <a:effectRef idx="0">
+            <a:schemeClr val="accent1"/>
+          </a:effectRef>
+          <a:fontRef idx="minor">
+            <a:schemeClr val="lt1"/>
+          </a:fontRef>
+        </p:style>
+        <p:txBody>
+          <a:bodyPr rtlCol="0" anchor="ctr"/>
+          <a:lstStyle/>
+          <a:p>
+            <a:pPr algn="ctr"/>
+            <a:endParaRPr lang="ru-RU"/>
+          </a:p>
+        </p:txBody>
+      </p:sp>
+      <p:sp>
+        <p:nvSpPr>
+          <p:cNvPr id="2" name="TextBox 1">
+            <a:extLst>
+              <a:ext uri="{FF2B5EF4-FFF2-40B4-BE49-F238E27FC236}">
+                <a16:creationId xmlns:a16="http://schemas.microsoft.com/office/drawing/2014/main" id="{A9EBA61E-5223-430A-9945-802F348D4B6B}"/>
+              </a:ext>
+            </a:extLst>
+          </p:cNvPr>
+          <p:cNvSpPr txBox="1"/>
+          <p:nvPr/>
+        </p:nvSpPr>
+        <p:spPr>
+          <a:xfrm>
+            <a:off x="3059387" y="176089"/>
+            <a:ext cx="9347200" cy="769441"/>
+          </a:xfrm>
+          <a:prstGeom prst="rect">
+            <a:avLst/>
+          </a:prstGeom>
+          <a:noFill/>
+        </p:spPr>
+        <p:txBody>
+          <a:bodyPr wrap="square" rtlCol="0">
+            <a:spAutoFit/>
+          </a:bodyPr>
+          <a:lstStyle/>
+          <a:p>
+            <a:r>
+              <a:rPr lang="ru-RU" sz="4400" dirty="0">
+                <a:solidFill>
+                  <a:srgbClr val="5DD62C"/>
+                </a:solidFill>
+                <a:latin typeface="Druk Wide Cyr" pitchFamily="2" charset="-52"/>
+              </a:rPr>
+              <a:t>Актуальность</a:t>
+            </a:r>
+          </a:p>
+        </p:txBody>
+      </p:sp>
+      <p:sp>
+        <p:nvSpPr>
+          <p:cNvPr id="3" name="TextBox 2"/>
+          <p:cNvSpPr txBox="1"/>
+          <p:nvPr/>
+        </p:nvSpPr>
+        <p:spPr>
+          <a:xfrm>
+            <a:off x="581028" y="3060028"/>
+            <a:ext cx="2412808" cy="646331"/>
+          </a:xfrm>
+          <a:prstGeom prst="rect">
+            <a:avLst/>
+          </a:prstGeom>
+          <a:noFill/>
+        </p:spPr>
+        <p:txBody>
+          <a:bodyPr wrap="square" rtlCol="0">
+            <a:spAutoFit/>
+          </a:bodyPr>
+          <a:lstStyle/>
+          <a:p>
+            <a:pPr algn="ctr"/>
+            <a:r>
+              <a:rPr lang="ru-RU" dirty="0" smtClean="0">
+                <a:solidFill>
+                  <a:schemeClr val="bg1"/>
+                </a:solidFill>
+                <a:latin typeface="Montserrat Light" panose="00000400000000000000" pitchFamily="2" charset="-52"/>
+                <a:ea typeface="Inter" panose="02000503000000020004" pitchFamily="50" charset="0"/>
+                <a:cs typeface="Inter" panose="02000503000000020004" pitchFamily="50" charset="0"/>
+              </a:rPr>
+              <a:t>Автоматизация</a:t>
+            </a:r>
+            <a:r>
+              <a:rPr lang="en-US" dirty="0" smtClean="0">
+                <a:solidFill>
+                  <a:schemeClr val="bg1"/>
+                </a:solidFill>
+                <a:latin typeface="Montserrat Light" panose="00000400000000000000" pitchFamily="2" charset="-52"/>
+                <a:ea typeface="Inter" panose="02000503000000020004" pitchFamily="50" charset="0"/>
+                <a:cs typeface="Inter" panose="02000503000000020004" pitchFamily="50" charset="0"/>
+              </a:rPr>
+              <a:t/>
+            </a:r>
+            <a:br>
+              <a:rPr lang="en-US" dirty="0" smtClean="0">
+                <a:solidFill>
+                  <a:schemeClr val="bg1"/>
+                </a:solidFill>
+                <a:latin typeface="Montserrat Light" panose="00000400000000000000" pitchFamily="2" charset="-52"/>
+                <a:ea typeface="Inter" panose="02000503000000020004" pitchFamily="50" charset="0"/>
+                <a:cs typeface="Inter" panose="02000503000000020004" pitchFamily="50" charset="0"/>
+              </a:rPr>
+            </a:br>
+            <a:r>
+              <a:rPr lang="ru-RU" dirty="0" smtClean="0">
+                <a:solidFill>
+                  <a:schemeClr val="bg1"/>
+                </a:solidFill>
+                <a:latin typeface="Montserrat Light" panose="00000400000000000000" pitchFamily="2" charset="-52"/>
+                <a:ea typeface="Inter" panose="02000503000000020004" pitchFamily="50" charset="0"/>
+                <a:cs typeface="Inter" panose="02000503000000020004" pitchFamily="50" charset="0"/>
+              </a:rPr>
+              <a:t>учёта заявок</a:t>
+            </a:r>
+            <a:endParaRPr lang="ru-RU" dirty="0">
+              <a:solidFill>
+                <a:schemeClr val="bg1"/>
+              </a:solidFill>
+              <a:latin typeface="Montserrat Light" panose="00000400000000000000" pitchFamily="2" charset="-52"/>
+              <a:ea typeface="Inter" panose="02000503000000020004" pitchFamily="50" charset="0"/>
+              <a:cs typeface="Inter" panose="02000503000000020004" pitchFamily="50" charset="0"/>
+            </a:endParaRPr>
+          </a:p>
+        </p:txBody>
+      </p:sp>
+      <p:sp>
+        <p:nvSpPr>
+          <p:cNvPr id="5" name="TextBox 4"/>
+          <p:cNvSpPr txBox="1"/>
+          <p:nvPr/>
+        </p:nvSpPr>
+        <p:spPr>
+          <a:xfrm>
+            <a:off x="4796503" y="2883561"/>
+            <a:ext cx="2406624" cy="923330"/>
+          </a:xfrm>
+          <a:prstGeom prst="rect">
+            <a:avLst/>
+          </a:prstGeom>
+          <a:noFill/>
+        </p:spPr>
+        <p:txBody>
+          <a:bodyPr wrap="square" rtlCol="0">
+            <a:spAutoFit/>
+          </a:bodyPr>
+          <a:lstStyle/>
+          <a:p>
+            <a:pPr algn="ctr"/>
+            <a:r>
+              <a:rPr lang="ru-RU" dirty="0" smtClean="0">
+                <a:solidFill>
+                  <a:schemeClr val="bg1"/>
+                </a:solidFill>
+                <a:latin typeface="Montserrat Light" panose="00000400000000000000" pitchFamily="2" charset="-52"/>
+                <a:ea typeface="Inter" panose="02000503000000020004" pitchFamily="50" charset="0"/>
+                <a:cs typeface="Inter" panose="02000503000000020004" pitchFamily="50" charset="0"/>
+              </a:rPr>
+              <a:t>Взаимодействие</a:t>
+            </a:r>
+            <a:br>
+              <a:rPr lang="ru-RU" dirty="0" smtClean="0">
+                <a:solidFill>
+                  <a:schemeClr val="bg1"/>
+                </a:solidFill>
+                <a:latin typeface="Montserrat Light" panose="00000400000000000000" pitchFamily="2" charset="-52"/>
+                <a:ea typeface="Inter" panose="02000503000000020004" pitchFamily="50" charset="0"/>
+                <a:cs typeface="Inter" panose="02000503000000020004" pitchFamily="50" charset="0"/>
+              </a:rPr>
+            </a:br>
+            <a:r>
+              <a:rPr lang="ru-RU" dirty="0" smtClean="0">
+                <a:solidFill>
+                  <a:schemeClr val="bg1"/>
+                </a:solidFill>
+                <a:latin typeface="Montserrat Light" panose="00000400000000000000" pitchFamily="2" charset="-52"/>
+                <a:ea typeface="Inter" panose="02000503000000020004" pitchFamily="50" charset="0"/>
+                <a:cs typeface="Inter" panose="02000503000000020004" pitchFamily="50" charset="0"/>
+              </a:rPr>
+              <a:t>клиентов и мастеров</a:t>
+            </a:r>
+            <a:endParaRPr lang="ru-RU" dirty="0">
+              <a:solidFill>
+                <a:schemeClr val="bg1"/>
+              </a:solidFill>
+              <a:latin typeface="Montserrat Light" panose="00000400000000000000" pitchFamily="2" charset="-52"/>
+              <a:ea typeface="Inter" panose="02000503000000020004" pitchFamily="50" charset="0"/>
+              <a:cs typeface="Inter" panose="02000503000000020004" pitchFamily="50" charset="0"/>
+            </a:endParaRPr>
+          </a:p>
+        </p:txBody>
+      </p:sp>
+      <p:sp>
+        <p:nvSpPr>
+          <p:cNvPr id="11" name="TextBox 10"/>
+          <p:cNvSpPr txBox="1"/>
+          <p:nvPr/>
+        </p:nvSpPr>
+        <p:spPr>
+          <a:xfrm>
+            <a:off x="8759143" y="2895105"/>
+            <a:ext cx="2811760" cy="923330"/>
+          </a:xfrm>
+          <a:prstGeom prst="rect">
+            <a:avLst/>
+          </a:prstGeom>
+          <a:noFill/>
+        </p:spPr>
+        <p:txBody>
+          <a:bodyPr wrap="square" rtlCol="0">
+            <a:spAutoFit/>
+          </a:bodyPr>
+          <a:lstStyle/>
+          <a:p>
+            <a:pPr algn="ctr"/>
+            <a:r>
+              <a:rPr lang="ru-RU" dirty="0" smtClean="0">
+                <a:solidFill>
+                  <a:schemeClr val="bg1"/>
+                </a:solidFill>
+                <a:latin typeface="Montserrat Light" panose="00000400000000000000" pitchFamily="2" charset="-52"/>
+                <a:ea typeface="Inter" panose="02000503000000020004" pitchFamily="50" charset="0"/>
+                <a:cs typeface="Inter" panose="02000503000000020004" pitchFamily="50" charset="0"/>
+              </a:rPr>
+              <a:t>Упорядоченное</a:t>
+            </a:r>
+            <a:br>
+              <a:rPr lang="ru-RU" dirty="0" smtClean="0">
+                <a:solidFill>
+                  <a:schemeClr val="bg1"/>
+                </a:solidFill>
+                <a:latin typeface="Montserrat Light" panose="00000400000000000000" pitchFamily="2" charset="-52"/>
+                <a:ea typeface="Inter" panose="02000503000000020004" pitchFamily="50" charset="0"/>
+                <a:cs typeface="Inter" panose="02000503000000020004" pitchFamily="50" charset="0"/>
+              </a:rPr>
+            </a:br>
+            <a:r>
+              <a:rPr lang="ru-RU" dirty="0" smtClean="0">
+                <a:solidFill>
+                  <a:schemeClr val="bg1"/>
+                </a:solidFill>
+                <a:latin typeface="Montserrat Light" panose="00000400000000000000" pitchFamily="2" charset="-52"/>
+                <a:ea typeface="Inter" panose="02000503000000020004" pitchFamily="50" charset="0"/>
+                <a:cs typeface="Inter" panose="02000503000000020004" pitchFamily="50" charset="0"/>
+              </a:rPr>
+              <a:t>хранение</a:t>
+            </a:r>
+            <a:br>
+              <a:rPr lang="ru-RU" dirty="0" smtClean="0">
+                <a:solidFill>
+                  <a:schemeClr val="bg1"/>
+                </a:solidFill>
+                <a:latin typeface="Montserrat Light" panose="00000400000000000000" pitchFamily="2" charset="-52"/>
+                <a:ea typeface="Inter" panose="02000503000000020004" pitchFamily="50" charset="0"/>
+                <a:cs typeface="Inter" panose="02000503000000020004" pitchFamily="50" charset="0"/>
+              </a:rPr>
+            </a:br>
+            <a:r>
+              <a:rPr lang="ru-RU" dirty="0" smtClean="0">
+                <a:solidFill>
+                  <a:schemeClr val="bg1"/>
+                </a:solidFill>
+                <a:latin typeface="Montserrat Light" panose="00000400000000000000" pitchFamily="2" charset="-52"/>
+                <a:ea typeface="Inter" panose="02000503000000020004" pitchFamily="50" charset="0"/>
+                <a:cs typeface="Inter" panose="02000503000000020004" pitchFamily="50" charset="0"/>
+              </a:rPr>
+              <a:t>данных</a:t>
+            </a:r>
+            <a:endParaRPr lang="ru-RU" dirty="0">
+              <a:solidFill>
+                <a:schemeClr val="bg1"/>
+              </a:solidFill>
+              <a:latin typeface="Montserrat Light" panose="00000400000000000000" pitchFamily="2" charset="-52"/>
+              <a:ea typeface="Inter" panose="02000503000000020004" pitchFamily="50" charset="0"/>
+              <a:cs typeface="Inter" panose="02000503000000020004" pitchFamily="50" charset="0"/>
+            </a:endParaRPr>
+          </a:p>
+        </p:txBody>
+      </p:sp>
+      <p:sp>
+        <p:nvSpPr>
+          <p:cNvPr id="12" name="TextBox 11"/>
+          <p:cNvSpPr txBox="1"/>
+          <p:nvPr/>
+        </p:nvSpPr>
+        <p:spPr>
+          <a:xfrm>
+            <a:off x="2388737" y="5675777"/>
+            <a:ext cx="2709807" cy="646331"/>
+          </a:xfrm>
+          <a:prstGeom prst="rect">
+            <a:avLst/>
+          </a:prstGeom>
+          <a:noFill/>
+        </p:spPr>
+        <p:txBody>
+          <a:bodyPr wrap="square" rtlCol="0">
+            <a:spAutoFit/>
+          </a:bodyPr>
+          <a:lstStyle/>
+          <a:p>
+            <a:pPr algn="ctr"/>
+            <a:r>
+              <a:rPr lang="ru-RU" dirty="0" smtClean="0">
+                <a:solidFill>
+                  <a:schemeClr val="bg1"/>
+                </a:solidFill>
+                <a:latin typeface="Montserrat Light" panose="00000400000000000000" pitchFamily="2" charset="-52"/>
+                <a:ea typeface="Inter" panose="02000503000000020004" pitchFamily="50" charset="0"/>
+                <a:cs typeface="Inter" panose="02000503000000020004" pitchFamily="50" charset="0"/>
+              </a:rPr>
+              <a:t>Проблема ручного ввода данных</a:t>
+            </a:r>
+            <a:endParaRPr lang="ru-RU" dirty="0">
+              <a:solidFill>
+                <a:schemeClr val="bg1"/>
+              </a:solidFill>
+              <a:latin typeface="Montserrat Light" panose="00000400000000000000" pitchFamily="2" charset="-52"/>
+              <a:ea typeface="Inter" panose="02000503000000020004" pitchFamily="50" charset="0"/>
+              <a:cs typeface="Inter" panose="02000503000000020004" pitchFamily="50" charset="0"/>
+            </a:endParaRPr>
+          </a:p>
+        </p:txBody>
+      </p:sp>
+      <p:sp>
+        <p:nvSpPr>
+          <p:cNvPr id="6" name="TextBox 5"/>
+          <p:cNvSpPr txBox="1"/>
+          <p:nvPr/>
+        </p:nvSpPr>
+        <p:spPr>
+          <a:xfrm>
+            <a:off x="6527184" y="5684563"/>
+            <a:ext cx="3136957" cy="646331"/>
+          </a:xfrm>
+          <a:prstGeom prst="rect">
+            <a:avLst/>
+          </a:prstGeom>
+          <a:noFill/>
+        </p:spPr>
+        <p:txBody>
+          <a:bodyPr wrap="square" rtlCol="0">
+            <a:spAutoFit/>
+          </a:bodyPr>
+          <a:lstStyle/>
+          <a:p>
+            <a:pPr algn="ctr"/>
+            <a:r>
+              <a:rPr lang="ru-RU" dirty="0" smtClean="0">
+                <a:solidFill>
+                  <a:schemeClr val="bg1"/>
+                </a:solidFill>
+                <a:latin typeface="Montserrat Light" panose="00000400000000000000" pitchFamily="2" charset="-52"/>
+                <a:ea typeface="Inter" panose="02000503000000020004" pitchFamily="50" charset="0"/>
+                <a:cs typeface="Inter" panose="02000503000000020004" pitchFamily="50" charset="0"/>
+              </a:rPr>
+              <a:t>Ускорение скорости обращений</a:t>
+            </a:r>
+            <a:endParaRPr lang="ru-RU" dirty="0">
+              <a:solidFill>
+                <a:schemeClr val="bg1"/>
+              </a:solidFill>
+              <a:latin typeface="Montserrat Light" panose="00000400000000000000" pitchFamily="2" charset="-52"/>
+              <a:ea typeface="Inter" panose="02000503000000020004" pitchFamily="50" charset="0"/>
+              <a:cs typeface="Inter" panose="02000503000000020004" pitchFamily="50" charset="0"/>
+            </a:endParaRPr>
+          </a:p>
+        </p:txBody>
+      </p:sp>
       <p:pic>
         <p:nvPicPr>
-          <p:cNvPr id="10" name="Рисунок 9">
-            <a:extLst>
-              <a:ext uri="{FF2B5EF4-FFF2-40B4-BE49-F238E27FC236}">
-                <a16:creationId xmlns:a16="http://schemas.microsoft.com/office/drawing/2014/main" id="{BCBDC49C-4B97-44D5-9177-74E9C372E056}"/>
-              </a:ext>
-            </a:extLst>
-          </p:cNvPr>
+          <p:cNvPr id="8" name="Рисунок 7"/>
           <p:cNvPicPr>
             <a:picLocks noChangeAspect="1"/>
           </p:cNvPicPr>
           <p:nvPr/>
         </p:nvPicPr>
         <p:blipFill>
-          <a:blip r:embed="rId3">
+          <a:blip r:embed="rId3" cstate="hqprint">
             <a:extLst>
               <a:ext uri="{28A0092B-C50C-407E-A947-70E740481C1C}">
                 <a14:useLocalDpi xmlns:a14="http://schemas.microsoft.com/office/drawing/2010/main" val="0"/>
@@ -3836,30 +4443,32 @@
         </p:blipFill>
         <p:spPr>
           <a:xfrm>
-            <a:off x="2910128" y="4123526"/>
-            <a:ext cx="1686335" cy="1686335"/>
+            <a:off x="1113950" y="1690435"/>
+            <a:ext cx="1204670" cy="1204670"/>
           </a:xfrm>
           <a:prstGeom prst="rect">
             <a:avLst/>
           </a:prstGeom>
+          <a:effectLst>
+            <a:glow rad="63500">
+              <a:schemeClr val="accent6">
+                <a:satMod val="175000"/>
+                <a:alpha val="40000"/>
+              </a:schemeClr>
+            </a:glow>
+          </a:effectLst>
         </p:spPr>
       </p:pic>
       <p:pic>
         <p:nvPicPr>
-          <p:cNvPr id="16" name="Рисунок 15">
-            <a:extLst>
-              <a:ext uri="{FF2B5EF4-FFF2-40B4-BE49-F238E27FC236}">
-                <a16:creationId xmlns:a16="http://schemas.microsoft.com/office/drawing/2014/main" id="{BDAB34DA-E55D-458C-8962-0C1E41CF265F}"/>
-              </a:ext>
-            </a:extLst>
-          </p:cNvPr>
+          <p:cNvPr id="18" name="Рисунок 17"/>
           <p:cNvPicPr>
             <a:picLocks noChangeAspect="1"/>
           </p:cNvPicPr>
           <p:nvPr/>
         </p:nvPicPr>
         <p:blipFill>
-          <a:blip r:embed="rId4">
+          <a:blip r:embed="rId4" cstate="hqprint">
             <a:extLst>
               <a:ext uri="{28A0092B-C50C-407E-A947-70E740481C1C}">
                 <a14:useLocalDpi xmlns:a14="http://schemas.microsoft.com/office/drawing/2010/main" val="0"/>
@@ -3872,30 +4481,32 @@
         </p:blipFill>
         <p:spPr>
           <a:xfrm>
-            <a:off x="7892815" y="4420804"/>
-            <a:ext cx="1389057" cy="1389057"/>
+            <a:off x="5332985" y="1580311"/>
+            <a:ext cx="1340239" cy="1340239"/>
           </a:xfrm>
           <a:prstGeom prst="rect">
             <a:avLst/>
           </a:prstGeom>
+          <a:effectLst>
+            <a:glow rad="63500">
+              <a:schemeClr val="accent6">
+                <a:satMod val="175000"/>
+                <a:alpha val="40000"/>
+              </a:schemeClr>
+            </a:glow>
+          </a:effectLst>
         </p:spPr>
       </p:pic>
       <p:pic>
         <p:nvPicPr>
-          <p:cNvPr id="22" name="Рисунок 21">
-            <a:extLst>
-              <a:ext uri="{FF2B5EF4-FFF2-40B4-BE49-F238E27FC236}">
-                <a16:creationId xmlns:a16="http://schemas.microsoft.com/office/drawing/2014/main" id="{9CB3DABB-260D-4A63-BD0C-DC4076201986}"/>
-              </a:ext>
-            </a:extLst>
-          </p:cNvPr>
+          <p:cNvPr id="19" name="Рисунок 18"/>
           <p:cNvPicPr>
             <a:picLocks noChangeAspect="1"/>
           </p:cNvPicPr>
           <p:nvPr/>
         </p:nvPicPr>
         <p:blipFill>
-          <a:blip r:embed="rId5">
+          <a:blip r:embed="rId5" cstate="hqprint">
             <a:extLst>
               <a:ext uri="{28A0092B-C50C-407E-A947-70E740481C1C}">
                 <a14:useLocalDpi xmlns:a14="http://schemas.microsoft.com/office/drawing/2010/main" val="0"/>
@@ -3908,30 +4519,32 @@
         </p:blipFill>
         <p:spPr>
           <a:xfrm>
-            <a:off x="9704944" y="1770016"/>
-            <a:ext cx="1172583" cy="1172583"/>
+            <a:off x="9587831" y="1656605"/>
+            <a:ext cx="1154384" cy="1154384"/>
           </a:xfrm>
           <a:prstGeom prst="rect">
             <a:avLst/>
           </a:prstGeom>
+          <a:effectLst>
+            <a:glow rad="63500">
+              <a:schemeClr val="accent6">
+                <a:satMod val="175000"/>
+                <a:alpha val="40000"/>
+              </a:schemeClr>
+            </a:glow>
+          </a:effectLst>
         </p:spPr>
       </p:pic>
       <p:pic>
         <p:nvPicPr>
-          <p:cNvPr id="24" name="Рисунок 23">
-            <a:extLst>
-              <a:ext uri="{FF2B5EF4-FFF2-40B4-BE49-F238E27FC236}">
-                <a16:creationId xmlns:a16="http://schemas.microsoft.com/office/drawing/2014/main" id="{D0FB1666-9E93-4F90-9298-4B356065003D}"/>
-              </a:ext>
-            </a:extLst>
-          </p:cNvPr>
+          <p:cNvPr id="26" name="Рисунок 25"/>
           <p:cNvPicPr>
             <a:picLocks noChangeAspect="1"/>
           </p:cNvPicPr>
           <p:nvPr/>
         </p:nvPicPr>
         <p:blipFill>
-          <a:blip r:embed="rId6">
+          <a:blip r:embed="rId6" cstate="hqprint">
             <a:extLst>
               <a:ext uri="{28A0092B-C50C-407E-A947-70E740481C1C}">
                 <a14:useLocalDpi xmlns:a14="http://schemas.microsoft.com/office/drawing/2010/main" val="0"/>
@@ -3944,12 +4557,58 @@
         </p:blipFill>
         <p:spPr>
           <a:xfrm>
-            <a:off x="5303568" y="1442231"/>
-            <a:ext cx="1436609" cy="1436609"/>
+            <a:off x="3230556" y="4219377"/>
+            <a:ext cx="1319103" cy="1319103"/>
           </a:xfrm>
           <a:prstGeom prst="rect">
             <a:avLst/>
           </a:prstGeom>
+          <a:effectLst>
+            <a:glow rad="101600">
+              <a:schemeClr val="accent6">
+                <a:satMod val="175000"/>
+                <a:alpha val="40000"/>
+              </a:schemeClr>
+            </a:glow>
+          </a:effectLst>
+        </p:spPr>
+      </p:pic>
+      <p:pic>
+        <p:nvPicPr>
+          <p:cNvPr id="27" name="Рисунок 26"/>
+          <p:cNvPicPr>
+            <a:picLocks noChangeAspect="1"/>
+          </p:cNvPicPr>
+          <p:nvPr/>
+        </p:nvPicPr>
+        <p:blipFill>
+          <a:blip r:embed="rId7" cstate="hqprint">
+            <a:extLst>
+              <a:ext uri="{28A0092B-C50C-407E-A947-70E740481C1C}">
+                <a14:useLocalDpi xmlns:a14="http://schemas.microsoft.com/office/drawing/2010/main" val="0"/>
+              </a:ext>
+            </a:extLst>
+          </a:blip>
+          <a:stretch>
+            <a:fillRect/>
+          </a:stretch>
+        </p:blipFill>
+        <p:spPr>
+          <a:xfrm>
+            <a:off x="7500045" y="4347246"/>
+            <a:ext cx="1191234" cy="1191234"/>
+          </a:xfrm>
+          <a:prstGeom prst="rect">
+            <a:avLst/>
+          </a:prstGeom>
+          <a:effectLst>
+            <a:glow rad="101600">
+              <a:schemeClr val="accent6">
+                <a:satMod val="175000"/>
+                <a:alpha val="40000"/>
+              </a:schemeClr>
+            </a:glow>
+          </a:effectLst>
         </p:spPr>
       </p:pic>
     </p:spTree>
@@ -3962,6 +4621,13 @@
   <p:clrMapOvr>
     <a:masterClrMapping/>
   </p:clrMapOvr>
+  <p:timing>
+    <p:tnLst>
+      <p:par>
+        <p:cTn id="1" dur="indefinite" restart="never" nodeType="tmRoot"/>
+      </p:par>
+    </p:tnLst>
+  </p:timing>
 </p:sld>
 </file>
 
@@ -3982,50 +4648,9 @@
           <a:chExt cx="0" cy="0"/>
         </a:xfrm>
       </p:grpSpPr>
-      <p:sp>
-        <p:nvSpPr>
-          <p:cNvPr id="2" name="Заголовок 1">
-            <a:extLst>
-              <a:ext uri="{FF2B5EF4-FFF2-40B4-BE49-F238E27FC236}">
-                <a16:creationId xmlns:a16="http://schemas.microsoft.com/office/drawing/2014/main" id="{80EDD106-154F-46F1-AD93-80E1EF0E1799}"/>
-              </a:ext>
-            </a:extLst>
-          </p:cNvPr>
-          <p:cNvSpPr>
-            <a:spLocks noGrp="1"/>
-          </p:cNvSpPr>
-          <p:nvPr>
-            <p:ph type="title"/>
-          </p:nvPr>
-        </p:nvSpPr>
-        <p:spPr>
-          <a:xfrm>
-            <a:off x="2209800" y="0"/>
-            <a:ext cx="10515600" cy="1325563"/>
-          </a:xfrm>
-        </p:spPr>
-        <p:txBody>
-          <a:bodyPr/>
-          <a:lstStyle/>
-          <a:p>
-            <a:r>
-              <a:rPr lang="ru-RU" dirty="0">
-                <a:latin typeface="Druk Wide Cyr" pitchFamily="2" charset="-52"/>
-              </a:rPr>
-              <a:t>Целевая аудитория</a:t>
-            </a:r>
-          </a:p>
-        </p:txBody>
-      </p:sp>
       <p:pic>
         <p:nvPicPr>
-          <p:cNvPr id="6" name="Рисунок 5">
-            <a:extLst>
-              <a:ext uri="{FF2B5EF4-FFF2-40B4-BE49-F238E27FC236}">
-                <a16:creationId xmlns:a16="http://schemas.microsoft.com/office/drawing/2014/main" id="{3AD90791-7D35-4304-A614-85EC92CBA880}"/>
-              </a:ext>
-            </a:extLst>
-          </p:cNvPr>
+          <p:cNvPr id="3" name="Рисунок 2"/>
           <p:cNvPicPr>
             <a:picLocks noChangeAspect="1"/>
           </p:cNvPicPr>
@@ -4044,21 +4669,59 @@
           </a:stretch>
         </p:blipFill>
         <p:spPr>
-          <a:xfrm>
-            <a:off x="1155673" y="1371411"/>
-            <a:ext cx="1568436" cy="1568436"/>
+          <a:xfrm rot="10800000">
+            <a:off x="0" y="0"/>
+            <a:ext cx="12192000" cy="6858000"/>
           </a:xfrm>
           <a:prstGeom prst="rect">
             <a:avLst/>
           </a:prstGeom>
         </p:spPr>
       </p:pic>
+      <p:sp>
+        <p:nvSpPr>
+          <p:cNvPr id="2" name="Заголовок 1">
+            <a:extLst>
+              <a:ext uri="{FF2B5EF4-FFF2-40B4-BE49-F238E27FC236}">
+                <a16:creationId xmlns:a16="http://schemas.microsoft.com/office/drawing/2014/main" id="{80EDD106-154F-46F1-AD93-80E1EF0E1799}"/>
+              </a:ext>
+            </a:extLst>
+          </p:cNvPr>
+          <p:cNvSpPr>
+            <a:spLocks noGrp="1"/>
+          </p:cNvSpPr>
+          <p:nvPr>
+            <p:ph type="title"/>
+          </p:nvPr>
+        </p:nvSpPr>
+        <p:spPr>
+          <a:xfrm>
+            <a:off x="2209800" y="0"/>
+            <a:ext cx="10515600" cy="1325563"/>
+          </a:xfrm>
+        </p:spPr>
+        <p:txBody>
+          <a:bodyPr/>
+          <a:lstStyle/>
+          <a:p>
+            <a:r>
+              <a:rPr lang="ru-RU" dirty="0">
+                <a:solidFill>
+                  <a:srgbClr val="5DD62C"/>
+                </a:solidFill>
+                <a:latin typeface="Druk Wide Cyr" pitchFamily="2" charset="-52"/>
+              </a:rPr>
+              <a:t>Целевая аудитория</a:t>
+            </a:r>
+          </a:p>
+        </p:txBody>
+      </p:sp>
       <p:pic>
         <p:nvPicPr>
-          <p:cNvPr id="8" name="Рисунок 7">
-            <a:extLst>
-              <a:ext uri="{FF2B5EF4-FFF2-40B4-BE49-F238E27FC236}">
-                <a16:creationId xmlns:a16="http://schemas.microsoft.com/office/drawing/2014/main" id="{ADEE0C0F-C142-48A0-B07C-820CC210C743}"/>
+          <p:cNvPr id="6" name="Рисунок 5">
+            <a:extLst>
+              <a:ext uri="{FF2B5EF4-FFF2-40B4-BE49-F238E27FC236}">
+                <a16:creationId xmlns:a16="http://schemas.microsoft.com/office/drawing/2014/main" id="{3AD90791-7D35-4304-A614-85EC92CBA880}"/>
               </a:ext>
             </a:extLst>
           </p:cNvPr>
@@ -4081,8 +4744,8 @@
         </p:blipFill>
         <p:spPr>
           <a:xfrm>
-            <a:off x="2955718" y="3429000"/>
-            <a:ext cx="1867951" cy="1867951"/>
+            <a:off x="1155673" y="1371411"/>
+            <a:ext cx="1568436" cy="1568436"/>
           </a:xfrm>
           <a:prstGeom prst="rect">
             <a:avLst/>
@@ -4091,10 +4754,10 @@
       </p:pic>
       <p:pic>
         <p:nvPicPr>
-          <p:cNvPr id="10" name="Рисунок 9">
-            <a:extLst>
-              <a:ext uri="{FF2B5EF4-FFF2-40B4-BE49-F238E27FC236}">
-                <a16:creationId xmlns:a16="http://schemas.microsoft.com/office/drawing/2014/main" id="{13BA8D32-23F1-4F3B-9EC1-123E88D40ADF}"/>
+          <p:cNvPr id="8" name="Рисунок 7">
+            <a:extLst>
+              <a:ext uri="{FF2B5EF4-FFF2-40B4-BE49-F238E27FC236}">
+                <a16:creationId xmlns:a16="http://schemas.microsoft.com/office/drawing/2014/main" id="{ADEE0C0F-C142-48A0-B07C-820CC210C743}"/>
               </a:ext>
             </a:extLst>
           </p:cNvPr>
@@ -4117,8 +4780,8 @@
         </p:blipFill>
         <p:spPr>
           <a:xfrm>
-            <a:off x="5615733" y="1417259"/>
-            <a:ext cx="2204133" cy="2204133"/>
+            <a:off x="2955718" y="3429000"/>
+            <a:ext cx="1867951" cy="1867951"/>
           </a:xfrm>
           <a:prstGeom prst="rect">
             <a:avLst/>
@@ -4127,10 +4790,10 @@
       </p:pic>
       <p:pic>
         <p:nvPicPr>
-          <p:cNvPr id="12" name="Рисунок 11">
-            <a:extLst>
-              <a:ext uri="{FF2B5EF4-FFF2-40B4-BE49-F238E27FC236}">
-                <a16:creationId xmlns:a16="http://schemas.microsoft.com/office/drawing/2014/main" id="{B3F34FDF-8625-494E-8573-D733019551FC}"/>
+          <p:cNvPr id="10" name="Рисунок 9">
+            <a:extLst>
+              <a:ext uri="{FF2B5EF4-FFF2-40B4-BE49-F238E27FC236}">
+                <a16:creationId xmlns:a16="http://schemas.microsoft.com/office/drawing/2014/main" id="{13BA8D32-23F1-4F3B-9EC1-123E88D40ADF}"/>
               </a:ext>
             </a:extLst>
           </p:cNvPr>
@@ -4141,6 +4804,42 @@
         </p:nvPicPr>
         <p:blipFill>
           <a:blip r:embed="rId5">
+            <a:extLst>
+              <a:ext uri="{28A0092B-C50C-407E-A947-70E740481C1C}">
+                <a14:useLocalDpi xmlns:a14="http://schemas.microsoft.com/office/drawing/2010/main" val="0"/>
+              </a:ext>
+            </a:extLst>
+          </a:blip>
+          <a:stretch>
+            <a:fillRect/>
+          </a:stretch>
+        </p:blipFill>
+        <p:spPr>
+          <a:xfrm>
+            <a:off x="5615733" y="1417259"/>
+            <a:ext cx="2204133" cy="2204133"/>
+          </a:xfrm>
+          <a:prstGeom prst="rect">
+            <a:avLst/>
+          </a:prstGeom>
+        </p:spPr>
+      </p:pic>
+      <p:pic>
+        <p:nvPicPr>
+          <p:cNvPr id="12" name="Рисунок 11">
+            <a:extLst>
+              <a:ext uri="{FF2B5EF4-FFF2-40B4-BE49-F238E27FC236}">
+                <a16:creationId xmlns:a16="http://schemas.microsoft.com/office/drawing/2014/main" id="{B3F34FDF-8625-494E-8573-D733019551FC}"/>
+              </a:ext>
+            </a:extLst>
+          </p:cNvPr>
+          <p:cNvPicPr>
+            <a:picLocks noChangeAspect="1"/>
+          </p:cNvPicPr>
+          <p:nvPr/>
+        </p:nvPicPr>
+        <p:blipFill>
+          <a:blip r:embed="rId6">
             <a:extLst>
               <a:ext uri="{28A0092B-C50C-407E-A947-70E740481C1C}">
                 <a14:useLocalDpi xmlns:a14="http://schemas.microsoft.com/office/drawing/2010/main" val="0"/>
@@ -4171,6 +4870,13 @@
   <p:clrMapOvr>
     <a:masterClrMapping/>
   </p:clrMapOvr>
+  <p:timing>
+    <p:tnLst>
+      <p:par>
+        <p:cTn id="1" dur="indefinite" restart="never" nodeType="tmRoot"/>
+      </p:par>
+    </p:tnLst>
+  </p:timing>
 </p:sld>
 </file>
 
@@ -4191,50 +4897,9 @@
           <a:chExt cx="0" cy="0"/>
         </a:xfrm>
       </p:grpSpPr>
-      <p:sp>
-        <p:nvSpPr>
-          <p:cNvPr id="2" name="Заголовок 1">
-            <a:extLst>
-              <a:ext uri="{FF2B5EF4-FFF2-40B4-BE49-F238E27FC236}">
-                <a16:creationId xmlns:a16="http://schemas.microsoft.com/office/drawing/2014/main" id="{58BE6E7F-9A26-47ED-8E84-70D9538F9448}"/>
-              </a:ext>
-            </a:extLst>
-          </p:cNvPr>
-          <p:cNvSpPr>
-            <a:spLocks noGrp="1"/>
-          </p:cNvSpPr>
-          <p:nvPr>
-            <p:ph type="title"/>
-          </p:nvPr>
-        </p:nvSpPr>
-        <p:spPr>
-          <a:xfrm>
-            <a:off x="4944494" y="0"/>
-            <a:ext cx="2303011" cy="1325563"/>
-          </a:xfrm>
-        </p:spPr>
-        <p:txBody>
-          <a:bodyPr/>
-          <a:lstStyle/>
-          <a:p>
-            <a:r>
-              <a:rPr lang="ru-RU" dirty="0">
-                <a:latin typeface="Druk Wide Cyr" pitchFamily="2" charset="-52"/>
-              </a:rPr>
-              <a:t>Цель</a:t>
-            </a:r>
-          </a:p>
-        </p:txBody>
-      </p:sp>
       <p:pic>
         <p:nvPicPr>
-          <p:cNvPr id="8" name="Рисунок 7">
-            <a:extLst>
-              <a:ext uri="{FF2B5EF4-FFF2-40B4-BE49-F238E27FC236}">
-                <a16:creationId xmlns:a16="http://schemas.microsoft.com/office/drawing/2014/main" id="{4FE72BA2-8B8F-4B27-9170-06422C875071}"/>
-              </a:ext>
-            </a:extLst>
-          </p:cNvPr>
+          <p:cNvPr id="12" name="Рисунок 11"/>
           <p:cNvPicPr>
             <a:picLocks noChangeAspect="1"/>
           </p:cNvPicPr>
@@ -4254,14 +4919,147 @@
         </p:blipFill>
         <p:spPr>
           <a:xfrm>
-            <a:off x="4602897" y="1678722"/>
-            <a:ext cx="3157656" cy="3157656"/>
+            <a:off x="-206053" y="0"/>
+            <a:ext cx="12560300" cy="6858000"/>
           </a:xfrm>
           <a:prstGeom prst="rect">
             <a:avLst/>
           </a:prstGeom>
         </p:spPr>
       </p:pic>
+      <p:sp>
+        <p:nvSpPr>
+          <p:cNvPr id="2" name="Заголовок 1">
+            <a:extLst>
+              <a:ext uri="{FF2B5EF4-FFF2-40B4-BE49-F238E27FC236}">
+                <a16:creationId xmlns:a16="http://schemas.microsoft.com/office/drawing/2014/main" id="{58BE6E7F-9A26-47ED-8E84-70D9538F9448}"/>
+              </a:ext>
+            </a:extLst>
+          </p:cNvPr>
+          <p:cNvSpPr>
+            <a:spLocks noGrp="1"/>
+          </p:cNvSpPr>
+          <p:nvPr>
+            <p:ph type="title"/>
+          </p:nvPr>
+        </p:nvSpPr>
+        <p:spPr>
+          <a:xfrm>
+            <a:off x="4773621" y="-1"/>
+            <a:ext cx="2303011" cy="1325563"/>
+          </a:xfrm>
+        </p:spPr>
+        <p:txBody>
+          <a:bodyPr/>
+          <a:lstStyle/>
+          <a:p>
+            <a:r>
+              <a:rPr lang="ru-RU" dirty="0">
+                <a:solidFill>
+                  <a:srgbClr val="5DD62C"/>
+                </a:solidFill>
+                <a:latin typeface="Druk Wide Cyr" pitchFamily="2" charset="-52"/>
+              </a:rPr>
+              <a:t>Цель</a:t>
+            </a:r>
+          </a:p>
+        </p:txBody>
+      </p:sp>
+      <p:pic>
+        <p:nvPicPr>
+          <p:cNvPr id="15" name="Рисунок 14"/>
+          <p:cNvPicPr>
+            <a:picLocks noChangeAspect="1"/>
+          </p:cNvPicPr>
+          <p:nvPr/>
+        </p:nvPicPr>
+        <p:blipFill>
+          <a:blip r:embed="rId3" cstate="hqprint">
+            <a:extLst>
+              <a:ext uri="{28A0092B-C50C-407E-A947-70E740481C1C}">
+                <a14:useLocalDpi xmlns:a14="http://schemas.microsoft.com/office/drawing/2010/main" val="0"/>
+              </a:ext>
+            </a:extLst>
+          </a:blip>
+          <a:stretch>
+            <a:fillRect/>
+          </a:stretch>
+        </p:blipFill>
+        <p:spPr>
+          <a:xfrm>
+            <a:off x="-129207" y="662781"/>
+            <a:ext cx="5267325" cy="5267325"/>
+          </a:xfrm>
+          <a:prstGeom prst="rect">
+            <a:avLst/>
+          </a:prstGeom>
+        </p:spPr>
+      </p:pic>
+      <p:sp>
+        <p:nvSpPr>
+          <p:cNvPr id="16" name="TextBox 15"/>
+          <p:cNvSpPr txBox="1"/>
+          <p:nvPr/>
+        </p:nvSpPr>
+        <p:spPr>
+          <a:xfrm>
+            <a:off x="5071442" y="2156271"/>
+            <a:ext cx="7216130" cy="2123658"/>
+          </a:xfrm>
+          <a:prstGeom prst="rect">
+            <a:avLst/>
+          </a:prstGeom>
+          <a:noFill/>
+        </p:spPr>
+        <p:txBody>
+          <a:bodyPr wrap="square" rtlCol="0">
+            <a:spAutoFit/>
+          </a:bodyPr>
+          <a:lstStyle/>
+          <a:p>
+            <a:r>
+              <a:rPr lang="ru-RU" sz="6600" dirty="0" smtClean="0">
+                <a:solidFill>
+                  <a:srgbClr val="F8F8F8"/>
+                </a:solidFill>
+                <a:latin typeface="Inter" panose="02000503000000020004" pitchFamily="50" charset="0"/>
+                <a:ea typeface="Inter" panose="02000503000000020004" pitchFamily="50" charset="0"/>
+                <a:cs typeface="Inter" panose="02000503000000020004" pitchFamily="50" charset="0"/>
+              </a:rPr>
+              <a:t>Разработка </a:t>
+            </a:r>
+            <a:br>
+              <a:rPr lang="ru-RU" sz="6600" dirty="0" smtClean="0">
+                <a:solidFill>
+                  <a:srgbClr val="F8F8F8"/>
+                </a:solidFill>
+                <a:latin typeface="Inter" panose="02000503000000020004" pitchFamily="50" charset="0"/>
+                <a:ea typeface="Inter" panose="02000503000000020004" pitchFamily="50" charset="0"/>
+                <a:cs typeface="Inter" panose="02000503000000020004" pitchFamily="50" charset="0"/>
+              </a:rPr>
+            </a:br>
+            <a:r>
+              <a:rPr lang="ru-RU" sz="6600" dirty="0" smtClean="0">
+                <a:solidFill>
+                  <a:srgbClr val="F8F8F8"/>
+                </a:solidFill>
+                <a:latin typeface="Inter" panose="02000503000000020004" pitchFamily="50" charset="0"/>
+                <a:ea typeface="Inter" panose="02000503000000020004" pitchFamily="50" charset="0"/>
+                <a:cs typeface="Inter" panose="02000503000000020004" pitchFamily="50" charset="0"/>
+              </a:rPr>
+              <a:t>веб-приложения</a:t>
+            </a:r>
+            <a:endParaRPr lang="ru-RU" sz="6600" dirty="0">
+              <a:solidFill>
+                <a:srgbClr val="F8F8F8"/>
+              </a:solidFill>
+              <a:latin typeface="Inter" panose="02000503000000020004" pitchFamily="50" charset="0"/>
+              <a:ea typeface="Inter" panose="02000503000000020004" pitchFamily="50" charset="0"/>
+              <a:cs typeface="Inter" panose="02000503000000020004" pitchFamily="50" charset="0"/>
+            </a:endParaRPr>
+          </a:p>
+        </p:txBody>
+      </p:sp>
     </p:spTree>
     <p:extLst>
       <p:ext uri="{BB962C8B-B14F-4D97-AF65-F5344CB8AC3E}">
@@ -4272,6 +5070,13 @@
   <p:clrMapOvr>
     <a:masterClrMapping/>
   </p:clrMapOvr>
+  <p:timing>
+    <p:tnLst>
+      <p:par>
+        <p:cTn id="1" dur="indefinite" restart="never" nodeType="tmRoot"/>
+      </p:par>
+    </p:tnLst>
+  </p:timing>
 </p:sld>
 </file>
 
@@ -4517,6 +5322,13 @@
   <p:clrMapOvr>
     <a:masterClrMapping/>
   </p:clrMapOvr>
+  <p:timing>
+    <p:tnLst>
+      <p:par>
+        <p:cTn id="1" dur="indefinite" restart="never" nodeType="tmRoot"/>
+      </p:par>
+    </p:tnLst>
+  </p:timing>
 </p:sld>
 </file>
 
@@ -4669,13 +5481,13 @@
           <p:nvPr/>
         </p:nvPicPr>
         <p:blipFill>
-          <a:blip r:embed="rId3">
+          <a:blip r:embed="rId3" cstate="hqprint">
             <a:extLst>
               <a:ext uri="{28A0092B-C50C-407E-A947-70E740481C1C}">
                 <a14:useLocalDpi xmlns:a14="http://schemas.microsoft.com/office/drawing/2010/main" val="0"/>
               </a:ext>
               <a:ext uri="{96DAC541-7B7A-43D3-8B79-37D633B846F1}">
-                <asvg:svgBlip xmlns:asvg="http://schemas.microsoft.com/office/drawing/2016/SVG/main" r:embed="rId4"/>
+                <asvg:svgBlip xmlns="" xmlns:asvg="http://schemas.microsoft.com/office/drawing/2016/SVG/main" r:embed="rId4"/>
               </a:ext>
             </a:extLst>
           </a:blip>
@@ -4708,13 +5520,13 @@
           <p:nvPr/>
         </p:nvPicPr>
         <p:blipFill>
-          <a:blip r:embed="rId5">
+          <a:blip r:embed="rId5" cstate="hqprint">
             <a:extLst>
               <a:ext uri="{28A0092B-C50C-407E-A947-70E740481C1C}">
                 <a14:useLocalDpi xmlns:a14="http://schemas.microsoft.com/office/drawing/2010/main" val="0"/>
               </a:ext>
               <a:ext uri="{96DAC541-7B7A-43D3-8B79-37D633B846F1}">
-                <asvg:svgBlip xmlns:asvg="http://schemas.microsoft.com/office/drawing/2016/SVG/main" r:embed="rId6"/>
+                <asvg:svgBlip xmlns="" xmlns:asvg="http://schemas.microsoft.com/office/drawing/2016/SVG/main" r:embed="rId6"/>
               </a:ext>
             </a:extLst>
           </a:blip>

--- a/Документация/Разработка подсистемы СмартФикс.pptx
+++ b/Документация/Разработка подсистемы СмартФикс.pptx
@@ -3357,7 +3357,7 @@
         <p:spPr>
           <a:xfrm>
             <a:off x="0" y="0"/>
-            <a:ext cx="12192000" cy="8001000"/>
+            <a:ext cx="12192000" cy="6858000"/>
           </a:xfrm>
           <a:prstGeom prst="rect">
             <a:avLst/>
@@ -3382,8 +3382,8 @@
         </p:nvSpPr>
         <p:spPr>
           <a:xfrm>
-            <a:off x="393239" y="1099071"/>
-            <a:ext cx="11643648" cy="3018827"/>
+            <a:off x="698586" y="1009422"/>
+            <a:ext cx="10794827" cy="3018827"/>
           </a:xfrm>
         </p:spPr>
         <p:txBody>
@@ -3641,8 +3641,8 @@
         </p:nvSpPr>
         <p:spPr>
           <a:xfrm>
-            <a:off x="886725" y="5000942"/>
-            <a:ext cx="12430125" cy="707886"/>
+            <a:off x="844392" y="4518057"/>
+            <a:ext cx="7604760" cy="830997"/>
           </a:xfrm>
           <a:prstGeom prst="rect">
             <a:avLst/>
@@ -3656,7 +3656,7 @@
           <a:lstStyle/>
           <a:p>
             <a:r>
-              <a:rPr lang="ru-RU" sz="2000" spc="-150" dirty="0">
+              <a:rPr lang="ru-RU" sz="2400" b="1" spc="-150" dirty="0">
                 <a:solidFill>
                   <a:schemeClr val="bg1"/>
                 </a:solidFill>
@@ -3667,7 +3667,7 @@
               <a:t>Студент группы ИСПП-35: Фролова Мия Анатольевна</a:t>
             </a:r>
             <a:br>
-              <a:rPr lang="ru-RU" sz="2000" spc="-150" dirty="0">
+              <a:rPr lang="ru-RU" sz="2400" b="1" spc="-150" dirty="0">
                 <a:solidFill>
                   <a:schemeClr val="bg1"/>
                 </a:solidFill>
@@ -3677,7 +3677,7 @@
               </a:rPr>
             </a:br>
             <a:r>
-              <a:rPr lang="ru-RU" sz="2000" spc="-150" dirty="0">
+              <a:rPr lang="ru-RU" sz="2400" b="1" spc="-150" dirty="0">
                 <a:solidFill>
                   <a:schemeClr val="bg1"/>
                 </a:solidFill>
@@ -3688,7 +3688,7 @@
               <a:t>Руководитель: </a:t>
             </a:r>
             <a:r>
-              <a:rPr lang="ru-RU" sz="2000" dirty="0">
+              <a:rPr lang="ru-RU" sz="2400" b="1" dirty="0">
                 <a:solidFill>
                   <a:schemeClr val="bg1"/>
                 </a:solidFill>
@@ -3699,7 +3699,7 @@
               <a:t>Маломан</a:t>
             </a:r>
             <a:r>
-              <a:rPr lang="ru-RU" sz="2000" spc="-150" dirty="0">
+              <a:rPr lang="ru-RU" sz="2400" b="1" spc="-150" dirty="0">
                 <a:solidFill>
                   <a:schemeClr val="bg1"/>
                 </a:solidFill>
@@ -4744,7 +4744,7 @@
         </p:blipFill>
         <p:spPr>
           <a:xfrm>
-            <a:off x="1155673" y="1371411"/>
+            <a:off x="1243599" y="1593063"/>
             <a:ext cx="1568436" cy="1568436"/>
           </a:xfrm>
           <a:prstGeom prst="rect">
@@ -4918,9 +4918,9 @@
           </a:stretch>
         </p:blipFill>
         <p:spPr>
-          <a:xfrm>
-            <a:off x="-206053" y="0"/>
-            <a:ext cx="12560300" cy="6858000"/>
+          <a:xfrm rot="10800000">
+            <a:off x="-1" y="0"/>
+            <a:ext cx="12603871" cy="6858000"/>
           </a:xfrm>
           <a:prstGeom prst="rect">
             <a:avLst/>
@@ -4987,8 +4987,8 @@
         </p:blipFill>
         <p:spPr>
           <a:xfrm>
-            <a:off x="-129207" y="662781"/>
-            <a:ext cx="5267325" cy="5267325"/>
+            <a:off x="108809" y="766887"/>
+            <a:ext cx="5456944" cy="5456944"/>
           </a:xfrm>
           <a:prstGeom prst="rect">
             <a:avLst/>
@@ -5003,8 +5003,8 @@
         </p:nvSpPr>
         <p:spPr>
           <a:xfrm>
-            <a:off x="5071442" y="2156271"/>
-            <a:ext cx="7216130" cy="2123658"/>
+            <a:off x="5071442" y="1017814"/>
+            <a:ext cx="7282805" cy="1107996"/>
           </a:xfrm>
           <a:prstGeom prst="rect">
             <a:avLst/>
@@ -5017,49 +5017,529 @@
           </a:bodyPr>
           <a:lstStyle/>
           <a:p>
-            <a:r>
-              <a:rPr lang="ru-RU" sz="6600" dirty="0" smtClean="0">
-                <a:solidFill>
-                  <a:srgbClr val="F8F8F8"/>
-                </a:solidFill>
-                <a:latin typeface="Inter" panose="02000503000000020004" pitchFamily="50" charset="0"/>
-                <a:ea typeface="Inter" panose="02000503000000020004" pitchFamily="50" charset="0"/>
-                <a:cs typeface="Inter" panose="02000503000000020004" pitchFamily="50" charset="0"/>
-              </a:rPr>
-              <a:t>Разработка </a:t>
-            </a:r>
-            <a:br>
-              <a:rPr lang="ru-RU" sz="6600" dirty="0" smtClean="0">
-                <a:solidFill>
-                  <a:srgbClr val="F8F8F8"/>
-                </a:solidFill>
-                <a:latin typeface="Inter" panose="02000503000000020004" pitchFamily="50" charset="0"/>
-                <a:ea typeface="Inter" panose="02000503000000020004" pitchFamily="50" charset="0"/>
-                <a:cs typeface="Inter" panose="02000503000000020004" pitchFamily="50" charset="0"/>
-              </a:rPr>
-            </a:br>
-            <a:r>
-              <a:rPr lang="ru-RU" sz="6600" dirty="0" smtClean="0">
-                <a:solidFill>
-                  <a:srgbClr val="F8F8F8"/>
-                </a:solidFill>
-                <a:latin typeface="Inter" panose="02000503000000020004" pitchFamily="50" charset="0"/>
-                <a:ea typeface="Inter" panose="02000503000000020004" pitchFamily="50" charset="0"/>
-                <a:cs typeface="Inter" panose="02000503000000020004" pitchFamily="50" charset="0"/>
-              </a:rPr>
-              <a:t>веб-приложения</a:t>
-            </a:r>
             <a:endParaRPr lang="ru-RU" sz="6600" dirty="0">
               <a:solidFill>
                 <a:srgbClr val="F8F8F8"/>
               </a:solidFill>
-              <a:latin typeface="Inter" panose="02000503000000020004" pitchFamily="50" charset="0"/>
+              <a:latin typeface="Montserrat" panose="00000500000000000000" pitchFamily="2" charset="-52"/>
               <a:ea typeface="Inter" panose="02000503000000020004" pitchFamily="50" charset="0"/>
               <a:cs typeface="Inter" panose="02000503000000020004" pitchFamily="50" charset="0"/>
             </a:endParaRPr>
           </a:p>
         </p:txBody>
       </p:sp>
+      <p:sp>
+        <p:nvSpPr>
+          <p:cNvPr id="7" name="Скругленный прямоугольник 6"/>
+          <p:cNvSpPr/>
+          <p:nvPr/>
+        </p:nvSpPr>
+        <p:spPr>
+          <a:xfrm>
+            <a:off x="5565753" y="1168293"/>
+            <a:ext cx="6925296" cy="724636"/>
+          </a:xfrm>
+          <a:prstGeom prst="roundRect">
+            <a:avLst/>
+          </a:prstGeom>
+          <a:solidFill>
+            <a:srgbClr val="202020"/>
+          </a:solidFill>
+          <a:ln w="28575">
+            <a:solidFill>
+              <a:srgbClr val="5DD62C"/>
+            </a:solidFill>
+          </a:ln>
+        </p:spPr>
+        <p:style>
+          <a:lnRef idx="2">
+            <a:schemeClr val="accent1">
+              <a:shade val="50000"/>
+            </a:schemeClr>
+          </a:lnRef>
+          <a:fillRef idx="1">
+            <a:schemeClr val="accent1"/>
+          </a:fillRef>
+          <a:effectRef idx="0">
+            <a:schemeClr val="accent1"/>
+          </a:effectRef>
+          <a:fontRef idx="minor">
+            <a:schemeClr val="lt1"/>
+          </a:fontRef>
+        </p:style>
+        <p:txBody>
+          <a:bodyPr rtlCol="0" anchor="ctr"/>
+          <a:lstStyle/>
+          <a:p>
+            <a:pPr algn="ctr"/>
+            <a:endParaRPr lang="ru-RU"/>
+          </a:p>
+        </p:txBody>
+      </p:sp>
+      <p:sp>
+        <p:nvSpPr>
+          <p:cNvPr id="5" name="TextBox 4"/>
+          <p:cNvSpPr txBox="1"/>
+          <p:nvPr/>
+        </p:nvSpPr>
+        <p:spPr>
+          <a:xfrm>
+            <a:off x="6099855" y="1238848"/>
+            <a:ext cx="6682049" cy="646331"/>
+          </a:xfrm>
+          <a:prstGeom prst="rect">
+            <a:avLst/>
+          </a:prstGeom>
+          <a:noFill/>
+        </p:spPr>
+        <p:txBody>
+          <a:bodyPr wrap="square" rtlCol="0">
+            <a:spAutoFit/>
+          </a:bodyPr>
+          <a:lstStyle/>
+          <a:p>
+            <a:r>
+              <a:rPr lang="ru-RU" dirty="0" smtClean="0">
+                <a:solidFill>
+                  <a:schemeClr val="bg1"/>
+                </a:solidFill>
+                <a:latin typeface="Druk Wide Cyr" pitchFamily="2" charset="-52"/>
+              </a:rPr>
+              <a:t>Разработка веб</a:t>
+            </a:r>
+            <a:r>
+              <a:rPr lang="en-US" dirty="0" smtClean="0">
+                <a:solidFill>
+                  <a:schemeClr val="bg1"/>
+                </a:solidFill>
+                <a:latin typeface="Druk Wide Cyr" pitchFamily="2" charset="-52"/>
+              </a:rPr>
+              <a:t>-</a:t>
+            </a:r>
+            <a:r>
+              <a:rPr lang="ru-RU" dirty="0" smtClean="0">
+                <a:solidFill>
+                  <a:schemeClr val="bg1"/>
+                </a:solidFill>
+                <a:latin typeface="Druk Wide Cyr" pitchFamily="2" charset="-52"/>
+              </a:rPr>
+              <a:t>приложения</a:t>
+            </a:r>
+            <a:r>
+              <a:rPr lang="en-US" dirty="0" smtClean="0">
+                <a:solidFill>
+                  <a:schemeClr val="bg1"/>
+                </a:solidFill>
+                <a:latin typeface="Druk Wide Cyr" pitchFamily="2" charset="-52"/>
+              </a:rPr>
+              <a:t> c </a:t>
+            </a:r>
+            <a:br>
+              <a:rPr lang="en-US" dirty="0" smtClean="0">
+                <a:solidFill>
+                  <a:schemeClr val="bg1"/>
+                </a:solidFill>
+                <a:latin typeface="Druk Wide Cyr" pitchFamily="2" charset="-52"/>
+              </a:rPr>
+            </a:br>
+            <a:r>
+              <a:rPr lang="ru-RU" dirty="0" smtClean="0">
+                <a:solidFill>
+                  <a:schemeClr val="bg1"/>
+                </a:solidFill>
+                <a:latin typeface="Druk Wide Cyr" pitchFamily="2" charset="-52"/>
+              </a:rPr>
+              <a:t>возможностями</a:t>
+            </a:r>
+            <a:r>
+              <a:rPr lang="en-US" dirty="0" smtClean="0">
+                <a:solidFill>
+                  <a:schemeClr val="bg1"/>
+                </a:solidFill>
+                <a:latin typeface="Druk Wide Cyr" pitchFamily="2" charset="-52"/>
+              </a:rPr>
+              <a:t>:</a:t>
+            </a:r>
+            <a:endParaRPr lang="ru-RU" dirty="0">
+              <a:solidFill>
+                <a:schemeClr val="bg1"/>
+              </a:solidFill>
+              <a:latin typeface="Druk Wide Cyr" pitchFamily="2" charset="-52"/>
+            </a:endParaRPr>
+          </a:p>
+        </p:txBody>
+      </p:sp>
+      <p:sp>
+        <p:nvSpPr>
+          <p:cNvPr id="9" name="TextBox 8"/>
+          <p:cNvSpPr txBox="1"/>
+          <p:nvPr/>
+        </p:nvSpPr>
+        <p:spPr>
+          <a:xfrm>
+            <a:off x="5880282" y="2097553"/>
+            <a:ext cx="6429121" cy="830997"/>
+          </a:xfrm>
+          <a:prstGeom prst="rect">
+            <a:avLst/>
+          </a:prstGeom>
+          <a:noFill/>
+        </p:spPr>
+        <p:txBody>
+          <a:bodyPr wrap="square" rtlCol="0">
+            <a:spAutoFit/>
+          </a:bodyPr>
+          <a:lstStyle/>
+          <a:p>
+            <a:r>
+              <a:rPr lang="ru-RU" sz="2400" dirty="0" smtClean="0">
+                <a:solidFill>
+                  <a:schemeClr val="bg1"/>
+                </a:solidFill>
+                <a:latin typeface="Montserrat" panose="00000500000000000000" pitchFamily="2" charset="-52"/>
+              </a:rPr>
+              <a:t>Добавлять и редактировать заявки на ремонт</a:t>
+            </a:r>
+            <a:endParaRPr lang="ru-RU" sz="2400" dirty="0">
+              <a:solidFill>
+                <a:schemeClr val="bg1"/>
+              </a:solidFill>
+              <a:latin typeface="Montserrat" panose="00000500000000000000" pitchFamily="2" charset="-52"/>
+            </a:endParaRPr>
+          </a:p>
+        </p:txBody>
+      </p:sp>
+      <p:sp>
+        <p:nvSpPr>
+          <p:cNvPr id="13" name="TextBox 12"/>
+          <p:cNvSpPr txBox="1"/>
+          <p:nvPr/>
+        </p:nvSpPr>
+        <p:spPr>
+          <a:xfrm>
+            <a:off x="5880282" y="3078759"/>
+            <a:ext cx="5534024" cy="461665"/>
+          </a:xfrm>
+          <a:prstGeom prst="rect">
+            <a:avLst/>
+          </a:prstGeom>
+          <a:noFill/>
+        </p:spPr>
+        <p:txBody>
+          <a:bodyPr wrap="square" rtlCol="0">
+            <a:spAutoFit/>
+          </a:bodyPr>
+          <a:lstStyle/>
+          <a:p>
+            <a:r>
+              <a:rPr lang="ru-RU" sz="2400" dirty="0" smtClean="0">
+                <a:solidFill>
+                  <a:schemeClr val="bg1"/>
+                </a:solidFill>
+                <a:latin typeface="Montserrat" panose="00000500000000000000" pitchFamily="2" charset="-52"/>
+              </a:rPr>
+              <a:t>Управлять списком </a:t>
+            </a:r>
+            <a:r>
+              <a:rPr lang="ru-RU" sz="2400" dirty="0">
+                <a:solidFill>
+                  <a:schemeClr val="bg1"/>
+                </a:solidFill>
+                <a:latin typeface="Montserrat" panose="00000500000000000000" pitchFamily="2" charset="-52"/>
+              </a:rPr>
+              <a:t>услуг</a:t>
+            </a:r>
+          </a:p>
+        </p:txBody>
+      </p:sp>
+      <p:sp>
+        <p:nvSpPr>
+          <p:cNvPr id="14" name="TextBox 13"/>
+          <p:cNvSpPr txBox="1"/>
+          <p:nvPr/>
+        </p:nvSpPr>
+        <p:spPr>
+          <a:xfrm>
+            <a:off x="5880282" y="3688429"/>
+            <a:ext cx="6131180" cy="461665"/>
+          </a:xfrm>
+          <a:prstGeom prst="rect">
+            <a:avLst/>
+          </a:prstGeom>
+          <a:noFill/>
+        </p:spPr>
+        <p:txBody>
+          <a:bodyPr wrap="square" rtlCol="0">
+            <a:spAutoFit/>
+          </a:bodyPr>
+          <a:lstStyle/>
+          <a:p>
+            <a:r>
+              <a:rPr lang="ru-RU" sz="2400" dirty="0" smtClean="0">
+                <a:solidFill>
+                  <a:schemeClr val="bg1"/>
+                </a:solidFill>
+                <a:latin typeface="Montserrat" panose="00000500000000000000" pitchFamily="2" charset="-52"/>
+              </a:rPr>
+              <a:t>Фильтровать заявки по категориям</a:t>
+            </a:r>
+            <a:endParaRPr lang="ru-RU" sz="2400" dirty="0">
+              <a:solidFill>
+                <a:schemeClr val="bg1"/>
+              </a:solidFill>
+              <a:latin typeface="Montserrat" panose="00000500000000000000" pitchFamily="2" charset="-52"/>
+            </a:endParaRPr>
+          </a:p>
+        </p:txBody>
+      </p:sp>
+      <p:sp>
+        <p:nvSpPr>
+          <p:cNvPr id="17" name="TextBox 16"/>
+          <p:cNvSpPr txBox="1"/>
+          <p:nvPr/>
+        </p:nvSpPr>
+        <p:spPr>
+          <a:xfrm>
+            <a:off x="5880281" y="4298099"/>
+            <a:ext cx="6723589" cy="830997"/>
+          </a:xfrm>
+          <a:prstGeom prst="rect">
+            <a:avLst/>
+          </a:prstGeom>
+          <a:noFill/>
+        </p:spPr>
+        <p:txBody>
+          <a:bodyPr wrap="square" rtlCol="0">
+            <a:spAutoFit/>
+          </a:bodyPr>
+          <a:lstStyle/>
+          <a:p>
+            <a:r>
+              <a:rPr lang="ru-RU" sz="2400" dirty="0" smtClean="0">
+                <a:solidFill>
+                  <a:schemeClr val="bg1"/>
+                </a:solidFill>
+                <a:latin typeface="Montserrat" panose="00000500000000000000" pitchFamily="2" charset="-52"/>
+              </a:rPr>
+              <a:t>Просматривать детальную информацию о заказах</a:t>
+            </a:r>
+            <a:endParaRPr lang="ru-RU" sz="2400" dirty="0">
+              <a:solidFill>
+                <a:schemeClr val="bg1"/>
+              </a:solidFill>
+              <a:latin typeface="Montserrat" panose="00000500000000000000" pitchFamily="2" charset="-52"/>
+            </a:endParaRPr>
+          </a:p>
+        </p:txBody>
+      </p:sp>
+      <p:sp>
+        <p:nvSpPr>
+          <p:cNvPr id="18" name="TextBox 17"/>
+          <p:cNvSpPr txBox="1"/>
+          <p:nvPr/>
+        </p:nvSpPr>
+        <p:spPr>
+          <a:xfrm>
+            <a:off x="5925126" y="5277101"/>
+            <a:ext cx="5534024" cy="461665"/>
+          </a:xfrm>
+          <a:prstGeom prst="rect">
+            <a:avLst/>
+          </a:prstGeom>
+          <a:noFill/>
+        </p:spPr>
+        <p:txBody>
+          <a:bodyPr wrap="square" rtlCol="0">
+            <a:spAutoFit/>
+          </a:bodyPr>
+          <a:lstStyle/>
+          <a:p>
+            <a:r>
+              <a:rPr lang="ru-RU" sz="2400" dirty="0" smtClean="0">
+                <a:solidFill>
+                  <a:schemeClr val="bg1"/>
+                </a:solidFill>
+                <a:latin typeface="Montserrat" panose="00000500000000000000" pitchFamily="2" charset="-52"/>
+              </a:rPr>
+              <a:t>Формирование </a:t>
+            </a:r>
+            <a:r>
+              <a:rPr lang="en-US" sz="2400" dirty="0" smtClean="0">
+                <a:solidFill>
+                  <a:schemeClr val="bg1"/>
+                </a:solidFill>
+                <a:latin typeface="Montserrat" panose="00000500000000000000" pitchFamily="2" charset="-52"/>
+              </a:rPr>
+              <a:t>PDF-</a:t>
+            </a:r>
+            <a:r>
+              <a:rPr lang="ru-RU" sz="2400" dirty="0" smtClean="0">
+                <a:solidFill>
+                  <a:schemeClr val="bg1"/>
+                </a:solidFill>
+                <a:latin typeface="Montserrat" panose="00000500000000000000" pitchFamily="2" charset="-52"/>
+              </a:rPr>
+              <a:t>отчётов</a:t>
+            </a:r>
+            <a:endParaRPr lang="ru-RU" sz="2400" dirty="0">
+              <a:solidFill>
+                <a:schemeClr val="bg1"/>
+              </a:solidFill>
+              <a:latin typeface="Montserrat" panose="00000500000000000000" pitchFamily="2" charset="-52"/>
+            </a:endParaRPr>
+          </a:p>
+        </p:txBody>
+      </p:sp>
+      <p:pic>
+        <p:nvPicPr>
+          <p:cNvPr id="19" name="Рисунок 18"/>
+          <p:cNvPicPr>
+            <a:picLocks noChangeAspect="1"/>
+          </p:cNvPicPr>
+          <p:nvPr/>
+        </p:nvPicPr>
+        <p:blipFill>
+          <a:blip r:embed="rId4" cstate="hqprint">
+            <a:extLst>
+              <a:ext uri="{28A0092B-C50C-407E-A947-70E740481C1C}">
+                <a14:useLocalDpi xmlns:a14="http://schemas.microsoft.com/office/drawing/2010/main" val="0"/>
+              </a:ext>
+            </a:extLst>
+          </a:blip>
+          <a:stretch>
+            <a:fillRect/>
+          </a:stretch>
+        </p:blipFill>
+        <p:spPr>
+          <a:xfrm>
+            <a:off x="5521071" y="3119020"/>
+            <a:ext cx="376339" cy="376339"/>
+          </a:xfrm>
+          <a:prstGeom prst="rect">
+            <a:avLst/>
+          </a:prstGeom>
+        </p:spPr>
+      </p:pic>
+      <p:pic>
+        <p:nvPicPr>
+          <p:cNvPr id="20" name="Рисунок 19"/>
+          <p:cNvPicPr>
+            <a:picLocks noChangeAspect="1"/>
+          </p:cNvPicPr>
+          <p:nvPr/>
+        </p:nvPicPr>
+        <p:blipFill>
+          <a:blip r:embed="rId4" cstate="hqprint">
+            <a:extLst>
+              <a:ext uri="{28A0092B-C50C-407E-A947-70E740481C1C}">
+                <a14:useLocalDpi xmlns:a14="http://schemas.microsoft.com/office/drawing/2010/main" val="0"/>
+              </a:ext>
+            </a:extLst>
+          </a:blip>
+          <a:stretch>
+            <a:fillRect/>
+          </a:stretch>
+        </p:blipFill>
+        <p:spPr>
+          <a:xfrm>
+            <a:off x="5521071" y="2330434"/>
+            <a:ext cx="376339" cy="376339"/>
+          </a:xfrm>
+          <a:prstGeom prst="rect">
+            <a:avLst/>
+          </a:prstGeom>
+        </p:spPr>
+      </p:pic>
+      <p:pic>
+        <p:nvPicPr>
+          <p:cNvPr id="21" name="Рисунок 20"/>
+          <p:cNvPicPr>
+            <a:picLocks noChangeAspect="1"/>
+          </p:cNvPicPr>
+          <p:nvPr/>
+        </p:nvPicPr>
+        <p:blipFill>
+          <a:blip r:embed="rId4" cstate="hqprint">
+            <a:extLst>
+              <a:ext uri="{28A0092B-C50C-407E-A947-70E740481C1C}">
+                <a14:useLocalDpi xmlns:a14="http://schemas.microsoft.com/office/drawing/2010/main" val="0"/>
+              </a:ext>
+            </a:extLst>
+          </a:blip>
+          <a:stretch>
+            <a:fillRect/>
+          </a:stretch>
+        </p:blipFill>
+        <p:spPr>
+          <a:xfrm>
+            <a:off x="5521071" y="3730894"/>
+            <a:ext cx="376339" cy="376339"/>
+          </a:xfrm>
+          <a:prstGeom prst="rect">
+            <a:avLst/>
+          </a:prstGeom>
+        </p:spPr>
+      </p:pic>
+      <p:pic>
+        <p:nvPicPr>
+          <p:cNvPr id="22" name="Рисунок 21"/>
+          <p:cNvPicPr>
+            <a:picLocks noChangeAspect="1"/>
+          </p:cNvPicPr>
+          <p:nvPr/>
+        </p:nvPicPr>
+        <p:blipFill>
+          <a:blip r:embed="rId4" cstate="hqprint">
+            <a:extLst>
+              <a:ext uri="{28A0092B-C50C-407E-A947-70E740481C1C}">
+                <a14:useLocalDpi xmlns:a14="http://schemas.microsoft.com/office/drawing/2010/main" val="0"/>
+              </a:ext>
+            </a:extLst>
+          </a:blip>
+          <a:stretch>
+            <a:fillRect/>
+          </a:stretch>
+        </p:blipFill>
+        <p:spPr>
+          <a:xfrm>
+            <a:off x="5521071" y="4525427"/>
+            <a:ext cx="376339" cy="376339"/>
+          </a:xfrm>
+          <a:prstGeom prst="rect">
+            <a:avLst/>
+          </a:prstGeom>
+        </p:spPr>
+      </p:pic>
+      <p:pic>
+        <p:nvPicPr>
+          <p:cNvPr id="23" name="Рисунок 22"/>
+          <p:cNvPicPr>
+            <a:picLocks noChangeAspect="1"/>
+          </p:cNvPicPr>
+          <p:nvPr/>
+        </p:nvPicPr>
+        <p:blipFill>
+          <a:blip r:embed="rId4" cstate="hqprint">
+            <a:extLst>
+              <a:ext uri="{28A0092B-C50C-407E-A947-70E740481C1C}">
+                <a14:useLocalDpi xmlns:a14="http://schemas.microsoft.com/office/drawing/2010/main" val="0"/>
+              </a:ext>
+            </a:extLst>
+          </a:blip>
+          <a:stretch>
+            <a:fillRect/>
+          </a:stretch>
+        </p:blipFill>
+        <p:spPr>
+          <a:xfrm>
+            <a:off x="5525681" y="5319960"/>
+            <a:ext cx="376339" cy="376339"/>
+          </a:xfrm>
+          <a:prstGeom prst="rect">
+            <a:avLst/>
+          </a:prstGeom>
+        </p:spPr>
+      </p:pic>
     </p:spTree>
     <p:extLst>
       <p:ext uri="{BB962C8B-B14F-4D97-AF65-F5344CB8AC3E}">
@@ -5349,50 +5829,9 @@
           <a:chExt cx="0" cy="0"/>
         </a:xfrm>
       </p:grpSpPr>
-      <p:sp>
-        <p:nvSpPr>
-          <p:cNvPr id="4" name="Объект 2">
-            <a:extLst>
-              <a:ext uri="{FF2B5EF4-FFF2-40B4-BE49-F238E27FC236}">
-                <a16:creationId xmlns:a16="http://schemas.microsoft.com/office/drawing/2014/main" id="{628AD2B5-911B-44BC-AABE-BEE2E83701C8}"/>
-              </a:ext>
-            </a:extLst>
-          </p:cNvPr>
-          <p:cNvSpPr>
-            <a:spLocks noGrp="1"/>
-          </p:cNvSpPr>
-          <p:nvPr>
-            <p:ph type="title"/>
-          </p:nvPr>
-        </p:nvSpPr>
-        <p:spPr>
-          <a:xfrm>
-            <a:off x="1409700" y="0"/>
-            <a:ext cx="9372600" cy="1325563"/>
-          </a:xfrm>
-        </p:spPr>
-        <p:txBody>
-          <a:bodyPr/>
-          <a:lstStyle/>
-          <a:p>
-            <a:r>
-              <a:rPr lang="ru-RU" dirty="0">
-                <a:latin typeface="Druk Wide Cyr" pitchFamily="2" charset="-52"/>
-              </a:rPr>
-              <a:t>Средства разработки</a:t>
-            </a:r>
-          </a:p>
-        </p:txBody>
-      </p:sp>
       <p:pic>
         <p:nvPicPr>
-          <p:cNvPr id="7" name="Рисунок 6">
-            <a:extLst>
-              <a:ext uri="{FF2B5EF4-FFF2-40B4-BE49-F238E27FC236}">
-                <a16:creationId xmlns:a16="http://schemas.microsoft.com/office/drawing/2014/main" id="{FA8DDACF-5821-4E48-9AE3-EEC83F94EF7D}"/>
-              </a:ext>
-            </a:extLst>
-          </p:cNvPr>
+          <p:cNvPr id="9" name="Рисунок 8"/>
           <p:cNvPicPr>
             <a:picLocks noChangeAspect="1"/>
           </p:cNvPicPr>
@@ -5400,7 +5839,6 @@
         </p:nvPicPr>
         <p:blipFill>
           <a:blip r:embed="rId2">
-            <a:biLevel thresh="25000"/>
             <a:extLst>
               <a:ext uri="{28A0092B-C50C-407E-A947-70E740481C1C}">
                 <a14:useLocalDpi xmlns:a14="http://schemas.microsoft.com/office/drawing/2010/main" val="0"/>
@@ -5413,14 +5851,52 @@
         </p:blipFill>
         <p:spPr>
           <a:xfrm>
-            <a:off x="640634" y="1173160"/>
-            <a:ext cx="2103437" cy="2103437"/>
+            <a:off x="0" y="0"/>
+            <a:ext cx="12192000" cy="6858000"/>
           </a:xfrm>
           <a:prstGeom prst="rect">
             <a:avLst/>
           </a:prstGeom>
         </p:spPr>
       </p:pic>
+      <p:sp>
+        <p:nvSpPr>
+          <p:cNvPr id="4" name="Объект 2">
+            <a:extLst>
+              <a:ext uri="{FF2B5EF4-FFF2-40B4-BE49-F238E27FC236}">
+                <a16:creationId xmlns:a16="http://schemas.microsoft.com/office/drawing/2014/main" id="{628AD2B5-911B-44BC-AABE-BEE2E83701C8}"/>
+              </a:ext>
+            </a:extLst>
+          </p:cNvPr>
+          <p:cNvSpPr>
+            <a:spLocks noGrp="1"/>
+          </p:cNvSpPr>
+          <p:nvPr>
+            <p:ph type="title"/>
+          </p:nvPr>
+        </p:nvSpPr>
+        <p:spPr>
+          <a:xfrm>
+            <a:off x="1562100" y="-19050"/>
+            <a:ext cx="9372600" cy="1325563"/>
+          </a:xfrm>
+        </p:spPr>
+        <p:txBody>
+          <a:bodyPr/>
+          <a:lstStyle/>
+          <a:p>
+            <a:r>
+              <a:rPr lang="ru-RU" dirty="0">
+                <a:solidFill>
+                  <a:srgbClr val="5DD62C"/>
+                </a:solidFill>
+                <a:latin typeface="Druk Wide Cyr" pitchFamily="2" charset="-52"/>
+              </a:rPr>
+              <a:t>Средства разработки</a:t>
+            </a:r>
+          </a:p>
+        </p:txBody>
+      </p:sp>
       <p:sp>
         <p:nvSpPr>
           <p:cNvPr id="8" name="AutoShape 2" descr="Aspnet Vector SVG Icon - SVG Repo">
@@ -5466,28 +5942,115 @@
           </a:p>
         </p:txBody>
       </p:sp>
+      <p:sp>
+        <p:nvSpPr>
+          <p:cNvPr id="10" name="Скругленный прямоугольник 9"/>
+          <p:cNvSpPr/>
+          <p:nvPr/>
+        </p:nvSpPr>
+        <p:spPr>
+          <a:xfrm>
+            <a:off x="459152" y="2053086"/>
+            <a:ext cx="2547524" cy="2794959"/>
+          </a:xfrm>
+          <a:prstGeom prst="roundRect">
+            <a:avLst/>
+          </a:prstGeom>
+          <a:solidFill>
+            <a:srgbClr val="202020"/>
+          </a:solidFill>
+          <a:ln w="28575">
+            <a:solidFill>
+              <a:srgbClr val="5DD62C"/>
+            </a:solidFill>
+          </a:ln>
+        </p:spPr>
+        <p:style>
+          <a:lnRef idx="2">
+            <a:schemeClr val="accent1">
+              <a:shade val="50000"/>
+            </a:schemeClr>
+          </a:lnRef>
+          <a:fillRef idx="1">
+            <a:schemeClr val="accent1"/>
+          </a:fillRef>
+          <a:effectRef idx="0">
+            <a:schemeClr val="accent1"/>
+          </a:effectRef>
+          <a:fontRef idx="minor">
+            <a:schemeClr val="lt1"/>
+          </a:fontRef>
+        </p:style>
+        <p:txBody>
+          <a:bodyPr rtlCol="0" anchor="ctr"/>
+          <a:lstStyle/>
+          <a:p>
+            <a:pPr algn="ctr"/>
+            <a:endParaRPr lang="ru-RU"/>
+          </a:p>
+        </p:txBody>
+      </p:sp>
+      <p:sp>
+        <p:nvSpPr>
+          <p:cNvPr id="15" name="Скругленный прямоугольник 14"/>
+          <p:cNvSpPr/>
+          <p:nvPr/>
+        </p:nvSpPr>
+        <p:spPr>
+          <a:xfrm>
+            <a:off x="9082111" y="1091742"/>
+            <a:ext cx="2547524" cy="5078186"/>
+          </a:xfrm>
+          <a:prstGeom prst="roundRect">
+            <a:avLst/>
+          </a:prstGeom>
+          <a:solidFill>
+            <a:srgbClr val="202020"/>
+          </a:solidFill>
+          <a:ln w="28575">
+            <a:solidFill>
+              <a:srgbClr val="5DD62C"/>
+            </a:solidFill>
+          </a:ln>
+        </p:spPr>
+        <p:style>
+          <a:lnRef idx="2">
+            <a:schemeClr val="accent1">
+              <a:shade val="50000"/>
+            </a:schemeClr>
+          </a:lnRef>
+          <a:fillRef idx="1">
+            <a:schemeClr val="accent1"/>
+          </a:fillRef>
+          <a:effectRef idx="0">
+            <a:schemeClr val="accent1"/>
+          </a:effectRef>
+          <a:fontRef idx="minor">
+            <a:schemeClr val="lt1"/>
+          </a:fontRef>
+        </p:style>
+        <p:txBody>
+          <a:bodyPr rtlCol="0" anchor="ctr"/>
+          <a:lstStyle/>
+          <a:p>
+            <a:pPr algn="ctr"/>
+            <a:endParaRPr lang="ru-RU"/>
+          </a:p>
+        </p:txBody>
+      </p:sp>
       <p:pic>
         <p:nvPicPr>
-          <p:cNvPr id="11" name="Рисунок 10">
-            <a:extLst>
-              <a:ext uri="{FF2B5EF4-FFF2-40B4-BE49-F238E27FC236}">
-                <a16:creationId xmlns:a16="http://schemas.microsoft.com/office/drawing/2014/main" id="{0E45E5C2-0772-418F-A71B-7B48A926BE6B}"/>
-              </a:ext>
-            </a:extLst>
-          </p:cNvPr>
+          <p:cNvPr id="6" name="Рисунок 5"/>
           <p:cNvPicPr>
             <a:picLocks noChangeAspect="1"/>
           </p:cNvPicPr>
           <p:nvPr/>
         </p:nvPicPr>
         <p:blipFill>
-          <a:blip r:embed="rId3" cstate="hqprint">
+          <a:blip r:embed="rId3">
             <a:extLst>
               <a:ext uri="{28A0092B-C50C-407E-A947-70E740481C1C}">
                 <a14:useLocalDpi xmlns:a14="http://schemas.microsoft.com/office/drawing/2010/main" val="0"/>
-              </a:ext>
-              <a:ext uri="{96DAC541-7B7A-43D3-8B79-37D633B846F1}">
-                <asvg:svgBlip xmlns="" xmlns:asvg="http://schemas.microsoft.com/office/drawing/2016/SVG/main" r:embed="rId4"/>
               </a:ext>
             </a:extLst>
           </a:blip>
@@ -5497,8 +6060,8 @@
         </p:blipFill>
         <p:spPr>
           <a:xfrm>
-            <a:off x="5943599" y="2514196"/>
-            <a:ext cx="2776559" cy="2776559"/>
+            <a:off x="6573512" y="1254126"/>
+            <a:ext cx="1742315" cy="1742315"/>
           </a:xfrm>
           <a:prstGeom prst="rect">
             <a:avLst/>
@@ -5507,26 +6070,17 @@
       </p:pic>
       <p:pic>
         <p:nvPicPr>
-          <p:cNvPr id="13" name="Рисунок 12">
-            <a:extLst>
-              <a:ext uri="{FF2B5EF4-FFF2-40B4-BE49-F238E27FC236}">
-                <a16:creationId xmlns:a16="http://schemas.microsoft.com/office/drawing/2014/main" id="{422EBDC7-F662-442D-9AEB-6410580F86BC}"/>
-              </a:ext>
-            </a:extLst>
-          </p:cNvPr>
+          <p:cNvPr id="18" name="Рисунок 17"/>
           <p:cNvPicPr>
             <a:picLocks noChangeAspect="1"/>
           </p:cNvPicPr>
           <p:nvPr/>
         </p:nvPicPr>
         <p:blipFill>
-          <a:blip r:embed="rId5" cstate="hqprint">
+          <a:blip r:embed="rId4">
             <a:extLst>
               <a:ext uri="{28A0092B-C50C-407E-A947-70E740481C1C}">
                 <a14:useLocalDpi xmlns:a14="http://schemas.microsoft.com/office/drawing/2010/main" val="0"/>
-              </a:ext>
-              <a:ext uri="{96DAC541-7B7A-43D3-8B79-37D633B846F1}">
-                <asvg:svgBlip xmlns="" xmlns:asvg="http://schemas.microsoft.com/office/drawing/2016/SVG/main" r:embed="rId6"/>
               </a:ext>
             </a:extLst>
           </a:blip>
@@ -5536,8 +6090,8 @@
         </p:blipFill>
         <p:spPr>
           <a:xfrm>
-            <a:off x="8988419" y="1091742"/>
-            <a:ext cx="2266271" cy="2266271"/>
+            <a:off x="9569375" y="1325563"/>
+            <a:ext cx="1708225" cy="1708225"/>
           </a:xfrm>
           <a:prstGeom prst="rect">
             <a:avLst/>
@@ -5546,20 +6100,14 @@
       </p:pic>
       <p:pic>
         <p:nvPicPr>
-          <p:cNvPr id="17" name="Рисунок 16">
-            <a:extLst>
-              <a:ext uri="{FF2B5EF4-FFF2-40B4-BE49-F238E27FC236}">
-                <a16:creationId xmlns:a16="http://schemas.microsoft.com/office/drawing/2014/main" id="{448618E1-5997-4E1C-B53D-80F2EF1A198E}"/>
-              </a:ext>
-            </a:extLst>
-          </p:cNvPr>
+          <p:cNvPr id="19" name="Рисунок 18"/>
           <p:cNvPicPr>
             <a:picLocks noChangeAspect="1"/>
           </p:cNvPicPr>
           <p:nvPr/>
         </p:nvPicPr>
         <p:blipFill>
-          <a:blip r:embed="rId7">
+          <a:blip r:embed="rId5">
             <a:extLst>
               <a:ext uri="{28A0092B-C50C-407E-A947-70E740481C1C}">
                 <a14:useLocalDpi xmlns:a14="http://schemas.microsoft.com/office/drawing/2010/main" val="0"/>
@@ -5572,8 +6120,308 @@
         </p:blipFill>
         <p:spPr>
           <a:xfrm>
-            <a:off x="2836257" y="2737306"/>
-            <a:ext cx="2330341" cy="2330341"/>
+            <a:off x="718133" y="868010"/>
+            <a:ext cx="2282947" cy="2282947"/>
+          </a:xfrm>
+          <a:prstGeom prst="rect">
+            <a:avLst/>
+          </a:prstGeom>
+        </p:spPr>
+      </p:pic>
+      <p:sp>
+        <p:nvSpPr>
+          <p:cNvPr id="20" name="TextBox 19"/>
+          <p:cNvSpPr txBox="1"/>
+          <p:nvPr/>
+        </p:nvSpPr>
+        <p:spPr>
+          <a:xfrm>
+            <a:off x="539701" y="3367484"/>
+            <a:ext cx="2386426" cy="369332"/>
+          </a:xfrm>
+          <a:prstGeom prst="rect">
+            <a:avLst/>
+          </a:prstGeom>
+          <a:noFill/>
+        </p:spPr>
+        <p:txBody>
+          <a:bodyPr wrap="square" rtlCol="0">
+            <a:spAutoFit/>
+          </a:bodyPr>
+          <a:lstStyle/>
+          <a:p>
+            <a:r>
+              <a:rPr lang="ru-RU" dirty="0" smtClean="0">
+                <a:solidFill>
+                  <a:schemeClr val="bg1"/>
+                </a:solidFill>
+                <a:latin typeface="Montserrat" panose="00000500000000000000" pitchFamily="2" charset="-52"/>
+              </a:rPr>
+              <a:t>Контейнеризация</a:t>
+            </a:r>
+            <a:endParaRPr lang="ru-RU" dirty="0">
+              <a:solidFill>
+                <a:schemeClr val="bg1"/>
+              </a:solidFill>
+              <a:latin typeface="Montserrat" panose="00000500000000000000" pitchFamily="2" charset="-52"/>
+            </a:endParaRPr>
+          </a:p>
+        </p:txBody>
+      </p:sp>
+      <p:sp>
+        <p:nvSpPr>
+          <p:cNvPr id="21" name="TextBox 20"/>
+          <p:cNvSpPr txBox="1"/>
+          <p:nvPr/>
+        </p:nvSpPr>
+        <p:spPr>
+          <a:xfrm>
+            <a:off x="3771162" y="3334991"/>
+            <a:ext cx="2386426" cy="369332"/>
+          </a:xfrm>
+          <a:prstGeom prst="rect">
+            <a:avLst/>
+          </a:prstGeom>
+          <a:noFill/>
+        </p:spPr>
+        <p:txBody>
+          <a:bodyPr wrap="square" rtlCol="0">
+            <a:spAutoFit/>
+          </a:bodyPr>
+          <a:lstStyle/>
+          <a:p>
+            <a:r>
+              <a:rPr lang="ru-RU" dirty="0" smtClean="0">
+                <a:solidFill>
+                  <a:schemeClr val="bg1"/>
+                </a:solidFill>
+                <a:latin typeface="Montserrat" panose="00000500000000000000" pitchFamily="2" charset="-52"/>
+              </a:rPr>
+              <a:t>База данных</a:t>
+            </a:r>
+            <a:endParaRPr lang="ru-RU" dirty="0">
+              <a:solidFill>
+                <a:schemeClr val="bg1"/>
+              </a:solidFill>
+              <a:latin typeface="Montserrat" panose="00000500000000000000" pitchFamily="2" charset="-52"/>
+            </a:endParaRPr>
+          </a:p>
+        </p:txBody>
+      </p:sp>
+      <p:sp>
+        <p:nvSpPr>
+          <p:cNvPr id="22" name="TextBox 21"/>
+          <p:cNvSpPr txBox="1"/>
+          <p:nvPr/>
+        </p:nvSpPr>
+        <p:spPr>
+          <a:xfrm>
+            <a:off x="6419508" y="3196492"/>
+            <a:ext cx="2224011" cy="646331"/>
+          </a:xfrm>
+          <a:prstGeom prst="rect">
+            <a:avLst/>
+          </a:prstGeom>
+          <a:noFill/>
+        </p:spPr>
+        <p:txBody>
+          <a:bodyPr wrap="square" rtlCol="0">
+            <a:spAutoFit/>
+          </a:bodyPr>
+          <a:lstStyle/>
+          <a:p>
+            <a:pPr algn="ctr"/>
+            <a:r>
+              <a:rPr lang="ru-RU" dirty="0" smtClean="0">
+                <a:solidFill>
+                  <a:schemeClr val="bg1"/>
+                </a:solidFill>
+                <a:latin typeface="Montserrat" panose="00000500000000000000" pitchFamily="2" charset="-52"/>
+              </a:rPr>
+              <a:t>Серверное приложение</a:t>
+            </a:r>
+            <a:endParaRPr lang="ru-RU" dirty="0">
+              <a:solidFill>
+                <a:schemeClr val="bg1"/>
+              </a:solidFill>
+              <a:latin typeface="Montserrat" panose="00000500000000000000" pitchFamily="2" charset="-52"/>
+            </a:endParaRPr>
+          </a:p>
+        </p:txBody>
+      </p:sp>
+      <p:sp>
+        <p:nvSpPr>
+          <p:cNvPr id="23" name="TextBox 22"/>
+          <p:cNvSpPr txBox="1"/>
+          <p:nvPr/>
+        </p:nvSpPr>
+        <p:spPr>
+          <a:xfrm>
+            <a:off x="9168860" y="3230876"/>
+            <a:ext cx="2386426" cy="646331"/>
+          </a:xfrm>
+          <a:prstGeom prst="rect">
+            <a:avLst/>
+          </a:prstGeom>
+          <a:noFill/>
+        </p:spPr>
+        <p:txBody>
+          <a:bodyPr wrap="square" rtlCol="0">
+            <a:spAutoFit/>
+          </a:bodyPr>
+          <a:lstStyle/>
+          <a:p>
+            <a:pPr algn="ctr"/>
+            <a:r>
+              <a:rPr lang="ru-RU" dirty="0" smtClean="0">
+                <a:solidFill>
+                  <a:schemeClr val="bg1"/>
+                </a:solidFill>
+                <a:latin typeface="Montserrat" panose="00000500000000000000" pitchFamily="2" charset="-52"/>
+              </a:rPr>
+              <a:t>Графический</a:t>
+            </a:r>
+          </a:p>
+          <a:p>
+            <a:pPr algn="ctr"/>
+            <a:r>
+              <a:rPr lang="ru-RU" dirty="0" smtClean="0">
+                <a:solidFill>
+                  <a:schemeClr val="bg1"/>
+                </a:solidFill>
+                <a:latin typeface="Montserrat" panose="00000500000000000000" pitchFamily="2" charset="-52"/>
+              </a:rPr>
+              <a:t>интерфейс</a:t>
+            </a:r>
+            <a:endParaRPr lang="ru-RU" dirty="0">
+              <a:solidFill>
+                <a:schemeClr val="bg1"/>
+              </a:solidFill>
+              <a:latin typeface="Montserrat" panose="00000500000000000000" pitchFamily="2" charset="-52"/>
+            </a:endParaRPr>
+          </a:p>
+        </p:txBody>
+      </p:sp>
+      <p:sp>
+        <p:nvSpPr>
+          <p:cNvPr id="24" name="Скругленный прямоугольник 23"/>
+          <p:cNvSpPr/>
+          <p:nvPr/>
+        </p:nvSpPr>
+        <p:spPr>
+          <a:xfrm>
+            <a:off x="6172691" y="1988200"/>
+            <a:ext cx="2547524" cy="2794959"/>
+          </a:xfrm>
+          <a:prstGeom prst="roundRect">
+            <a:avLst/>
+          </a:prstGeom>
+          <a:solidFill>
+            <a:srgbClr val="202020"/>
+          </a:solidFill>
+          <a:ln w="28575">
+            <a:solidFill>
+              <a:srgbClr val="5DD62C"/>
+            </a:solidFill>
+          </a:ln>
+        </p:spPr>
+        <p:style>
+          <a:lnRef idx="2">
+            <a:schemeClr val="accent1">
+              <a:shade val="50000"/>
+            </a:schemeClr>
+          </a:lnRef>
+          <a:fillRef idx="1">
+            <a:schemeClr val="accent1"/>
+          </a:fillRef>
+          <a:effectRef idx="0">
+            <a:schemeClr val="accent1"/>
+          </a:effectRef>
+          <a:fontRef idx="minor">
+            <a:schemeClr val="lt1"/>
+          </a:fontRef>
+        </p:style>
+        <p:txBody>
+          <a:bodyPr rtlCol="0" anchor="ctr"/>
+          <a:lstStyle/>
+          <a:p>
+            <a:pPr algn="ctr"/>
+            <a:endParaRPr lang="ru-RU"/>
+          </a:p>
+        </p:txBody>
+      </p:sp>
+      <p:sp>
+        <p:nvSpPr>
+          <p:cNvPr id="17" name="Скругленный прямоугольник 16"/>
+          <p:cNvSpPr/>
+          <p:nvPr/>
+        </p:nvSpPr>
+        <p:spPr>
+          <a:xfrm>
+            <a:off x="3234277" y="2053086"/>
+            <a:ext cx="2547524" cy="2794959"/>
+          </a:xfrm>
+          <a:prstGeom prst="roundRect">
+            <a:avLst/>
+          </a:prstGeom>
+          <a:solidFill>
+            <a:srgbClr val="202020"/>
+          </a:solidFill>
+          <a:ln w="28575">
+            <a:solidFill>
+              <a:srgbClr val="5DD62C"/>
+            </a:solidFill>
+          </a:ln>
+        </p:spPr>
+        <p:style>
+          <a:lnRef idx="2">
+            <a:schemeClr val="accent1">
+              <a:shade val="50000"/>
+            </a:schemeClr>
+          </a:lnRef>
+          <a:fillRef idx="1">
+            <a:schemeClr val="accent1"/>
+          </a:fillRef>
+          <a:effectRef idx="0">
+            <a:schemeClr val="accent1"/>
+          </a:effectRef>
+          <a:fontRef idx="minor">
+            <a:schemeClr val="lt1"/>
+          </a:fontRef>
+        </p:style>
+        <p:txBody>
+          <a:bodyPr rtlCol="0" anchor="ctr"/>
+          <a:lstStyle/>
+          <a:p>
+            <a:pPr algn="ctr"/>
+            <a:endParaRPr lang="ru-RU"/>
+          </a:p>
+        </p:txBody>
+      </p:sp>
+      <p:pic>
+        <p:nvPicPr>
+          <p:cNvPr id="3" name="Рисунок 2"/>
+          <p:cNvPicPr>
+            <a:picLocks noChangeAspect="1"/>
+          </p:cNvPicPr>
+          <p:nvPr/>
+        </p:nvPicPr>
+        <p:blipFill>
+          <a:blip r:embed="rId6">
+            <a:extLst>
+              <a:ext uri="{28A0092B-C50C-407E-A947-70E740481C1C}">
+                <a14:useLocalDpi xmlns:a14="http://schemas.microsoft.com/office/drawing/2010/main" val="0"/>
+              </a:ext>
+            </a:extLst>
+          </a:blip>
+          <a:stretch>
+            <a:fillRect/>
+          </a:stretch>
+        </p:blipFill>
+        <p:spPr>
+          <a:xfrm>
+            <a:off x="3488987" y="1035661"/>
+            <a:ext cx="1947643" cy="1947643"/>
           </a:xfrm>
           <a:prstGeom prst="rect">
             <a:avLst/>
@@ -5590,6 +6438,13 @@
   <p:clrMapOvr>
     <a:masterClrMapping/>
   </p:clrMapOvr>
+  <p:timing>
+    <p:tnLst>
+      <p:par>
+        <p:cTn id="1" dur="indefinite" restart="never" nodeType="tmRoot"/>
+      </p:par>
+    </p:tnLst>
+  </p:timing>
 </p:sld>
 </file>
 

--- a/Документация/Разработка подсистемы СмартФикс.pptx
+++ b/Документация/Разработка подсистемы СмартФикс.pptx
@@ -3641,8 +3641,8 @@
         </p:nvSpPr>
         <p:spPr>
           <a:xfrm>
-            <a:off x="844392" y="4518057"/>
-            <a:ext cx="7604760" cy="830997"/>
+            <a:off x="698586" y="4661971"/>
+            <a:ext cx="8655208" cy="830997"/>
           </a:xfrm>
           <a:prstGeom prst="rect">
             <a:avLst/>
@@ -3656,54 +3656,54 @@
           <a:lstStyle/>
           <a:p>
             <a:r>
-              <a:rPr lang="ru-RU" sz="2400" b="1" spc="-150" dirty="0">
+              <a:rPr lang="ru-RU" sz="2400" spc="-150" dirty="0">
                 <a:solidFill>
                   <a:schemeClr val="bg1"/>
                 </a:solidFill>
-                <a:latin typeface="Montserrat Light" panose="00000400000000000000" pitchFamily="2" charset="-52"/>
+                <a:latin typeface="Montserrat Light" pitchFamily="2" charset="-52"/>
                 <a:ea typeface="Inter" panose="02000503000000020004" pitchFamily="50" charset="0"/>
                 <a:cs typeface="Inter" panose="02000503000000020004" pitchFamily="50" charset="0"/>
               </a:rPr>
               <a:t>Студент группы ИСПП-35: Фролова Мия Анатольевна</a:t>
             </a:r>
             <a:br>
-              <a:rPr lang="ru-RU" sz="2400" b="1" spc="-150" dirty="0">
+              <a:rPr lang="ru-RU" sz="2400" spc="-150" dirty="0">
                 <a:solidFill>
                   <a:schemeClr val="bg1"/>
                 </a:solidFill>
-                <a:latin typeface="Montserrat Light" panose="00000400000000000000" pitchFamily="2" charset="-52"/>
+                <a:latin typeface="Montserrat Light" pitchFamily="2" charset="-52"/>
                 <a:ea typeface="Inter" panose="02000503000000020004" pitchFamily="50" charset="0"/>
                 <a:cs typeface="Inter" panose="02000503000000020004" pitchFamily="50" charset="0"/>
               </a:rPr>
             </a:br>
             <a:r>
-              <a:rPr lang="ru-RU" sz="2400" b="1" spc="-150" dirty="0">
+              <a:rPr lang="ru-RU" sz="2400" spc="-150" dirty="0">
                 <a:solidFill>
                   <a:schemeClr val="bg1"/>
                 </a:solidFill>
-                <a:latin typeface="Montserrat Light" panose="00000400000000000000" pitchFamily="2" charset="-52"/>
+                <a:latin typeface="Montserrat Light" pitchFamily="2" charset="-52"/>
                 <a:ea typeface="Inter" panose="02000503000000020004" pitchFamily="50" charset="0"/>
                 <a:cs typeface="Inter" panose="02000503000000020004" pitchFamily="50" charset="0"/>
               </a:rPr>
               <a:t>Руководитель: </a:t>
             </a:r>
             <a:r>
-              <a:rPr lang="ru-RU" sz="2400" b="1" dirty="0">
+              <a:rPr lang="ru-RU" sz="2400" dirty="0">
                 <a:solidFill>
                   <a:schemeClr val="bg1"/>
                 </a:solidFill>
-                <a:latin typeface="Montserrat Light" panose="00000400000000000000" pitchFamily="2" charset="-52"/>
+                <a:latin typeface="Montserrat Light" pitchFamily="2" charset="-52"/>
                 <a:ea typeface="Inter" panose="02000503000000020004" pitchFamily="50" charset="0"/>
                 <a:cs typeface="Inter" panose="02000503000000020004" pitchFamily="50" charset="0"/>
               </a:rPr>
               <a:t>Маломан</a:t>
             </a:r>
             <a:r>
-              <a:rPr lang="ru-RU" sz="2400" b="1" spc="-150" dirty="0">
+              <a:rPr lang="ru-RU" sz="2400" spc="-150" dirty="0">
                 <a:solidFill>
                   <a:schemeClr val="bg1"/>
                 </a:solidFill>
-                <a:latin typeface="Montserrat Light" panose="00000400000000000000" pitchFamily="2" charset="-52"/>
+                <a:latin typeface="Montserrat Light" pitchFamily="2" charset="-52"/>
                 <a:ea typeface="Inter" panose="02000503000000020004" pitchFamily="50" charset="0"/>
                 <a:cs typeface="Inter" panose="02000503000000020004" pitchFamily="50" charset="0"/>
               </a:rPr>
@@ -4716,21 +4716,63 @@
           </a:p>
         </p:txBody>
       </p:sp>
+      <p:sp>
+        <p:nvSpPr>
+          <p:cNvPr id="23" name="Скругленный прямоугольник 22"/>
+          <p:cNvSpPr/>
+          <p:nvPr/>
+        </p:nvSpPr>
+        <p:spPr>
+          <a:xfrm>
+            <a:off x="523003" y="3731186"/>
+            <a:ext cx="3249756" cy="1360270"/>
+          </a:xfrm>
+          <a:prstGeom prst="roundRect">
+            <a:avLst/>
+          </a:prstGeom>
+          <a:solidFill>
+            <a:srgbClr val="202020"/>
+          </a:solidFill>
+          <a:ln w="28575">
+            <a:solidFill>
+              <a:srgbClr val="5DD62C"/>
+            </a:solidFill>
+          </a:ln>
+        </p:spPr>
+        <p:style>
+          <a:lnRef idx="2">
+            <a:schemeClr val="accent1">
+              <a:shade val="50000"/>
+            </a:schemeClr>
+          </a:lnRef>
+          <a:fillRef idx="1">
+            <a:schemeClr val="accent1"/>
+          </a:fillRef>
+          <a:effectRef idx="0">
+            <a:schemeClr val="accent1"/>
+          </a:effectRef>
+          <a:fontRef idx="minor">
+            <a:schemeClr val="lt1"/>
+          </a:fontRef>
+        </p:style>
+        <p:txBody>
+          <a:bodyPr rtlCol="0" anchor="ctr"/>
+          <a:lstStyle/>
+          <a:p>
+            <a:pPr algn="ctr"/>
+            <a:endParaRPr lang="ru-RU"/>
+          </a:p>
+        </p:txBody>
+      </p:sp>
       <p:pic>
         <p:nvPicPr>
-          <p:cNvPr id="6" name="Рисунок 5">
-            <a:extLst>
-              <a:ext uri="{FF2B5EF4-FFF2-40B4-BE49-F238E27FC236}">
-                <a16:creationId xmlns:a16="http://schemas.microsoft.com/office/drawing/2014/main" id="{3AD90791-7D35-4304-A614-85EC92CBA880}"/>
-              </a:ext>
-            </a:extLst>
-          </p:cNvPr>
+          <p:cNvPr id="14" name="Рисунок 13"/>
           <p:cNvPicPr>
             <a:picLocks noChangeAspect="1"/>
           </p:cNvPicPr>
           <p:nvPr/>
         </p:nvPicPr>
-        <p:blipFill>
+        <p:blipFill rotWithShape="1">
           <a:blip r:embed="rId3">
             <a:extLst>
               <a:ext uri="{28A0092B-C50C-407E-A947-70E740481C1C}">
@@ -4738,29 +4780,70 @@
               </a:ext>
             </a:extLst>
           </a:blip>
-          <a:stretch>
-            <a:fillRect/>
-          </a:stretch>
+          <a:srcRect l="16399" t="2329" r="17982" b="43446"/>
+          <a:stretch/>
         </p:blipFill>
         <p:spPr>
           <a:xfrm>
-            <a:off x="1243599" y="1593063"/>
-            <a:ext cx="1568436" cy="1568436"/>
+            <a:off x="416527" y="1177906"/>
+            <a:ext cx="3332409" cy="3605350"/>
           </a:xfrm>
           <a:prstGeom prst="rect">
             <a:avLst/>
           </a:prstGeom>
         </p:spPr>
       </p:pic>
+      <p:sp>
+        <p:nvSpPr>
+          <p:cNvPr id="24" name="Скругленный прямоугольник 23"/>
+          <p:cNvSpPr/>
+          <p:nvPr/>
+        </p:nvSpPr>
+        <p:spPr>
+          <a:xfrm>
+            <a:off x="4614545" y="3653952"/>
+            <a:ext cx="3249756" cy="1437504"/>
+          </a:xfrm>
+          <a:prstGeom prst="roundRect">
+            <a:avLst/>
+          </a:prstGeom>
+          <a:solidFill>
+            <a:srgbClr val="202020"/>
+          </a:solidFill>
+          <a:ln w="28575">
+            <a:solidFill>
+              <a:srgbClr val="5DD62C"/>
+            </a:solidFill>
+          </a:ln>
+        </p:spPr>
+        <p:style>
+          <a:lnRef idx="2">
+            <a:schemeClr val="accent1">
+              <a:shade val="50000"/>
+            </a:schemeClr>
+          </a:lnRef>
+          <a:fillRef idx="1">
+            <a:schemeClr val="accent1"/>
+          </a:fillRef>
+          <a:effectRef idx="0">
+            <a:schemeClr val="accent1"/>
+          </a:effectRef>
+          <a:fontRef idx="minor">
+            <a:schemeClr val="lt1"/>
+          </a:fontRef>
+        </p:style>
+        <p:txBody>
+          <a:bodyPr rtlCol="0" anchor="ctr"/>
+          <a:lstStyle/>
+          <a:p>
+            <a:pPr algn="ctr"/>
+            <a:endParaRPr lang="ru-RU"/>
+          </a:p>
+        </p:txBody>
+      </p:sp>
       <p:pic>
         <p:nvPicPr>
-          <p:cNvPr id="8" name="Рисунок 7">
-            <a:extLst>
-              <a:ext uri="{FF2B5EF4-FFF2-40B4-BE49-F238E27FC236}">
-                <a16:creationId xmlns:a16="http://schemas.microsoft.com/office/drawing/2014/main" id="{ADEE0C0F-C142-48A0-B07C-820CC210C743}"/>
-              </a:ext>
-            </a:extLst>
-          </p:cNvPr>
+          <p:cNvPr id="7" name="Рисунок 6"/>
           <p:cNvPicPr>
             <a:picLocks noChangeAspect="1"/>
           </p:cNvPicPr>
@@ -4780,23 +4863,65 @@
         </p:blipFill>
         <p:spPr>
           <a:xfrm>
-            <a:off x="2955718" y="3429000"/>
-            <a:ext cx="1867951" cy="1867951"/>
+            <a:off x="4057410" y="1325563"/>
+            <a:ext cx="4349680" cy="2896491"/>
           </a:xfrm>
           <a:prstGeom prst="rect">
             <a:avLst/>
           </a:prstGeom>
         </p:spPr>
       </p:pic>
+      <p:sp>
+        <p:nvSpPr>
+          <p:cNvPr id="25" name="Скругленный прямоугольник 24"/>
+          <p:cNvSpPr/>
+          <p:nvPr/>
+        </p:nvSpPr>
+        <p:spPr>
+          <a:xfrm>
+            <a:off x="8506426" y="3608772"/>
+            <a:ext cx="3249756" cy="1482684"/>
+          </a:xfrm>
+          <a:prstGeom prst="roundRect">
+            <a:avLst/>
+          </a:prstGeom>
+          <a:solidFill>
+            <a:srgbClr val="202020"/>
+          </a:solidFill>
+          <a:ln w="28575">
+            <a:solidFill>
+              <a:srgbClr val="5DD62C"/>
+            </a:solidFill>
+          </a:ln>
+        </p:spPr>
+        <p:style>
+          <a:lnRef idx="2">
+            <a:schemeClr val="accent1">
+              <a:shade val="50000"/>
+            </a:schemeClr>
+          </a:lnRef>
+          <a:fillRef idx="1">
+            <a:schemeClr val="accent1"/>
+          </a:fillRef>
+          <a:effectRef idx="0">
+            <a:schemeClr val="accent1"/>
+          </a:effectRef>
+          <a:fontRef idx="minor">
+            <a:schemeClr val="lt1"/>
+          </a:fontRef>
+        </p:style>
+        <p:txBody>
+          <a:bodyPr rtlCol="0" anchor="ctr"/>
+          <a:lstStyle/>
+          <a:p>
+            <a:pPr algn="ctr"/>
+            <a:endParaRPr lang="ru-RU"/>
+          </a:p>
+        </p:txBody>
+      </p:sp>
       <p:pic>
         <p:nvPicPr>
-          <p:cNvPr id="10" name="Рисунок 9">
-            <a:extLst>
-              <a:ext uri="{FF2B5EF4-FFF2-40B4-BE49-F238E27FC236}">
-                <a16:creationId xmlns:a16="http://schemas.microsoft.com/office/drawing/2014/main" id="{13BA8D32-23F1-4F3B-9EC1-123E88D40ADF}"/>
-              </a:ext>
-            </a:extLst>
-          </p:cNvPr>
+          <p:cNvPr id="19" name="Рисунок 18"/>
           <p:cNvPicPr>
             <a:picLocks noChangeAspect="1"/>
           </p:cNvPicPr>
@@ -4816,50 +4941,154 @@
         </p:blipFill>
         <p:spPr>
           <a:xfrm>
-            <a:off x="5615733" y="1417259"/>
-            <a:ext cx="2204133" cy="2204133"/>
+            <a:off x="8148952" y="361683"/>
+            <a:ext cx="4043048" cy="4210970"/>
           </a:xfrm>
           <a:prstGeom prst="rect">
             <a:avLst/>
           </a:prstGeom>
         </p:spPr>
       </p:pic>
-      <p:pic>
-        <p:nvPicPr>
-          <p:cNvPr id="12" name="Рисунок 11">
-            <a:extLst>
-              <a:ext uri="{FF2B5EF4-FFF2-40B4-BE49-F238E27FC236}">
-                <a16:creationId xmlns:a16="http://schemas.microsoft.com/office/drawing/2014/main" id="{B3F34FDF-8625-494E-8573-D733019551FC}"/>
-              </a:ext>
-            </a:extLst>
-          </p:cNvPr>
-          <p:cNvPicPr>
-            <a:picLocks noChangeAspect="1"/>
-          </p:cNvPicPr>
+      <p:sp>
+        <p:nvSpPr>
+          <p:cNvPr id="20" name="TextBox 19"/>
+          <p:cNvSpPr txBox="1"/>
           <p:nvPr/>
-        </p:nvPicPr>
-        <p:blipFill>
-          <a:blip r:embed="rId6">
-            <a:extLst>
-              <a:ext uri="{28A0092B-C50C-407E-A947-70E740481C1C}">
-                <a14:useLocalDpi xmlns:a14="http://schemas.microsoft.com/office/drawing/2010/main" val="0"/>
-              </a:ext>
-            </a:extLst>
-          </a:blip>
-          <a:stretch>
-            <a:fillRect/>
-          </a:stretch>
-        </p:blipFill>
-        <p:spPr>
-          <a:xfrm>
-            <a:off x="9038482" y="2985695"/>
-            <a:ext cx="2070552" cy="2070552"/>
+        </p:nvSpPr>
+        <p:spPr>
+          <a:xfrm>
+            <a:off x="692095" y="4088156"/>
+            <a:ext cx="2787784" cy="646331"/>
           </a:xfrm>
           <a:prstGeom prst="rect">
             <a:avLst/>
           </a:prstGeom>
-        </p:spPr>
-      </p:pic>
+          <a:noFill/>
+        </p:spPr>
+        <p:txBody>
+          <a:bodyPr wrap="square" rtlCol="0">
+            <a:spAutoFit/>
+          </a:bodyPr>
+          <a:lstStyle/>
+          <a:p>
+            <a:pPr algn="ctr"/>
+            <a:r>
+              <a:rPr lang="ru-RU">
+                <a:solidFill>
+                  <a:srgbClr val="F8F8F8"/>
+                </a:solidFill>
+                <a:latin typeface="Montserrat" pitchFamily="2" charset="-52"/>
+              </a:rPr>
+              <a:t>Мастера по ремонту цифровой техники</a:t>
+            </a:r>
+            <a:endParaRPr lang="ru-RU" dirty="0">
+              <a:solidFill>
+                <a:srgbClr val="F8F8F8"/>
+              </a:solidFill>
+              <a:latin typeface="Montserrat" pitchFamily="2" charset="-52"/>
+            </a:endParaRPr>
+          </a:p>
+        </p:txBody>
+      </p:sp>
+      <p:sp>
+        <p:nvSpPr>
+          <p:cNvPr id="27" name="TextBox 26"/>
+          <p:cNvSpPr txBox="1"/>
+          <p:nvPr/>
+        </p:nvSpPr>
+        <p:spPr>
+          <a:xfrm>
+            <a:off x="4903653" y="4136925"/>
+            <a:ext cx="2657194" cy="646331"/>
+          </a:xfrm>
+          <a:prstGeom prst="rect">
+            <a:avLst/>
+          </a:prstGeom>
+          <a:noFill/>
+        </p:spPr>
+        <p:txBody>
+          <a:bodyPr wrap="square" rtlCol="0">
+            <a:spAutoFit/>
+          </a:bodyPr>
+          <a:lstStyle/>
+          <a:p>
+            <a:pPr algn="ctr"/>
+            <a:r>
+              <a:rPr lang="ru-RU" dirty="0" smtClean="0">
+                <a:solidFill>
+                  <a:srgbClr val="F8F8F8"/>
+                </a:solidFill>
+                <a:latin typeface="Montserrat" pitchFamily="2" charset="-52"/>
+              </a:rPr>
+              <a:t>Администраторы</a:t>
+            </a:r>
+            <a:br>
+              <a:rPr lang="ru-RU" dirty="0" smtClean="0">
+                <a:solidFill>
+                  <a:srgbClr val="F8F8F8"/>
+                </a:solidFill>
+                <a:latin typeface="Montserrat" pitchFamily="2" charset="-52"/>
+              </a:rPr>
+            </a:br>
+            <a:r>
+              <a:rPr lang="ru-RU" dirty="0" smtClean="0">
+                <a:solidFill>
+                  <a:srgbClr val="F8F8F8"/>
+                </a:solidFill>
+                <a:latin typeface="Montserrat" pitchFamily="2" charset="-52"/>
+              </a:rPr>
+              <a:t>сервисного центра</a:t>
+            </a:r>
+            <a:endParaRPr lang="ru-RU" dirty="0">
+              <a:solidFill>
+                <a:srgbClr val="F8F8F8"/>
+              </a:solidFill>
+              <a:latin typeface="Montserrat" pitchFamily="2" charset="-52"/>
+            </a:endParaRPr>
+          </a:p>
+        </p:txBody>
+      </p:sp>
+      <p:sp>
+        <p:nvSpPr>
+          <p:cNvPr id="28" name="TextBox 27"/>
+          <p:cNvSpPr txBox="1"/>
+          <p:nvPr/>
+        </p:nvSpPr>
+        <p:spPr>
+          <a:xfrm>
+            <a:off x="8797521" y="4226655"/>
+            <a:ext cx="2787784" cy="369332"/>
+          </a:xfrm>
+          <a:prstGeom prst="rect">
+            <a:avLst/>
+          </a:prstGeom>
+          <a:noFill/>
+        </p:spPr>
+        <p:txBody>
+          <a:bodyPr wrap="square" rtlCol="0">
+            <a:spAutoFit/>
+          </a:bodyPr>
+          <a:lstStyle/>
+          <a:p>
+            <a:pPr algn="ctr"/>
+            <a:r>
+              <a:rPr lang="ru-RU" dirty="0" smtClean="0">
+                <a:solidFill>
+                  <a:srgbClr val="F8F8F8"/>
+                </a:solidFill>
+                <a:latin typeface="Montserrat" pitchFamily="2" charset="-52"/>
+              </a:rPr>
+              <a:t>Клиенты</a:t>
+            </a:r>
+            <a:endParaRPr lang="ru-RU" dirty="0">
+              <a:solidFill>
+                <a:srgbClr val="F8F8F8"/>
+              </a:solidFill>
+              <a:latin typeface="Montserrat" pitchFamily="2" charset="-52"/>
+            </a:endParaRPr>
+          </a:p>
+        </p:txBody>
+      </p:sp>
     </p:spTree>
     <p:extLst>
       <p:ext uri="{BB962C8B-B14F-4D97-AF65-F5344CB8AC3E}">
@@ -4905,7 +5134,7 @@
           </p:cNvPicPr>
           <p:nvPr/>
         </p:nvPicPr>
-        <p:blipFill>
+        <p:blipFill rotWithShape="1">
           <a:blip r:embed="rId2">
             <a:extLst>
               <a:ext uri="{28A0092B-C50C-407E-A947-70E740481C1C}">
@@ -4913,14 +5142,13 @@
               </a:ext>
             </a:extLst>
           </a:blip>
-          <a:stretch>
-            <a:fillRect/>
-          </a:stretch>
+          <a:srcRect r="7174"/>
+          <a:stretch/>
         </p:blipFill>
         <p:spPr>
           <a:xfrm rot="10800000">
-            <a:off x="-1" y="0"/>
-            <a:ext cx="12603871" cy="6858000"/>
+            <a:off x="-14515" y="0"/>
+            <a:ext cx="12206513" cy="6858000"/>
           </a:xfrm>
           <a:prstGeom prst="rect">
             <a:avLst/>
@@ -4987,7 +5215,7 @@
         </p:blipFill>
         <p:spPr>
           <a:xfrm>
-            <a:off x="108809" y="766887"/>
+            <a:off x="108809" y="700528"/>
             <a:ext cx="5456944" cy="5456944"/>
           </a:xfrm>
           <a:prstGeom prst="rect">
@@ -5037,7 +5265,7 @@
         <p:spPr>
           <a:xfrm>
             <a:off x="5565753" y="1168293"/>
-            <a:ext cx="6925296" cy="724636"/>
+            <a:ext cx="6175691" cy="724636"/>
           </a:xfrm>
           <a:prstGeom prst="roundRect">
             <a:avLst/>
@@ -5084,8 +5312,8 @@
         </p:nvSpPr>
         <p:spPr>
           <a:xfrm>
-            <a:off x="6099855" y="1238848"/>
-            <a:ext cx="6682049" cy="646331"/>
+            <a:off x="5863574" y="1325457"/>
+            <a:ext cx="6682049" cy="400110"/>
           </a:xfrm>
           <a:prstGeom prst="rect">
             <a:avLst/>
@@ -5099,7 +5327,7 @@
           <a:lstStyle/>
           <a:p>
             <a:r>
-              <a:rPr lang="ru-RU" dirty="0" smtClean="0">
+              <a:rPr lang="ru-RU" sz="2000" dirty="0" smtClean="0">
                 <a:solidFill>
                   <a:schemeClr val="bg1"/>
                 </a:solidFill>
@@ -5108,7 +5336,7 @@
               <a:t>Разработка веб</a:t>
             </a:r>
             <a:r>
-              <a:rPr lang="en-US" dirty="0" smtClean="0">
+              <a:rPr lang="en-US" sz="2000" dirty="0" smtClean="0">
                 <a:solidFill>
                   <a:schemeClr val="bg1"/>
                 </a:solidFill>
@@ -5117,7 +5345,7 @@
               <a:t>-</a:t>
             </a:r>
             <a:r>
-              <a:rPr lang="ru-RU" dirty="0" smtClean="0">
+              <a:rPr lang="ru-RU" sz="2000" dirty="0" smtClean="0">
                 <a:solidFill>
                   <a:schemeClr val="bg1"/>
                 </a:solidFill>
@@ -5125,42 +5353,7 @@
               </a:rPr>
               <a:t>приложения</a:t>
             </a:r>
-            <a:r>
-              <a:rPr lang="en-US" dirty="0" smtClean="0">
-                <a:solidFill>
-                  <a:schemeClr val="bg1"/>
-                </a:solidFill>
-                <a:latin typeface="Druk Wide Cyr" pitchFamily="2" charset="-52"/>
-              </a:rPr>
-              <a:t> c </a:t>
-            </a:r>
-            <a:br>
-              <a:rPr lang="en-US" dirty="0" smtClean="0">
-                <a:solidFill>
-                  <a:schemeClr val="bg1"/>
-                </a:solidFill>
-                <a:latin typeface="Druk Wide Cyr" pitchFamily="2" charset="-52"/>
-              </a:rPr>
-            </a:br>
-            <a:r>
-              <a:rPr lang="ru-RU" dirty="0" smtClean="0">
-                <a:solidFill>
-                  <a:schemeClr val="bg1"/>
-                </a:solidFill>
-                <a:latin typeface="Druk Wide Cyr" pitchFamily="2" charset="-52"/>
-              </a:rPr>
-              <a:t>возможностями</a:t>
-            </a:r>
-            <a:r>
-              <a:rPr lang="en-US" dirty="0" smtClean="0">
-                <a:solidFill>
-                  <a:schemeClr val="bg1"/>
-                </a:solidFill>
-                <a:latin typeface="Druk Wide Cyr" pitchFamily="2" charset="-52"/>
-              </a:rPr>
-              <a:t>:</a:t>
-            </a:r>
-            <a:endParaRPr lang="ru-RU" dirty="0">
+            <a:endParaRPr lang="ru-RU" sz="2000" dirty="0">
               <a:solidFill>
                 <a:schemeClr val="bg1"/>
               </a:solidFill>
@@ -5177,8 +5370,8 @@
         </p:nvSpPr>
         <p:spPr>
           <a:xfrm>
-            <a:off x="5880282" y="2097553"/>
-            <a:ext cx="6429121" cy="830997"/>
+            <a:off x="5773363" y="2327221"/>
+            <a:ext cx="6379273" cy="400110"/>
           </a:xfrm>
           <a:prstGeom prst="rect">
             <a:avLst/>
@@ -5192,7 +5385,7 @@
           <a:lstStyle/>
           <a:p>
             <a:r>
-              <a:rPr lang="ru-RU" sz="2400" dirty="0" smtClean="0">
+              <a:rPr lang="ru-RU" sz="2000" dirty="0" smtClean="0">
                 <a:solidFill>
                   <a:schemeClr val="bg1"/>
                 </a:solidFill>
@@ -5200,7 +5393,7 @@
               </a:rPr>
               <a:t>Добавлять и редактировать заявки на ремонт</a:t>
             </a:r>
-            <a:endParaRPr lang="ru-RU" sz="2400" dirty="0">
+            <a:endParaRPr lang="ru-RU" sz="2000" dirty="0">
               <a:solidFill>
                 <a:schemeClr val="bg1"/>
               </a:solidFill>
@@ -5217,8 +5410,8 @@
         </p:nvSpPr>
         <p:spPr>
           <a:xfrm>
-            <a:off x="5880282" y="3078759"/>
-            <a:ext cx="5534024" cy="461665"/>
+            <a:off x="5773363" y="3021693"/>
+            <a:ext cx="5534024" cy="400110"/>
           </a:xfrm>
           <a:prstGeom prst="rect">
             <a:avLst/>
@@ -5232,7 +5425,7 @@
           <a:lstStyle/>
           <a:p>
             <a:r>
-              <a:rPr lang="ru-RU" sz="2400" dirty="0" smtClean="0">
+              <a:rPr lang="ru-RU" sz="2000" dirty="0" smtClean="0">
                 <a:solidFill>
                   <a:schemeClr val="bg1"/>
                 </a:solidFill>
@@ -5241,7 +5434,7 @@
               <a:t>Управлять списком </a:t>
             </a:r>
             <a:r>
-              <a:rPr lang="ru-RU" sz="2400" dirty="0">
+              <a:rPr lang="ru-RU" sz="2000" dirty="0">
                 <a:solidFill>
                   <a:schemeClr val="bg1"/>
                 </a:solidFill>
@@ -5260,8 +5453,8 @@
         </p:nvSpPr>
         <p:spPr>
           <a:xfrm>
-            <a:off x="5880282" y="3688429"/>
-            <a:ext cx="6131180" cy="461665"/>
+            <a:off x="5773363" y="3705324"/>
+            <a:ext cx="6067634" cy="400110"/>
           </a:xfrm>
           <a:prstGeom prst="rect">
             <a:avLst/>
@@ -5275,7 +5468,7 @@
           <a:lstStyle/>
           <a:p>
             <a:r>
-              <a:rPr lang="ru-RU" sz="2400" dirty="0" smtClean="0">
+              <a:rPr lang="ru-RU" sz="2000" dirty="0" smtClean="0">
                 <a:solidFill>
                   <a:schemeClr val="bg1"/>
                 </a:solidFill>
@@ -5283,7 +5476,7 @@
               </a:rPr>
               <a:t>Фильтровать заявки по категориям</a:t>
             </a:r>
-            <a:endParaRPr lang="ru-RU" sz="2400" dirty="0">
+            <a:endParaRPr lang="ru-RU" sz="2000" dirty="0">
               <a:solidFill>
                 <a:schemeClr val="bg1"/>
               </a:solidFill>
@@ -5300,8 +5493,8 @@
         </p:nvSpPr>
         <p:spPr>
           <a:xfrm>
-            <a:off x="5880281" y="4298099"/>
-            <a:ext cx="6723589" cy="830997"/>
+            <a:off x="5773363" y="4359759"/>
+            <a:ext cx="6723589" cy="707886"/>
           </a:xfrm>
           <a:prstGeom prst="rect">
             <a:avLst/>
@@ -5315,7 +5508,7 @@
           <a:lstStyle/>
           <a:p>
             <a:r>
-              <a:rPr lang="ru-RU" sz="2400" dirty="0" smtClean="0">
+              <a:rPr lang="ru-RU" sz="2000" dirty="0" smtClean="0">
                 <a:solidFill>
                   <a:schemeClr val="bg1"/>
                 </a:solidFill>
@@ -5323,7 +5516,7 @@
               </a:rPr>
               <a:t>Просматривать детальную информацию о заказах</a:t>
             </a:r>
-            <a:endParaRPr lang="ru-RU" sz="2400" dirty="0">
+            <a:endParaRPr lang="ru-RU" sz="2000" dirty="0">
               <a:solidFill>
                 <a:schemeClr val="bg1"/>
               </a:solidFill>
@@ -5340,8 +5533,8 @@
         </p:nvSpPr>
         <p:spPr>
           <a:xfrm>
-            <a:off x="5925126" y="5277101"/>
-            <a:ext cx="5534024" cy="461665"/>
+            <a:off x="5800028" y="5198959"/>
+            <a:ext cx="5534024" cy="400110"/>
           </a:xfrm>
           <a:prstGeom prst="rect">
             <a:avLst/>
@@ -5355,7 +5548,7 @@
           <a:lstStyle/>
           <a:p>
             <a:r>
-              <a:rPr lang="ru-RU" sz="2400" dirty="0" smtClean="0">
+              <a:rPr lang="ru-RU" sz="2000" dirty="0" smtClean="0">
                 <a:solidFill>
                   <a:schemeClr val="bg1"/>
                 </a:solidFill>
@@ -5364,7 +5557,7 @@
               <a:t>Формирование </a:t>
             </a:r>
             <a:r>
-              <a:rPr lang="en-US" sz="2400" dirty="0" smtClean="0">
+              <a:rPr lang="en-US" sz="2000" dirty="0" smtClean="0">
                 <a:solidFill>
                   <a:schemeClr val="bg1"/>
                 </a:solidFill>
@@ -5373,7 +5566,7 @@
               <a:t>PDF-</a:t>
             </a:r>
             <a:r>
-              <a:rPr lang="ru-RU" sz="2400" dirty="0" smtClean="0">
+              <a:rPr lang="ru-RU" sz="2000" dirty="0" smtClean="0">
                 <a:solidFill>
                   <a:schemeClr val="bg1"/>
                 </a:solidFill>
@@ -5381,7 +5574,7 @@
               </a:rPr>
               <a:t>отчётов</a:t>
             </a:r>
-            <a:endParaRPr lang="ru-RU" sz="2400" dirty="0">
+            <a:endParaRPr lang="ru-RU" sz="2000" dirty="0">
               <a:solidFill>
                 <a:schemeClr val="bg1"/>
               </a:solidFill>
@@ -5412,7 +5605,7 @@
         </p:blipFill>
         <p:spPr>
           <a:xfrm>
-            <a:off x="5521071" y="3119020"/>
+            <a:off x="5423689" y="3038843"/>
             <a:ext cx="376339" cy="376339"/>
           </a:xfrm>
           <a:prstGeom prst="rect">
@@ -5442,7 +5635,7 @@
         </p:blipFill>
         <p:spPr>
           <a:xfrm>
-            <a:off x="5521071" y="2330434"/>
+            <a:off x="5403914" y="2346792"/>
             <a:ext cx="376339" cy="376339"/>
           </a:xfrm>
           <a:prstGeom prst="rect">
@@ -5472,7 +5665,7 @@
         </p:blipFill>
         <p:spPr>
           <a:xfrm>
-            <a:off x="5521071" y="3730894"/>
+            <a:off x="5413801" y="3757827"/>
             <a:ext cx="376339" cy="376339"/>
           </a:xfrm>
           <a:prstGeom prst="rect">
@@ -5502,7 +5695,7 @@
         </p:blipFill>
         <p:spPr>
           <a:xfrm>
-            <a:off x="5521071" y="4525427"/>
+            <a:off x="5407270" y="4476812"/>
             <a:ext cx="376339" cy="376339"/>
           </a:xfrm>
           <a:prstGeom prst="rect">
@@ -5532,7 +5725,7 @@
         </p:blipFill>
         <p:spPr>
           <a:xfrm>
-            <a:off x="5525681" y="5319960"/>
+            <a:off x="5403913" y="5222730"/>
             <a:ext cx="376339" cy="376339"/>
           </a:xfrm>
           <a:prstGeom prst="rect">
@@ -5577,6 +5770,36 @@
           <a:chExt cx="0" cy="0"/>
         </a:xfrm>
       </p:grpSpPr>
+      <p:pic>
+        <p:nvPicPr>
+          <p:cNvPr id="9" name="Рисунок 8"/>
+          <p:cNvPicPr>
+            <a:picLocks noChangeAspect="1"/>
+          </p:cNvPicPr>
+          <p:nvPr/>
+        </p:nvPicPr>
+        <p:blipFill>
+          <a:blip r:embed="rId2">
+            <a:extLst>
+              <a:ext uri="{28A0092B-C50C-407E-A947-70E740481C1C}">
+                <a14:useLocalDpi xmlns:a14="http://schemas.microsoft.com/office/drawing/2010/main" val="0"/>
+              </a:ext>
+            </a:extLst>
+          </a:blip>
+          <a:stretch>
+            <a:fillRect/>
+          </a:stretch>
+        </p:blipFill>
+        <p:spPr>
+          <a:xfrm rot="10800000">
+            <a:off x="-1" y="0"/>
+            <a:ext cx="12603871" cy="6858000"/>
+          </a:xfrm>
+          <a:prstGeom prst="rect">
+            <a:avLst/>
+          </a:prstGeom>
+        </p:spPr>
+      </p:pic>
       <p:sp>
         <p:nvSpPr>
           <p:cNvPr id="2" name="Заголовок 1">
@@ -5605,6 +5828,9 @@
           <a:p>
             <a:r>
               <a:rPr lang="ru-RU" dirty="0">
+                <a:solidFill>
+                  <a:srgbClr val="5DD62C"/>
+                </a:solidFill>
                 <a:latin typeface="Druk Wide Cyr" pitchFamily="2" charset="-52"/>
               </a:rPr>
               <a:t>Задачи</a:t>
@@ -5612,186 +5838,6 @@
           </a:p>
         </p:txBody>
       </p:sp>
-      <p:pic>
-        <p:nvPicPr>
-          <p:cNvPr id="6" name="Рисунок 5">
-            <a:extLst>
-              <a:ext uri="{FF2B5EF4-FFF2-40B4-BE49-F238E27FC236}">
-                <a16:creationId xmlns:a16="http://schemas.microsoft.com/office/drawing/2014/main" id="{073C235E-E08F-420C-8AA8-C98AF87CE057}"/>
-              </a:ext>
-            </a:extLst>
-          </p:cNvPr>
-          <p:cNvPicPr>
-            <a:picLocks noChangeAspect="1"/>
-          </p:cNvPicPr>
-          <p:nvPr/>
-        </p:nvPicPr>
-        <p:blipFill>
-          <a:blip r:embed="rId2">
-            <a:extLst>
-              <a:ext uri="{28A0092B-C50C-407E-A947-70E740481C1C}">
-                <a14:useLocalDpi xmlns:a14="http://schemas.microsoft.com/office/drawing/2010/main" val="0"/>
-              </a:ext>
-            </a:extLst>
-          </a:blip>
-          <a:stretch>
-            <a:fillRect/>
-          </a:stretch>
-        </p:blipFill>
-        <p:spPr>
-          <a:xfrm>
-            <a:off x="879859" y="1543440"/>
-            <a:ext cx="1754284" cy="1754284"/>
-          </a:xfrm>
-          <a:prstGeom prst="rect">
-            <a:avLst/>
-          </a:prstGeom>
-        </p:spPr>
-      </p:pic>
-      <p:pic>
-        <p:nvPicPr>
-          <p:cNvPr id="8" name="Рисунок 7">
-            <a:extLst>
-              <a:ext uri="{FF2B5EF4-FFF2-40B4-BE49-F238E27FC236}">
-                <a16:creationId xmlns:a16="http://schemas.microsoft.com/office/drawing/2014/main" id="{3CA9E3D9-DE9C-440D-9869-124E0864326E}"/>
-              </a:ext>
-            </a:extLst>
-          </p:cNvPr>
-          <p:cNvPicPr>
-            <a:picLocks noChangeAspect="1"/>
-          </p:cNvPicPr>
-          <p:nvPr/>
-        </p:nvPicPr>
-        <p:blipFill>
-          <a:blip r:embed="rId3">
-            <a:extLst>
-              <a:ext uri="{28A0092B-C50C-407E-A947-70E740481C1C}">
-                <a14:useLocalDpi xmlns:a14="http://schemas.microsoft.com/office/drawing/2010/main" val="0"/>
-              </a:ext>
-            </a:extLst>
-          </a:blip>
-          <a:stretch>
-            <a:fillRect/>
-          </a:stretch>
-        </p:blipFill>
-        <p:spPr>
-          <a:xfrm>
-            <a:off x="4798161" y="1359970"/>
-            <a:ext cx="1937754" cy="1937754"/>
-          </a:xfrm>
-          <a:prstGeom prst="rect">
-            <a:avLst/>
-          </a:prstGeom>
-        </p:spPr>
-      </p:pic>
-      <p:pic>
-        <p:nvPicPr>
-          <p:cNvPr id="12" name="Рисунок 11">
-            <a:extLst>
-              <a:ext uri="{FF2B5EF4-FFF2-40B4-BE49-F238E27FC236}">
-                <a16:creationId xmlns:a16="http://schemas.microsoft.com/office/drawing/2014/main" id="{21A6F2C7-7F97-494E-B635-1B44110A22D3}"/>
-              </a:ext>
-            </a:extLst>
-          </p:cNvPr>
-          <p:cNvPicPr>
-            <a:picLocks noChangeAspect="1"/>
-          </p:cNvPicPr>
-          <p:nvPr/>
-        </p:nvPicPr>
-        <p:blipFill>
-          <a:blip r:embed="rId4">
-            <a:extLst>
-              <a:ext uri="{28A0092B-C50C-407E-A947-70E740481C1C}">
-                <a14:useLocalDpi xmlns:a14="http://schemas.microsoft.com/office/drawing/2010/main" val="0"/>
-              </a:ext>
-            </a:extLst>
-          </a:blip>
-          <a:stretch>
-            <a:fillRect/>
-          </a:stretch>
-        </p:blipFill>
-        <p:spPr>
-          <a:xfrm>
-            <a:off x="8387917" y="1359970"/>
-            <a:ext cx="1937754" cy="1937754"/>
-          </a:xfrm>
-          <a:prstGeom prst="rect">
-            <a:avLst/>
-          </a:prstGeom>
-        </p:spPr>
-      </p:pic>
-      <p:pic>
-        <p:nvPicPr>
-          <p:cNvPr id="14" name="Рисунок 13">
-            <a:extLst>
-              <a:ext uri="{FF2B5EF4-FFF2-40B4-BE49-F238E27FC236}">
-                <a16:creationId xmlns:a16="http://schemas.microsoft.com/office/drawing/2014/main" id="{31E5B167-CDCB-4277-8152-A6830464F3AB}"/>
-              </a:ext>
-            </a:extLst>
-          </p:cNvPr>
-          <p:cNvPicPr>
-            <a:picLocks noChangeAspect="1"/>
-          </p:cNvPicPr>
-          <p:nvPr/>
-        </p:nvPicPr>
-        <p:blipFill>
-          <a:blip r:embed="rId5">
-            <a:extLst>
-              <a:ext uri="{28A0092B-C50C-407E-A947-70E740481C1C}">
-                <a14:useLocalDpi xmlns:a14="http://schemas.microsoft.com/office/drawing/2010/main" val="0"/>
-              </a:ext>
-            </a:extLst>
-          </a:blip>
-          <a:stretch>
-            <a:fillRect/>
-          </a:stretch>
-        </p:blipFill>
-        <p:spPr>
-          <a:xfrm>
-            <a:off x="2524877" y="3912681"/>
-            <a:ext cx="1892909" cy="1892909"/>
-          </a:xfrm>
-          <a:prstGeom prst="rect">
-            <a:avLst/>
-          </a:prstGeom>
-        </p:spPr>
-      </p:pic>
-      <p:pic>
-        <p:nvPicPr>
-          <p:cNvPr id="16" name="Рисунок 15">
-            <a:extLst>
-              <a:ext uri="{FF2B5EF4-FFF2-40B4-BE49-F238E27FC236}">
-                <a16:creationId xmlns:a16="http://schemas.microsoft.com/office/drawing/2014/main" id="{86FE80AB-C947-45F1-B5C0-4734FCCDF2E8}"/>
-              </a:ext>
-            </a:extLst>
-          </p:cNvPr>
-          <p:cNvPicPr>
-            <a:picLocks noChangeAspect="1"/>
-          </p:cNvPicPr>
-          <p:nvPr/>
-        </p:nvPicPr>
-        <p:blipFill>
-          <a:blip r:embed="rId6">
-            <a:extLst>
-              <a:ext uri="{28A0092B-C50C-407E-A947-70E740481C1C}">
-                <a14:useLocalDpi xmlns:a14="http://schemas.microsoft.com/office/drawing/2010/main" val="0"/>
-              </a:ext>
-            </a:extLst>
-          </a:blip>
-          <a:stretch>
-            <a:fillRect/>
-          </a:stretch>
-        </p:blipFill>
-        <p:spPr>
-          <a:xfrm>
-            <a:off x="7277808" y="3942075"/>
-            <a:ext cx="1834119" cy="1834119"/>
-          </a:xfrm>
-          <a:prstGeom prst="rect">
-            <a:avLst/>
-          </a:prstGeom>
-        </p:spPr>
-      </p:pic>
     </p:spTree>
     <p:extLst>
       <p:ext uri="{BB962C8B-B14F-4D97-AF65-F5344CB8AC3E}">
@@ -5837,7 +5883,7 @@
           </p:cNvPicPr>
           <p:nvPr/>
         </p:nvPicPr>
-        <p:blipFill>
+        <p:blipFill rotWithShape="1">
           <a:blip r:embed="rId2">
             <a:extLst>
               <a:ext uri="{28A0092B-C50C-407E-A947-70E740481C1C}">
@@ -5845,14 +5891,13 @@
               </a:ext>
             </a:extLst>
           </a:blip>
-          <a:stretch>
-            <a:fillRect/>
-          </a:stretch>
+          <a:srcRect l="228" t="-380" r="5210" b="15523"/>
+          <a:stretch/>
         </p:blipFill>
         <p:spPr>
           <a:xfrm>
-            <a:off x="0" y="0"/>
-            <a:ext cx="12192000" cy="6858000"/>
+            <a:off x="-43543" y="-40821"/>
+            <a:ext cx="12235543" cy="6898821"/>
           </a:xfrm>
           <a:prstGeom prst="rect">
             <a:avLst/>
@@ -5951,7 +5996,7 @@
         <p:spPr>
           <a:xfrm>
             <a:off x="459152" y="2053086"/>
-            <a:ext cx="2547524" cy="2794959"/>
+            <a:ext cx="2547524" cy="3166614"/>
           </a:xfrm>
           <a:prstGeom prst="roundRect">
             <a:avLst/>
@@ -5990,24 +6035,629 @@
           </a:p>
         </p:txBody>
       </p:sp>
-      <p:sp>
-        <p:nvSpPr>
-          <p:cNvPr id="15" name="Скругленный прямоугольник 14"/>
+      <p:pic>
+        <p:nvPicPr>
+          <p:cNvPr id="19" name="Рисунок 18"/>
+          <p:cNvPicPr>
+            <a:picLocks noChangeAspect="1"/>
+          </p:cNvPicPr>
+          <p:nvPr/>
+        </p:nvPicPr>
+        <p:blipFill>
+          <a:blip r:embed="rId3">
+            <a:extLst>
+              <a:ext uri="{28A0092B-C50C-407E-A947-70E740481C1C}">
+                <a14:useLocalDpi xmlns:a14="http://schemas.microsoft.com/office/drawing/2010/main" val="0"/>
+              </a:ext>
+            </a:extLst>
+          </a:blip>
+          <a:stretch>
+            <a:fillRect/>
+          </a:stretch>
+        </p:blipFill>
+        <p:spPr>
+          <a:xfrm>
+            <a:off x="962192" y="1027628"/>
+            <a:ext cx="1788417" cy="1770634"/>
+          </a:xfrm>
+          <a:prstGeom prst="rect">
+            <a:avLst/>
+          </a:prstGeom>
+        </p:spPr>
+      </p:pic>
+      <p:sp>
+        <p:nvSpPr>
+          <p:cNvPr id="20" name="TextBox 19"/>
+          <p:cNvSpPr txBox="1"/>
+          <p:nvPr/>
+        </p:nvSpPr>
+        <p:spPr>
+          <a:xfrm>
+            <a:off x="499428" y="3106522"/>
+            <a:ext cx="2547523" cy="369332"/>
+          </a:xfrm>
+          <a:prstGeom prst="rect">
+            <a:avLst/>
+          </a:prstGeom>
+          <a:noFill/>
+        </p:spPr>
+        <p:txBody>
+          <a:bodyPr wrap="square" rtlCol="0">
+            <a:spAutoFit/>
+          </a:bodyPr>
+          <a:lstStyle/>
+          <a:p>
+            <a:r>
+              <a:rPr lang="ru-RU" b="1" dirty="0" smtClean="0">
+                <a:solidFill>
+                  <a:schemeClr val="bg1"/>
+                </a:solidFill>
+                <a:latin typeface="Montserrat" panose="00000500000000000000" pitchFamily="2" charset="-52"/>
+              </a:rPr>
+              <a:t>Контейнеризация</a:t>
+            </a:r>
+            <a:endParaRPr lang="ru-RU" b="1" dirty="0">
+              <a:solidFill>
+                <a:schemeClr val="bg1"/>
+              </a:solidFill>
+              <a:latin typeface="Montserrat" panose="00000500000000000000" pitchFamily="2" charset="-52"/>
+            </a:endParaRPr>
+          </a:p>
+        </p:txBody>
+      </p:sp>
+      <p:grpSp>
+        <p:nvGrpSpPr>
+          <p:cNvPr id="51" name="Группа 50"/>
+          <p:cNvGrpSpPr/>
+          <p:nvPr/>
+        </p:nvGrpSpPr>
+        <p:grpSpPr>
+          <a:xfrm>
+            <a:off x="6171044" y="1127341"/>
+            <a:ext cx="2547524" cy="4092359"/>
+            <a:chOff x="6171044" y="1127341"/>
+            <a:chExt cx="2547524" cy="4092359"/>
+          </a:xfrm>
+        </p:grpSpPr>
+        <p:grpSp>
+          <p:nvGrpSpPr>
+            <p:cNvPr id="50" name="Группа 49"/>
+            <p:cNvGrpSpPr/>
+            <p:nvPr/>
+          </p:nvGrpSpPr>
+          <p:grpSpPr>
+            <a:xfrm>
+              <a:off x="6171044" y="2006187"/>
+              <a:ext cx="2547524" cy="3213513"/>
+              <a:chOff x="6171044" y="2006187"/>
+              <a:chExt cx="2547524" cy="3213513"/>
+            </a:xfrm>
+          </p:grpSpPr>
+          <p:sp>
+            <p:nvSpPr>
+              <p:cNvPr id="24" name="Скругленный прямоугольник 23"/>
+              <p:cNvSpPr/>
+              <p:nvPr/>
+            </p:nvSpPr>
+            <p:spPr>
+              <a:xfrm>
+                <a:off x="6171044" y="2031518"/>
+                <a:ext cx="2547524" cy="3188182"/>
+              </a:xfrm>
+              <a:prstGeom prst="roundRect">
+                <a:avLst/>
+              </a:prstGeom>
+              <a:solidFill>
+                <a:srgbClr val="202020"/>
+              </a:solidFill>
+              <a:ln w="28575">
+                <a:solidFill>
+                  <a:srgbClr val="5DD62C"/>
+                </a:solidFill>
+              </a:ln>
+            </p:spPr>
+            <p:style>
+              <a:lnRef idx="2">
+                <a:schemeClr val="accent1">
+                  <a:shade val="50000"/>
+                </a:schemeClr>
+              </a:lnRef>
+              <a:fillRef idx="1">
+                <a:schemeClr val="accent1"/>
+              </a:fillRef>
+              <a:effectRef idx="0">
+                <a:schemeClr val="accent1"/>
+              </a:effectRef>
+              <a:fontRef idx="minor">
+                <a:schemeClr val="lt1"/>
+              </a:fontRef>
+            </p:style>
+            <p:txBody>
+              <a:bodyPr rtlCol="0" anchor="ctr"/>
+              <a:lstStyle/>
+              <a:p>
+                <a:pPr algn="ctr"/>
+                <a:endParaRPr lang="ru-RU"/>
+              </a:p>
+            </p:txBody>
+          </p:sp>
+          <p:sp>
+            <p:nvSpPr>
+              <p:cNvPr id="22" name="TextBox 21"/>
+              <p:cNvSpPr txBox="1"/>
+              <p:nvPr/>
+            </p:nvSpPr>
+            <p:spPr>
+              <a:xfrm>
+                <a:off x="6327649" y="3073259"/>
+                <a:ext cx="2224011" cy="646331"/>
+              </a:xfrm>
+              <a:prstGeom prst="rect">
+                <a:avLst/>
+              </a:prstGeom>
+              <a:noFill/>
+            </p:spPr>
+            <p:txBody>
+              <a:bodyPr wrap="square" rtlCol="0">
+                <a:spAutoFit/>
+              </a:bodyPr>
+              <a:lstStyle/>
+              <a:p>
+                <a:pPr algn="ctr"/>
+                <a:r>
+                  <a:rPr lang="ru-RU" b="1" dirty="0" smtClean="0">
+                    <a:solidFill>
+                      <a:schemeClr val="bg1"/>
+                    </a:solidFill>
+                    <a:latin typeface="Montserrat" panose="00000500000000000000" pitchFamily="2" charset="-52"/>
+                  </a:rPr>
+                  <a:t>Серверное приложение</a:t>
+                </a:r>
+                <a:endParaRPr lang="ru-RU" b="1" dirty="0">
+                  <a:solidFill>
+                    <a:schemeClr val="bg1"/>
+                  </a:solidFill>
+                  <a:latin typeface="Montserrat" panose="00000500000000000000" pitchFamily="2" charset="-52"/>
+                </a:endParaRPr>
+              </a:p>
+            </p:txBody>
+          </p:sp>
+          <p:pic>
+            <p:nvPicPr>
+              <p:cNvPr id="7" name="Рисунок 6"/>
+              <p:cNvPicPr>
+                <a:picLocks noChangeAspect="1"/>
+              </p:cNvPicPr>
+              <p:nvPr/>
+            </p:nvPicPr>
+            <p:blipFill>
+              <a:blip r:embed="rId4"/>
+              <a:stretch>
+                <a:fillRect/>
+              </a:stretch>
+            </p:blipFill>
+            <p:spPr>
+              <a:xfrm>
+                <a:off x="6581353" y="2006187"/>
+                <a:ext cx="1629197" cy="93254"/>
+              </a:xfrm>
+              <a:prstGeom prst="rect">
+                <a:avLst/>
+              </a:prstGeom>
+            </p:spPr>
+          </p:pic>
+        </p:grpSp>
+        <p:pic>
+          <p:nvPicPr>
+            <p:cNvPr id="6" name="Рисунок 5"/>
+            <p:cNvPicPr>
+              <a:picLocks noChangeAspect="1"/>
+            </p:cNvPicPr>
+            <p:nvPr/>
+          </p:nvPicPr>
+          <p:blipFill>
+            <a:blip r:embed="rId5">
+              <a:extLst>
+                <a:ext uri="{28A0092B-C50C-407E-A947-70E740481C1C}">
+                  <a14:useLocalDpi xmlns:a14="http://schemas.microsoft.com/office/drawing/2010/main" val="0"/>
+                </a:ext>
+              </a:extLst>
+            </a:blip>
+            <a:stretch>
+              <a:fillRect/>
+            </a:stretch>
+          </p:blipFill>
+          <p:spPr>
+            <a:xfrm>
+              <a:off x="6524793" y="1127341"/>
+              <a:ext cx="1742315" cy="1742315"/>
+            </a:xfrm>
+            <a:prstGeom prst="rect">
+              <a:avLst/>
+            </a:prstGeom>
+          </p:spPr>
+        </p:pic>
+      </p:grpSp>
+      <p:grpSp>
+        <p:nvGrpSpPr>
+          <p:cNvPr id="54" name="Группа 53"/>
+          <p:cNvGrpSpPr/>
+          <p:nvPr/>
+        </p:nvGrpSpPr>
+        <p:grpSpPr>
+          <a:xfrm>
+            <a:off x="9133087" y="1054715"/>
+            <a:ext cx="2547524" cy="4164985"/>
+            <a:chOff x="9133087" y="1054715"/>
+            <a:chExt cx="2547524" cy="4164985"/>
+          </a:xfrm>
+        </p:grpSpPr>
+        <p:grpSp>
+          <p:nvGrpSpPr>
+            <p:cNvPr id="53" name="Группа 52"/>
+            <p:cNvGrpSpPr/>
+            <p:nvPr/>
+          </p:nvGrpSpPr>
+          <p:grpSpPr>
+            <a:xfrm>
+              <a:off x="9133087" y="2006184"/>
+              <a:ext cx="2547524" cy="3213516"/>
+              <a:chOff x="9133087" y="2006184"/>
+              <a:chExt cx="2547524" cy="3213516"/>
+            </a:xfrm>
+          </p:grpSpPr>
+          <p:sp>
+            <p:nvSpPr>
+              <p:cNvPr id="25" name="Скругленный прямоугольник 24"/>
+              <p:cNvSpPr/>
+              <p:nvPr/>
+            </p:nvSpPr>
+            <p:spPr>
+              <a:xfrm>
+                <a:off x="9133087" y="2031518"/>
+                <a:ext cx="2547524" cy="3188182"/>
+              </a:xfrm>
+              <a:prstGeom prst="roundRect">
+                <a:avLst/>
+              </a:prstGeom>
+              <a:solidFill>
+                <a:srgbClr val="202020"/>
+              </a:solidFill>
+              <a:ln w="28575">
+                <a:solidFill>
+                  <a:srgbClr val="5DD62C"/>
+                </a:solidFill>
+              </a:ln>
+            </p:spPr>
+            <p:style>
+              <a:lnRef idx="2">
+                <a:schemeClr val="accent1">
+                  <a:shade val="50000"/>
+                </a:schemeClr>
+              </a:lnRef>
+              <a:fillRef idx="1">
+                <a:schemeClr val="accent1"/>
+              </a:fillRef>
+              <a:effectRef idx="0">
+                <a:schemeClr val="accent1"/>
+              </a:effectRef>
+              <a:fontRef idx="minor">
+                <a:schemeClr val="lt1"/>
+              </a:fontRef>
+            </p:style>
+            <p:txBody>
+              <a:bodyPr rtlCol="0" anchor="ctr"/>
+              <a:lstStyle/>
+              <a:p>
+                <a:pPr algn="ctr"/>
+                <a:endParaRPr lang="ru-RU"/>
+              </a:p>
+            </p:txBody>
+          </p:sp>
+          <p:sp>
+            <p:nvSpPr>
+              <p:cNvPr id="23" name="TextBox 22"/>
+              <p:cNvSpPr txBox="1"/>
+              <p:nvPr/>
+            </p:nvSpPr>
+            <p:spPr>
+              <a:xfrm>
+                <a:off x="9264573" y="3078251"/>
+                <a:ext cx="2386426" cy="646331"/>
+              </a:xfrm>
+              <a:prstGeom prst="rect">
+                <a:avLst/>
+              </a:prstGeom>
+              <a:noFill/>
+            </p:spPr>
+            <p:txBody>
+              <a:bodyPr wrap="square" rtlCol="0">
+                <a:spAutoFit/>
+              </a:bodyPr>
+              <a:lstStyle/>
+              <a:p>
+                <a:pPr algn="ctr"/>
+                <a:r>
+                  <a:rPr lang="ru-RU" b="1" dirty="0" smtClean="0">
+                    <a:solidFill>
+                      <a:schemeClr val="bg1"/>
+                    </a:solidFill>
+                    <a:latin typeface="Montserrat" panose="00000500000000000000" pitchFamily="2" charset="-52"/>
+                  </a:rPr>
+                  <a:t>Графический</a:t>
+                </a:r>
+              </a:p>
+              <a:p>
+                <a:pPr algn="ctr"/>
+                <a:r>
+                  <a:rPr lang="ru-RU" b="1" dirty="0" smtClean="0">
+                    <a:solidFill>
+                      <a:schemeClr val="bg1"/>
+                    </a:solidFill>
+                    <a:latin typeface="Montserrat" panose="00000500000000000000" pitchFamily="2" charset="-52"/>
+                  </a:rPr>
+                  <a:t>интерфейс</a:t>
+                </a:r>
+                <a:endParaRPr lang="ru-RU" b="1" dirty="0">
+                  <a:solidFill>
+                    <a:schemeClr val="bg1"/>
+                  </a:solidFill>
+                  <a:latin typeface="Montserrat" panose="00000500000000000000" pitchFamily="2" charset="-52"/>
+                </a:endParaRPr>
+              </a:p>
+            </p:txBody>
+          </p:sp>
+          <p:pic>
+            <p:nvPicPr>
+              <p:cNvPr id="11" name="Рисунок 10"/>
+              <p:cNvPicPr>
+                <a:picLocks noChangeAspect="1"/>
+              </p:cNvPicPr>
+              <p:nvPr/>
+            </p:nvPicPr>
+            <p:blipFill>
+              <a:blip r:embed="rId4"/>
+              <a:stretch>
+                <a:fillRect/>
+              </a:stretch>
+            </p:blipFill>
+            <p:spPr>
+              <a:xfrm>
+                <a:off x="9768002" y="2006184"/>
+                <a:ext cx="1332641" cy="186508"/>
+              </a:xfrm>
+              <a:prstGeom prst="rect">
+                <a:avLst/>
+              </a:prstGeom>
+            </p:spPr>
+          </p:pic>
+        </p:grpSp>
+        <p:pic>
+          <p:nvPicPr>
+            <p:cNvPr id="18" name="Рисунок 17"/>
+            <p:cNvPicPr>
+              <a:picLocks noChangeAspect="1"/>
+            </p:cNvPicPr>
+            <p:nvPr/>
+          </p:nvPicPr>
+          <p:blipFill>
+            <a:blip r:embed="rId6">
+              <a:extLst>
+                <a:ext uri="{28A0092B-C50C-407E-A947-70E740481C1C}">
+                  <a14:useLocalDpi xmlns:a14="http://schemas.microsoft.com/office/drawing/2010/main" val="0"/>
+                </a:ext>
+              </a:extLst>
+            </a:blip>
+            <a:stretch>
+              <a:fillRect/>
+            </a:stretch>
+          </p:blipFill>
+          <p:spPr>
+            <a:xfrm>
+              <a:off x="9591429" y="1054715"/>
+              <a:ext cx="1732715" cy="1732715"/>
+            </a:xfrm>
+            <a:prstGeom prst="rect">
+              <a:avLst/>
+            </a:prstGeom>
+          </p:spPr>
+        </p:pic>
+      </p:grpSp>
+      <p:grpSp>
+        <p:nvGrpSpPr>
+          <p:cNvPr id="37" name="Группа 36"/>
+          <p:cNvGrpSpPr/>
+          <p:nvPr/>
+        </p:nvGrpSpPr>
+        <p:grpSpPr>
+          <a:xfrm>
+            <a:off x="3384084" y="1125616"/>
+            <a:ext cx="2547524" cy="4094084"/>
+            <a:chOff x="3234277" y="1158636"/>
+            <a:chExt cx="2547524" cy="4094084"/>
+          </a:xfrm>
+        </p:grpSpPr>
+        <p:grpSp>
+          <p:nvGrpSpPr>
+            <p:cNvPr id="34" name="Группа 33"/>
+            <p:cNvGrpSpPr/>
+            <p:nvPr/>
+          </p:nvGrpSpPr>
+          <p:grpSpPr>
+            <a:xfrm>
+              <a:off x="3234277" y="2031519"/>
+              <a:ext cx="2547524" cy="3221201"/>
+              <a:chOff x="3234277" y="2031519"/>
+              <a:chExt cx="2547524" cy="3221201"/>
+            </a:xfrm>
+          </p:grpSpPr>
+          <p:sp>
+            <p:nvSpPr>
+              <p:cNvPr id="17" name="Скругленный прямоугольник 16"/>
+              <p:cNvSpPr/>
+              <p:nvPr/>
+            </p:nvSpPr>
+            <p:spPr>
+              <a:xfrm>
+                <a:off x="3234277" y="2053086"/>
+                <a:ext cx="2547524" cy="3199634"/>
+              </a:xfrm>
+              <a:prstGeom prst="roundRect">
+                <a:avLst/>
+              </a:prstGeom>
+              <a:solidFill>
+                <a:srgbClr val="202020"/>
+              </a:solidFill>
+              <a:ln w="28575">
+                <a:solidFill>
+                  <a:srgbClr val="5DD62C"/>
+                </a:solidFill>
+              </a:ln>
+            </p:spPr>
+            <p:style>
+              <a:lnRef idx="2">
+                <a:schemeClr val="accent1">
+                  <a:shade val="50000"/>
+                </a:schemeClr>
+              </a:lnRef>
+              <a:fillRef idx="1">
+                <a:schemeClr val="accent1"/>
+              </a:fillRef>
+              <a:effectRef idx="0">
+                <a:schemeClr val="accent1"/>
+              </a:effectRef>
+              <a:fontRef idx="minor">
+                <a:schemeClr val="lt1"/>
+              </a:fontRef>
+            </p:style>
+            <p:txBody>
+              <a:bodyPr rtlCol="0" anchor="ctr"/>
+              <a:lstStyle/>
+              <a:p>
+                <a:pPr algn="ctr"/>
+                <a:endParaRPr lang="ru-RU" dirty="0">
+                  <a:solidFill>
+                    <a:schemeClr val="bg1"/>
+                  </a:solidFill>
+                  <a:latin typeface="Montserrat" panose="00000500000000000000" pitchFamily="2" charset="-52"/>
+                </a:endParaRPr>
+              </a:p>
+            </p:txBody>
+          </p:sp>
+          <p:pic>
+            <p:nvPicPr>
+              <p:cNvPr id="5" name="Рисунок 4"/>
+              <p:cNvPicPr>
+                <a:picLocks noChangeAspect="1"/>
+              </p:cNvPicPr>
+              <p:nvPr/>
+            </p:nvPicPr>
+            <p:blipFill>
+              <a:blip r:embed="rId4"/>
+              <a:stretch>
+                <a:fillRect/>
+              </a:stretch>
+            </p:blipFill>
+            <p:spPr>
+              <a:xfrm>
+                <a:off x="3931444" y="2031519"/>
+                <a:ext cx="1140821" cy="67921"/>
+              </a:xfrm>
+              <a:prstGeom prst="rect">
+                <a:avLst/>
+              </a:prstGeom>
+            </p:spPr>
+          </p:pic>
+        </p:grpSp>
+        <p:pic>
+          <p:nvPicPr>
+            <p:cNvPr id="3" name="Рисунок 2"/>
+            <p:cNvPicPr>
+              <a:picLocks noChangeAspect="1"/>
+            </p:cNvPicPr>
+            <p:nvPr/>
+          </p:nvPicPr>
+          <p:blipFill>
+            <a:blip r:embed="rId7">
+              <a:extLst>
+                <a:ext uri="{28A0092B-C50C-407E-A947-70E740481C1C}">
+                  <a14:useLocalDpi xmlns:a14="http://schemas.microsoft.com/office/drawing/2010/main" val="0"/>
+                </a:ext>
+              </a:extLst>
+            </a:blip>
+            <a:stretch>
+              <a:fillRect/>
+            </a:stretch>
+          </p:blipFill>
+          <p:spPr>
+            <a:xfrm>
+              <a:off x="3542000" y="1158636"/>
+              <a:ext cx="1947643" cy="1947643"/>
+            </a:xfrm>
+            <a:prstGeom prst="rect">
+              <a:avLst/>
+            </a:prstGeom>
+          </p:spPr>
+        </p:pic>
+        <p:sp>
+          <p:nvSpPr>
+            <p:cNvPr id="28" name="TextBox 27"/>
+            <p:cNvSpPr txBox="1"/>
+            <p:nvPr/>
+          </p:nvSpPr>
+          <p:spPr>
+            <a:xfrm>
+              <a:off x="3653851" y="3139542"/>
+              <a:ext cx="1855997" cy="369332"/>
+            </a:xfrm>
+            <a:prstGeom prst="rect">
+              <a:avLst/>
+            </a:prstGeom>
+            <a:noFill/>
+          </p:spPr>
+          <p:txBody>
+            <a:bodyPr wrap="square" rtlCol="0">
+              <a:spAutoFit/>
+            </a:bodyPr>
+            <a:lstStyle/>
+            <a:p>
+              <a:r>
+                <a:rPr lang="ru-RU" b="1" dirty="0" smtClean="0">
+                  <a:solidFill>
+                    <a:srgbClr val="F8F8F8"/>
+                  </a:solidFill>
+                  <a:latin typeface="Montserrat" pitchFamily="2" charset="-52"/>
+                </a:rPr>
+                <a:t>База данных</a:t>
+              </a:r>
+              <a:endParaRPr lang="ru-RU" b="1" dirty="0">
+                <a:solidFill>
+                  <a:srgbClr val="F8F8F8"/>
+                </a:solidFill>
+                <a:latin typeface="Montserrat" pitchFamily="2" charset="-52"/>
+              </a:endParaRPr>
+            </a:p>
+          </p:txBody>
+        </p:sp>
+      </p:grpSp>
+      <p:sp>
+        <p:nvSpPr>
+          <p:cNvPr id="60" name="Скругленный прямоугольник 59"/>
           <p:cNvSpPr/>
           <p:nvPr/>
         </p:nvSpPr>
         <p:spPr>
           <a:xfrm>
-            <a:off x="9082111" y="1091742"/>
-            <a:ext cx="2547524" cy="5078186"/>
+            <a:off x="697389" y="3735887"/>
+            <a:ext cx="2088468" cy="45719"/>
           </a:xfrm>
           <a:prstGeom prst="roundRect">
             <a:avLst/>
           </a:prstGeom>
           <a:solidFill>
-            <a:srgbClr val="202020"/>
+            <a:srgbClr val="5DD62C"/>
           </a:solidFill>
-          <a:ln w="28575">
+          <a:ln>
             <a:solidFill>
               <a:srgbClr val="5DD62C"/>
             </a:solidFill>
@@ -6038,288 +6688,24 @@
           </a:p>
         </p:txBody>
       </p:sp>
-      <p:pic>
-        <p:nvPicPr>
-          <p:cNvPr id="6" name="Рисунок 5"/>
-          <p:cNvPicPr>
-            <a:picLocks noChangeAspect="1"/>
-          </p:cNvPicPr>
-          <p:nvPr/>
-        </p:nvPicPr>
-        <p:blipFill>
-          <a:blip r:embed="rId3">
-            <a:extLst>
-              <a:ext uri="{28A0092B-C50C-407E-A947-70E740481C1C}">
-                <a14:useLocalDpi xmlns:a14="http://schemas.microsoft.com/office/drawing/2010/main" val="0"/>
-              </a:ext>
-            </a:extLst>
-          </a:blip>
-          <a:stretch>
-            <a:fillRect/>
-          </a:stretch>
-        </p:blipFill>
-        <p:spPr>
-          <a:xfrm>
-            <a:off x="6573512" y="1254126"/>
-            <a:ext cx="1742315" cy="1742315"/>
-          </a:xfrm>
-          <a:prstGeom prst="rect">
-            <a:avLst/>
-          </a:prstGeom>
-        </p:spPr>
-      </p:pic>
-      <p:pic>
-        <p:nvPicPr>
-          <p:cNvPr id="18" name="Рисунок 17"/>
-          <p:cNvPicPr>
-            <a:picLocks noChangeAspect="1"/>
-          </p:cNvPicPr>
-          <p:nvPr/>
-        </p:nvPicPr>
-        <p:blipFill>
-          <a:blip r:embed="rId4">
-            <a:extLst>
-              <a:ext uri="{28A0092B-C50C-407E-A947-70E740481C1C}">
-                <a14:useLocalDpi xmlns:a14="http://schemas.microsoft.com/office/drawing/2010/main" val="0"/>
-              </a:ext>
-            </a:extLst>
-          </a:blip>
-          <a:stretch>
-            <a:fillRect/>
-          </a:stretch>
-        </p:blipFill>
-        <p:spPr>
-          <a:xfrm>
-            <a:off x="9569375" y="1325563"/>
-            <a:ext cx="1708225" cy="1708225"/>
-          </a:xfrm>
-          <a:prstGeom prst="rect">
-            <a:avLst/>
-          </a:prstGeom>
-        </p:spPr>
-      </p:pic>
-      <p:pic>
-        <p:nvPicPr>
-          <p:cNvPr id="19" name="Рисунок 18"/>
-          <p:cNvPicPr>
-            <a:picLocks noChangeAspect="1"/>
-          </p:cNvPicPr>
-          <p:nvPr/>
-        </p:nvPicPr>
-        <p:blipFill>
-          <a:blip r:embed="rId5">
-            <a:extLst>
-              <a:ext uri="{28A0092B-C50C-407E-A947-70E740481C1C}">
-                <a14:useLocalDpi xmlns:a14="http://schemas.microsoft.com/office/drawing/2010/main" val="0"/>
-              </a:ext>
-            </a:extLst>
-          </a:blip>
-          <a:stretch>
-            <a:fillRect/>
-          </a:stretch>
-        </p:blipFill>
-        <p:spPr>
-          <a:xfrm>
-            <a:off x="718133" y="868010"/>
-            <a:ext cx="2282947" cy="2282947"/>
-          </a:xfrm>
-          <a:prstGeom prst="rect">
-            <a:avLst/>
-          </a:prstGeom>
-        </p:spPr>
-      </p:pic>
-      <p:sp>
-        <p:nvSpPr>
-          <p:cNvPr id="20" name="TextBox 19"/>
-          <p:cNvSpPr txBox="1"/>
-          <p:nvPr/>
-        </p:nvSpPr>
-        <p:spPr>
-          <a:xfrm>
-            <a:off x="539701" y="3367484"/>
-            <a:ext cx="2386426" cy="369332"/>
-          </a:xfrm>
-          <a:prstGeom prst="rect">
-            <a:avLst/>
-          </a:prstGeom>
-          <a:noFill/>
-        </p:spPr>
-        <p:txBody>
-          <a:bodyPr wrap="square" rtlCol="0">
-            <a:spAutoFit/>
-          </a:bodyPr>
-          <a:lstStyle/>
-          <a:p>
-            <a:r>
-              <a:rPr lang="ru-RU" dirty="0" smtClean="0">
-                <a:solidFill>
-                  <a:schemeClr val="bg1"/>
-                </a:solidFill>
-                <a:latin typeface="Montserrat" panose="00000500000000000000" pitchFamily="2" charset="-52"/>
-              </a:rPr>
-              <a:t>Контейнеризация</a:t>
-            </a:r>
-            <a:endParaRPr lang="ru-RU" dirty="0">
-              <a:solidFill>
-                <a:schemeClr val="bg1"/>
-              </a:solidFill>
-              <a:latin typeface="Montserrat" panose="00000500000000000000" pitchFamily="2" charset="-52"/>
-            </a:endParaRPr>
-          </a:p>
-        </p:txBody>
-      </p:sp>
-      <p:sp>
-        <p:nvSpPr>
-          <p:cNvPr id="21" name="TextBox 20"/>
-          <p:cNvSpPr txBox="1"/>
-          <p:nvPr/>
-        </p:nvSpPr>
-        <p:spPr>
-          <a:xfrm>
-            <a:off x="3771162" y="3334991"/>
-            <a:ext cx="2386426" cy="369332"/>
-          </a:xfrm>
-          <a:prstGeom prst="rect">
-            <a:avLst/>
-          </a:prstGeom>
-          <a:noFill/>
-        </p:spPr>
-        <p:txBody>
-          <a:bodyPr wrap="square" rtlCol="0">
-            <a:spAutoFit/>
-          </a:bodyPr>
-          <a:lstStyle/>
-          <a:p>
-            <a:r>
-              <a:rPr lang="ru-RU" dirty="0" smtClean="0">
-                <a:solidFill>
-                  <a:schemeClr val="bg1"/>
-                </a:solidFill>
-                <a:latin typeface="Montserrat" panose="00000500000000000000" pitchFamily="2" charset="-52"/>
-              </a:rPr>
-              <a:t>База данных</a:t>
-            </a:r>
-            <a:endParaRPr lang="ru-RU" dirty="0">
-              <a:solidFill>
-                <a:schemeClr val="bg1"/>
-              </a:solidFill>
-              <a:latin typeface="Montserrat" panose="00000500000000000000" pitchFamily="2" charset="-52"/>
-            </a:endParaRPr>
-          </a:p>
-        </p:txBody>
-      </p:sp>
-      <p:sp>
-        <p:nvSpPr>
-          <p:cNvPr id="22" name="TextBox 21"/>
-          <p:cNvSpPr txBox="1"/>
-          <p:nvPr/>
-        </p:nvSpPr>
-        <p:spPr>
-          <a:xfrm>
-            <a:off x="6419508" y="3196492"/>
-            <a:ext cx="2224011" cy="646331"/>
-          </a:xfrm>
-          <a:prstGeom prst="rect">
-            <a:avLst/>
-          </a:prstGeom>
-          <a:noFill/>
-        </p:spPr>
-        <p:txBody>
-          <a:bodyPr wrap="square" rtlCol="0">
-            <a:spAutoFit/>
-          </a:bodyPr>
-          <a:lstStyle/>
-          <a:p>
-            <a:pPr algn="ctr"/>
-            <a:r>
-              <a:rPr lang="ru-RU" dirty="0" smtClean="0">
-                <a:solidFill>
-                  <a:schemeClr val="bg1"/>
-                </a:solidFill>
-                <a:latin typeface="Montserrat" panose="00000500000000000000" pitchFamily="2" charset="-52"/>
-              </a:rPr>
-              <a:t>Серверное приложение</a:t>
-            </a:r>
-            <a:endParaRPr lang="ru-RU" dirty="0">
-              <a:solidFill>
-                <a:schemeClr val="bg1"/>
-              </a:solidFill>
-              <a:latin typeface="Montserrat" panose="00000500000000000000" pitchFamily="2" charset="-52"/>
-            </a:endParaRPr>
-          </a:p>
-        </p:txBody>
-      </p:sp>
-      <p:sp>
-        <p:nvSpPr>
-          <p:cNvPr id="23" name="TextBox 22"/>
-          <p:cNvSpPr txBox="1"/>
-          <p:nvPr/>
-        </p:nvSpPr>
-        <p:spPr>
-          <a:xfrm>
-            <a:off x="9168860" y="3230876"/>
-            <a:ext cx="2386426" cy="646331"/>
-          </a:xfrm>
-          <a:prstGeom prst="rect">
-            <a:avLst/>
-          </a:prstGeom>
-          <a:noFill/>
-        </p:spPr>
-        <p:txBody>
-          <a:bodyPr wrap="square" rtlCol="0">
-            <a:spAutoFit/>
-          </a:bodyPr>
-          <a:lstStyle/>
-          <a:p>
-            <a:pPr algn="ctr"/>
-            <a:r>
-              <a:rPr lang="ru-RU" dirty="0" smtClean="0">
-                <a:solidFill>
-                  <a:schemeClr val="bg1"/>
-                </a:solidFill>
-                <a:latin typeface="Montserrat" panose="00000500000000000000" pitchFamily="2" charset="-52"/>
-              </a:rPr>
-              <a:t>Графический</a:t>
-            </a:r>
-          </a:p>
-          <a:p>
-            <a:pPr algn="ctr"/>
-            <a:r>
-              <a:rPr lang="ru-RU" dirty="0" smtClean="0">
-                <a:solidFill>
-                  <a:schemeClr val="bg1"/>
-                </a:solidFill>
-                <a:latin typeface="Montserrat" panose="00000500000000000000" pitchFamily="2" charset="-52"/>
-              </a:rPr>
-              <a:t>интерфейс</a:t>
-            </a:r>
-            <a:endParaRPr lang="ru-RU" dirty="0">
-              <a:solidFill>
-                <a:schemeClr val="bg1"/>
-              </a:solidFill>
-              <a:latin typeface="Montserrat" panose="00000500000000000000" pitchFamily="2" charset="-52"/>
-            </a:endParaRPr>
-          </a:p>
-        </p:txBody>
-      </p:sp>
-      <p:sp>
-        <p:nvSpPr>
-          <p:cNvPr id="24" name="Скругленный прямоугольник 23"/>
+      <p:sp>
+        <p:nvSpPr>
+          <p:cNvPr id="61" name="Скругленный прямоугольник 60"/>
           <p:cNvSpPr/>
           <p:nvPr/>
         </p:nvSpPr>
         <p:spPr>
           <a:xfrm>
-            <a:off x="6172691" y="1988200"/>
-            <a:ext cx="2547524" cy="2794959"/>
+            <a:off x="3626459" y="3735887"/>
+            <a:ext cx="2088468" cy="45719"/>
           </a:xfrm>
           <a:prstGeom prst="roundRect">
             <a:avLst/>
           </a:prstGeom>
           <a:solidFill>
-            <a:srgbClr val="202020"/>
+            <a:srgbClr val="5DD62C"/>
           </a:solidFill>
-          <a:ln w="28575">
+          <a:ln>
             <a:solidFill>
               <a:srgbClr val="5DD62C"/>
             </a:solidFill>
@@ -6352,22 +6738,22 @@
       </p:sp>
       <p:sp>
         <p:nvSpPr>
-          <p:cNvPr id="17" name="Скругленный прямоугольник 16"/>
+          <p:cNvPr id="62" name="Скругленный прямоугольник 61"/>
           <p:cNvSpPr/>
           <p:nvPr/>
         </p:nvSpPr>
         <p:spPr>
           <a:xfrm>
-            <a:off x="3234277" y="2053086"/>
-            <a:ext cx="2547524" cy="2794959"/>
+            <a:off x="6412838" y="3735888"/>
+            <a:ext cx="2088468" cy="45719"/>
           </a:xfrm>
           <a:prstGeom prst="roundRect">
             <a:avLst/>
           </a:prstGeom>
           <a:solidFill>
-            <a:srgbClr val="202020"/>
+            <a:srgbClr val="5DD62C"/>
           </a:solidFill>
-          <a:ln w="28575">
+          <a:ln>
             <a:solidFill>
               <a:srgbClr val="5DD62C"/>
             </a:solidFill>
@@ -6398,36 +6784,214 @@
           </a:p>
         </p:txBody>
       </p:sp>
-      <p:pic>
-        <p:nvPicPr>
-          <p:cNvPr id="3" name="Рисунок 2"/>
-          <p:cNvPicPr>
-            <a:picLocks noChangeAspect="1"/>
-          </p:cNvPicPr>
+      <p:sp>
+        <p:nvSpPr>
+          <p:cNvPr id="63" name="Скругленный прямоугольник 62"/>
+          <p:cNvSpPr/>
           <p:nvPr/>
-        </p:nvPicPr>
-        <p:blipFill>
-          <a:blip r:embed="rId6">
-            <a:extLst>
-              <a:ext uri="{28A0092B-C50C-407E-A947-70E740481C1C}">
-                <a14:useLocalDpi xmlns:a14="http://schemas.microsoft.com/office/drawing/2010/main" val="0"/>
-              </a:ext>
-            </a:extLst>
-          </a:blip>
-          <a:stretch>
-            <a:fillRect/>
-          </a:stretch>
-        </p:blipFill>
-        <p:spPr>
-          <a:xfrm>
-            <a:off x="3488987" y="1035661"/>
-            <a:ext cx="1947643" cy="1947643"/>
+        </p:nvSpPr>
+        <p:spPr>
+          <a:xfrm>
+            <a:off x="9381379" y="3735887"/>
+            <a:ext cx="2088468" cy="45719"/>
+          </a:xfrm>
+          <a:prstGeom prst="roundRect">
+            <a:avLst/>
+          </a:prstGeom>
+          <a:solidFill>
+            <a:srgbClr val="5DD62C"/>
+          </a:solidFill>
+          <a:ln>
+            <a:solidFill>
+              <a:srgbClr val="5DD62C"/>
+            </a:solidFill>
+          </a:ln>
+        </p:spPr>
+        <p:style>
+          <a:lnRef idx="2">
+            <a:schemeClr val="accent1">
+              <a:shade val="50000"/>
+            </a:schemeClr>
+          </a:lnRef>
+          <a:fillRef idx="1">
+            <a:schemeClr val="accent1"/>
+          </a:fillRef>
+          <a:effectRef idx="0">
+            <a:schemeClr val="accent1"/>
+          </a:effectRef>
+          <a:fontRef idx="minor">
+            <a:schemeClr val="lt1"/>
+          </a:fontRef>
+        </p:style>
+        <p:txBody>
+          <a:bodyPr rtlCol="0" anchor="ctr"/>
+          <a:lstStyle/>
+          <a:p>
+            <a:pPr algn="ctr"/>
+            <a:endParaRPr lang="ru-RU"/>
+          </a:p>
+        </p:txBody>
+      </p:sp>
+      <p:sp>
+        <p:nvSpPr>
+          <p:cNvPr id="64" name="TextBox 63"/>
+          <p:cNvSpPr txBox="1"/>
+          <p:nvPr/>
+        </p:nvSpPr>
+        <p:spPr>
+          <a:xfrm>
+            <a:off x="1234031" y="4046758"/>
+            <a:ext cx="1015183" cy="369332"/>
           </a:xfrm>
           <a:prstGeom prst="rect">
             <a:avLst/>
           </a:prstGeom>
-        </p:spPr>
-      </p:pic>
+          <a:noFill/>
+        </p:spPr>
+        <p:txBody>
+          <a:bodyPr wrap="square" rtlCol="0">
+            <a:spAutoFit/>
+          </a:bodyPr>
+          <a:lstStyle/>
+          <a:p>
+            <a:r>
+              <a:rPr lang="en-US" dirty="0" smtClean="0">
+                <a:solidFill>
+                  <a:srgbClr val="F8F8F8"/>
+                </a:solidFill>
+                <a:latin typeface="Montserrat" pitchFamily="2" charset="-52"/>
+              </a:rPr>
+              <a:t>Docker</a:t>
+            </a:r>
+            <a:endParaRPr lang="ru-RU" dirty="0">
+              <a:solidFill>
+                <a:srgbClr val="F8F8F8"/>
+              </a:solidFill>
+              <a:latin typeface="Montserrat" pitchFamily="2" charset="-52"/>
+            </a:endParaRPr>
+          </a:p>
+        </p:txBody>
+      </p:sp>
+      <p:sp>
+        <p:nvSpPr>
+          <p:cNvPr id="65" name="TextBox 64"/>
+          <p:cNvSpPr txBox="1"/>
+          <p:nvPr/>
+        </p:nvSpPr>
+        <p:spPr>
+          <a:xfrm>
+            <a:off x="4158036" y="4046758"/>
+            <a:ext cx="1015183" cy="369332"/>
+          </a:xfrm>
+          <a:prstGeom prst="rect">
+            <a:avLst/>
+          </a:prstGeom>
+          <a:noFill/>
+        </p:spPr>
+        <p:txBody>
+          <a:bodyPr wrap="square" rtlCol="0">
+            <a:spAutoFit/>
+          </a:bodyPr>
+          <a:lstStyle/>
+          <a:p>
+            <a:r>
+              <a:rPr lang="en-US" dirty="0" smtClean="0">
+                <a:solidFill>
+                  <a:srgbClr val="F8F8F8"/>
+                </a:solidFill>
+                <a:latin typeface="Montserrat" pitchFamily="2" charset="-52"/>
+              </a:rPr>
+              <a:t>MySQL</a:t>
+            </a:r>
+            <a:endParaRPr lang="ru-RU" dirty="0">
+              <a:solidFill>
+                <a:srgbClr val="F8F8F8"/>
+              </a:solidFill>
+              <a:latin typeface="Montserrat" pitchFamily="2" charset="-52"/>
+            </a:endParaRPr>
+          </a:p>
+        </p:txBody>
+      </p:sp>
+      <p:sp>
+        <p:nvSpPr>
+          <p:cNvPr id="66" name="TextBox 65"/>
+          <p:cNvSpPr txBox="1"/>
+          <p:nvPr/>
+        </p:nvSpPr>
+        <p:spPr>
+          <a:xfrm>
+            <a:off x="6859323" y="4046758"/>
+            <a:ext cx="1160662" cy="369332"/>
+          </a:xfrm>
+          <a:prstGeom prst="rect">
+            <a:avLst/>
+          </a:prstGeom>
+          <a:noFill/>
+        </p:spPr>
+        <p:txBody>
+          <a:bodyPr wrap="square" rtlCol="0">
+            <a:spAutoFit/>
+          </a:bodyPr>
+          <a:lstStyle/>
+          <a:p>
+            <a:r>
+              <a:rPr lang="en-US" dirty="0" smtClean="0">
+                <a:solidFill>
+                  <a:srgbClr val="F8F8F8"/>
+                </a:solidFill>
+                <a:latin typeface="Montserrat" pitchFamily="2" charset="-52"/>
+              </a:rPr>
+              <a:t>ASP .net</a:t>
+            </a:r>
+            <a:endParaRPr lang="ru-RU" dirty="0">
+              <a:solidFill>
+                <a:srgbClr val="F8F8F8"/>
+              </a:solidFill>
+              <a:latin typeface="Montserrat" pitchFamily="2" charset="-52"/>
+            </a:endParaRPr>
+          </a:p>
+        </p:txBody>
+      </p:sp>
+      <p:sp>
+        <p:nvSpPr>
+          <p:cNvPr id="67" name="TextBox 66"/>
+          <p:cNvSpPr txBox="1"/>
+          <p:nvPr/>
+        </p:nvSpPr>
+        <p:spPr>
+          <a:xfrm>
+            <a:off x="10019651" y="4046758"/>
+            <a:ext cx="876270" cy="369332"/>
+          </a:xfrm>
+          <a:prstGeom prst="rect">
+            <a:avLst/>
+          </a:prstGeom>
+          <a:noFill/>
+        </p:spPr>
+        <p:txBody>
+          <a:bodyPr wrap="square" rtlCol="0">
+            <a:spAutoFit/>
+          </a:bodyPr>
+          <a:lstStyle/>
+          <a:p>
+            <a:r>
+              <a:rPr lang="en-US" dirty="0" smtClean="0">
+                <a:solidFill>
+                  <a:srgbClr val="F8F8F8"/>
+                </a:solidFill>
+                <a:latin typeface="Montserrat" pitchFamily="2" charset="-52"/>
+              </a:rPr>
+              <a:t>React</a:t>
+            </a:r>
+            <a:endParaRPr lang="ru-RU" dirty="0">
+              <a:solidFill>
+                <a:srgbClr val="F8F8F8"/>
+              </a:solidFill>
+              <a:latin typeface="Montserrat" pitchFamily="2" charset="-52"/>
+            </a:endParaRPr>
+          </a:p>
+        </p:txBody>
+      </p:sp>
     </p:spTree>
     <p:extLst>
       <p:ext uri="{BB962C8B-B14F-4D97-AF65-F5344CB8AC3E}">
@@ -6465,6 +7029,36 @@
           <a:chExt cx="0" cy="0"/>
         </a:xfrm>
       </p:grpSpPr>
+      <p:pic>
+        <p:nvPicPr>
+          <p:cNvPr id="4" name="Рисунок 3"/>
+          <p:cNvPicPr>
+            <a:picLocks noChangeAspect="1"/>
+          </p:cNvPicPr>
+          <p:nvPr/>
+        </p:nvPicPr>
+        <p:blipFill>
+          <a:blip r:embed="rId2">
+            <a:extLst>
+              <a:ext uri="{28A0092B-C50C-407E-A947-70E740481C1C}">
+                <a14:useLocalDpi xmlns:a14="http://schemas.microsoft.com/office/drawing/2010/main" val="0"/>
+              </a:ext>
+            </a:extLst>
+          </a:blip>
+          <a:stretch>
+            <a:fillRect/>
+          </a:stretch>
+        </p:blipFill>
+        <p:spPr>
+          <a:xfrm>
+            <a:off x="0" y="0"/>
+            <a:ext cx="12192000" cy="6858000"/>
+          </a:xfrm>
+          <a:prstGeom prst="rect">
+            <a:avLst/>
+          </a:prstGeom>
+        </p:spPr>
+      </p:pic>
       <p:sp>
         <p:nvSpPr>
           <p:cNvPr id="2" name="Заголовок 1">
@@ -6483,7 +7077,7 @@
         </p:nvSpPr>
         <p:spPr>
           <a:xfrm>
-            <a:off x="1409700" y="19050"/>
+            <a:off x="1569357" y="0"/>
             <a:ext cx="9372600" cy="1325563"/>
           </a:xfrm>
         </p:spPr>
@@ -6493,6 +7087,9 @@
           <a:p>
             <a:r>
               <a:rPr lang="ru-RU" dirty="0">
+                <a:solidFill>
+                  <a:srgbClr val="5DD62C"/>
+                </a:solidFill>
                 <a:latin typeface="Druk Wide Cyr" pitchFamily="2" charset="-52"/>
               </a:rPr>
               <a:t>Архитектура системы </a:t>
@@ -6510,6 +7107,13 @@
   <p:clrMapOvr>
     <a:masterClrMapping/>
   </p:clrMapOvr>
+  <p:timing>
+    <p:tnLst>
+      <p:par>
+        <p:cTn id="1" dur="indefinite" restart="never" nodeType="tmRoot"/>
+      </p:par>
+    </p:tnLst>
+  </p:timing>
 </p:sld>
 </file>
 
@@ -6530,6 +7134,35 @@
           <a:chExt cx="0" cy="0"/>
         </a:xfrm>
       </p:grpSpPr>
+      <p:pic>
+        <p:nvPicPr>
+          <p:cNvPr id="4" name="Рисунок 3"/>
+          <p:cNvPicPr>
+            <a:picLocks noChangeAspect="1"/>
+          </p:cNvPicPr>
+          <p:nvPr/>
+        </p:nvPicPr>
+        <p:blipFill rotWithShape="1">
+          <a:blip r:embed="rId2">
+            <a:extLst>
+              <a:ext uri="{28A0092B-C50C-407E-A947-70E740481C1C}">
+                <a14:useLocalDpi xmlns:a14="http://schemas.microsoft.com/office/drawing/2010/main" val="0"/>
+              </a:ext>
+            </a:extLst>
+          </a:blip>
+          <a:srcRect r="22917"/>
+          <a:stretch/>
+        </p:blipFill>
+        <p:spPr>
+          <a:xfrm rot="10800000">
+            <a:off x="-25400" y="0"/>
+            <a:ext cx="12217398" cy="6858000"/>
+          </a:xfrm>
+          <a:prstGeom prst="rect">
+            <a:avLst/>
+          </a:prstGeom>
+        </p:spPr>
+      </p:pic>
       <p:sp>
         <p:nvSpPr>
           <p:cNvPr id="2" name="Заголовок 1">
@@ -6558,6 +7191,9 @@
           <a:p>
             <a:r>
               <a:rPr lang="ru-RU" dirty="0">
+                <a:solidFill>
+                  <a:srgbClr val="5DD62C"/>
+                </a:solidFill>
                 <a:latin typeface="Druk Wide Cyr" pitchFamily="2" charset="-52"/>
               </a:rPr>
               <a:t>Преимущества проекта</a:t>
@@ -6565,42 +7201,6 @@
           </a:p>
         </p:txBody>
       </p:sp>
-      <p:pic>
-        <p:nvPicPr>
-          <p:cNvPr id="5" name="Рисунок 4">
-            <a:extLst>
-              <a:ext uri="{FF2B5EF4-FFF2-40B4-BE49-F238E27FC236}">
-                <a16:creationId xmlns:a16="http://schemas.microsoft.com/office/drawing/2014/main" id="{DAF2EF86-7776-403E-A956-1A595DEA0FF7}"/>
-              </a:ext>
-            </a:extLst>
-          </p:cNvPr>
-          <p:cNvPicPr>
-            <a:picLocks noChangeAspect="1"/>
-          </p:cNvPicPr>
-          <p:nvPr/>
-        </p:nvPicPr>
-        <p:blipFill>
-          <a:blip r:embed="rId2">
-            <a:extLst>
-              <a:ext uri="{28A0092B-C50C-407E-A947-70E740481C1C}">
-                <a14:useLocalDpi xmlns:a14="http://schemas.microsoft.com/office/drawing/2010/main" val="0"/>
-              </a:ext>
-            </a:extLst>
-          </a:blip>
-          <a:stretch>
-            <a:fillRect/>
-          </a:stretch>
-        </p:blipFill>
-        <p:spPr>
-          <a:xfrm>
-            <a:off x="397076" y="1412845"/>
-            <a:ext cx="2076976" cy="2076976"/>
-          </a:xfrm>
-          <a:prstGeom prst="rect">
-            <a:avLst/>
-          </a:prstGeom>
-        </p:spPr>
-      </p:pic>
     </p:spTree>
     <p:extLst>
       <p:ext uri="{BB962C8B-B14F-4D97-AF65-F5344CB8AC3E}">
@@ -6611,6 +7211,13 @@
   <p:clrMapOvr>
     <a:masterClrMapping/>
   </p:clrMapOvr>
+  <p:timing>
+    <p:tnLst>
+      <p:par>
+        <p:cTn id="1" dur="indefinite" restart="never" nodeType="tmRoot"/>
+      </p:par>
+    </p:tnLst>
+  </p:timing>
 </p:sld>
 </file>
 
@@ -6631,6 +7238,35 @@
           <a:chExt cx="0" cy="0"/>
         </a:xfrm>
       </p:grpSpPr>
+      <p:pic>
+        <p:nvPicPr>
+          <p:cNvPr id="3" name="Рисунок 2"/>
+          <p:cNvPicPr>
+            <a:picLocks noChangeAspect="1"/>
+          </p:cNvPicPr>
+          <p:nvPr/>
+        </p:nvPicPr>
+        <p:blipFill rotWithShape="1">
+          <a:blip r:embed="rId2">
+            <a:extLst>
+              <a:ext uri="{28A0092B-C50C-407E-A947-70E740481C1C}">
+                <a14:useLocalDpi xmlns:a14="http://schemas.microsoft.com/office/drawing/2010/main" val="0"/>
+              </a:ext>
+            </a:extLst>
+          </a:blip>
+          <a:srcRect r="-14453"/>
+          <a:stretch/>
+        </p:blipFill>
+        <p:spPr>
+          <a:xfrm>
+            <a:off x="0" y="0"/>
+            <a:ext cx="13954126" cy="6858000"/>
+          </a:xfrm>
+          <a:prstGeom prst="rect">
+            <a:avLst/>
+          </a:prstGeom>
+        </p:spPr>
+      </p:pic>
       <p:sp>
         <p:nvSpPr>
           <p:cNvPr id="2" name="Заголовок 1">
@@ -6659,6 +7295,9 @@
           <a:p>
             <a:r>
               <a:rPr lang="ru-RU" dirty="0">
+                <a:solidFill>
+                  <a:srgbClr val="5DD62C"/>
+                </a:solidFill>
                 <a:latin typeface="Druk Wide Cyr" pitchFamily="2" charset="-52"/>
               </a:rPr>
               <a:t>Заключение</a:t>
@@ -6676,6 +7315,13 @@
   <p:clrMapOvr>
     <a:masterClrMapping/>
   </p:clrMapOvr>
+  <p:timing>
+    <p:tnLst>
+      <p:par>
+        <p:cTn id="1" dur="indefinite" restart="never" nodeType="tmRoot"/>
+      </p:par>
+    </p:tnLst>
+  </p:timing>
 </p:sld>
 </file>
 

--- a/Документация/Разработка подсистемы СмартФикс.pptx
+++ b/Документация/Разработка подсистемы СмартФикс.pptx
@@ -4,6 +4,9 @@
   <p:sldMasterIdLst>
     <p:sldMasterId id="2147483648" r:id="rId1"/>
   </p:sldMasterIdLst>
+  <p:notesMasterIdLst>
+    <p:notesMasterId r:id="rId11"/>
+  </p:notesMasterIdLst>
   <p:sldIdLst>
     <p:sldId id="256" r:id="rId2"/>
     <p:sldId id="257" r:id="rId3"/>
@@ -118,6 +121,440 @@
     </p:ext>
   </p:extLst>
 </p:presentation>
+</file>
+
+<file path=ppt/notesMasters/notesMaster1.xml><?xml version="1.0" encoding="utf-8"?>
+<p:notesMaster xmlns:a="http://schemas.openxmlformats.org/drawingml/2006/main" xmlns:r="http://schemas.openxmlformats.org/officeDocument/2006/relationships" xmlns:p="http://schemas.openxmlformats.org/presentationml/2006/main">
+  <p:cSld>
+    <p:bg>
+      <p:bgRef idx="1001">
+        <a:schemeClr val="bg1"/>
+      </p:bgRef>
+    </p:bg>
+    <p:spTree>
+      <p:nvGrpSpPr>
+        <p:cNvPr id="1" name=""/>
+        <p:cNvGrpSpPr/>
+        <p:nvPr/>
+      </p:nvGrpSpPr>
+      <p:grpSpPr>
+        <a:xfrm>
+          <a:off x="0" y="0"/>
+          <a:ext cx="0" cy="0"/>
+          <a:chOff x="0" y="0"/>
+          <a:chExt cx="0" cy="0"/>
+        </a:xfrm>
+      </p:grpSpPr>
+      <p:sp>
+        <p:nvSpPr>
+          <p:cNvPr id="2" name="Верхний колонтитул 1"/>
+          <p:cNvSpPr>
+            <a:spLocks noGrp="1"/>
+          </p:cNvSpPr>
+          <p:nvPr>
+            <p:ph type="hdr" sz="quarter"/>
+          </p:nvPr>
+        </p:nvSpPr>
+        <p:spPr>
+          <a:xfrm>
+            <a:off x="0" y="0"/>
+            <a:ext cx="2971800" cy="458788"/>
+          </a:xfrm>
+          <a:prstGeom prst="rect">
+            <a:avLst/>
+          </a:prstGeom>
+        </p:spPr>
+        <p:txBody>
+          <a:bodyPr vert="horz" lIns="91440" tIns="45720" rIns="91440" bIns="45720" rtlCol="0"/>
+          <a:lstStyle>
+            <a:lvl1pPr algn="l">
+              <a:defRPr sz="1200"/>
+            </a:lvl1pPr>
+          </a:lstStyle>
+          <a:p>
+            <a:endParaRPr lang="ru-RU"/>
+          </a:p>
+        </p:txBody>
+      </p:sp>
+      <p:sp>
+        <p:nvSpPr>
+          <p:cNvPr id="3" name="Дата 2"/>
+          <p:cNvSpPr>
+            <a:spLocks noGrp="1"/>
+          </p:cNvSpPr>
+          <p:nvPr>
+            <p:ph type="dt" idx="1"/>
+          </p:nvPr>
+        </p:nvSpPr>
+        <p:spPr>
+          <a:xfrm>
+            <a:off x="3884613" y="0"/>
+            <a:ext cx="2971800" cy="458788"/>
+          </a:xfrm>
+          <a:prstGeom prst="rect">
+            <a:avLst/>
+          </a:prstGeom>
+        </p:spPr>
+        <p:txBody>
+          <a:bodyPr vert="horz" lIns="91440" tIns="45720" rIns="91440" bIns="45720" rtlCol="0"/>
+          <a:lstStyle>
+            <a:lvl1pPr algn="r">
+              <a:defRPr sz="1200"/>
+            </a:lvl1pPr>
+          </a:lstStyle>
+          <a:p>
+            <a:fld id="{749E4DA6-E466-4DC0-A80D-18449F9B8947}" type="datetimeFigureOut">
+              <a:rPr lang="ru-RU" smtClean="0"/>
+              <a:t>26.11.2025</a:t>
+            </a:fld>
+            <a:endParaRPr lang="ru-RU"/>
+          </a:p>
+        </p:txBody>
+      </p:sp>
+      <p:sp>
+        <p:nvSpPr>
+          <p:cNvPr id="4" name="Образ слайда 3"/>
+          <p:cNvSpPr>
+            <a:spLocks noGrp="1" noRot="1" noChangeAspect="1"/>
+          </p:cNvSpPr>
+          <p:nvPr>
+            <p:ph type="sldImg" idx="2"/>
+          </p:nvPr>
+        </p:nvSpPr>
+        <p:spPr>
+          <a:xfrm>
+            <a:off x="685800" y="1143000"/>
+            <a:ext cx="5486400" cy="3086100"/>
+          </a:xfrm>
+          <a:prstGeom prst="rect">
+            <a:avLst/>
+          </a:prstGeom>
+          <a:noFill/>
+          <a:ln w="12700">
+            <a:solidFill>
+              <a:prstClr val="black"/>
+            </a:solidFill>
+          </a:ln>
+        </p:spPr>
+        <p:txBody>
+          <a:bodyPr vert="horz" lIns="91440" tIns="45720" rIns="91440" bIns="45720" rtlCol="0" anchor="ctr"/>
+          <a:lstStyle/>
+          <a:p>
+            <a:endParaRPr lang="ru-RU"/>
+          </a:p>
+        </p:txBody>
+      </p:sp>
+      <p:sp>
+        <p:nvSpPr>
+          <p:cNvPr id="5" name="Заметки 4"/>
+          <p:cNvSpPr>
+            <a:spLocks noGrp="1"/>
+          </p:cNvSpPr>
+          <p:nvPr>
+            <p:ph type="body" sz="quarter" idx="3"/>
+          </p:nvPr>
+        </p:nvSpPr>
+        <p:spPr>
+          <a:xfrm>
+            <a:off x="685800" y="4400550"/>
+            <a:ext cx="5486400" cy="3600450"/>
+          </a:xfrm>
+          <a:prstGeom prst="rect">
+            <a:avLst/>
+          </a:prstGeom>
+        </p:spPr>
+        <p:txBody>
+          <a:bodyPr vert="horz" lIns="91440" tIns="45720" rIns="91440" bIns="45720" rtlCol="0"/>
+          <a:lstStyle/>
+          <a:p>
+            <a:pPr lvl="0"/>
+            <a:r>
+              <a:rPr lang="ru-RU" smtClean="0"/>
+              <a:t>Образец текста</a:t>
+            </a:r>
+          </a:p>
+          <a:p>
+            <a:pPr lvl="1"/>
+            <a:r>
+              <a:rPr lang="ru-RU" smtClean="0"/>
+              <a:t>Второй уровень</a:t>
+            </a:r>
+          </a:p>
+          <a:p>
+            <a:pPr lvl="2"/>
+            <a:r>
+              <a:rPr lang="ru-RU" smtClean="0"/>
+              <a:t>Третий уровень</a:t>
+            </a:r>
+          </a:p>
+          <a:p>
+            <a:pPr lvl="3"/>
+            <a:r>
+              <a:rPr lang="ru-RU" smtClean="0"/>
+              <a:t>Четвертый уровень</a:t>
+            </a:r>
+          </a:p>
+          <a:p>
+            <a:pPr lvl="4"/>
+            <a:r>
+              <a:rPr lang="ru-RU" smtClean="0"/>
+              <a:t>Пятый уровень</a:t>
+            </a:r>
+            <a:endParaRPr lang="ru-RU"/>
+          </a:p>
+        </p:txBody>
+      </p:sp>
+      <p:sp>
+        <p:nvSpPr>
+          <p:cNvPr id="6" name="Нижний колонтитул 5"/>
+          <p:cNvSpPr>
+            <a:spLocks noGrp="1"/>
+          </p:cNvSpPr>
+          <p:nvPr>
+            <p:ph type="ftr" sz="quarter" idx="4"/>
+          </p:nvPr>
+        </p:nvSpPr>
+        <p:spPr>
+          <a:xfrm>
+            <a:off x="0" y="8685213"/>
+            <a:ext cx="2971800" cy="458787"/>
+          </a:xfrm>
+          <a:prstGeom prst="rect">
+            <a:avLst/>
+          </a:prstGeom>
+        </p:spPr>
+        <p:txBody>
+          <a:bodyPr vert="horz" lIns="91440" tIns="45720" rIns="91440" bIns="45720" rtlCol="0" anchor="b"/>
+          <a:lstStyle>
+            <a:lvl1pPr algn="l">
+              <a:defRPr sz="1200"/>
+            </a:lvl1pPr>
+          </a:lstStyle>
+          <a:p>
+            <a:endParaRPr lang="ru-RU"/>
+          </a:p>
+        </p:txBody>
+      </p:sp>
+      <p:sp>
+        <p:nvSpPr>
+          <p:cNvPr id="7" name="Номер слайда 6"/>
+          <p:cNvSpPr>
+            <a:spLocks noGrp="1"/>
+          </p:cNvSpPr>
+          <p:nvPr>
+            <p:ph type="sldNum" sz="quarter" idx="5"/>
+          </p:nvPr>
+        </p:nvSpPr>
+        <p:spPr>
+          <a:xfrm>
+            <a:off x="3884613" y="8685213"/>
+            <a:ext cx="2971800" cy="458787"/>
+          </a:xfrm>
+          <a:prstGeom prst="rect">
+            <a:avLst/>
+          </a:prstGeom>
+        </p:spPr>
+        <p:txBody>
+          <a:bodyPr vert="horz" lIns="91440" tIns="45720" rIns="91440" bIns="45720" rtlCol="0" anchor="b"/>
+          <a:lstStyle>
+            <a:lvl1pPr algn="r">
+              <a:defRPr sz="1200"/>
+            </a:lvl1pPr>
+          </a:lstStyle>
+          <a:p>
+            <a:fld id="{8C4DFAB7-375F-4002-85C7-3FEB82B22BB2}" type="slidenum">
+              <a:rPr lang="ru-RU" smtClean="0"/>
+              <a:t>‹#›</a:t>
+            </a:fld>
+            <a:endParaRPr lang="ru-RU"/>
+          </a:p>
+        </p:txBody>
+      </p:sp>
+    </p:spTree>
+    <p:extLst>
+      <p:ext uri="{BB962C8B-B14F-4D97-AF65-F5344CB8AC3E}">
+        <p14:creationId xmlns:p14="http://schemas.microsoft.com/office/powerpoint/2010/main" val="2014643837"/>
+      </p:ext>
+    </p:extLst>
+  </p:cSld>
+  <p:clrMap bg1="lt1" tx1="dk1" bg2="lt2" tx2="dk2" accent1="accent1" accent2="accent2" accent3="accent3" accent4="accent4" accent5="accent5" accent6="accent6" hlink="hlink" folHlink="folHlink"/>
+  <p:notesStyle>
+    <a:lvl1pPr marL="0" algn="l" defTabSz="914400" rtl="0" eaLnBrk="1" latinLnBrk="0" hangingPunct="1">
+      <a:defRPr sz="1200" kern="1200">
+        <a:solidFill>
+          <a:schemeClr val="tx1"/>
+        </a:solidFill>
+        <a:latin typeface="+mn-lt"/>
+        <a:ea typeface="+mn-ea"/>
+        <a:cs typeface="+mn-cs"/>
+      </a:defRPr>
+    </a:lvl1pPr>
+    <a:lvl2pPr marL="457200" algn="l" defTabSz="914400" rtl="0" eaLnBrk="1" latinLnBrk="0" hangingPunct="1">
+      <a:defRPr sz="1200" kern="1200">
+        <a:solidFill>
+          <a:schemeClr val="tx1"/>
+        </a:solidFill>
+        <a:latin typeface="+mn-lt"/>
+        <a:ea typeface="+mn-ea"/>
+        <a:cs typeface="+mn-cs"/>
+      </a:defRPr>
+    </a:lvl2pPr>
+    <a:lvl3pPr marL="914400" algn="l" defTabSz="914400" rtl="0" eaLnBrk="1" latinLnBrk="0" hangingPunct="1">
+      <a:defRPr sz="1200" kern="1200">
+        <a:solidFill>
+          <a:schemeClr val="tx1"/>
+        </a:solidFill>
+        <a:latin typeface="+mn-lt"/>
+        <a:ea typeface="+mn-ea"/>
+        <a:cs typeface="+mn-cs"/>
+      </a:defRPr>
+    </a:lvl3pPr>
+    <a:lvl4pPr marL="1371600" algn="l" defTabSz="914400" rtl="0" eaLnBrk="1" latinLnBrk="0" hangingPunct="1">
+      <a:defRPr sz="1200" kern="1200">
+        <a:solidFill>
+          <a:schemeClr val="tx1"/>
+        </a:solidFill>
+        <a:latin typeface="+mn-lt"/>
+        <a:ea typeface="+mn-ea"/>
+        <a:cs typeface="+mn-cs"/>
+      </a:defRPr>
+    </a:lvl4pPr>
+    <a:lvl5pPr marL="1828800" algn="l" defTabSz="914400" rtl="0" eaLnBrk="1" latinLnBrk="0" hangingPunct="1">
+      <a:defRPr sz="1200" kern="1200">
+        <a:solidFill>
+          <a:schemeClr val="tx1"/>
+        </a:solidFill>
+        <a:latin typeface="+mn-lt"/>
+        <a:ea typeface="+mn-ea"/>
+        <a:cs typeface="+mn-cs"/>
+      </a:defRPr>
+    </a:lvl5pPr>
+    <a:lvl6pPr marL="2286000" algn="l" defTabSz="914400" rtl="0" eaLnBrk="1" latinLnBrk="0" hangingPunct="1">
+      <a:defRPr sz="1200" kern="1200">
+        <a:solidFill>
+          <a:schemeClr val="tx1"/>
+        </a:solidFill>
+        <a:latin typeface="+mn-lt"/>
+        <a:ea typeface="+mn-ea"/>
+        <a:cs typeface="+mn-cs"/>
+      </a:defRPr>
+    </a:lvl6pPr>
+    <a:lvl7pPr marL="2743200" algn="l" defTabSz="914400" rtl="0" eaLnBrk="1" latinLnBrk="0" hangingPunct="1">
+      <a:defRPr sz="1200" kern="1200">
+        <a:solidFill>
+          <a:schemeClr val="tx1"/>
+        </a:solidFill>
+        <a:latin typeface="+mn-lt"/>
+        <a:ea typeface="+mn-ea"/>
+        <a:cs typeface="+mn-cs"/>
+      </a:defRPr>
+    </a:lvl7pPr>
+    <a:lvl8pPr marL="3200400" algn="l" defTabSz="914400" rtl="0" eaLnBrk="1" latinLnBrk="0" hangingPunct="1">
+      <a:defRPr sz="1200" kern="1200">
+        <a:solidFill>
+          <a:schemeClr val="tx1"/>
+        </a:solidFill>
+        <a:latin typeface="+mn-lt"/>
+        <a:ea typeface="+mn-ea"/>
+        <a:cs typeface="+mn-cs"/>
+      </a:defRPr>
+    </a:lvl8pPr>
+    <a:lvl9pPr marL="3657600" algn="l" defTabSz="914400" rtl="0" eaLnBrk="1" latinLnBrk="0" hangingPunct="1">
+      <a:defRPr sz="1200" kern="1200">
+        <a:solidFill>
+          <a:schemeClr val="tx1"/>
+        </a:solidFill>
+        <a:latin typeface="+mn-lt"/>
+        <a:ea typeface="+mn-ea"/>
+        <a:cs typeface="+mn-cs"/>
+      </a:defRPr>
+    </a:lvl9pPr>
+  </p:notesStyle>
+</p:notesMaster>
+</file>
+
+<file path=ppt/notesSlides/notesSlide1.xml><?xml version="1.0" encoding="utf-8"?>
+<p:notes xmlns:a="http://schemas.openxmlformats.org/drawingml/2006/main" xmlns:r="http://schemas.openxmlformats.org/officeDocument/2006/relationships" xmlns:p="http://schemas.openxmlformats.org/presentationml/2006/main">
+  <p:cSld>
+    <p:spTree>
+      <p:nvGrpSpPr>
+        <p:cNvPr id="1" name=""/>
+        <p:cNvGrpSpPr/>
+        <p:nvPr/>
+      </p:nvGrpSpPr>
+      <p:grpSpPr>
+        <a:xfrm>
+          <a:off x="0" y="0"/>
+          <a:ext cx="0" cy="0"/>
+          <a:chOff x="0" y="0"/>
+          <a:chExt cx="0" cy="0"/>
+        </a:xfrm>
+      </p:grpSpPr>
+      <p:sp>
+        <p:nvSpPr>
+          <p:cNvPr id="2" name="Образ слайда 1"/>
+          <p:cNvSpPr>
+            <a:spLocks noGrp="1" noRot="1" noChangeAspect="1"/>
+          </p:cNvSpPr>
+          <p:nvPr>
+            <p:ph type="sldImg"/>
+          </p:nvPr>
+        </p:nvSpPr>
+        <p:spPr/>
+      </p:sp>
+      <p:sp>
+        <p:nvSpPr>
+          <p:cNvPr id="3" name="Заметки 2"/>
+          <p:cNvSpPr>
+            <a:spLocks noGrp="1"/>
+          </p:cNvSpPr>
+          <p:nvPr>
+            <p:ph type="body" idx="1"/>
+          </p:nvPr>
+        </p:nvSpPr>
+        <p:spPr/>
+        <p:txBody>
+          <a:bodyPr/>
+          <a:lstStyle/>
+          <a:p>
+            <a:endParaRPr lang="ru-RU" dirty="0"/>
+          </a:p>
+        </p:txBody>
+      </p:sp>
+      <p:sp>
+        <p:nvSpPr>
+          <p:cNvPr id="4" name="Номер слайда 3"/>
+          <p:cNvSpPr>
+            <a:spLocks noGrp="1"/>
+          </p:cNvSpPr>
+          <p:nvPr>
+            <p:ph type="sldNum" sz="quarter" idx="10"/>
+          </p:nvPr>
+        </p:nvSpPr>
+        <p:spPr/>
+        <p:txBody>
+          <a:bodyPr/>
+          <a:lstStyle/>
+          <a:p>
+            <a:fld id="{8C4DFAB7-375F-4002-85C7-3FEB82B22BB2}" type="slidenum">
+              <a:rPr lang="ru-RU" smtClean="0"/>
+              <a:t>7</a:t>
+            </a:fld>
+            <a:endParaRPr lang="ru-RU"/>
+          </a:p>
+        </p:txBody>
+      </p:sp>
+    </p:spTree>
+    <p:extLst>
+      <p:ext uri="{BB962C8B-B14F-4D97-AF65-F5344CB8AC3E}">
+        <p14:creationId xmlns:p14="http://schemas.microsoft.com/office/powerpoint/2010/main" val="1931655523"/>
+      </p:ext>
+    </p:extLst>
+  </p:cSld>
+  <p:clrMapOvr>
+    <a:masterClrMapping/>
+  </p:clrMapOvr>
+</p:notes>
 </file>
 
 <file path=ppt/slideLayouts/slideLayout1.xml><?xml version="1.0" encoding="utf-8"?>
@@ -5791,8 +6228,8 @@
           </a:stretch>
         </p:blipFill>
         <p:spPr>
-          <a:xfrm rot="10800000">
-            <a:off x="-1" y="0"/>
+          <a:xfrm>
+            <a:off x="0" y="0"/>
             <a:ext cx="12603871" cy="6858000"/>
           </a:xfrm>
           <a:prstGeom prst="rect">
@@ -5818,12 +6255,14 @@
         </p:nvSpPr>
         <p:spPr>
           <a:xfrm>
-            <a:off x="4417786" y="0"/>
-            <a:ext cx="3356428" cy="1325563"/>
-          </a:xfrm>
-        </p:spPr>
-        <p:txBody>
-          <a:bodyPr/>
+            <a:off x="-65583" y="2658125"/>
+            <a:ext cx="3004635" cy="1143213"/>
+          </a:xfrm>
+        </p:spPr>
+        <p:txBody>
+          <a:bodyPr>
+            <a:normAutofit fontScale="90000"/>
+          </a:bodyPr>
           <a:lstStyle/>
           <a:p>
             <a:r>
@@ -5834,6 +6273,1950 @@
                 <a:latin typeface="Druk Wide Cyr" pitchFamily="2" charset="-52"/>
               </a:rPr>
               <a:t>Задачи</a:t>
+            </a:r>
+          </a:p>
+        </p:txBody>
+      </p:sp>
+      <p:sp>
+        <p:nvSpPr>
+          <p:cNvPr id="3" name="Овал 2"/>
+          <p:cNvSpPr/>
+          <p:nvPr/>
+        </p:nvSpPr>
+        <p:spPr>
+          <a:xfrm>
+            <a:off x="-1950651" y="474511"/>
+            <a:ext cx="5960382" cy="5505450"/>
+          </a:xfrm>
+          <a:prstGeom prst="ellipse">
+            <a:avLst/>
+          </a:prstGeom>
+          <a:noFill/>
+          <a:ln w="76200">
+            <a:solidFill>
+              <a:srgbClr val="5DD62C"/>
+            </a:solidFill>
+            <a:prstDash val="sysDash"/>
+          </a:ln>
+        </p:spPr>
+        <p:style>
+          <a:lnRef idx="2">
+            <a:schemeClr val="accent1">
+              <a:shade val="50000"/>
+            </a:schemeClr>
+          </a:lnRef>
+          <a:fillRef idx="1">
+            <a:schemeClr val="accent1"/>
+          </a:fillRef>
+          <a:effectRef idx="0">
+            <a:schemeClr val="accent1"/>
+          </a:effectRef>
+          <a:fontRef idx="minor">
+            <a:schemeClr val="lt1"/>
+          </a:fontRef>
+        </p:style>
+        <p:txBody>
+          <a:bodyPr rtlCol="0" anchor="ctr"/>
+          <a:lstStyle/>
+          <a:p>
+            <a:pPr algn="ctr"/>
+            <a:endParaRPr lang="ru-RU"/>
+          </a:p>
+        </p:txBody>
+      </p:sp>
+      <p:sp>
+        <p:nvSpPr>
+          <p:cNvPr id="4" name="Овал 3"/>
+          <p:cNvSpPr/>
+          <p:nvPr/>
+        </p:nvSpPr>
+        <p:spPr>
+          <a:xfrm>
+            <a:off x="2132680" y="609037"/>
+            <a:ext cx="323850" cy="314327"/>
+          </a:xfrm>
+          <a:prstGeom prst="ellipse">
+            <a:avLst/>
+          </a:prstGeom>
+          <a:solidFill>
+            <a:srgbClr val="5DD62C"/>
+          </a:solidFill>
+          <a:ln w="76200">
+            <a:solidFill>
+              <a:schemeClr val="bg1"/>
+            </a:solidFill>
+          </a:ln>
+        </p:spPr>
+        <p:style>
+          <a:lnRef idx="2">
+            <a:schemeClr val="accent1">
+              <a:shade val="50000"/>
+            </a:schemeClr>
+          </a:lnRef>
+          <a:fillRef idx="1">
+            <a:schemeClr val="accent1"/>
+          </a:fillRef>
+          <a:effectRef idx="0">
+            <a:schemeClr val="accent1"/>
+          </a:effectRef>
+          <a:fontRef idx="minor">
+            <a:schemeClr val="lt1"/>
+          </a:fontRef>
+        </p:style>
+        <p:txBody>
+          <a:bodyPr rtlCol="0" anchor="ctr"/>
+          <a:lstStyle/>
+          <a:p>
+            <a:pPr algn="ctr"/>
+            <a:endParaRPr lang="ru-RU"/>
+          </a:p>
+        </p:txBody>
+      </p:sp>
+      <p:cxnSp>
+        <p:nvCxnSpPr>
+          <p:cNvPr id="6" name="Прямая соединительная линия 5"/>
+          <p:cNvCxnSpPr>
+            <a:stCxn id="4" idx="7"/>
+          </p:cNvCxnSpPr>
+          <p:nvPr/>
+        </p:nvCxnSpPr>
+        <p:spPr>
+          <a:xfrm flipV="1">
+            <a:off x="2409103" y="474511"/>
+            <a:ext cx="276074" cy="180558"/>
+          </a:xfrm>
+          <a:prstGeom prst="line">
+            <a:avLst/>
+          </a:prstGeom>
+          <a:ln w="57150">
+            <a:solidFill>
+              <a:srgbClr val="F8F8F8"/>
+            </a:solidFill>
+          </a:ln>
+        </p:spPr>
+        <p:style>
+          <a:lnRef idx="1">
+            <a:schemeClr val="accent1"/>
+          </a:lnRef>
+          <a:fillRef idx="0">
+            <a:schemeClr val="accent1"/>
+          </a:fillRef>
+          <a:effectRef idx="0">
+            <a:schemeClr val="accent1"/>
+          </a:effectRef>
+          <a:fontRef idx="minor">
+            <a:schemeClr val="tx1"/>
+          </a:fontRef>
+        </p:style>
+      </p:cxnSp>
+      <p:sp>
+        <p:nvSpPr>
+          <p:cNvPr id="42" name="Скругленный прямоугольник 41"/>
+          <p:cNvSpPr/>
+          <p:nvPr/>
+        </p:nvSpPr>
+        <p:spPr>
+          <a:xfrm>
+            <a:off x="3086742" y="161447"/>
+            <a:ext cx="4398558" cy="895180"/>
+          </a:xfrm>
+          <a:prstGeom prst="roundRect">
+            <a:avLst/>
+          </a:prstGeom>
+          <a:solidFill>
+            <a:srgbClr val="337347"/>
+          </a:solidFill>
+          <a:ln>
+            <a:solidFill>
+              <a:srgbClr val="F8F8F8"/>
+            </a:solidFill>
+          </a:ln>
+        </p:spPr>
+        <p:style>
+          <a:lnRef idx="2">
+            <a:schemeClr val="accent1">
+              <a:shade val="50000"/>
+            </a:schemeClr>
+          </a:lnRef>
+          <a:fillRef idx="1">
+            <a:schemeClr val="accent1"/>
+          </a:fillRef>
+          <a:effectRef idx="0">
+            <a:schemeClr val="accent1"/>
+          </a:effectRef>
+          <a:fontRef idx="minor">
+            <a:schemeClr val="lt1"/>
+          </a:fontRef>
+        </p:style>
+        <p:txBody>
+          <a:bodyPr rtlCol="0" anchor="ctr"/>
+          <a:lstStyle/>
+          <a:p>
+            <a:pPr algn="ctr"/>
+            <a:endParaRPr lang="ru-RU"/>
+          </a:p>
+        </p:txBody>
+      </p:sp>
+      <p:sp>
+        <p:nvSpPr>
+          <p:cNvPr id="7" name="Овал 6"/>
+          <p:cNvSpPr/>
+          <p:nvPr/>
+        </p:nvSpPr>
+        <p:spPr>
+          <a:xfrm>
+            <a:off x="2613387" y="95877"/>
+            <a:ext cx="661579" cy="616068"/>
+          </a:xfrm>
+          <a:prstGeom prst="ellipse">
+            <a:avLst/>
+          </a:prstGeom>
+          <a:solidFill>
+            <a:srgbClr val="5DD62C"/>
+          </a:solidFill>
+          <a:ln w="57150">
+            <a:solidFill>
+              <a:srgbClr val="F8F8F8"/>
+            </a:solidFill>
+          </a:ln>
+          <a:effectLst>
+            <a:glow rad="228600">
+              <a:schemeClr val="accent6">
+                <a:satMod val="175000"/>
+                <a:alpha val="40000"/>
+              </a:schemeClr>
+            </a:glow>
+          </a:effectLst>
+        </p:spPr>
+        <p:style>
+          <a:lnRef idx="2">
+            <a:schemeClr val="accent1">
+              <a:shade val="50000"/>
+            </a:schemeClr>
+          </a:lnRef>
+          <a:fillRef idx="1">
+            <a:schemeClr val="accent1"/>
+          </a:fillRef>
+          <a:effectRef idx="0">
+            <a:schemeClr val="accent1"/>
+          </a:effectRef>
+          <a:fontRef idx="minor">
+            <a:schemeClr val="lt1"/>
+          </a:fontRef>
+        </p:style>
+        <p:txBody>
+          <a:bodyPr rtlCol="0" anchor="ctr"/>
+          <a:lstStyle/>
+          <a:p>
+            <a:pPr algn="ctr"/>
+            <a:endParaRPr lang="ru-RU"/>
+          </a:p>
+        </p:txBody>
+      </p:sp>
+      <p:sp>
+        <p:nvSpPr>
+          <p:cNvPr id="54" name="Скругленный прямоугольник 53"/>
+          <p:cNvSpPr/>
+          <p:nvPr/>
+        </p:nvSpPr>
+        <p:spPr>
+          <a:xfrm>
+            <a:off x="4450672" y="1182776"/>
+            <a:ext cx="4398558" cy="895180"/>
+          </a:xfrm>
+          <a:prstGeom prst="roundRect">
+            <a:avLst/>
+          </a:prstGeom>
+          <a:solidFill>
+            <a:srgbClr val="337347"/>
+          </a:solidFill>
+          <a:ln>
+            <a:solidFill>
+              <a:srgbClr val="F8F8F8"/>
+            </a:solidFill>
+          </a:ln>
+        </p:spPr>
+        <p:style>
+          <a:lnRef idx="2">
+            <a:schemeClr val="accent1">
+              <a:shade val="50000"/>
+            </a:schemeClr>
+          </a:lnRef>
+          <a:fillRef idx="1">
+            <a:schemeClr val="accent1"/>
+          </a:fillRef>
+          <a:effectRef idx="0">
+            <a:schemeClr val="accent1"/>
+          </a:effectRef>
+          <a:fontRef idx="minor">
+            <a:schemeClr val="lt1"/>
+          </a:fontRef>
+        </p:style>
+        <p:txBody>
+          <a:bodyPr rtlCol="0" anchor="ctr"/>
+          <a:lstStyle/>
+          <a:p>
+            <a:pPr algn="ctr"/>
+            <a:endParaRPr lang="ru-RU"/>
+          </a:p>
+        </p:txBody>
+      </p:sp>
+      <p:sp>
+        <p:nvSpPr>
+          <p:cNvPr id="55" name="Скругленный прямоугольник 54"/>
+          <p:cNvSpPr/>
+          <p:nvPr/>
+        </p:nvSpPr>
+        <p:spPr>
+          <a:xfrm>
+            <a:off x="4923432" y="2304671"/>
+            <a:ext cx="4398558" cy="895180"/>
+          </a:xfrm>
+          <a:prstGeom prst="roundRect">
+            <a:avLst/>
+          </a:prstGeom>
+          <a:solidFill>
+            <a:srgbClr val="337347"/>
+          </a:solidFill>
+          <a:ln>
+            <a:solidFill>
+              <a:srgbClr val="F8F8F8"/>
+            </a:solidFill>
+          </a:ln>
+        </p:spPr>
+        <p:style>
+          <a:lnRef idx="2">
+            <a:schemeClr val="accent1">
+              <a:shade val="50000"/>
+            </a:schemeClr>
+          </a:lnRef>
+          <a:fillRef idx="1">
+            <a:schemeClr val="accent1"/>
+          </a:fillRef>
+          <a:effectRef idx="0">
+            <a:schemeClr val="accent1"/>
+          </a:effectRef>
+          <a:fontRef idx="minor">
+            <a:schemeClr val="lt1"/>
+          </a:fontRef>
+        </p:style>
+        <p:txBody>
+          <a:bodyPr rtlCol="0" anchor="ctr"/>
+          <a:lstStyle/>
+          <a:p>
+            <a:pPr algn="ctr"/>
+            <a:endParaRPr lang="ru-RU"/>
+          </a:p>
+        </p:txBody>
+      </p:sp>
+      <p:sp>
+        <p:nvSpPr>
+          <p:cNvPr id="56" name="Скругленный прямоугольник 55"/>
+          <p:cNvSpPr/>
+          <p:nvPr/>
+        </p:nvSpPr>
+        <p:spPr>
+          <a:xfrm>
+            <a:off x="4873008" y="3465199"/>
+            <a:ext cx="4398558" cy="895180"/>
+          </a:xfrm>
+          <a:prstGeom prst="roundRect">
+            <a:avLst/>
+          </a:prstGeom>
+          <a:solidFill>
+            <a:srgbClr val="337347"/>
+          </a:solidFill>
+          <a:ln>
+            <a:solidFill>
+              <a:srgbClr val="F8F8F8"/>
+            </a:solidFill>
+          </a:ln>
+        </p:spPr>
+        <p:style>
+          <a:lnRef idx="2">
+            <a:schemeClr val="accent1">
+              <a:shade val="50000"/>
+            </a:schemeClr>
+          </a:lnRef>
+          <a:fillRef idx="1">
+            <a:schemeClr val="accent1"/>
+          </a:fillRef>
+          <a:effectRef idx="0">
+            <a:schemeClr val="accent1"/>
+          </a:effectRef>
+          <a:fontRef idx="minor">
+            <a:schemeClr val="lt1"/>
+          </a:fontRef>
+        </p:style>
+        <p:txBody>
+          <a:bodyPr rtlCol="0" anchor="ctr"/>
+          <a:lstStyle/>
+          <a:p>
+            <a:pPr algn="ctr"/>
+            <a:endParaRPr lang="ru-RU"/>
+          </a:p>
+        </p:txBody>
+      </p:sp>
+      <p:sp>
+        <p:nvSpPr>
+          <p:cNvPr id="57" name="Скругленный прямоугольник 56"/>
+          <p:cNvSpPr/>
+          <p:nvPr/>
+        </p:nvSpPr>
+        <p:spPr>
+          <a:xfrm>
+            <a:off x="4542219" y="4581335"/>
+            <a:ext cx="4398558" cy="895180"/>
+          </a:xfrm>
+          <a:prstGeom prst="roundRect">
+            <a:avLst/>
+          </a:prstGeom>
+          <a:solidFill>
+            <a:srgbClr val="337347"/>
+          </a:solidFill>
+          <a:ln>
+            <a:solidFill>
+              <a:srgbClr val="F8F8F8"/>
+            </a:solidFill>
+          </a:ln>
+        </p:spPr>
+        <p:style>
+          <a:lnRef idx="2">
+            <a:schemeClr val="accent1">
+              <a:shade val="50000"/>
+            </a:schemeClr>
+          </a:lnRef>
+          <a:fillRef idx="1">
+            <a:schemeClr val="accent1"/>
+          </a:fillRef>
+          <a:effectRef idx="0">
+            <a:schemeClr val="accent1"/>
+          </a:effectRef>
+          <a:fontRef idx="minor">
+            <a:schemeClr val="lt1"/>
+          </a:fontRef>
+        </p:style>
+        <p:txBody>
+          <a:bodyPr rtlCol="0" anchor="ctr"/>
+          <a:lstStyle/>
+          <a:p>
+            <a:pPr algn="ctr"/>
+            <a:endParaRPr lang="ru-RU"/>
+          </a:p>
+        </p:txBody>
+      </p:sp>
+      <p:sp>
+        <p:nvSpPr>
+          <p:cNvPr id="58" name="Скругленный прямоугольник 57"/>
+          <p:cNvSpPr/>
+          <p:nvPr/>
+        </p:nvSpPr>
+        <p:spPr>
+          <a:xfrm>
+            <a:off x="3200570" y="5664674"/>
+            <a:ext cx="4398558" cy="895180"/>
+          </a:xfrm>
+          <a:prstGeom prst="roundRect">
+            <a:avLst/>
+          </a:prstGeom>
+          <a:solidFill>
+            <a:srgbClr val="337347"/>
+          </a:solidFill>
+          <a:ln>
+            <a:solidFill>
+              <a:srgbClr val="F8F8F8"/>
+            </a:solidFill>
+          </a:ln>
+        </p:spPr>
+        <p:style>
+          <a:lnRef idx="2">
+            <a:schemeClr val="accent1">
+              <a:shade val="50000"/>
+            </a:schemeClr>
+          </a:lnRef>
+          <a:fillRef idx="1">
+            <a:schemeClr val="accent1"/>
+          </a:fillRef>
+          <a:effectRef idx="0">
+            <a:schemeClr val="accent1"/>
+          </a:effectRef>
+          <a:fontRef idx="minor">
+            <a:schemeClr val="lt1"/>
+          </a:fontRef>
+        </p:style>
+        <p:txBody>
+          <a:bodyPr rtlCol="0" anchor="ctr"/>
+          <a:lstStyle/>
+          <a:p>
+            <a:pPr algn="ctr"/>
+            <a:endParaRPr lang="ru-RU"/>
+          </a:p>
+        </p:txBody>
+      </p:sp>
+      <p:sp>
+        <p:nvSpPr>
+          <p:cNvPr id="59" name="Овал 58"/>
+          <p:cNvSpPr/>
+          <p:nvPr/>
+        </p:nvSpPr>
+        <p:spPr>
+          <a:xfrm>
+            <a:off x="3992688" y="1226375"/>
+            <a:ext cx="661579" cy="616068"/>
+          </a:xfrm>
+          <a:prstGeom prst="ellipse">
+            <a:avLst/>
+          </a:prstGeom>
+          <a:solidFill>
+            <a:srgbClr val="5DD62C"/>
+          </a:solidFill>
+          <a:ln w="57150">
+            <a:solidFill>
+              <a:srgbClr val="F8F8F8"/>
+            </a:solidFill>
+          </a:ln>
+          <a:effectLst>
+            <a:glow rad="228600">
+              <a:schemeClr val="accent6">
+                <a:satMod val="175000"/>
+                <a:alpha val="40000"/>
+              </a:schemeClr>
+            </a:glow>
+          </a:effectLst>
+        </p:spPr>
+        <p:style>
+          <a:lnRef idx="2">
+            <a:schemeClr val="accent1">
+              <a:shade val="50000"/>
+            </a:schemeClr>
+          </a:lnRef>
+          <a:fillRef idx="1">
+            <a:schemeClr val="accent1"/>
+          </a:fillRef>
+          <a:effectRef idx="0">
+            <a:schemeClr val="accent1"/>
+          </a:effectRef>
+          <a:fontRef idx="minor">
+            <a:schemeClr val="lt1"/>
+          </a:fontRef>
+        </p:style>
+        <p:txBody>
+          <a:bodyPr rtlCol="0" anchor="ctr"/>
+          <a:lstStyle/>
+          <a:p>
+            <a:pPr algn="ctr"/>
+            <a:endParaRPr lang="ru-RU"/>
+          </a:p>
+        </p:txBody>
+      </p:sp>
+      <p:sp>
+        <p:nvSpPr>
+          <p:cNvPr id="60" name="Овал 59"/>
+          <p:cNvSpPr/>
+          <p:nvPr/>
+        </p:nvSpPr>
+        <p:spPr>
+          <a:xfrm>
+            <a:off x="4542219" y="2339862"/>
+            <a:ext cx="661579" cy="616068"/>
+          </a:xfrm>
+          <a:prstGeom prst="ellipse">
+            <a:avLst/>
+          </a:prstGeom>
+          <a:solidFill>
+            <a:srgbClr val="5DD62C"/>
+          </a:solidFill>
+          <a:ln w="57150">
+            <a:solidFill>
+              <a:srgbClr val="F8F8F8"/>
+            </a:solidFill>
+          </a:ln>
+          <a:effectLst>
+            <a:glow rad="228600">
+              <a:schemeClr val="accent6">
+                <a:satMod val="175000"/>
+                <a:alpha val="40000"/>
+              </a:schemeClr>
+            </a:glow>
+          </a:effectLst>
+        </p:spPr>
+        <p:style>
+          <a:lnRef idx="2">
+            <a:schemeClr val="accent1">
+              <a:shade val="50000"/>
+            </a:schemeClr>
+          </a:lnRef>
+          <a:fillRef idx="1">
+            <a:schemeClr val="accent1"/>
+          </a:fillRef>
+          <a:effectRef idx="0">
+            <a:schemeClr val="accent1"/>
+          </a:effectRef>
+          <a:fontRef idx="minor">
+            <a:schemeClr val="lt1"/>
+          </a:fontRef>
+        </p:style>
+        <p:txBody>
+          <a:bodyPr rtlCol="0" anchor="ctr"/>
+          <a:lstStyle/>
+          <a:p>
+            <a:pPr algn="ctr"/>
+            <a:endParaRPr lang="ru-RU"/>
+          </a:p>
+        </p:txBody>
+      </p:sp>
+      <p:sp>
+        <p:nvSpPr>
+          <p:cNvPr id="61" name="Овал 60"/>
+          <p:cNvSpPr/>
+          <p:nvPr/>
+        </p:nvSpPr>
+        <p:spPr>
+          <a:xfrm>
+            <a:off x="4450672" y="3631037"/>
+            <a:ext cx="661579" cy="616068"/>
+          </a:xfrm>
+          <a:prstGeom prst="ellipse">
+            <a:avLst/>
+          </a:prstGeom>
+          <a:solidFill>
+            <a:srgbClr val="5DD62C"/>
+          </a:solidFill>
+          <a:ln w="57150">
+            <a:solidFill>
+              <a:srgbClr val="F8F8F8"/>
+            </a:solidFill>
+          </a:ln>
+          <a:effectLst>
+            <a:glow rad="228600">
+              <a:schemeClr val="accent6">
+                <a:satMod val="175000"/>
+                <a:alpha val="40000"/>
+              </a:schemeClr>
+            </a:glow>
+          </a:effectLst>
+        </p:spPr>
+        <p:style>
+          <a:lnRef idx="2">
+            <a:schemeClr val="accent1">
+              <a:shade val="50000"/>
+            </a:schemeClr>
+          </a:lnRef>
+          <a:fillRef idx="1">
+            <a:schemeClr val="accent1"/>
+          </a:fillRef>
+          <a:effectRef idx="0">
+            <a:schemeClr val="accent1"/>
+          </a:effectRef>
+          <a:fontRef idx="minor">
+            <a:schemeClr val="lt1"/>
+          </a:fontRef>
+        </p:style>
+        <p:txBody>
+          <a:bodyPr rtlCol="0" anchor="ctr"/>
+          <a:lstStyle/>
+          <a:p>
+            <a:pPr algn="ctr"/>
+            <a:endParaRPr lang="ru-RU"/>
+          </a:p>
+        </p:txBody>
+      </p:sp>
+      <p:sp>
+        <p:nvSpPr>
+          <p:cNvPr id="62" name="Овал 61"/>
+          <p:cNvSpPr/>
+          <p:nvPr/>
+        </p:nvSpPr>
+        <p:spPr>
+          <a:xfrm>
+            <a:off x="4029678" y="4584769"/>
+            <a:ext cx="661579" cy="616068"/>
+          </a:xfrm>
+          <a:prstGeom prst="ellipse">
+            <a:avLst/>
+          </a:prstGeom>
+          <a:solidFill>
+            <a:srgbClr val="5DD62C"/>
+          </a:solidFill>
+          <a:ln w="57150">
+            <a:solidFill>
+              <a:srgbClr val="F8F8F8"/>
+            </a:solidFill>
+          </a:ln>
+          <a:effectLst>
+            <a:glow rad="228600">
+              <a:schemeClr val="accent6">
+                <a:satMod val="175000"/>
+                <a:alpha val="40000"/>
+              </a:schemeClr>
+            </a:glow>
+          </a:effectLst>
+        </p:spPr>
+        <p:style>
+          <a:lnRef idx="2">
+            <a:schemeClr val="accent1">
+              <a:shade val="50000"/>
+            </a:schemeClr>
+          </a:lnRef>
+          <a:fillRef idx="1">
+            <a:schemeClr val="accent1"/>
+          </a:fillRef>
+          <a:effectRef idx="0">
+            <a:schemeClr val="accent1"/>
+          </a:effectRef>
+          <a:fontRef idx="minor">
+            <a:schemeClr val="lt1"/>
+          </a:fontRef>
+        </p:style>
+        <p:txBody>
+          <a:bodyPr rtlCol="0" anchor="ctr"/>
+          <a:lstStyle/>
+          <a:p>
+            <a:pPr algn="ctr"/>
+            <a:endParaRPr lang="ru-RU"/>
+          </a:p>
+        </p:txBody>
+      </p:sp>
+      <p:sp>
+        <p:nvSpPr>
+          <p:cNvPr id="63" name="Овал 62"/>
+          <p:cNvSpPr/>
+          <p:nvPr/>
+        </p:nvSpPr>
+        <p:spPr>
+          <a:xfrm>
+            <a:off x="2869781" y="5514763"/>
+            <a:ext cx="661579" cy="616068"/>
+          </a:xfrm>
+          <a:prstGeom prst="ellipse">
+            <a:avLst/>
+          </a:prstGeom>
+          <a:solidFill>
+            <a:srgbClr val="5DD62C"/>
+          </a:solidFill>
+          <a:ln w="57150">
+            <a:solidFill>
+              <a:srgbClr val="F8F8F8"/>
+            </a:solidFill>
+          </a:ln>
+          <a:effectLst>
+            <a:glow rad="228600">
+              <a:schemeClr val="accent6">
+                <a:satMod val="175000"/>
+                <a:alpha val="40000"/>
+              </a:schemeClr>
+            </a:glow>
+          </a:effectLst>
+        </p:spPr>
+        <p:style>
+          <a:lnRef idx="2">
+            <a:schemeClr val="accent1">
+              <a:shade val="50000"/>
+            </a:schemeClr>
+          </a:lnRef>
+          <a:fillRef idx="1">
+            <a:schemeClr val="accent1"/>
+          </a:fillRef>
+          <a:effectRef idx="0">
+            <a:schemeClr val="accent1"/>
+          </a:effectRef>
+          <a:fontRef idx="minor">
+            <a:schemeClr val="lt1"/>
+          </a:fontRef>
+        </p:style>
+        <p:txBody>
+          <a:bodyPr rtlCol="0" anchor="ctr"/>
+          <a:lstStyle/>
+          <a:p>
+            <a:pPr algn="ctr"/>
+            <a:endParaRPr lang="ru-RU"/>
+          </a:p>
+        </p:txBody>
+      </p:sp>
+      <p:sp>
+        <p:nvSpPr>
+          <p:cNvPr id="64" name="Овал 63"/>
+          <p:cNvSpPr/>
+          <p:nvPr/>
+        </p:nvSpPr>
+        <p:spPr>
+          <a:xfrm>
+            <a:off x="3348152" y="1685279"/>
+            <a:ext cx="343717" cy="314327"/>
+          </a:xfrm>
+          <a:prstGeom prst="ellipse">
+            <a:avLst/>
+          </a:prstGeom>
+          <a:solidFill>
+            <a:srgbClr val="5DD62C"/>
+          </a:solidFill>
+          <a:ln w="76200">
+            <a:solidFill>
+              <a:schemeClr val="bg1"/>
+            </a:solidFill>
+          </a:ln>
+        </p:spPr>
+        <p:style>
+          <a:lnRef idx="2">
+            <a:schemeClr val="accent1">
+              <a:shade val="50000"/>
+            </a:schemeClr>
+          </a:lnRef>
+          <a:fillRef idx="1">
+            <a:schemeClr val="accent1"/>
+          </a:fillRef>
+          <a:effectRef idx="0">
+            <a:schemeClr val="accent1"/>
+          </a:effectRef>
+          <a:fontRef idx="minor">
+            <a:schemeClr val="lt1"/>
+          </a:fontRef>
+        </p:style>
+        <p:txBody>
+          <a:bodyPr rtlCol="0" anchor="ctr"/>
+          <a:lstStyle/>
+          <a:p>
+            <a:pPr algn="ctr"/>
+            <a:endParaRPr lang="ru-RU"/>
+          </a:p>
+        </p:txBody>
+      </p:sp>
+      <p:cxnSp>
+        <p:nvCxnSpPr>
+          <p:cNvPr id="65" name="Прямая соединительная линия 64"/>
+          <p:cNvCxnSpPr>
+            <a:stCxn id="64" idx="7"/>
+            <a:endCxn id="59" idx="2"/>
+          </p:cNvCxnSpPr>
+          <p:nvPr/>
+        </p:nvCxnSpPr>
+        <p:spPr>
+          <a:xfrm flipV="1">
+            <a:off x="3641533" y="1534409"/>
+            <a:ext cx="351155" cy="196902"/>
+          </a:xfrm>
+          <a:prstGeom prst="line">
+            <a:avLst/>
+          </a:prstGeom>
+          <a:ln w="57150">
+            <a:solidFill>
+              <a:srgbClr val="F8F8F8"/>
+            </a:solidFill>
+          </a:ln>
+        </p:spPr>
+        <p:style>
+          <a:lnRef idx="1">
+            <a:schemeClr val="accent1"/>
+          </a:lnRef>
+          <a:fillRef idx="0">
+            <a:schemeClr val="accent1"/>
+          </a:fillRef>
+          <a:effectRef idx="0">
+            <a:schemeClr val="accent1"/>
+          </a:effectRef>
+          <a:fontRef idx="minor">
+            <a:schemeClr val="tx1"/>
+          </a:fontRef>
+        </p:style>
+      </p:cxnSp>
+      <p:sp>
+        <p:nvSpPr>
+          <p:cNvPr id="69" name="Овал 68"/>
+          <p:cNvSpPr/>
+          <p:nvPr/>
+        </p:nvSpPr>
+        <p:spPr>
+          <a:xfrm>
+            <a:off x="3765686" y="2486992"/>
+            <a:ext cx="343717" cy="314327"/>
+          </a:xfrm>
+          <a:prstGeom prst="ellipse">
+            <a:avLst/>
+          </a:prstGeom>
+          <a:solidFill>
+            <a:srgbClr val="5DD62C"/>
+          </a:solidFill>
+          <a:ln w="76200">
+            <a:solidFill>
+              <a:schemeClr val="bg1"/>
+            </a:solidFill>
+          </a:ln>
+        </p:spPr>
+        <p:style>
+          <a:lnRef idx="2">
+            <a:schemeClr val="accent1">
+              <a:shade val="50000"/>
+            </a:schemeClr>
+          </a:lnRef>
+          <a:fillRef idx="1">
+            <a:schemeClr val="accent1"/>
+          </a:fillRef>
+          <a:effectRef idx="0">
+            <a:schemeClr val="accent1"/>
+          </a:effectRef>
+          <a:fontRef idx="minor">
+            <a:schemeClr val="lt1"/>
+          </a:fontRef>
+        </p:style>
+        <p:txBody>
+          <a:bodyPr rtlCol="0" anchor="ctr"/>
+          <a:lstStyle/>
+          <a:p>
+            <a:pPr algn="ctr"/>
+            <a:endParaRPr lang="ru-RU"/>
+          </a:p>
+        </p:txBody>
+      </p:sp>
+      <p:cxnSp>
+        <p:nvCxnSpPr>
+          <p:cNvPr id="70" name="Прямая соединительная линия 69"/>
+          <p:cNvCxnSpPr>
+            <a:stCxn id="69" idx="6"/>
+            <a:endCxn id="60" idx="2"/>
+          </p:cNvCxnSpPr>
+          <p:nvPr/>
+        </p:nvCxnSpPr>
+        <p:spPr>
+          <a:xfrm>
+            <a:off x="4109403" y="2644156"/>
+            <a:ext cx="432816" cy="3740"/>
+          </a:xfrm>
+          <a:prstGeom prst="line">
+            <a:avLst/>
+          </a:prstGeom>
+          <a:ln w="57150">
+            <a:solidFill>
+              <a:srgbClr val="F8F8F8"/>
+            </a:solidFill>
+          </a:ln>
+        </p:spPr>
+        <p:style>
+          <a:lnRef idx="1">
+            <a:schemeClr val="accent1"/>
+          </a:lnRef>
+          <a:fillRef idx="0">
+            <a:schemeClr val="accent1"/>
+          </a:fillRef>
+          <a:effectRef idx="0">
+            <a:schemeClr val="accent1"/>
+          </a:effectRef>
+          <a:fontRef idx="minor">
+            <a:schemeClr val="tx1"/>
+          </a:fontRef>
+        </p:style>
+      </p:cxnSp>
+      <p:sp>
+        <p:nvSpPr>
+          <p:cNvPr id="76" name="Овал 75"/>
+          <p:cNvSpPr/>
+          <p:nvPr/>
+        </p:nvSpPr>
+        <p:spPr>
+          <a:xfrm>
+            <a:off x="3831409" y="3158861"/>
+            <a:ext cx="343717" cy="314327"/>
+          </a:xfrm>
+          <a:prstGeom prst="ellipse">
+            <a:avLst/>
+          </a:prstGeom>
+          <a:solidFill>
+            <a:srgbClr val="5DD62C"/>
+          </a:solidFill>
+          <a:ln w="76200">
+            <a:solidFill>
+              <a:schemeClr val="bg1"/>
+            </a:solidFill>
+          </a:ln>
+        </p:spPr>
+        <p:style>
+          <a:lnRef idx="2">
+            <a:schemeClr val="accent1">
+              <a:shade val="50000"/>
+            </a:schemeClr>
+          </a:lnRef>
+          <a:fillRef idx="1">
+            <a:schemeClr val="accent1"/>
+          </a:fillRef>
+          <a:effectRef idx="0">
+            <a:schemeClr val="accent1"/>
+          </a:effectRef>
+          <a:fontRef idx="minor">
+            <a:schemeClr val="lt1"/>
+          </a:fontRef>
+        </p:style>
+        <p:txBody>
+          <a:bodyPr rtlCol="0" anchor="ctr"/>
+          <a:lstStyle/>
+          <a:p>
+            <a:pPr algn="ctr"/>
+            <a:endParaRPr lang="ru-RU"/>
+          </a:p>
+        </p:txBody>
+      </p:sp>
+      <p:cxnSp>
+        <p:nvCxnSpPr>
+          <p:cNvPr id="77" name="Прямая соединительная линия 76"/>
+          <p:cNvCxnSpPr>
+            <a:stCxn id="76" idx="5"/>
+            <a:endCxn id="61" idx="1"/>
+          </p:cNvCxnSpPr>
+          <p:nvPr/>
+        </p:nvCxnSpPr>
+        <p:spPr>
+          <a:xfrm>
+            <a:off x="4124790" y="3427156"/>
+            <a:ext cx="422768" cy="294102"/>
+          </a:xfrm>
+          <a:prstGeom prst="line">
+            <a:avLst/>
+          </a:prstGeom>
+          <a:ln w="57150">
+            <a:solidFill>
+              <a:srgbClr val="F8F8F8"/>
+            </a:solidFill>
+          </a:ln>
+        </p:spPr>
+        <p:style>
+          <a:lnRef idx="1">
+            <a:schemeClr val="accent1"/>
+          </a:lnRef>
+          <a:fillRef idx="0">
+            <a:schemeClr val="accent1"/>
+          </a:fillRef>
+          <a:effectRef idx="0">
+            <a:schemeClr val="accent1"/>
+          </a:effectRef>
+          <a:fontRef idx="minor">
+            <a:schemeClr val="tx1"/>
+          </a:fontRef>
+        </p:style>
+      </p:cxnSp>
+      <p:sp>
+        <p:nvSpPr>
+          <p:cNvPr id="97" name="Овал 96"/>
+          <p:cNvSpPr/>
+          <p:nvPr/>
+        </p:nvSpPr>
+        <p:spPr>
+          <a:xfrm>
+            <a:off x="3542791" y="4091972"/>
+            <a:ext cx="343717" cy="314327"/>
+          </a:xfrm>
+          <a:prstGeom prst="ellipse">
+            <a:avLst/>
+          </a:prstGeom>
+          <a:solidFill>
+            <a:srgbClr val="5DD62C"/>
+          </a:solidFill>
+          <a:ln w="76200">
+            <a:solidFill>
+              <a:schemeClr val="bg1"/>
+            </a:solidFill>
+          </a:ln>
+        </p:spPr>
+        <p:style>
+          <a:lnRef idx="2">
+            <a:schemeClr val="accent1">
+              <a:shade val="50000"/>
+            </a:schemeClr>
+          </a:lnRef>
+          <a:fillRef idx="1">
+            <a:schemeClr val="accent1"/>
+          </a:fillRef>
+          <a:effectRef idx="0">
+            <a:schemeClr val="accent1"/>
+          </a:effectRef>
+          <a:fontRef idx="minor">
+            <a:schemeClr val="lt1"/>
+          </a:fontRef>
+        </p:style>
+        <p:txBody>
+          <a:bodyPr rtlCol="0" anchor="ctr"/>
+          <a:lstStyle/>
+          <a:p>
+            <a:pPr algn="ctr"/>
+            <a:endParaRPr lang="ru-RU"/>
+          </a:p>
+        </p:txBody>
+      </p:sp>
+      <p:cxnSp>
+        <p:nvCxnSpPr>
+          <p:cNvPr id="98" name="Прямая соединительная линия 97"/>
+          <p:cNvCxnSpPr>
+            <a:endCxn id="62" idx="1"/>
+          </p:cNvCxnSpPr>
+          <p:nvPr/>
+        </p:nvCxnSpPr>
+        <p:spPr>
+          <a:xfrm>
+            <a:off x="3791883" y="4334683"/>
+            <a:ext cx="334681" cy="340307"/>
+          </a:xfrm>
+          <a:prstGeom prst="line">
+            <a:avLst/>
+          </a:prstGeom>
+          <a:ln w="57150">
+            <a:solidFill>
+              <a:srgbClr val="F8F8F8"/>
+            </a:solidFill>
+          </a:ln>
+        </p:spPr>
+        <p:style>
+          <a:lnRef idx="1">
+            <a:schemeClr val="accent1"/>
+          </a:lnRef>
+          <a:fillRef idx="0">
+            <a:schemeClr val="accent1"/>
+          </a:fillRef>
+          <a:effectRef idx="0">
+            <a:schemeClr val="accent1"/>
+          </a:effectRef>
+          <a:fontRef idx="minor">
+            <a:schemeClr val="tx1"/>
+          </a:fontRef>
+        </p:style>
+      </p:cxnSp>
+      <p:sp>
+        <p:nvSpPr>
+          <p:cNvPr id="101" name="Овал 100"/>
+          <p:cNvSpPr/>
+          <p:nvPr/>
+        </p:nvSpPr>
+        <p:spPr>
+          <a:xfrm>
+            <a:off x="2685177" y="5069110"/>
+            <a:ext cx="343717" cy="314327"/>
+          </a:xfrm>
+          <a:prstGeom prst="ellipse">
+            <a:avLst/>
+          </a:prstGeom>
+          <a:solidFill>
+            <a:srgbClr val="5DD62C"/>
+          </a:solidFill>
+          <a:ln w="76200">
+            <a:solidFill>
+              <a:schemeClr val="bg1"/>
+            </a:solidFill>
+          </a:ln>
+        </p:spPr>
+        <p:style>
+          <a:lnRef idx="2">
+            <a:schemeClr val="accent1">
+              <a:shade val="50000"/>
+            </a:schemeClr>
+          </a:lnRef>
+          <a:fillRef idx="1">
+            <a:schemeClr val="accent1"/>
+          </a:fillRef>
+          <a:effectRef idx="0">
+            <a:schemeClr val="accent1"/>
+          </a:effectRef>
+          <a:fontRef idx="minor">
+            <a:schemeClr val="lt1"/>
+          </a:fontRef>
+        </p:style>
+        <p:txBody>
+          <a:bodyPr rtlCol="0" anchor="ctr"/>
+          <a:lstStyle/>
+          <a:p>
+            <a:pPr algn="ctr"/>
+            <a:endParaRPr lang="ru-RU"/>
+          </a:p>
+        </p:txBody>
+      </p:sp>
+      <p:cxnSp>
+        <p:nvCxnSpPr>
+          <p:cNvPr id="102" name="Прямая соединительная линия 101"/>
+          <p:cNvCxnSpPr>
+            <a:stCxn id="101" idx="5"/>
+          </p:cNvCxnSpPr>
+          <p:nvPr/>
+        </p:nvCxnSpPr>
+        <p:spPr>
+          <a:xfrm>
+            <a:off x="2978558" y="5337405"/>
+            <a:ext cx="108184" cy="203744"/>
+          </a:xfrm>
+          <a:prstGeom prst="line">
+            <a:avLst/>
+          </a:prstGeom>
+          <a:ln w="57150">
+            <a:solidFill>
+              <a:srgbClr val="F8F8F8"/>
+            </a:solidFill>
+          </a:ln>
+        </p:spPr>
+        <p:style>
+          <a:lnRef idx="1">
+            <a:schemeClr val="accent1"/>
+          </a:lnRef>
+          <a:fillRef idx="0">
+            <a:schemeClr val="accent1"/>
+          </a:fillRef>
+          <a:effectRef idx="0">
+            <a:schemeClr val="accent1"/>
+          </a:effectRef>
+          <a:fontRef idx="minor">
+            <a:schemeClr val="tx1"/>
+          </a:fontRef>
+        </p:style>
+      </p:cxnSp>
+      <p:sp>
+        <p:nvSpPr>
+          <p:cNvPr id="107" name="TextBox 106"/>
+          <p:cNvSpPr txBox="1"/>
+          <p:nvPr/>
+        </p:nvSpPr>
+        <p:spPr>
+          <a:xfrm>
+            <a:off x="3380766" y="184257"/>
+            <a:ext cx="3810509" cy="369332"/>
+          </a:xfrm>
+          <a:prstGeom prst="rect">
+            <a:avLst/>
+          </a:prstGeom>
+          <a:noFill/>
+        </p:spPr>
+        <p:txBody>
+          <a:bodyPr wrap="square" rtlCol="0">
+            <a:spAutoFit/>
+          </a:bodyPr>
+          <a:lstStyle/>
+          <a:p>
+            <a:r>
+              <a:rPr lang="ru-RU" dirty="0" smtClean="0">
+                <a:solidFill>
+                  <a:schemeClr val="bg1"/>
+                </a:solidFill>
+                <a:latin typeface="Montserrat Black" pitchFamily="2" charset="-52"/>
+              </a:rPr>
+              <a:t>Анализ требований</a:t>
+            </a:r>
+            <a:endParaRPr lang="ru-RU" dirty="0">
+              <a:solidFill>
+                <a:schemeClr val="bg1"/>
+              </a:solidFill>
+              <a:latin typeface="Montserrat Black" pitchFamily="2" charset="-52"/>
+            </a:endParaRPr>
+          </a:p>
+        </p:txBody>
+      </p:sp>
+      <p:sp>
+        <p:nvSpPr>
+          <p:cNvPr id="108" name="TextBox 107"/>
+          <p:cNvSpPr txBox="1"/>
+          <p:nvPr/>
+        </p:nvSpPr>
+        <p:spPr>
+          <a:xfrm>
+            <a:off x="4699663" y="1218075"/>
+            <a:ext cx="3810509" cy="369332"/>
+          </a:xfrm>
+          <a:prstGeom prst="rect">
+            <a:avLst/>
+          </a:prstGeom>
+          <a:noFill/>
+        </p:spPr>
+        <p:txBody>
+          <a:bodyPr wrap="square" rtlCol="0">
+            <a:spAutoFit/>
+          </a:bodyPr>
+          <a:lstStyle/>
+          <a:p>
+            <a:r>
+              <a:rPr lang="ru-RU" dirty="0" smtClean="0">
+                <a:solidFill>
+                  <a:schemeClr val="bg1"/>
+                </a:solidFill>
+                <a:latin typeface="Montserrat Black" pitchFamily="2" charset="-52"/>
+              </a:rPr>
+              <a:t>Проектирование системы</a:t>
+            </a:r>
+            <a:endParaRPr lang="ru-RU" dirty="0">
+              <a:solidFill>
+                <a:schemeClr val="bg1"/>
+              </a:solidFill>
+              <a:latin typeface="Montserrat Black" pitchFamily="2" charset="-52"/>
+            </a:endParaRPr>
+          </a:p>
+        </p:txBody>
+      </p:sp>
+      <p:sp>
+        <p:nvSpPr>
+          <p:cNvPr id="109" name="TextBox 108"/>
+          <p:cNvSpPr txBox="1"/>
+          <p:nvPr/>
+        </p:nvSpPr>
+        <p:spPr>
+          <a:xfrm>
+            <a:off x="5217456" y="2315002"/>
+            <a:ext cx="3810509" cy="369332"/>
+          </a:xfrm>
+          <a:prstGeom prst="rect">
+            <a:avLst/>
+          </a:prstGeom>
+          <a:noFill/>
+        </p:spPr>
+        <p:txBody>
+          <a:bodyPr wrap="square" rtlCol="0">
+            <a:spAutoFit/>
+          </a:bodyPr>
+          <a:lstStyle/>
+          <a:p>
+            <a:r>
+              <a:rPr lang="ru-RU" dirty="0" smtClean="0">
+                <a:solidFill>
+                  <a:schemeClr val="bg1"/>
+                </a:solidFill>
+                <a:latin typeface="Montserrat Black" pitchFamily="2" charset="-52"/>
+              </a:rPr>
+              <a:t>Разработка</a:t>
+            </a:r>
+            <a:endParaRPr lang="ru-RU" dirty="0">
+              <a:solidFill>
+                <a:schemeClr val="bg1"/>
+              </a:solidFill>
+              <a:latin typeface="Montserrat Black" pitchFamily="2" charset="-52"/>
+            </a:endParaRPr>
+          </a:p>
+        </p:txBody>
+      </p:sp>
+      <p:sp>
+        <p:nvSpPr>
+          <p:cNvPr id="110" name="TextBox 109"/>
+          <p:cNvSpPr txBox="1"/>
+          <p:nvPr/>
+        </p:nvSpPr>
+        <p:spPr>
+          <a:xfrm>
+            <a:off x="5167032" y="3479022"/>
+            <a:ext cx="3810509" cy="369332"/>
+          </a:xfrm>
+          <a:prstGeom prst="rect">
+            <a:avLst/>
+          </a:prstGeom>
+          <a:noFill/>
+        </p:spPr>
+        <p:txBody>
+          <a:bodyPr wrap="square" rtlCol="0">
+            <a:spAutoFit/>
+          </a:bodyPr>
+          <a:lstStyle/>
+          <a:p>
+            <a:r>
+              <a:rPr lang="ru-RU" dirty="0" smtClean="0">
+                <a:solidFill>
+                  <a:schemeClr val="bg1"/>
+                </a:solidFill>
+                <a:latin typeface="Montserrat Black" pitchFamily="2" charset="-52"/>
+              </a:rPr>
+              <a:t>Тестирование</a:t>
+            </a:r>
+            <a:endParaRPr lang="ru-RU" dirty="0">
+              <a:solidFill>
+                <a:schemeClr val="bg1"/>
+              </a:solidFill>
+              <a:latin typeface="Montserrat Black" pitchFamily="2" charset="-52"/>
+            </a:endParaRPr>
+          </a:p>
+        </p:txBody>
+      </p:sp>
+      <p:sp>
+        <p:nvSpPr>
+          <p:cNvPr id="111" name="TextBox 110"/>
+          <p:cNvSpPr txBox="1"/>
+          <p:nvPr/>
+        </p:nvSpPr>
+        <p:spPr>
+          <a:xfrm>
+            <a:off x="4873008" y="4603312"/>
+            <a:ext cx="3810509" cy="369332"/>
+          </a:xfrm>
+          <a:prstGeom prst="rect">
+            <a:avLst/>
+          </a:prstGeom>
+          <a:noFill/>
+        </p:spPr>
+        <p:txBody>
+          <a:bodyPr wrap="square" rtlCol="0">
+            <a:spAutoFit/>
+          </a:bodyPr>
+          <a:lstStyle/>
+          <a:p>
+            <a:r>
+              <a:rPr lang="ru-RU" dirty="0" smtClean="0">
+                <a:solidFill>
+                  <a:schemeClr val="bg1"/>
+                </a:solidFill>
+                <a:latin typeface="Montserrat Black" pitchFamily="2" charset="-52"/>
+              </a:rPr>
+              <a:t>Документирование</a:t>
+            </a:r>
+            <a:endParaRPr lang="ru-RU" dirty="0">
+              <a:solidFill>
+                <a:schemeClr val="bg1"/>
+              </a:solidFill>
+              <a:latin typeface="Montserrat Black" pitchFamily="2" charset="-52"/>
+            </a:endParaRPr>
+          </a:p>
+        </p:txBody>
+      </p:sp>
+      <p:sp>
+        <p:nvSpPr>
+          <p:cNvPr id="112" name="TextBox 111"/>
+          <p:cNvSpPr txBox="1"/>
+          <p:nvPr/>
+        </p:nvSpPr>
+        <p:spPr>
+          <a:xfrm>
+            <a:off x="3659989" y="5666195"/>
+            <a:ext cx="3810509" cy="369332"/>
+          </a:xfrm>
+          <a:prstGeom prst="rect">
+            <a:avLst/>
+          </a:prstGeom>
+          <a:noFill/>
+        </p:spPr>
+        <p:txBody>
+          <a:bodyPr wrap="square" rtlCol="0">
+            <a:spAutoFit/>
+          </a:bodyPr>
+          <a:lstStyle/>
+          <a:p>
+            <a:r>
+              <a:rPr lang="ru-RU" dirty="0" smtClean="0">
+                <a:solidFill>
+                  <a:schemeClr val="bg1"/>
+                </a:solidFill>
+                <a:latin typeface="Montserrat Black" pitchFamily="2" charset="-52"/>
+              </a:rPr>
+              <a:t>Ввод </a:t>
+            </a:r>
+            <a:r>
+              <a:rPr lang="ru-RU" dirty="0">
+                <a:solidFill>
+                  <a:schemeClr val="bg1"/>
+                </a:solidFill>
+                <a:latin typeface="Montserrat Black" pitchFamily="2" charset="-52"/>
+              </a:rPr>
+              <a:t>в эксплуатацию</a:t>
+            </a:r>
+          </a:p>
+        </p:txBody>
+      </p:sp>
+      <p:sp>
+        <p:nvSpPr>
+          <p:cNvPr id="113" name="Овал 112"/>
+          <p:cNvSpPr/>
+          <p:nvPr/>
+        </p:nvSpPr>
+        <p:spPr>
+          <a:xfrm>
+            <a:off x="-1311556" y="1090579"/>
+            <a:ext cx="4685928" cy="4250140"/>
+          </a:xfrm>
+          <a:prstGeom prst="ellipse">
+            <a:avLst/>
+          </a:prstGeom>
+          <a:noFill/>
+          <a:ln w="139700">
+            <a:solidFill>
+              <a:srgbClr val="337347"/>
+            </a:solidFill>
+          </a:ln>
+        </p:spPr>
+        <p:style>
+          <a:lnRef idx="2">
+            <a:schemeClr val="accent1">
+              <a:shade val="50000"/>
+            </a:schemeClr>
+          </a:lnRef>
+          <a:fillRef idx="1">
+            <a:schemeClr val="accent1"/>
+          </a:fillRef>
+          <a:effectRef idx="0">
+            <a:schemeClr val="accent1"/>
+          </a:effectRef>
+          <a:fontRef idx="minor">
+            <a:schemeClr val="lt1"/>
+          </a:fontRef>
+        </p:style>
+        <p:txBody>
+          <a:bodyPr rtlCol="0" anchor="ctr"/>
+          <a:lstStyle/>
+          <a:p>
+            <a:pPr algn="ctr"/>
+            <a:endParaRPr lang="ru-RU"/>
+          </a:p>
+        </p:txBody>
+      </p:sp>
+      <p:sp>
+        <p:nvSpPr>
+          <p:cNvPr id="114" name="TextBox 113"/>
+          <p:cNvSpPr txBox="1"/>
+          <p:nvPr/>
+        </p:nvSpPr>
+        <p:spPr>
+          <a:xfrm>
+            <a:off x="2704017" y="210945"/>
+            <a:ext cx="470070" cy="369332"/>
+          </a:xfrm>
+          <a:prstGeom prst="rect">
+            <a:avLst/>
+          </a:prstGeom>
+          <a:noFill/>
+        </p:spPr>
+        <p:txBody>
+          <a:bodyPr wrap="square" rtlCol="0">
+            <a:spAutoFit/>
+          </a:bodyPr>
+          <a:lstStyle/>
+          <a:p>
+            <a:r>
+              <a:rPr lang="ru-RU" dirty="0" smtClean="0">
+                <a:solidFill>
+                  <a:schemeClr val="bg1"/>
+                </a:solidFill>
+                <a:latin typeface="Montserrat Black" pitchFamily="2" charset="-52"/>
+              </a:rPr>
+              <a:t>01</a:t>
+            </a:r>
+            <a:endParaRPr lang="ru-RU" dirty="0">
+              <a:solidFill>
+                <a:schemeClr val="bg1"/>
+              </a:solidFill>
+              <a:latin typeface="Montserrat Black" pitchFamily="2" charset="-52"/>
+            </a:endParaRPr>
+          </a:p>
+        </p:txBody>
+      </p:sp>
+      <p:sp>
+        <p:nvSpPr>
+          <p:cNvPr id="115" name="TextBox 114"/>
+          <p:cNvSpPr txBox="1"/>
+          <p:nvPr/>
+        </p:nvSpPr>
+        <p:spPr>
+          <a:xfrm>
+            <a:off x="4081241" y="1351746"/>
+            <a:ext cx="509865" cy="369332"/>
+          </a:xfrm>
+          <a:prstGeom prst="rect">
+            <a:avLst/>
+          </a:prstGeom>
+          <a:noFill/>
+        </p:spPr>
+        <p:txBody>
+          <a:bodyPr wrap="square" rtlCol="0">
+            <a:spAutoFit/>
+          </a:bodyPr>
+          <a:lstStyle/>
+          <a:p>
+            <a:r>
+              <a:rPr lang="ru-RU" dirty="0" smtClean="0">
+                <a:solidFill>
+                  <a:schemeClr val="bg1"/>
+                </a:solidFill>
+                <a:latin typeface="Montserrat Black" pitchFamily="2" charset="-52"/>
+              </a:rPr>
+              <a:t>02</a:t>
+            </a:r>
+            <a:endParaRPr lang="ru-RU" dirty="0">
+              <a:solidFill>
+                <a:schemeClr val="bg1"/>
+              </a:solidFill>
+              <a:latin typeface="Montserrat Black" pitchFamily="2" charset="-52"/>
+            </a:endParaRPr>
+          </a:p>
+        </p:txBody>
+      </p:sp>
+      <p:sp>
+        <p:nvSpPr>
+          <p:cNvPr id="116" name="TextBox 115"/>
+          <p:cNvSpPr txBox="1"/>
+          <p:nvPr/>
+        </p:nvSpPr>
+        <p:spPr>
+          <a:xfrm>
+            <a:off x="4634770" y="2466680"/>
+            <a:ext cx="509865" cy="369332"/>
+          </a:xfrm>
+          <a:prstGeom prst="rect">
+            <a:avLst/>
+          </a:prstGeom>
+          <a:noFill/>
+        </p:spPr>
+        <p:txBody>
+          <a:bodyPr wrap="square" rtlCol="0">
+            <a:spAutoFit/>
+          </a:bodyPr>
+          <a:lstStyle/>
+          <a:p>
+            <a:r>
+              <a:rPr lang="ru-RU" dirty="0" smtClean="0">
+                <a:solidFill>
+                  <a:schemeClr val="bg1"/>
+                </a:solidFill>
+                <a:latin typeface="Montserrat Black" pitchFamily="2" charset="-52"/>
+              </a:rPr>
+              <a:t>03</a:t>
+            </a:r>
+            <a:endParaRPr lang="ru-RU" dirty="0">
+              <a:solidFill>
+                <a:schemeClr val="bg1"/>
+              </a:solidFill>
+              <a:latin typeface="Montserrat Black" pitchFamily="2" charset="-52"/>
+            </a:endParaRPr>
+          </a:p>
+        </p:txBody>
+      </p:sp>
+      <p:sp>
+        <p:nvSpPr>
+          <p:cNvPr id="117" name="TextBox 116"/>
+          <p:cNvSpPr txBox="1"/>
+          <p:nvPr/>
+        </p:nvSpPr>
+        <p:spPr>
+          <a:xfrm>
+            <a:off x="4526528" y="3754405"/>
+            <a:ext cx="509865" cy="369332"/>
+          </a:xfrm>
+          <a:prstGeom prst="rect">
+            <a:avLst/>
+          </a:prstGeom>
+          <a:noFill/>
+        </p:spPr>
+        <p:txBody>
+          <a:bodyPr wrap="square" rtlCol="0">
+            <a:spAutoFit/>
+          </a:bodyPr>
+          <a:lstStyle/>
+          <a:p>
+            <a:r>
+              <a:rPr lang="ru-RU" dirty="0" smtClean="0">
+                <a:solidFill>
+                  <a:schemeClr val="bg1"/>
+                </a:solidFill>
+                <a:latin typeface="Montserrat Black" pitchFamily="2" charset="-52"/>
+              </a:rPr>
+              <a:t>04</a:t>
+            </a:r>
+            <a:endParaRPr lang="ru-RU" dirty="0">
+              <a:solidFill>
+                <a:schemeClr val="bg1"/>
+              </a:solidFill>
+              <a:latin typeface="Montserrat Black" pitchFamily="2" charset="-52"/>
+            </a:endParaRPr>
+          </a:p>
+        </p:txBody>
+      </p:sp>
+      <p:sp>
+        <p:nvSpPr>
+          <p:cNvPr id="118" name="TextBox 117"/>
+          <p:cNvSpPr txBox="1"/>
+          <p:nvPr/>
+        </p:nvSpPr>
+        <p:spPr>
+          <a:xfrm>
+            <a:off x="4130762" y="4708137"/>
+            <a:ext cx="509865" cy="369332"/>
+          </a:xfrm>
+          <a:prstGeom prst="rect">
+            <a:avLst/>
+          </a:prstGeom>
+          <a:noFill/>
+        </p:spPr>
+        <p:txBody>
+          <a:bodyPr wrap="square" rtlCol="0">
+            <a:spAutoFit/>
+          </a:bodyPr>
+          <a:lstStyle/>
+          <a:p>
+            <a:r>
+              <a:rPr lang="ru-RU" dirty="0">
+                <a:solidFill>
+                  <a:schemeClr val="bg1"/>
+                </a:solidFill>
+                <a:latin typeface="Montserrat Black" pitchFamily="2" charset="-52"/>
+              </a:rPr>
+              <a:t>05</a:t>
+            </a:r>
+            <a:endParaRPr lang="ru-RU" dirty="0">
+              <a:solidFill>
+                <a:schemeClr val="bg1"/>
+              </a:solidFill>
+              <a:latin typeface="Montserrat Black" pitchFamily="2" charset="-52"/>
+            </a:endParaRPr>
+          </a:p>
+        </p:txBody>
+      </p:sp>
+      <p:sp>
+        <p:nvSpPr>
+          <p:cNvPr id="120" name="TextBox 119"/>
+          <p:cNvSpPr txBox="1"/>
+          <p:nvPr/>
+        </p:nvSpPr>
+        <p:spPr>
+          <a:xfrm>
+            <a:off x="2948205" y="5621685"/>
+            <a:ext cx="509865" cy="369332"/>
+          </a:xfrm>
+          <a:prstGeom prst="rect">
+            <a:avLst/>
+          </a:prstGeom>
+          <a:noFill/>
+        </p:spPr>
+        <p:txBody>
+          <a:bodyPr wrap="square" rtlCol="0">
+            <a:spAutoFit/>
+          </a:bodyPr>
+          <a:lstStyle/>
+          <a:p>
+            <a:r>
+              <a:rPr lang="ru-RU" dirty="0" smtClean="0">
+                <a:solidFill>
+                  <a:schemeClr val="bg1"/>
+                </a:solidFill>
+                <a:latin typeface="Montserrat Black" pitchFamily="2" charset="-52"/>
+              </a:rPr>
+              <a:t>06</a:t>
+            </a:r>
+            <a:endParaRPr lang="ru-RU" dirty="0">
+              <a:solidFill>
+                <a:schemeClr val="bg1"/>
+              </a:solidFill>
+              <a:latin typeface="Montserrat Black" pitchFamily="2" charset="-52"/>
+            </a:endParaRPr>
+          </a:p>
+        </p:txBody>
+      </p:sp>
+      <p:sp>
+        <p:nvSpPr>
+          <p:cNvPr id="121" name="TextBox 120"/>
+          <p:cNvSpPr txBox="1"/>
+          <p:nvPr/>
+        </p:nvSpPr>
+        <p:spPr>
+          <a:xfrm>
+            <a:off x="3365596" y="477154"/>
+            <a:ext cx="4468171" cy="461665"/>
+          </a:xfrm>
+          <a:prstGeom prst="rect">
+            <a:avLst/>
+          </a:prstGeom>
+          <a:noFill/>
+        </p:spPr>
+        <p:txBody>
+          <a:bodyPr wrap="square" rtlCol="0">
+            <a:spAutoFit/>
+          </a:bodyPr>
+          <a:lstStyle/>
+          <a:p>
+            <a:r>
+              <a:rPr lang="ru-RU" sz="1200" dirty="0" smtClean="0">
+                <a:solidFill>
+                  <a:schemeClr val="bg1"/>
+                </a:solidFill>
+                <a:latin typeface="Montserrat Light" pitchFamily="2" charset="-52"/>
+              </a:rPr>
+              <a:t>Определение цели, ролей, функционала и ограничений</a:t>
+            </a:r>
+            <a:endParaRPr lang="ru-RU" sz="1200" dirty="0">
+              <a:solidFill>
+                <a:schemeClr val="bg1"/>
+              </a:solidFill>
+              <a:latin typeface="Montserrat Light" pitchFamily="2" charset="-52"/>
+            </a:endParaRPr>
+          </a:p>
+        </p:txBody>
+      </p:sp>
+      <p:sp>
+        <p:nvSpPr>
+          <p:cNvPr id="122" name="TextBox 121"/>
+          <p:cNvSpPr txBox="1"/>
+          <p:nvPr/>
+        </p:nvSpPr>
+        <p:spPr>
+          <a:xfrm>
+            <a:off x="4719851" y="1528425"/>
+            <a:ext cx="4174776" cy="461665"/>
+          </a:xfrm>
+          <a:prstGeom prst="rect">
+            <a:avLst/>
+          </a:prstGeom>
+          <a:noFill/>
+        </p:spPr>
+        <p:txBody>
+          <a:bodyPr wrap="square" rtlCol="0">
+            <a:spAutoFit/>
+          </a:bodyPr>
+          <a:lstStyle/>
+          <a:p>
+            <a:r>
+              <a:rPr lang="ru-RU" sz="1200" dirty="0" smtClean="0">
+                <a:solidFill>
+                  <a:schemeClr val="bg1"/>
+                </a:solidFill>
+                <a:latin typeface="Montserrat Light" pitchFamily="2" charset="-52"/>
+              </a:rPr>
+              <a:t>Архитектура, база данных, прототипы интерфейсов</a:t>
+            </a:r>
+            <a:endParaRPr lang="ru-RU" sz="1200" dirty="0">
+              <a:solidFill>
+                <a:schemeClr val="bg1"/>
+              </a:solidFill>
+              <a:latin typeface="Montserrat Light" pitchFamily="2" charset="-52"/>
+            </a:endParaRPr>
+          </a:p>
+        </p:txBody>
+      </p:sp>
+      <p:sp>
+        <p:nvSpPr>
+          <p:cNvPr id="123" name="TextBox 122"/>
+          <p:cNvSpPr txBox="1"/>
+          <p:nvPr/>
+        </p:nvSpPr>
+        <p:spPr>
+          <a:xfrm>
+            <a:off x="5221891" y="2641660"/>
+            <a:ext cx="4174776" cy="461665"/>
+          </a:xfrm>
+          <a:prstGeom prst="rect">
+            <a:avLst/>
+          </a:prstGeom>
+          <a:noFill/>
+        </p:spPr>
+        <p:txBody>
+          <a:bodyPr wrap="square" rtlCol="0">
+            <a:spAutoFit/>
+          </a:bodyPr>
+          <a:lstStyle/>
+          <a:p>
+            <a:r>
+              <a:rPr lang="ru-RU" sz="1200" dirty="0">
+                <a:solidFill>
+                  <a:schemeClr val="bg1"/>
+                </a:solidFill>
+                <a:latin typeface="Montserrat Light" pitchFamily="2" charset="-52"/>
+              </a:rPr>
+              <a:t>Реализация backend и frontend, API, авторизация, работа с заявками и услугами</a:t>
+            </a:r>
+          </a:p>
+        </p:txBody>
+      </p:sp>
+      <p:sp>
+        <p:nvSpPr>
+          <p:cNvPr id="124" name="TextBox 123"/>
+          <p:cNvSpPr txBox="1"/>
+          <p:nvPr/>
+        </p:nvSpPr>
+        <p:spPr>
+          <a:xfrm>
+            <a:off x="5157690" y="3785440"/>
+            <a:ext cx="4174776" cy="461665"/>
+          </a:xfrm>
+          <a:prstGeom prst="rect">
+            <a:avLst/>
+          </a:prstGeom>
+          <a:noFill/>
+        </p:spPr>
+        <p:txBody>
+          <a:bodyPr wrap="square" rtlCol="0">
+            <a:spAutoFit/>
+          </a:bodyPr>
+          <a:lstStyle/>
+          <a:p>
+            <a:r>
+              <a:rPr lang="ru-RU" sz="1200" dirty="0">
+                <a:solidFill>
+                  <a:schemeClr val="bg1"/>
+                </a:solidFill>
+                <a:latin typeface="Montserrat Light" pitchFamily="2" charset="-52"/>
+              </a:rPr>
+              <a:t>Проверка функционала, интеграции, производительности и </a:t>
+            </a:r>
+            <a:r>
+              <a:rPr lang="ru-RU" sz="1200" dirty="0" smtClean="0">
+                <a:solidFill>
+                  <a:schemeClr val="bg1"/>
+                </a:solidFill>
+                <a:latin typeface="Montserrat Light" pitchFamily="2" charset="-52"/>
+              </a:rPr>
+              <a:t>устойчивости</a:t>
+            </a:r>
+            <a:endParaRPr lang="ru-RU" sz="1200" dirty="0">
+              <a:solidFill>
+                <a:schemeClr val="bg1"/>
+              </a:solidFill>
+              <a:latin typeface="Montserrat Light" pitchFamily="2" charset="-52"/>
+            </a:endParaRPr>
+          </a:p>
+        </p:txBody>
+      </p:sp>
+      <p:sp>
+        <p:nvSpPr>
+          <p:cNvPr id="125" name="TextBox 124"/>
+          <p:cNvSpPr txBox="1"/>
+          <p:nvPr/>
+        </p:nvSpPr>
+        <p:spPr>
+          <a:xfrm>
+            <a:off x="4873008" y="4916692"/>
+            <a:ext cx="4174776" cy="461665"/>
+          </a:xfrm>
+          <a:prstGeom prst="rect">
+            <a:avLst/>
+          </a:prstGeom>
+          <a:noFill/>
+        </p:spPr>
+        <p:txBody>
+          <a:bodyPr wrap="square" rtlCol="0">
+            <a:spAutoFit/>
+          </a:bodyPr>
+          <a:lstStyle/>
+          <a:p>
+            <a:r>
+              <a:rPr lang="ru-RU" sz="1200" dirty="0">
+                <a:solidFill>
+                  <a:schemeClr val="bg1"/>
+                </a:solidFill>
+                <a:latin typeface="Montserrat Light" pitchFamily="2" charset="-52"/>
+              </a:rPr>
+              <a:t>Пользовательские инструкции, техническое описание, отчётность</a:t>
+            </a:r>
+          </a:p>
+        </p:txBody>
+      </p:sp>
+      <p:sp>
+        <p:nvSpPr>
+          <p:cNvPr id="126" name="TextBox 125"/>
+          <p:cNvSpPr txBox="1"/>
+          <p:nvPr/>
+        </p:nvSpPr>
+        <p:spPr>
+          <a:xfrm>
+            <a:off x="3641533" y="6001938"/>
+            <a:ext cx="4174776" cy="461665"/>
+          </a:xfrm>
+          <a:prstGeom prst="rect">
+            <a:avLst/>
+          </a:prstGeom>
+          <a:noFill/>
+        </p:spPr>
+        <p:txBody>
+          <a:bodyPr wrap="square" rtlCol="0">
+            <a:spAutoFit/>
+          </a:bodyPr>
+          <a:lstStyle/>
+          <a:p>
+            <a:r>
+              <a:rPr lang="ru-RU" sz="1200" dirty="0">
+                <a:solidFill>
+                  <a:schemeClr val="bg1"/>
+                </a:solidFill>
+                <a:latin typeface="Montserrat Light" pitchFamily="2" charset="-52"/>
+              </a:rPr>
+              <a:t>Развёртывание, настройка системы и проверка работы</a:t>
             </a:r>
           </a:p>
         </p:txBody>
@@ -6073,7 +8456,7 @@
         </p:nvSpPr>
         <p:spPr>
           <a:xfrm>
-            <a:off x="499428" y="3106522"/>
+            <a:off x="519823" y="3208645"/>
             <a:ext cx="2547523" cy="369332"/>
           </a:xfrm>
           <a:prstGeom prst="rect">
@@ -6607,7 +8990,7 @@
           </p:nvSpPr>
           <p:spPr>
             <a:xfrm>
-              <a:off x="3653851" y="3139542"/>
+              <a:off x="3653851" y="3250489"/>
               <a:ext cx="1855997" cy="369332"/>
             </a:xfrm>
             <a:prstGeom prst="rect">
@@ -7031,27 +9414,21 @@
       </p:grpSpPr>
       <p:pic>
         <p:nvPicPr>
-          <p:cNvPr id="4" name="Рисунок 3"/>
+          <p:cNvPr id="7" name="Рисунок 6"/>
           <p:cNvPicPr>
             <a:picLocks noChangeAspect="1"/>
           </p:cNvPicPr>
           <p:nvPr/>
         </p:nvPicPr>
         <p:blipFill>
-          <a:blip r:embed="rId2">
-            <a:extLst>
-              <a:ext uri="{28A0092B-C50C-407E-A947-70E740481C1C}">
-                <a14:useLocalDpi xmlns:a14="http://schemas.microsoft.com/office/drawing/2010/main" val="0"/>
-              </a:ext>
-            </a:extLst>
-          </a:blip>
+          <a:blip r:embed="rId3"/>
           <a:stretch>
             <a:fillRect/>
           </a:stretch>
         </p:blipFill>
         <p:spPr>
           <a:xfrm>
-            <a:off x="0" y="0"/>
+            <a:off x="1" y="0"/>
             <a:ext cx="12192000" cy="6858000"/>
           </a:xfrm>
           <a:prstGeom prst="rect">
@@ -7077,7 +9454,7 @@
         </p:nvSpPr>
         <p:spPr>
           <a:xfrm>
-            <a:off x="1569357" y="0"/>
+            <a:off x="1409700" y="0"/>
             <a:ext cx="9372600" cy="1325563"/>
           </a:xfrm>
         </p:spPr>
@@ -7094,6 +9471,631 @@
               </a:rPr>
               <a:t>Архитектура системы </a:t>
             </a:r>
+          </a:p>
+        </p:txBody>
+      </p:sp>
+      <p:sp>
+        <p:nvSpPr>
+          <p:cNvPr id="3" name="Скругленный прямоугольник 2"/>
+          <p:cNvSpPr/>
+          <p:nvPr/>
+        </p:nvSpPr>
+        <p:spPr>
+          <a:xfrm>
+            <a:off x="1641015" y="1599521"/>
+            <a:ext cx="8909957" cy="3429679"/>
+          </a:xfrm>
+          <a:prstGeom prst="roundRect">
+            <a:avLst/>
+          </a:prstGeom>
+          <a:noFill/>
+          <a:ln w="190500">
+            <a:solidFill>
+              <a:srgbClr val="5DD62C"/>
+            </a:solidFill>
+          </a:ln>
+          <a:effectLst>
+            <a:glow rad="63500">
+              <a:schemeClr val="accent6">
+                <a:satMod val="175000"/>
+                <a:alpha val="40000"/>
+              </a:schemeClr>
+            </a:glow>
+          </a:effectLst>
+        </p:spPr>
+        <p:style>
+          <a:lnRef idx="2">
+            <a:schemeClr val="accent1">
+              <a:shade val="50000"/>
+            </a:schemeClr>
+          </a:lnRef>
+          <a:fillRef idx="1">
+            <a:schemeClr val="accent1"/>
+          </a:fillRef>
+          <a:effectRef idx="0">
+            <a:schemeClr val="accent1"/>
+          </a:effectRef>
+          <a:fontRef idx="minor">
+            <a:schemeClr val="lt1"/>
+          </a:fontRef>
+        </p:style>
+        <p:txBody>
+          <a:bodyPr rtlCol="0" anchor="ctr"/>
+          <a:lstStyle/>
+          <a:p>
+            <a:pPr algn="ctr"/>
+            <a:endParaRPr lang="ru-RU"/>
+          </a:p>
+        </p:txBody>
+      </p:sp>
+      <p:sp>
+        <p:nvSpPr>
+          <p:cNvPr id="5" name="TextBox 4"/>
+          <p:cNvSpPr txBox="1"/>
+          <p:nvPr/>
+        </p:nvSpPr>
+        <p:spPr>
+          <a:xfrm>
+            <a:off x="5050968" y="1707927"/>
+            <a:ext cx="2090057" cy="646331"/>
+          </a:xfrm>
+          <a:prstGeom prst="rect">
+            <a:avLst/>
+          </a:prstGeom>
+          <a:noFill/>
+        </p:spPr>
+        <p:txBody>
+          <a:bodyPr wrap="square" rtlCol="0">
+            <a:spAutoFit/>
+          </a:bodyPr>
+          <a:lstStyle/>
+          <a:p>
+            <a:r>
+              <a:rPr lang="en-US" sz="3600" dirty="0" smtClean="0">
+                <a:solidFill>
+                  <a:schemeClr val="bg1"/>
+                </a:solidFill>
+                <a:latin typeface="Montserrat Black" pitchFamily="2" charset="-52"/>
+              </a:rPr>
+              <a:t>Docker</a:t>
+            </a:r>
+            <a:endParaRPr lang="ru-RU" sz="3600" dirty="0">
+              <a:solidFill>
+                <a:schemeClr val="bg1"/>
+              </a:solidFill>
+              <a:latin typeface="Montserrat Black" pitchFamily="2" charset="-52"/>
+            </a:endParaRPr>
+          </a:p>
+        </p:txBody>
+      </p:sp>
+      <p:sp>
+        <p:nvSpPr>
+          <p:cNvPr id="9" name="Скругленный прямоугольник 8"/>
+          <p:cNvSpPr/>
+          <p:nvPr/>
+        </p:nvSpPr>
+        <p:spPr>
+          <a:xfrm>
+            <a:off x="4678679" y="2808052"/>
+            <a:ext cx="2804343" cy="1535348"/>
+          </a:xfrm>
+          <a:prstGeom prst="roundRect">
+            <a:avLst/>
+          </a:prstGeom>
+          <a:noFill/>
+          <a:ln w="127000">
+            <a:solidFill>
+              <a:srgbClr val="337347"/>
+            </a:solidFill>
+          </a:ln>
+        </p:spPr>
+        <p:style>
+          <a:lnRef idx="2">
+            <a:schemeClr val="accent1">
+              <a:shade val="50000"/>
+            </a:schemeClr>
+          </a:lnRef>
+          <a:fillRef idx="1">
+            <a:schemeClr val="accent1"/>
+          </a:fillRef>
+          <a:effectRef idx="0">
+            <a:schemeClr val="accent1"/>
+          </a:effectRef>
+          <a:fontRef idx="minor">
+            <a:schemeClr val="lt1"/>
+          </a:fontRef>
+        </p:style>
+        <p:txBody>
+          <a:bodyPr rtlCol="0" anchor="ctr"/>
+          <a:lstStyle/>
+          <a:p>
+            <a:pPr algn="ctr"/>
+            <a:endParaRPr lang="ru-RU"/>
+          </a:p>
+        </p:txBody>
+      </p:sp>
+      <p:sp>
+        <p:nvSpPr>
+          <p:cNvPr id="8" name="Скругленный прямоугольник 7"/>
+          <p:cNvSpPr/>
+          <p:nvPr/>
+        </p:nvSpPr>
+        <p:spPr>
+          <a:xfrm>
+            <a:off x="2146300" y="2808052"/>
+            <a:ext cx="1930400" cy="1535348"/>
+          </a:xfrm>
+          <a:prstGeom prst="roundRect">
+            <a:avLst/>
+          </a:prstGeom>
+          <a:noFill/>
+          <a:ln w="127000">
+            <a:solidFill>
+              <a:srgbClr val="337347"/>
+            </a:solidFill>
+          </a:ln>
+        </p:spPr>
+        <p:style>
+          <a:lnRef idx="2">
+            <a:schemeClr val="accent1">
+              <a:shade val="50000"/>
+            </a:schemeClr>
+          </a:lnRef>
+          <a:fillRef idx="1">
+            <a:schemeClr val="accent1"/>
+          </a:fillRef>
+          <a:effectRef idx="0">
+            <a:schemeClr val="accent1"/>
+          </a:effectRef>
+          <a:fontRef idx="minor">
+            <a:schemeClr val="lt1"/>
+          </a:fontRef>
+        </p:style>
+        <p:txBody>
+          <a:bodyPr rtlCol="0" anchor="ctr"/>
+          <a:lstStyle/>
+          <a:p>
+            <a:pPr algn="ctr"/>
+            <a:endParaRPr lang="ru-RU"/>
+          </a:p>
+        </p:txBody>
+      </p:sp>
+      <p:sp>
+        <p:nvSpPr>
+          <p:cNvPr id="10" name="Скругленный прямоугольник 9"/>
+          <p:cNvSpPr/>
+          <p:nvPr/>
+        </p:nvSpPr>
+        <p:spPr>
+          <a:xfrm>
+            <a:off x="8051800" y="2808052"/>
+            <a:ext cx="2136140" cy="1535348"/>
+          </a:xfrm>
+          <a:prstGeom prst="roundRect">
+            <a:avLst/>
+          </a:prstGeom>
+          <a:noFill/>
+          <a:ln w="127000">
+            <a:solidFill>
+              <a:srgbClr val="337347"/>
+            </a:solidFill>
+          </a:ln>
+        </p:spPr>
+        <p:style>
+          <a:lnRef idx="2">
+            <a:schemeClr val="accent1">
+              <a:shade val="50000"/>
+            </a:schemeClr>
+          </a:lnRef>
+          <a:fillRef idx="1">
+            <a:schemeClr val="accent1"/>
+          </a:fillRef>
+          <a:effectRef idx="0">
+            <a:schemeClr val="accent1"/>
+          </a:effectRef>
+          <a:fontRef idx="minor">
+            <a:schemeClr val="lt1"/>
+          </a:fontRef>
+        </p:style>
+        <p:txBody>
+          <a:bodyPr rtlCol="0" anchor="ctr"/>
+          <a:lstStyle/>
+          <a:p>
+            <a:pPr algn="ctr"/>
+            <a:endParaRPr lang="ru-RU"/>
+          </a:p>
+        </p:txBody>
+      </p:sp>
+      <p:cxnSp>
+        <p:nvCxnSpPr>
+          <p:cNvPr id="12" name="Прямая со стрелкой 11"/>
+          <p:cNvCxnSpPr>
+            <a:stCxn id="8" idx="3"/>
+          </p:cNvCxnSpPr>
+          <p:nvPr/>
+        </p:nvCxnSpPr>
+        <p:spPr>
+          <a:xfrm>
+            <a:off x="4076700" y="3575726"/>
+            <a:ext cx="601980" cy="0"/>
+          </a:xfrm>
+          <a:prstGeom prst="straightConnector1">
+            <a:avLst/>
+          </a:prstGeom>
+          <a:ln w="76200">
+            <a:solidFill>
+              <a:srgbClr val="F8F8F8"/>
+            </a:solidFill>
+            <a:tailEnd type="triangle"/>
+          </a:ln>
+        </p:spPr>
+        <p:style>
+          <a:lnRef idx="1">
+            <a:schemeClr val="accent1"/>
+          </a:lnRef>
+          <a:fillRef idx="0">
+            <a:schemeClr val="accent1"/>
+          </a:fillRef>
+          <a:effectRef idx="0">
+            <a:schemeClr val="accent1"/>
+          </a:effectRef>
+          <a:fontRef idx="minor">
+            <a:schemeClr val="tx1"/>
+          </a:fontRef>
+        </p:style>
+      </p:cxnSp>
+      <p:cxnSp>
+        <p:nvCxnSpPr>
+          <p:cNvPr id="13" name="Прямая со стрелкой 12"/>
+          <p:cNvCxnSpPr>
+            <a:stCxn id="9" idx="3"/>
+            <a:endCxn id="10" idx="1"/>
+          </p:cNvCxnSpPr>
+          <p:nvPr/>
+        </p:nvCxnSpPr>
+        <p:spPr>
+          <a:xfrm>
+            <a:off x="7483022" y="3575726"/>
+            <a:ext cx="568778" cy="0"/>
+          </a:xfrm>
+          <a:prstGeom prst="straightConnector1">
+            <a:avLst/>
+          </a:prstGeom>
+          <a:ln w="76200">
+            <a:solidFill>
+              <a:srgbClr val="F8F8F8"/>
+            </a:solidFill>
+            <a:tailEnd type="triangle"/>
+          </a:ln>
+        </p:spPr>
+        <p:style>
+          <a:lnRef idx="1">
+            <a:schemeClr val="accent1"/>
+          </a:lnRef>
+          <a:fillRef idx="0">
+            <a:schemeClr val="accent1"/>
+          </a:fillRef>
+          <a:effectRef idx="0">
+            <a:schemeClr val="accent1"/>
+          </a:effectRef>
+          <a:fontRef idx="minor">
+            <a:schemeClr val="tx1"/>
+          </a:fontRef>
+        </p:style>
+      </p:cxnSp>
+      <p:sp>
+        <p:nvSpPr>
+          <p:cNvPr id="16" name="TextBox 15"/>
+          <p:cNvSpPr txBox="1"/>
+          <p:nvPr/>
+        </p:nvSpPr>
+        <p:spPr>
+          <a:xfrm>
+            <a:off x="2213656" y="2867840"/>
+            <a:ext cx="1795689" cy="707886"/>
+          </a:xfrm>
+          <a:prstGeom prst="rect">
+            <a:avLst/>
+          </a:prstGeom>
+          <a:noFill/>
+        </p:spPr>
+        <p:txBody>
+          <a:bodyPr wrap="square" rtlCol="0">
+            <a:spAutoFit/>
+          </a:bodyPr>
+          <a:lstStyle/>
+          <a:p>
+            <a:r>
+              <a:rPr lang="en-US" sz="4000" dirty="0" smtClean="0">
+                <a:solidFill>
+                  <a:schemeClr val="bg1"/>
+                </a:solidFill>
+                <a:latin typeface="Montserrat Black" pitchFamily="2" charset="-52"/>
+              </a:rPr>
+              <a:t>React</a:t>
+            </a:r>
+            <a:endParaRPr lang="ru-RU" sz="4000" dirty="0">
+              <a:solidFill>
+                <a:schemeClr val="bg1"/>
+              </a:solidFill>
+              <a:latin typeface="Montserrat Black" pitchFamily="2" charset="-52"/>
+            </a:endParaRPr>
+          </a:p>
+        </p:txBody>
+      </p:sp>
+      <p:sp>
+        <p:nvSpPr>
+          <p:cNvPr id="17" name="TextBox 16"/>
+          <p:cNvSpPr txBox="1"/>
+          <p:nvPr/>
+        </p:nvSpPr>
+        <p:spPr>
+          <a:xfrm>
+            <a:off x="4803819" y="2815754"/>
+            <a:ext cx="2554061" cy="1323439"/>
+          </a:xfrm>
+          <a:prstGeom prst="rect">
+            <a:avLst/>
+          </a:prstGeom>
+          <a:noFill/>
+        </p:spPr>
+        <p:txBody>
+          <a:bodyPr wrap="square" rtlCol="0">
+            <a:spAutoFit/>
+          </a:bodyPr>
+          <a:lstStyle/>
+          <a:p>
+            <a:r>
+              <a:rPr lang="en-US" sz="4000" dirty="0" smtClean="0">
+                <a:solidFill>
+                  <a:schemeClr val="bg1"/>
+                </a:solidFill>
+                <a:latin typeface="Montserrat Black" pitchFamily="2" charset="-52"/>
+              </a:rPr>
+              <a:t>ASP .net</a:t>
+            </a:r>
+            <a:br>
+              <a:rPr lang="en-US" sz="4000" dirty="0" smtClean="0">
+                <a:solidFill>
+                  <a:schemeClr val="bg1"/>
+                </a:solidFill>
+                <a:latin typeface="Montserrat Black" pitchFamily="2" charset="-52"/>
+              </a:rPr>
+            </a:br>
+            <a:endParaRPr lang="ru-RU" sz="4000" dirty="0">
+              <a:solidFill>
+                <a:schemeClr val="bg1"/>
+              </a:solidFill>
+              <a:latin typeface="Montserrat Black" pitchFamily="2" charset="-52"/>
+            </a:endParaRPr>
+          </a:p>
+        </p:txBody>
+      </p:sp>
+      <p:sp>
+        <p:nvSpPr>
+          <p:cNvPr id="23" name="TextBox 22"/>
+          <p:cNvSpPr txBox="1"/>
+          <p:nvPr/>
+        </p:nvSpPr>
+        <p:spPr>
+          <a:xfrm>
+            <a:off x="8122055" y="2867840"/>
+            <a:ext cx="2554061" cy="1323439"/>
+          </a:xfrm>
+          <a:prstGeom prst="rect">
+            <a:avLst/>
+          </a:prstGeom>
+          <a:noFill/>
+        </p:spPr>
+        <p:txBody>
+          <a:bodyPr wrap="square" rtlCol="0">
+            <a:spAutoFit/>
+          </a:bodyPr>
+          <a:lstStyle/>
+          <a:p>
+            <a:r>
+              <a:rPr lang="en-US" sz="4000" dirty="0" smtClean="0">
+                <a:solidFill>
+                  <a:schemeClr val="bg1"/>
+                </a:solidFill>
+                <a:latin typeface="Montserrat Black" pitchFamily="2" charset="-52"/>
+              </a:rPr>
+              <a:t>MySQL</a:t>
+            </a:r>
+            <a:br>
+              <a:rPr lang="en-US" sz="4000" dirty="0" smtClean="0">
+                <a:solidFill>
+                  <a:schemeClr val="bg1"/>
+                </a:solidFill>
+                <a:latin typeface="Montserrat Black" pitchFamily="2" charset="-52"/>
+              </a:rPr>
+            </a:br>
+            <a:endParaRPr lang="ru-RU" sz="4000" dirty="0">
+              <a:solidFill>
+                <a:schemeClr val="bg1"/>
+              </a:solidFill>
+              <a:latin typeface="Montserrat Black" pitchFamily="2" charset="-52"/>
+            </a:endParaRPr>
+          </a:p>
+        </p:txBody>
+      </p:sp>
+      <p:sp>
+        <p:nvSpPr>
+          <p:cNvPr id="26" name="TextBox 25"/>
+          <p:cNvSpPr txBox="1"/>
+          <p:nvPr/>
+        </p:nvSpPr>
+        <p:spPr>
+          <a:xfrm>
+            <a:off x="2245698" y="3529559"/>
+            <a:ext cx="1663700" cy="584775"/>
+          </a:xfrm>
+          <a:prstGeom prst="rect">
+            <a:avLst/>
+          </a:prstGeom>
+          <a:noFill/>
+        </p:spPr>
+        <p:txBody>
+          <a:bodyPr wrap="square" rtlCol="0">
+            <a:spAutoFit/>
+          </a:bodyPr>
+          <a:lstStyle/>
+          <a:p>
+            <a:pPr algn="ctr"/>
+            <a:r>
+              <a:rPr lang="ru-RU" sz="1600" dirty="0" smtClean="0">
+                <a:solidFill>
+                  <a:schemeClr val="bg1"/>
+                </a:solidFill>
+                <a:latin typeface="Montserrat Light" pitchFamily="2" charset="-52"/>
+              </a:rPr>
+              <a:t>Графический интерфейс</a:t>
+            </a:r>
+            <a:endParaRPr lang="ru-RU" sz="1600" dirty="0">
+              <a:solidFill>
+                <a:schemeClr val="bg1"/>
+              </a:solidFill>
+              <a:latin typeface="Montserrat Light" pitchFamily="2" charset="-52"/>
+            </a:endParaRPr>
+          </a:p>
+        </p:txBody>
+      </p:sp>
+      <p:sp>
+        <p:nvSpPr>
+          <p:cNvPr id="27" name="TextBox 26"/>
+          <p:cNvSpPr txBox="1"/>
+          <p:nvPr/>
+        </p:nvSpPr>
+        <p:spPr>
+          <a:xfrm>
+            <a:off x="5242016" y="3507006"/>
+            <a:ext cx="1663700" cy="584775"/>
+          </a:xfrm>
+          <a:prstGeom prst="rect">
+            <a:avLst/>
+          </a:prstGeom>
+          <a:noFill/>
+        </p:spPr>
+        <p:txBody>
+          <a:bodyPr wrap="square" rtlCol="0">
+            <a:spAutoFit/>
+          </a:bodyPr>
+          <a:lstStyle/>
+          <a:p>
+            <a:pPr algn="ctr"/>
+            <a:r>
+              <a:rPr lang="ru-RU" sz="1600" dirty="0" smtClean="0">
+                <a:solidFill>
+                  <a:schemeClr val="bg1"/>
+                </a:solidFill>
+                <a:latin typeface="Montserrat Light" pitchFamily="2" charset="-52"/>
+              </a:rPr>
+              <a:t>Серверное </a:t>
+            </a:r>
+            <a:br>
+              <a:rPr lang="ru-RU" sz="1600" dirty="0" smtClean="0">
+                <a:solidFill>
+                  <a:schemeClr val="bg1"/>
+                </a:solidFill>
+                <a:latin typeface="Montserrat Light" pitchFamily="2" charset="-52"/>
+              </a:rPr>
+            </a:br>
+            <a:r>
+              <a:rPr lang="ru-RU" sz="1600" dirty="0" smtClean="0">
+                <a:solidFill>
+                  <a:schemeClr val="bg1"/>
+                </a:solidFill>
+                <a:latin typeface="Montserrat Light" pitchFamily="2" charset="-52"/>
+              </a:rPr>
+              <a:t>приложение</a:t>
+            </a:r>
+            <a:endParaRPr lang="ru-RU" sz="1600" dirty="0">
+              <a:solidFill>
+                <a:schemeClr val="bg1"/>
+              </a:solidFill>
+              <a:latin typeface="Montserrat Light" pitchFamily="2" charset="-52"/>
+            </a:endParaRPr>
+          </a:p>
+        </p:txBody>
+      </p:sp>
+      <p:sp>
+        <p:nvSpPr>
+          <p:cNvPr id="28" name="TextBox 27"/>
+          <p:cNvSpPr txBox="1"/>
+          <p:nvPr/>
+        </p:nvSpPr>
+        <p:spPr>
+          <a:xfrm>
+            <a:off x="8314320" y="3552749"/>
+            <a:ext cx="1663700" cy="338554"/>
+          </a:xfrm>
+          <a:prstGeom prst="rect">
+            <a:avLst/>
+          </a:prstGeom>
+          <a:noFill/>
+        </p:spPr>
+        <p:txBody>
+          <a:bodyPr wrap="square" rtlCol="0">
+            <a:spAutoFit/>
+          </a:bodyPr>
+          <a:lstStyle/>
+          <a:p>
+            <a:pPr algn="ctr"/>
+            <a:r>
+              <a:rPr lang="ru-RU" sz="1600" dirty="0" smtClean="0">
+                <a:solidFill>
+                  <a:schemeClr val="bg1"/>
+                </a:solidFill>
+                <a:latin typeface="Montserrat Light" pitchFamily="2" charset="-52"/>
+              </a:rPr>
+              <a:t>База данных</a:t>
+            </a:r>
+            <a:endParaRPr lang="ru-RU" sz="1600" dirty="0">
+              <a:solidFill>
+                <a:schemeClr val="bg1"/>
+              </a:solidFill>
+              <a:latin typeface="Montserrat Light" pitchFamily="2" charset="-52"/>
+            </a:endParaRPr>
+          </a:p>
+        </p:txBody>
+      </p:sp>
+      <p:sp>
+        <p:nvSpPr>
+          <p:cNvPr id="30" name="TextBox 29"/>
+          <p:cNvSpPr txBox="1"/>
+          <p:nvPr/>
+        </p:nvSpPr>
+        <p:spPr>
+          <a:xfrm>
+            <a:off x="5313062" y="2211823"/>
+            <a:ext cx="1565865" cy="369332"/>
+          </a:xfrm>
+          <a:prstGeom prst="rect">
+            <a:avLst/>
+          </a:prstGeom>
+          <a:noFill/>
+        </p:spPr>
+        <p:txBody>
+          <a:bodyPr wrap="square" rtlCol="0">
+            <a:spAutoFit/>
+          </a:bodyPr>
+          <a:lstStyle/>
+          <a:p>
+            <a:r>
+              <a:rPr lang="ru-RU" dirty="0" smtClean="0">
+                <a:solidFill>
+                  <a:schemeClr val="bg1"/>
+                </a:solidFill>
+                <a:latin typeface="Montserrat Light" pitchFamily="2" charset="-52"/>
+              </a:rPr>
+              <a:t>Контейнер</a:t>
+            </a:r>
+            <a:endParaRPr lang="ru-RU" dirty="0">
+              <a:solidFill>
+                <a:schemeClr val="bg1"/>
+              </a:solidFill>
+              <a:latin typeface="Montserrat Light" pitchFamily="2" charset="-52"/>
+            </a:endParaRPr>
           </a:p>
         </p:txBody>
       </p:sp>
@@ -7155,7 +10157,7 @@
         </p:blipFill>
         <p:spPr>
           <a:xfrm rot="10800000">
-            <a:off x="-25400" y="0"/>
+            <a:off x="-26909" y="-45782"/>
             <a:ext cx="12217398" cy="6858000"/>
           </a:xfrm>
           <a:prstGeom prst="rect">
@@ -7198,6 +10200,701 @@
               </a:rPr>
               <a:t>Преимущества проекта</a:t>
             </a:r>
+          </a:p>
+        </p:txBody>
+      </p:sp>
+      <p:sp>
+        <p:nvSpPr>
+          <p:cNvPr id="8" name="Скругленный прямоугольник 7"/>
+          <p:cNvSpPr/>
+          <p:nvPr/>
+        </p:nvSpPr>
+        <p:spPr>
+          <a:xfrm>
+            <a:off x="839245" y="2265131"/>
+            <a:ext cx="2567353" cy="1522163"/>
+          </a:xfrm>
+          <a:prstGeom prst="roundRect">
+            <a:avLst/>
+          </a:prstGeom>
+          <a:solidFill>
+            <a:srgbClr val="202020"/>
+          </a:solidFill>
+          <a:ln w="38100">
+            <a:solidFill>
+              <a:srgbClr val="5DD62C"/>
+            </a:solidFill>
+          </a:ln>
+        </p:spPr>
+        <p:style>
+          <a:lnRef idx="2">
+            <a:schemeClr val="accent1">
+              <a:shade val="50000"/>
+            </a:schemeClr>
+          </a:lnRef>
+          <a:fillRef idx="1">
+            <a:schemeClr val="accent1"/>
+          </a:fillRef>
+          <a:effectRef idx="0">
+            <a:schemeClr val="accent1"/>
+          </a:effectRef>
+          <a:fontRef idx="minor">
+            <a:schemeClr val="lt1"/>
+          </a:fontRef>
+        </p:style>
+        <p:txBody>
+          <a:bodyPr rtlCol="0" anchor="ctr"/>
+          <a:lstStyle/>
+          <a:p>
+            <a:pPr algn="ctr"/>
+            <a:endParaRPr lang="ru-RU"/>
+          </a:p>
+        </p:txBody>
+      </p:sp>
+      <p:pic>
+        <p:nvPicPr>
+          <p:cNvPr id="3" name="Рисунок 2"/>
+          <p:cNvPicPr>
+            <a:picLocks noChangeAspect="1"/>
+          </p:cNvPicPr>
+          <p:nvPr/>
+        </p:nvPicPr>
+        <p:blipFill>
+          <a:blip r:embed="rId3" cstate="hqprint">
+            <a:extLst>
+              <a:ext uri="{28A0092B-C50C-407E-A947-70E740481C1C}">
+                <a14:useLocalDpi xmlns:a14="http://schemas.microsoft.com/office/drawing/2010/main" val="0"/>
+              </a:ext>
+            </a:extLst>
+          </a:blip>
+          <a:stretch>
+            <a:fillRect/>
+          </a:stretch>
+        </p:blipFill>
+        <p:spPr>
+          <a:xfrm>
+            <a:off x="2359206" y="1224331"/>
+            <a:ext cx="1768718" cy="2653077"/>
+          </a:xfrm>
+          <a:prstGeom prst="rect">
+            <a:avLst/>
+          </a:prstGeom>
+        </p:spPr>
+      </p:pic>
+      <p:sp>
+        <p:nvSpPr>
+          <p:cNvPr id="9" name="Скругленный прямоугольник 8"/>
+          <p:cNvSpPr/>
+          <p:nvPr/>
+        </p:nvSpPr>
+        <p:spPr>
+          <a:xfrm>
+            <a:off x="4402776" y="2265131"/>
+            <a:ext cx="2567353" cy="1522163"/>
+          </a:xfrm>
+          <a:prstGeom prst="roundRect">
+            <a:avLst/>
+          </a:prstGeom>
+          <a:solidFill>
+            <a:srgbClr val="202020"/>
+          </a:solidFill>
+          <a:ln w="38100">
+            <a:solidFill>
+              <a:srgbClr val="5DD62C"/>
+            </a:solidFill>
+          </a:ln>
+        </p:spPr>
+        <p:style>
+          <a:lnRef idx="2">
+            <a:schemeClr val="accent1">
+              <a:shade val="50000"/>
+            </a:schemeClr>
+          </a:lnRef>
+          <a:fillRef idx="1">
+            <a:schemeClr val="accent1"/>
+          </a:fillRef>
+          <a:effectRef idx="0">
+            <a:schemeClr val="accent1"/>
+          </a:effectRef>
+          <a:fontRef idx="minor">
+            <a:schemeClr val="lt1"/>
+          </a:fontRef>
+        </p:style>
+        <p:txBody>
+          <a:bodyPr rtlCol="0" anchor="ctr"/>
+          <a:lstStyle/>
+          <a:p>
+            <a:pPr algn="ctr"/>
+            <a:endParaRPr lang="ru-RU"/>
+          </a:p>
+        </p:txBody>
+      </p:sp>
+      <p:pic>
+        <p:nvPicPr>
+          <p:cNvPr id="5" name="Рисунок 4"/>
+          <p:cNvPicPr>
+            <a:picLocks noChangeAspect="1"/>
+          </p:cNvPicPr>
+          <p:nvPr/>
+        </p:nvPicPr>
+        <p:blipFill>
+          <a:blip r:embed="rId4" cstate="hqprint">
+            <a:extLst>
+              <a:ext uri="{28A0092B-C50C-407E-A947-70E740481C1C}">
+                <a14:useLocalDpi xmlns:a14="http://schemas.microsoft.com/office/drawing/2010/main" val="0"/>
+              </a:ext>
+            </a:extLst>
+          </a:blip>
+          <a:stretch>
+            <a:fillRect/>
+          </a:stretch>
+        </p:blipFill>
+        <p:spPr>
+          <a:xfrm>
+            <a:off x="5668026" y="1146990"/>
+            <a:ext cx="1838122" cy="2450829"/>
+          </a:xfrm>
+          <a:prstGeom prst="rect">
+            <a:avLst/>
+          </a:prstGeom>
+        </p:spPr>
+      </p:pic>
+      <p:sp>
+        <p:nvSpPr>
+          <p:cNvPr id="10" name="Скругленный прямоугольник 9"/>
+          <p:cNvSpPr/>
+          <p:nvPr/>
+        </p:nvSpPr>
+        <p:spPr>
+          <a:xfrm>
+            <a:off x="8145056" y="2265131"/>
+            <a:ext cx="2567353" cy="1522163"/>
+          </a:xfrm>
+          <a:prstGeom prst="roundRect">
+            <a:avLst/>
+          </a:prstGeom>
+          <a:solidFill>
+            <a:srgbClr val="202020"/>
+          </a:solidFill>
+          <a:ln w="38100">
+            <a:solidFill>
+              <a:srgbClr val="5DD62C"/>
+            </a:solidFill>
+          </a:ln>
+        </p:spPr>
+        <p:style>
+          <a:lnRef idx="2">
+            <a:schemeClr val="accent1">
+              <a:shade val="50000"/>
+            </a:schemeClr>
+          </a:lnRef>
+          <a:fillRef idx="1">
+            <a:schemeClr val="accent1"/>
+          </a:fillRef>
+          <a:effectRef idx="0">
+            <a:schemeClr val="accent1"/>
+          </a:effectRef>
+          <a:fontRef idx="minor">
+            <a:schemeClr val="lt1"/>
+          </a:fontRef>
+        </p:style>
+        <p:txBody>
+          <a:bodyPr rtlCol="0" anchor="ctr"/>
+          <a:lstStyle/>
+          <a:p>
+            <a:pPr algn="ctr"/>
+            <a:endParaRPr lang="ru-RU"/>
+          </a:p>
+        </p:txBody>
+      </p:sp>
+      <p:pic>
+        <p:nvPicPr>
+          <p:cNvPr id="6" name="Рисунок 5"/>
+          <p:cNvPicPr>
+            <a:picLocks noChangeAspect="1"/>
+          </p:cNvPicPr>
+          <p:nvPr/>
+        </p:nvPicPr>
+        <p:blipFill>
+          <a:blip r:embed="rId5">
+            <a:extLst>
+              <a:ext uri="{28A0092B-C50C-407E-A947-70E740481C1C}">
+                <a14:useLocalDpi xmlns:a14="http://schemas.microsoft.com/office/drawing/2010/main" val="0"/>
+              </a:ext>
+            </a:extLst>
+          </a:blip>
+          <a:stretch>
+            <a:fillRect/>
+          </a:stretch>
+        </p:blipFill>
+        <p:spPr>
+          <a:xfrm>
+            <a:off x="9370740" y="1224331"/>
+            <a:ext cx="2158887" cy="2158887"/>
+          </a:xfrm>
+          <a:prstGeom prst="rect">
+            <a:avLst/>
+          </a:prstGeom>
+        </p:spPr>
+      </p:pic>
+      <p:sp>
+        <p:nvSpPr>
+          <p:cNvPr id="11" name="Скругленный прямоугольник 10"/>
+          <p:cNvSpPr/>
+          <p:nvPr/>
+        </p:nvSpPr>
+        <p:spPr>
+          <a:xfrm>
+            <a:off x="839245" y="4561566"/>
+            <a:ext cx="2567353" cy="1522163"/>
+          </a:xfrm>
+          <a:prstGeom prst="roundRect">
+            <a:avLst/>
+          </a:prstGeom>
+          <a:solidFill>
+            <a:srgbClr val="202020"/>
+          </a:solidFill>
+          <a:ln w="38100">
+            <a:solidFill>
+              <a:srgbClr val="5DD62C"/>
+            </a:solidFill>
+          </a:ln>
+        </p:spPr>
+        <p:style>
+          <a:lnRef idx="2">
+            <a:schemeClr val="accent1">
+              <a:shade val="50000"/>
+            </a:schemeClr>
+          </a:lnRef>
+          <a:fillRef idx="1">
+            <a:schemeClr val="accent1"/>
+          </a:fillRef>
+          <a:effectRef idx="0">
+            <a:schemeClr val="accent1"/>
+          </a:effectRef>
+          <a:fontRef idx="minor">
+            <a:schemeClr val="lt1"/>
+          </a:fontRef>
+        </p:style>
+        <p:txBody>
+          <a:bodyPr rtlCol="0" anchor="ctr"/>
+          <a:lstStyle/>
+          <a:p>
+            <a:pPr algn="ctr"/>
+            <a:endParaRPr lang="ru-RU"/>
+          </a:p>
+        </p:txBody>
+      </p:sp>
+      <p:pic>
+        <p:nvPicPr>
+          <p:cNvPr id="7" name="Рисунок 6"/>
+          <p:cNvPicPr>
+            <a:picLocks noChangeAspect="1"/>
+          </p:cNvPicPr>
+          <p:nvPr/>
+        </p:nvPicPr>
+        <p:blipFill>
+          <a:blip r:embed="rId6" cstate="hqprint">
+            <a:extLst>
+              <a:ext uri="{28A0092B-C50C-407E-A947-70E740481C1C}">
+                <a14:useLocalDpi xmlns:a14="http://schemas.microsoft.com/office/drawing/2010/main" val="0"/>
+              </a:ext>
+            </a:extLst>
+          </a:blip>
+          <a:stretch>
+            <a:fillRect/>
+          </a:stretch>
+        </p:blipFill>
+        <p:spPr>
+          <a:xfrm>
+            <a:off x="2512554" y="4039514"/>
+            <a:ext cx="1224331" cy="1224331"/>
+          </a:xfrm>
+          <a:prstGeom prst="rect">
+            <a:avLst/>
+          </a:prstGeom>
+        </p:spPr>
+      </p:pic>
+      <p:sp>
+        <p:nvSpPr>
+          <p:cNvPr id="12" name="Скругленный прямоугольник 11"/>
+          <p:cNvSpPr/>
+          <p:nvPr/>
+        </p:nvSpPr>
+        <p:spPr>
+          <a:xfrm>
+            <a:off x="4384349" y="4561459"/>
+            <a:ext cx="2567353" cy="1522163"/>
+          </a:xfrm>
+          <a:prstGeom prst="roundRect">
+            <a:avLst/>
+          </a:prstGeom>
+          <a:solidFill>
+            <a:srgbClr val="202020"/>
+          </a:solidFill>
+          <a:ln w="38100">
+            <a:solidFill>
+              <a:srgbClr val="5DD62C"/>
+            </a:solidFill>
+          </a:ln>
+        </p:spPr>
+        <p:style>
+          <a:lnRef idx="2">
+            <a:schemeClr val="accent1">
+              <a:shade val="50000"/>
+            </a:schemeClr>
+          </a:lnRef>
+          <a:fillRef idx="1">
+            <a:schemeClr val="accent1"/>
+          </a:fillRef>
+          <a:effectRef idx="0">
+            <a:schemeClr val="accent1"/>
+          </a:effectRef>
+          <a:fontRef idx="minor">
+            <a:schemeClr val="lt1"/>
+          </a:fontRef>
+        </p:style>
+        <p:txBody>
+          <a:bodyPr rtlCol="0" anchor="ctr"/>
+          <a:lstStyle/>
+          <a:p>
+            <a:pPr algn="ctr"/>
+            <a:endParaRPr lang="ru-RU"/>
+          </a:p>
+        </p:txBody>
+      </p:sp>
+      <p:pic>
+        <p:nvPicPr>
+          <p:cNvPr id="13" name="Рисунок 12"/>
+          <p:cNvPicPr>
+            <a:picLocks noChangeAspect="1"/>
+          </p:cNvPicPr>
+          <p:nvPr/>
+        </p:nvPicPr>
+        <p:blipFill>
+          <a:blip r:embed="rId7">
+            <a:extLst>
+              <a:ext uri="{28A0092B-C50C-407E-A947-70E740481C1C}">
+                <a14:useLocalDpi xmlns:a14="http://schemas.microsoft.com/office/drawing/2010/main" val="0"/>
+              </a:ext>
+            </a:extLst>
+          </a:blip>
+          <a:stretch>
+            <a:fillRect/>
+          </a:stretch>
+        </p:blipFill>
+        <p:spPr>
+          <a:xfrm>
+            <a:off x="5987918" y="4009329"/>
+            <a:ext cx="1424565" cy="1297491"/>
+          </a:xfrm>
+          <a:prstGeom prst="rect">
+            <a:avLst/>
+          </a:prstGeom>
+        </p:spPr>
+      </p:pic>
+      <p:sp>
+        <p:nvSpPr>
+          <p:cNvPr id="14" name="Скругленный прямоугольник 13"/>
+          <p:cNvSpPr/>
+          <p:nvPr/>
+        </p:nvSpPr>
+        <p:spPr>
+          <a:xfrm>
+            <a:off x="8145056" y="4585141"/>
+            <a:ext cx="2567353" cy="1522163"/>
+          </a:xfrm>
+          <a:prstGeom prst="roundRect">
+            <a:avLst/>
+          </a:prstGeom>
+          <a:solidFill>
+            <a:srgbClr val="202020"/>
+          </a:solidFill>
+          <a:ln w="38100">
+            <a:solidFill>
+              <a:srgbClr val="5DD62C"/>
+            </a:solidFill>
+          </a:ln>
+        </p:spPr>
+        <p:style>
+          <a:lnRef idx="2">
+            <a:schemeClr val="accent1">
+              <a:shade val="50000"/>
+            </a:schemeClr>
+          </a:lnRef>
+          <a:fillRef idx="1">
+            <a:schemeClr val="accent1"/>
+          </a:fillRef>
+          <a:effectRef idx="0">
+            <a:schemeClr val="accent1"/>
+          </a:effectRef>
+          <a:fontRef idx="minor">
+            <a:schemeClr val="lt1"/>
+          </a:fontRef>
+        </p:style>
+        <p:txBody>
+          <a:bodyPr rtlCol="0" anchor="ctr"/>
+          <a:lstStyle/>
+          <a:p>
+            <a:pPr algn="ctr"/>
+            <a:endParaRPr lang="ru-RU"/>
+          </a:p>
+        </p:txBody>
+      </p:sp>
+      <p:pic>
+        <p:nvPicPr>
+          <p:cNvPr id="15" name="Рисунок 14"/>
+          <p:cNvPicPr>
+            <a:picLocks noChangeAspect="1"/>
+          </p:cNvPicPr>
+          <p:nvPr/>
+        </p:nvPicPr>
+        <p:blipFill>
+          <a:blip r:embed="rId8" cstate="hqprint">
+            <a:extLst>
+              <a:ext uri="{28A0092B-C50C-407E-A947-70E740481C1C}">
+                <a14:useLocalDpi xmlns:a14="http://schemas.microsoft.com/office/drawing/2010/main" val="0"/>
+              </a:ext>
+            </a:extLst>
+          </a:blip>
+          <a:stretch>
+            <a:fillRect/>
+          </a:stretch>
+        </p:blipFill>
+        <p:spPr>
+          <a:xfrm>
+            <a:off x="9847744" y="3837532"/>
+            <a:ext cx="1400487" cy="1400487"/>
+          </a:xfrm>
+          <a:prstGeom prst="rect">
+            <a:avLst/>
+          </a:prstGeom>
+        </p:spPr>
+      </p:pic>
+      <p:sp>
+        <p:nvSpPr>
+          <p:cNvPr id="16" name="TextBox 15"/>
+          <p:cNvSpPr txBox="1"/>
+          <p:nvPr/>
+        </p:nvSpPr>
+        <p:spPr>
+          <a:xfrm>
+            <a:off x="955587" y="2537470"/>
+            <a:ext cx="2025650" cy="923330"/>
+          </a:xfrm>
+          <a:prstGeom prst="rect">
+            <a:avLst/>
+          </a:prstGeom>
+          <a:noFill/>
+        </p:spPr>
+        <p:txBody>
+          <a:bodyPr wrap="square" rtlCol="0">
+            <a:spAutoFit/>
+          </a:bodyPr>
+          <a:lstStyle/>
+          <a:p>
+            <a:r>
+              <a:rPr lang="ru-RU" dirty="0" smtClean="0">
+                <a:solidFill>
+                  <a:schemeClr val="bg1"/>
+                </a:solidFill>
+                <a:latin typeface="Montserrat Light" pitchFamily="2" charset="-52"/>
+              </a:rPr>
+              <a:t>Ускорение обработки заявок</a:t>
+            </a:r>
+            <a:endParaRPr lang="ru-RU" dirty="0">
+              <a:solidFill>
+                <a:schemeClr val="bg1"/>
+              </a:solidFill>
+              <a:latin typeface="Montserrat Light" pitchFamily="2" charset="-52"/>
+            </a:endParaRPr>
+          </a:p>
+        </p:txBody>
+      </p:sp>
+      <p:sp>
+        <p:nvSpPr>
+          <p:cNvPr id="17" name="TextBox 16"/>
+          <p:cNvSpPr txBox="1"/>
+          <p:nvPr/>
+        </p:nvSpPr>
+        <p:spPr>
+          <a:xfrm>
+            <a:off x="4603843" y="2537470"/>
+            <a:ext cx="2025650" cy="923330"/>
+          </a:xfrm>
+          <a:prstGeom prst="rect">
+            <a:avLst/>
+          </a:prstGeom>
+          <a:noFill/>
+        </p:spPr>
+        <p:txBody>
+          <a:bodyPr wrap="square" rtlCol="0">
+            <a:spAutoFit/>
+          </a:bodyPr>
+          <a:lstStyle/>
+          <a:p>
+            <a:r>
+              <a:rPr lang="ru-RU" dirty="0">
+                <a:solidFill>
+                  <a:schemeClr val="bg1"/>
+                </a:solidFill>
+                <a:latin typeface="Montserrat Light" pitchFamily="2" charset="-52"/>
+              </a:rPr>
+              <a:t>Упрощение работы мастеров</a:t>
+            </a:r>
+          </a:p>
+        </p:txBody>
+      </p:sp>
+      <p:sp>
+        <p:nvSpPr>
+          <p:cNvPr id="18" name="TextBox 17"/>
+          <p:cNvSpPr txBox="1"/>
+          <p:nvPr/>
+        </p:nvSpPr>
+        <p:spPr>
+          <a:xfrm>
+            <a:off x="8257298" y="2537470"/>
+            <a:ext cx="2025650" cy="923330"/>
+          </a:xfrm>
+          <a:prstGeom prst="rect">
+            <a:avLst/>
+          </a:prstGeom>
+          <a:noFill/>
+        </p:spPr>
+        <p:txBody>
+          <a:bodyPr wrap="square" rtlCol="0">
+            <a:spAutoFit/>
+          </a:bodyPr>
+          <a:lstStyle/>
+          <a:p>
+            <a:r>
+              <a:rPr lang="ru-RU" dirty="0">
+                <a:solidFill>
+                  <a:schemeClr val="bg1"/>
+                </a:solidFill>
+                <a:latin typeface="Montserrat Light" pitchFamily="2" charset="-52"/>
+              </a:rPr>
+              <a:t>Повышение прозрачности ремонта</a:t>
+            </a:r>
+            <a:endParaRPr lang="ru-RU" dirty="0">
+              <a:solidFill>
+                <a:schemeClr val="bg1"/>
+              </a:solidFill>
+              <a:latin typeface="Montserrat Light" pitchFamily="2" charset="-52"/>
+            </a:endParaRPr>
+          </a:p>
+        </p:txBody>
+      </p:sp>
+      <p:sp>
+        <p:nvSpPr>
+          <p:cNvPr id="19" name="TextBox 18"/>
+          <p:cNvSpPr txBox="1"/>
+          <p:nvPr/>
+        </p:nvSpPr>
+        <p:spPr>
+          <a:xfrm>
+            <a:off x="955587" y="4823035"/>
+            <a:ext cx="2025650" cy="923330"/>
+          </a:xfrm>
+          <a:prstGeom prst="rect">
+            <a:avLst/>
+          </a:prstGeom>
+          <a:noFill/>
+        </p:spPr>
+        <p:txBody>
+          <a:bodyPr wrap="square" rtlCol="0">
+            <a:spAutoFit/>
+          </a:bodyPr>
+          <a:lstStyle/>
+          <a:p>
+            <a:r>
+              <a:rPr lang="ru-RU" dirty="0">
+                <a:solidFill>
+                  <a:schemeClr val="bg1"/>
+                </a:solidFill>
+                <a:latin typeface="Montserrat Light" pitchFamily="2" charset="-52"/>
+              </a:rPr>
+              <a:t>Безопасность и контроль доступа</a:t>
+            </a:r>
+            <a:endParaRPr lang="ru-RU" dirty="0">
+              <a:solidFill>
+                <a:schemeClr val="bg1"/>
+              </a:solidFill>
+              <a:latin typeface="Montserrat Light" pitchFamily="2" charset="-52"/>
+            </a:endParaRPr>
+          </a:p>
+        </p:txBody>
+      </p:sp>
+      <p:sp>
+        <p:nvSpPr>
+          <p:cNvPr id="20" name="Прямоугольник 19"/>
+          <p:cNvSpPr/>
+          <p:nvPr/>
+        </p:nvSpPr>
+        <p:spPr>
+          <a:xfrm>
+            <a:off x="4527832" y="4845155"/>
+            <a:ext cx="2382174" cy="923330"/>
+          </a:xfrm>
+          <a:prstGeom prst="rect">
+            <a:avLst/>
+          </a:prstGeom>
+        </p:spPr>
+        <p:txBody>
+          <a:bodyPr wrap="square">
+            <a:spAutoFit/>
+          </a:bodyPr>
+          <a:lstStyle/>
+          <a:p>
+            <a:r>
+              <a:rPr lang="ru-RU" dirty="0">
+                <a:solidFill>
+                  <a:schemeClr val="bg1"/>
+                </a:solidFill>
+                <a:latin typeface="Montserrat Light" pitchFamily="2" charset="-52"/>
+              </a:rPr>
+              <a:t>Интуитивно понятный веб-интерфейс</a:t>
+            </a:r>
+          </a:p>
+        </p:txBody>
+      </p:sp>
+      <p:sp>
+        <p:nvSpPr>
+          <p:cNvPr id="21" name="TextBox 20"/>
+          <p:cNvSpPr txBox="1"/>
+          <p:nvPr/>
+        </p:nvSpPr>
+        <p:spPr>
+          <a:xfrm>
+            <a:off x="8317645" y="4845155"/>
+            <a:ext cx="2138635" cy="923330"/>
+          </a:xfrm>
+          <a:prstGeom prst="rect">
+            <a:avLst/>
+          </a:prstGeom>
+          <a:noFill/>
+        </p:spPr>
+        <p:txBody>
+          <a:bodyPr wrap="square" rtlCol="0">
+            <a:spAutoFit/>
+          </a:bodyPr>
+          <a:lstStyle/>
+          <a:p>
+            <a:r>
+              <a:rPr lang="ru-RU" dirty="0">
+                <a:solidFill>
+                  <a:schemeClr val="bg1"/>
+                </a:solidFill>
+                <a:latin typeface="Montserrat Light" pitchFamily="2" charset="-52"/>
+              </a:rPr>
+              <a:t>Хранение данных и отчётность</a:t>
+            </a:r>
+            <a:endParaRPr lang="ru-RU" dirty="0">
+              <a:solidFill>
+                <a:schemeClr val="bg1"/>
+              </a:solidFill>
+              <a:latin typeface="Montserrat Light" pitchFamily="2" charset="-52"/>
+            </a:endParaRPr>
           </a:p>
         </p:txBody>
       </p:sp>
@@ -7302,6 +10999,84 @@
               </a:rPr>
               <a:t>Заключение</a:t>
             </a:r>
+          </a:p>
+        </p:txBody>
+      </p:sp>
+      <p:pic>
+        <p:nvPicPr>
+          <p:cNvPr id="4" name="Рисунок 3"/>
+          <p:cNvPicPr>
+            <a:picLocks noChangeAspect="1"/>
+          </p:cNvPicPr>
+          <p:nvPr/>
+        </p:nvPicPr>
+        <p:blipFill>
+          <a:blip r:embed="rId3">
+            <a:extLst>
+              <a:ext uri="{28A0092B-C50C-407E-A947-70E740481C1C}">
+                <a14:useLocalDpi xmlns:a14="http://schemas.microsoft.com/office/drawing/2010/main" val="0"/>
+              </a:ext>
+            </a:extLst>
+          </a:blip>
+          <a:stretch>
+            <a:fillRect/>
+          </a:stretch>
+        </p:blipFill>
+        <p:spPr>
+          <a:xfrm>
+            <a:off x="3771557" y="621396"/>
+            <a:ext cx="4877481" cy="4877481"/>
+          </a:xfrm>
+          <a:prstGeom prst="rect">
+            <a:avLst/>
+          </a:prstGeom>
+        </p:spPr>
+      </p:pic>
+      <p:sp>
+        <p:nvSpPr>
+          <p:cNvPr id="5" name="Прямоугольник 4"/>
+          <p:cNvSpPr/>
+          <p:nvPr/>
+        </p:nvSpPr>
+        <p:spPr>
+          <a:xfrm>
+            <a:off x="2047939" y="5473942"/>
+            <a:ext cx="8374408" cy="646331"/>
+          </a:xfrm>
+          <a:prstGeom prst="rect">
+            <a:avLst/>
+          </a:prstGeom>
+        </p:spPr>
+        <p:txBody>
+          <a:bodyPr wrap="none">
+            <a:spAutoFit/>
+          </a:bodyPr>
+          <a:lstStyle/>
+          <a:p>
+            <a:r>
+              <a:rPr lang="ru-RU" sz="3600" dirty="0">
+                <a:solidFill>
+                  <a:schemeClr val="bg1"/>
+                </a:solidFill>
+                <a:latin typeface="Montserrat Black" pitchFamily="2" charset="-52"/>
+              </a:rPr>
+              <a:t>П</a:t>
+            </a:r>
+            <a:r>
+              <a:rPr lang="ru-RU" sz="3600" dirty="0" smtClean="0">
+                <a:solidFill>
+                  <a:schemeClr val="bg1"/>
+                </a:solidFill>
+                <a:latin typeface="Montserrat Black" pitchFamily="2" charset="-52"/>
+              </a:rPr>
+              <a:t>оставленная цель достигнута</a:t>
+            </a:r>
+            <a:endParaRPr lang="ru-RU" sz="3600" dirty="0">
+              <a:solidFill>
+                <a:schemeClr val="bg1"/>
+              </a:solidFill>
+              <a:latin typeface="Montserrat Black" pitchFamily="2" charset="-52"/>
+            </a:endParaRPr>
           </a:p>
         </p:txBody>
       </p:sp>
@@ -7618,4 +11393,265 @@
     </a:ext>
   </a:extLst>
 </a:theme>
+</file>
+
+<file path=ppt/theme/theme2.xml><?xml version="1.0" encoding="utf-8"?>
+<a:theme xmlns:a="http://schemas.openxmlformats.org/drawingml/2006/main" name="Тема Office">
+  <a:themeElements>
+    <a:clrScheme name="Стандартная">
+      <a:dk1>
+        <a:sysClr val="windowText" lastClr="000000"/>
+      </a:dk1>
+      <a:lt1>
+        <a:sysClr val="window" lastClr="FFFFFF"/>
+      </a:lt1>
+      <a:dk2>
+        <a:srgbClr val="44546A"/>
+      </a:dk2>
+      <a:lt2>
+        <a:srgbClr val="E7E6E6"/>
+      </a:lt2>
+      <a:accent1>
+        <a:srgbClr val="5B9BD5"/>
+      </a:accent1>
+      <a:accent2>
+        <a:srgbClr val="ED7D31"/>
+      </a:accent2>
+      <a:accent3>
+        <a:srgbClr val="A5A5A5"/>
+      </a:accent3>
+      <a:accent4>
+        <a:srgbClr val="FFC000"/>
+      </a:accent4>
+      <a:accent5>
+        <a:srgbClr val="4472C4"/>
+      </a:accent5>
+      <a:accent6>
+        <a:srgbClr val="70AD47"/>
+      </a:accent6>
+      <a:hlink>
+        <a:srgbClr val="0563C1"/>
+      </a:hlink>
+      <a:folHlink>
+        <a:srgbClr val="954F72"/>
+      </a:folHlink>
+    </a:clrScheme>
+    <a:fontScheme name="Стандартная">
+      <a:majorFont>
+        <a:latin typeface="Calibri Light" panose="020F0302020204030204"/>
+        <a:ea typeface=""/>
+        <a:cs typeface=""/>
+        <a:font script="Jpan" typeface="游ゴシック Light"/>
+        <a:font script="Hang" typeface="맑은 고딕"/>
+        <a:font script="Hans" typeface="等线 Light"/>
+        <a:font script="Hant" typeface="新細明體"/>
+        <a:font script="Arab" typeface="Times New Roman"/>
+        <a:font script="Hebr" typeface="Times New Roman"/>
+        <a:font script="Thai" typeface="Angsana New"/>
+        <a:font script="Ethi" typeface="Nyala"/>
+        <a:font script="Beng" typeface="Vrinda"/>
+        <a:font script="Gujr" typeface="Shruti"/>
+        <a:font script="Khmr" typeface="MoolBoran"/>
+        <a:font script="Knda" typeface="Tunga"/>
+        <a:font script="Guru" typeface="Raavi"/>
+        <a:font script="Cans" typeface="Euphemia"/>
+        <a:font script="Cher" typeface="Plantagenet Cherokee"/>
+        <a:font script="Yiii" typeface="Microsoft Yi Baiti"/>
+        <a:font script="Tibt" typeface="Microsoft Himalaya"/>
+        <a:font script="Thaa" typeface="MV Boli"/>
+        <a:font script="Deva" typeface="Mangal"/>
+        <a:font script="Telu" typeface="Gautami"/>
+        <a:font script="Taml" typeface="Latha"/>
+        <a:font script="Syrc" typeface="Estrangelo Edessa"/>
+        <a:font script="Orya" typeface="Kalinga"/>
+        <a:font script="Mlym" typeface="Kartika"/>
+        <a:font script="Laoo" typeface="DokChampa"/>
+        <a:font script="Sinh" typeface="Iskoola Pota"/>
+        <a:font script="Mong" typeface="Mongolian Baiti"/>
+        <a:font script="Viet" typeface="Times New Roman"/>
+        <a:font script="Uigh" typeface="Microsoft Uighur"/>
+        <a:font script="Geor" typeface="Sylfaen"/>
+      </a:majorFont>
+      <a:minorFont>
+        <a:latin typeface="Calibri" panose="020F0502020204030204"/>
+        <a:ea typeface=""/>
+        <a:cs typeface=""/>
+        <a:font script="Jpan" typeface="游ゴシック"/>
+        <a:font script="Hang" typeface="맑은 고딕"/>
+        <a:font script="Hans" typeface="等线"/>
+        <a:font script="Hant" typeface="新細明體"/>
+        <a:font script="Arab" typeface="Arial"/>
+        <a:font script="Hebr" typeface="Arial"/>
+        <a:font script="Thai" typeface="Cordia New"/>
+        <a:font script="Ethi" typeface="Nyala"/>
+        <a:font script="Beng" typeface="Vrinda"/>
+        <a:font script="Gujr" typeface="Shruti"/>
+        <a:font script="Khmr" typeface="DaunPenh"/>
+        <a:font script="Knda" typeface="Tunga"/>
+        <a:font script="Guru" typeface="Raavi"/>
+        <a:font script="Cans" typeface="Euphemia"/>
+        <a:font script="Cher" typeface="Plantagenet Cherokee"/>
+        <a:font script="Yiii" typeface="Microsoft Yi Baiti"/>
+        <a:font script="Tibt" typeface="Microsoft Himalaya"/>
+        <a:font script="Thaa" typeface="MV Boli"/>
+        <a:font script="Deva" typeface="Mangal"/>
+        <a:font script="Telu" typeface="Gautami"/>
+        <a:font script="Taml" typeface="Latha"/>
+        <a:font script="Syrc" typeface="Estrangelo Edessa"/>
+        <a:font script="Orya" typeface="Kalinga"/>
+        <a:font script="Mlym" typeface="Kartika"/>
+        <a:font script="Laoo" typeface="DokChampa"/>
+        <a:font script="Sinh" typeface="Iskoola Pota"/>
+        <a:font script="Mong" typeface="Mongolian Baiti"/>
+        <a:font script="Viet" typeface="Arial"/>
+        <a:font script="Uigh" typeface="Microsoft Uighur"/>
+        <a:font script="Geor" typeface="Sylfaen"/>
+      </a:minorFont>
+    </a:fontScheme>
+    <a:fmtScheme name="Стандартная">
+      <a:fillStyleLst>
+        <a:solidFill>
+          <a:schemeClr val="phClr"/>
+        </a:solidFill>
+        <a:gradFill rotWithShape="1">
+          <a:gsLst>
+            <a:gs pos="0">
+              <a:schemeClr val="phClr">
+                <a:lumMod val="110000"/>
+                <a:satMod val="105000"/>
+                <a:tint val="67000"/>
+              </a:schemeClr>
+            </a:gs>
+            <a:gs pos="50000">
+              <a:schemeClr val="phClr">
+                <a:lumMod val="105000"/>
+                <a:satMod val="103000"/>
+                <a:tint val="73000"/>
+              </a:schemeClr>
+            </a:gs>
+            <a:gs pos="100000">
+              <a:schemeClr val="phClr">
+                <a:lumMod val="105000"/>
+                <a:satMod val="109000"/>
+                <a:tint val="81000"/>
+              </a:schemeClr>
+            </a:gs>
+          </a:gsLst>
+          <a:lin ang="5400000" scaled="0"/>
+        </a:gradFill>
+        <a:gradFill rotWithShape="1">
+          <a:gsLst>
+            <a:gs pos="0">
+              <a:schemeClr val="phClr">
+                <a:satMod val="103000"/>
+                <a:lumMod val="102000"/>
+                <a:tint val="94000"/>
+              </a:schemeClr>
+            </a:gs>
+            <a:gs pos="50000">
+              <a:schemeClr val="phClr">
+                <a:satMod val="110000"/>
+                <a:lumMod val="100000"/>
+                <a:shade val="100000"/>
+              </a:schemeClr>
+            </a:gs>
+            <a:gs pos="100000">
+              <a:schemeClr val="phClr">
+                <a:lumMod val="99000"/>
+                <a:satMod val="120000"/>
+                <a:shade val="78000"/>
+              </a:schemeClr>
+            </a:gs>
+          </a:gsLst>
+          <a:lin ang="5400000" scaled="0"/>
+        </a:gradFill>
+      </a:fillStyleLst>
+      <a:lnStyleLst>
+        <a:ln w="6350" cap="flat" cmpd="sng" algn="ctr">
+          <a:solidFill>
+            <a:schemeClr val="phClr"/>
+          </a:solidFill>
+          <a:prstDash val="solid"/>
+          <a:miter lim="800000"/>
+        </a:ln>
+        <a:ln w="12700" cap="flat" cmpd="sng" algn="ctr">
+          <a:solidFill>
+            <a:schemeClr val="phClr"/>
+          </a:solidFill>
+          <a:prstDash val="solid"/>
+          <a:miter lim="800000"/>
+        </a:ln>
+        <a:ln w="19050" cap="flat" cmpd="sng" algn="ctr">
+          <a:solidFill>
+            <a:schemeClr val="phClr"/>
+          </a:solidFill>
+          <a:prstDash val="solid"/>
+          <a:miter lim="800000"/>
+        </a:ln>
+      </a:lnStyleLst>
+      <a:effectStyleLst>
+        <a:effectStyle>
+          <a:effectLst/>
+        </a:effectStyle>
+        <a:effectStyle>
+          <a:effectLst/>
+        </a:effectStyle>
+        <a:effectStyle>
+          <a:effectLst>
+            <a:outerShdw blurRad="57150" dist="19050" dir="5400000" algn="ctr" rotWithShape="0">
+              <a:srgbClr val="000000">
+                <a:alpha val="63000"/>
+              </a:srgbClr>
+            </a:outerShdw>
+          </a:effectLst>
+        </a:effectStyle>
+      </a:effectStyleLst>
+      <a:bgFillStyleLst>
+        <a:solidFill>
+          <a:schemeClr val="phClr"/>
+        </a:solidFill>
+        <a:solidFill>
+          <a:schemeClr val="phClr">
+            <a:tint val="95000"/>
+            <a:satMod val="170000"/>
+          </a:schemeClr>
+        </a:solidFill>
+        <a:gradFill rotWithShape="1">
+          <a:gsLst>
+            <a:gs pos="0">
+              <a:schemeClr val="phClr">
+                <a:tint val="93000"/>
+                <a:satMod val="150000"/>
+                <a:shade val="98000"/>
+                <a:lumMod val="102000"/>
+              </a:schemeClr>
+            </a:gs>
+            <a:gs pos="50000">
+              <a:schemeClr val="phClr">
+                <a:tint val="98000"/>
+                <a:satMod val="130000"/>
+                <a:shade val="90000"/>
+                <a:lumMod val="103000"/>
+              </a:schemeClr>
+            </a:gs>
+            <a:gs pos="100000">
+              <a:schemeClr val="phClr">
+                <a:shade val="63000"/>
+                <a:satMod val="120000"/>
+              </a:schemeClr>
+            </a:gs>
+          </a:gsLst>
+          <a:lin ang="5400000" scaled="0"/>
+        </a:gradFill>
+      </a:bgFillStyleLst>
+    </a:fmtScheme>
+  </a:themeElements>
+  <a:objectDefaults/>
+  <a:extraClrSchemeLst/>
+  <a:extLst>
+    <a:ext uri="{05A4C25C-085E-4340-85A3-A5531E510DB2}">
+      <thm15:themeFamily xmlns:thm15="http://schemas.microsoft.com/office/thememl/2012/main" name="Office Theme" id="{62F939B6-93AF-4DB8-9C6B-D6C7DFDC589F}" vid="{4A3C46E8-61CC-4603-A589-7422A47A8E4A}"/>
+    </a:ext>
+  </a:extLst>
+</a:theme>
 </file>
--- a/Документация/Разработка подсистемы СмартФикс.pptx
+++ b/Документация/Разработка подсистемы СмартФикс.pptx
@@ -8379,7 +8379,7 @@
         <p:spPr>
           <a:xfrm>
             <a:off x="459152" y="2053086"/>
-            <a:ext cx="2547524" cy="3166614"/>
+            <a:ext cx="2547524" cy="4500114"/>
           </a:xfrm>
           <a:prstGeom prst="roundRect">
             <a:avLst/>
@@ -8488,172 +8488,389 @@
           </a:p>
         </p:txBody>
       </p:sp>
+      <p:sp>
+        <p:nvSpPr>
+          <p:cNvPr id="24" name="Скругленный прямоугольник 23"/>
+          <p:cNvSpPr/>
+          <p:nvPr/>
+        </p:nvSpPr>
+        <p:spPr>
+          <a:xfrm>
+            <a:off x="6171044" y="2031518"/>
+            <a:ext cx="2547524" cy="4521682"/>
+          </a:xfrm>
+          <a:prstGeom prst="roundRect">
+            <a:avLst/>
+          </a:prstGeom>
+          <a:solidFill>
+            <a:srgbClr val="202020"/>
+          </a:solidFill>
+          <a:ln w="28575">
+            <a:solidFill>
+              <a:srgbClr val="5DD62C"/>
+            </a:solidFill>
+          </a:ln>
+        </p:spPr>
+        <p:style>
+          <a:lnRef idx="2">
+            <a:schemeClr val="accent1">
+              <a:shade val="50000"/>
+            </a:schemeClr>
+          </a:lnRef>
+          <a:fillRef idx="1">
+            <a:schemeClr val="accent1"/>
+          </a:fillRef>
+          <a:effectRef idx="0">
+            <a:schemeClr val="accent1"/>
+          </a:effectRef>
+          <a:fontRef idx="minor">
+            <a:schemeClr val="lt1"/>
+          </a:fontRef>
+        </p:style>
+        <p:txBody>
+          <a:bodyPr rtlCol="0" anchor="ctr"/>
+          <a:lstStyle/>
+          <a:p>
+            <a:pPr algn="ctr"/>
+            <a:endParaRPr lang="ru-RU"/>
+          </a:p>
+        </p:txBody>
+      </p:sp>
+      <p:sp>
+        <p:nvSpPr>
+          <p:cNvPr id="22" name="TextBox 21"/>
+          <p:cNvSpPr txBox="1"/>
+          <p:nvPr/>
+        </p:nvSpPr>
+        <p:spPr>
+          <a:xfrm>
+            <a:off x="6327649" y="3073259"/>
+            <a:ext cx="2224011" cy="646331"/>
+          </a:xfrm>
+          <a:prstGeom prst="rect">
+            <a:avLst/>
+          </a:prstGeom>
+          <a:noFill/>
+        </p:spPr>
+        <p:txBody>
+          <a:bodyPr wrap="square" rtlCol="0">
+            <a:spAutoFit/>
+          </a:bodyPr>
+          <a:lstStyle/>
+          <a:p>
+            <a:pPr algn="ctr"/>
+            <a:r>
+              <a:rPr lang="ru-RU" b="1" dirty="0" smtClean="0">
+                <a:solidFill>
+                  <a:schemeClr val="bg1"/>
+                </a:solidFill>
+                <a:latin typeface="Montserrat" panose="00000500000000000000" pitchFamily="2" charset="-52"/>
+              </a:rPr>
+              <a:t>Серверное приложение</a:t>
+            </a:r>
+            <a:endParaRPr lang="ru-RU" b="1" dirty="0">
+              <a:solidFill>
+                <a:schemeClr val="bg1"/>
+              </a:solidFill>
+              <a:latin typeface="Montserrat" panose="00000500000000000000" pitchFamily="2" charset="-52"/>
+            </a:endParaRPr>
+          </a:p>
+        </p:txBody>
+      </p:sp>
+      <p:pic>
+        <p:nvPicPr>
+          <p:cNvPr id="7" name="Рисунок 6"/>
+          <p:cNvPicPr>
+            <a:picLocks noChangeAspect="1"/>
+          </p:cNvPicPr>
+          <p:nvPr/>
+        </p:nvPicPr>
+        <p:blipFill>
+          <a:blip r:embed="rId4"/>
+          <a:stretch>
+            <a:fillRect/>
+          </a:stretch>
+        </p:blipFill>
+        <p:spPr>
+          <a:xfrm>
+            <a:off x="6581353" y="2006187"/>
+            <a:ext cx="1629197" cy="93254"/>
+          </a:xfrm>
+          <a:prstGeom prst="rect">
+            <a:avLst/>
+          </a:prstGeom>
+        </p:spPr>
+      </p:pic>
+      <p:pic>
+        <p:nvPicPr>
+          <p:cNvPr id="6" name="Рисунок 5"/>
+          <p:cNvPicPr>
+            <a:picLocks noChangeAspect="1"/>
+          </p:cNvPicPr>
+          <p:nvPr/>
+        </p:nvPicPr>
+        <p:blipFill>
+          <a:blip r:embed="rId5">
+            <a:extLst>
+              <a:ext uri="{28A0092B-C50C-407E-A947-70E740481C1C}">
+                <a14:useLocalDpi xmlns:a14="http://schemas.microsoft.com/office/drawing/2010/main" val="0"/>
+              </a:ext>
+            </a:extLst>
+          </a:blip>
+          <a:stretch>
+            <a:fillRect/>
+          </a:stretch>
+        </p:blipFill>
+        <p:spPr>
+          <a:xfrm>
+            <a:off x="6524793" y="1127341"/>
+            <a:ext cx="1742315" cy="1742315"/>
+          </a:xfrm>
+          <a:prstGeom prst="rect">
+            <a:avLst/>
+          </a:prstGeom>
+        </p:spPr>
+      </p:pic>
+      <p:sp>
+        <p:nvSpPr>
+          <p:cNvPr id="25" name="Скругленный прямоугольник 24"/>
+          <p:cNvSpPr/>
+          <p:nvPr/>
+        </p:nvSpPr>
+        <p:spPr>
+          <a:xfrm>
+            <a:off x="9133087" y="2031518"/>
+            <a:ext cx="2547524" cy="4521682"/>
+          </a:xfrm>
+          <a:prstGeom prst="roundRect">
+            <a:avLst/>
+          </a:prstGeom>
+          <a:solidFill>
+            <a:srgbClr val="202020"/>
+          </a:solidFill>
+          <a:ln w="28575">
+            <a:solidFill>
+              <a:srgbClr val="5DD62C"/>
+            </a:solidFill>
+          </a:ln>
+        </p:spPr>
+        <p:style>
+          <a:lnRef idx="2">
+            <a:schemeClr val="accent1">
+              <a:shade val="50000"/>
+            </a:schemeClr>
+          </a:lnRef>
+          <a:fillRef idx="1">
+            <a:schemeClr val="accent1"/>
+          </a:fillRef>
+          <a:effectRef idx="0">
+            <a:schemeClr val="accent1"/>
+          </a:effectRef>
+          <a:fontRef idx="minor">
+            <a:schemeClr val="lt1"/>
+          </a:fontRef>
+        </p:style>
+        <p:txBody>
+          <a:bodyPr rtlCol="0" anchor="ctr"/>
+          <a:lstStyle/>
+          <a:p>
+            <a:pPr algn="ctr"/>
+            <a:endParaRPr lang="ru-RU"/>
+          </a:p>
+        </p:txBody>
+      </p:sp>
+      <p:sp>
+        <p:nvSpPr>
+          <p:cNvPr id="23" name="TextBox 22"/>
+          <p:cNvSpPr txBox="1"/>
+          <p:nvPr/>
+        </p:nvSpPr>
+        <p:spPr>
+          <a:xfrm>
+            <a:off x="9264573" y="3078251"/>
+            <a:ext cx="2386426" cy="646331"/>
+          </a:xfrm>
+          <a:prstGeom prst="rect">
+            <a:avLst/>
+          </a:prstGeom>
+          <a:noFill/>
+        </p:spPr>
+        <p:txBody>
+          <a:bodyPr wrap="square" rtlCol="0">
+            <a:spAutoFit/>
+          </a:bodyPr>
+          <a:lstStyle/>
+          <a:p>
+            <a:pPr algn="ctr"/>
+            <a:r>
+              <a:rPr lang="ru-RU" b="1" dirty="0" smtClean="0">
+                <a:solidFill>
+                  <a:schemeClr val="bg1"/>
+                </a:solidFill>
+                <a:latin typeface="Montserrat" panose="00000500000000000000" pitchFamily="2" charset="-52"/>
+              </a:rPr>
+              <a:t>Графический</a:t>
+            </a:r>
+          </a:p>
+          <a:p>
+            <a:pPr algn="ctr"/>
+            <a:r>
+              <a:rPr lang="ru-RU" b="1" dirty="0" smtClean="0">
+                <a:solidFill>
+                  <a:schemeClr val="bg1"/>
+                </a:solidFill>
+                <a:latin typeface="Montserrat" panose="00000500000000000000" pitchFamily="2" charset="-52"/>
+              </a:rPr>
+              <a:t>интерфейс</a:t>
+            </a:r>
+            <a:endParaRPr lang="ru-RU" b="1" dirty="0">
+              <a:solidFill>
+                <a:schemeClr val="bg1"/>
+              </a:solidFill>
+              <a:latin typeface="Montserrat" panose="00000500000000000000" pitchFamily="2" charset="-52"/>
+            </a:endParaRPr>
+          </a:p>
+        </p:txBody>
+      </p:sp>
+      <p:pic>
+        <p:nvPicPr>
+          <p:cNvPr id="11" name="Рисунок 10"/>
+          <p:cNvPicPr>
+            <a:picLocks noChangeAspect="1"/>
+          </p:cNvPicPr>
+          <p:nvPr/>
+        </p:nvPicPr>
+        <p:blipFill>
+          <a:blip r:embed="rId4"/>
+          <a:stretch>
+            <a:fillRect/>
+          </a:stretch>
+        </p:blipFill>
+        <p:spPr>
+          <a:xfrm>
+            <a:off x="9768002" y="2006184"/>
+            <a:ext cx="1332641" cy="186508"/>
+          </a:xfrm>
+          <a:prstGeom prst="rect">
+            <a:avLst/>
+          </a:prstGeom>
+        </p:spPr>
+      </p:pic>
+      <p:pic>
+        <p:nvPicPr>
+          <p:cNvPr id="18" name="Рисунок 17"/>
+          <p:cNvPicPr>
+            <a:picLocks noChangeAspect="1"/>
+          </p:cNvPicPr>
+          <p:nvPr/>
+        </p:nvPicPr>
+        <p:blipFill>
+          <a:blip r:embed="rId6">
+            <a:extLst>
+              <a:ext uri="{28A0092B-C50C-407E-A947-70E740481C1C}">
+                <a14:useLocalDpi xmlns:a14="http://schemas.microsoft.com/office/drawing/2010/main" val="0"/>
+              </a:ext>
+            </a:extLst>
+          </a:blip>
+          <a:stretch>
+            <a:fillRect/>
+          </a:stretch>
+        </p:blipFill>
+        <p:spPr>
+          <a:xfrm>
+            <a:off x="9591429" y="1054715"/>
+            <a:ext cx="1732715" cy="1732715"/>
+          </a:xfrm>
+          <a:prstGeom prst="rect">
+            <a:avLst/>
+          </a:prstGeom>
+        </p:spPr>
+      </p:pic>
       <p:grpSp>
         <p:nvGrpSpPr>
-          <p:cNvPr id="51" name="Группа 50"/>
+          <p:cNvPr id="34" name="Группа 33"/>
           <p:cNvGrpSpPr/>
           <p:nvPr/>
         </p:nvGrpSpPr>
         <p:grpSpPr>
           <a:xfrm>
-            <a:off x="6171044" y="1127341"/>
-            <a:ext cx="2547524" cy="4092359"/>
-            <a:chOff x="6171044" y="1127341"/>
-            <a:chExt cx="2547524" cy="4092359"/>
+            <a:off x="3384084" y="1998499"/>
+            <a:ext cx="2547524" cy="4554701"/>
+            <a:chOff x="3234277" y="2031519"/>
+            <a:chExt cx="2547524" cy="3221201"/>
           </a:xfrm>
         </p:grpSpPr>
-        <p:grpSp>
-          <p:nvGrpSpPr>
-            <p:cNvPr id="50" name="Группа 49"/>
-            <p:cNvGrpSpPr/>
+        <p:sp>
+          <p:nvSpPr>
+            <p:cNvPr id="17" name="Скругленный прямоугольник 16"/>
+            <p:cNvSpPr/>
             <p:nvPr/>
-          </p:nvGrpSpPr>
-          <p:grpSpPr>
+          </p:nvSpPr>
+          <p:spPr>
             <a:xfrm>
-              <a:off x="6171044" y="2006187"/>
-              <a:ext cx="2547524" cy="3213513"/>
-              <a:chOff x="6171044" y="2006187"/>
-              <a:chExt cx="2547524" cy="3213513"/>
+              <a:off x="3234277" y="2053086"/>
+              <a:ext cx="2547524" cy="3199634"/>
             </a:xfrm>
-          </p:grpSpPr>
-          <p:sp>
-            <p:nvSpPr>
-              <p:cNvPr id="24" name="Скругленный прямоугольник 23"/>
-              <p:cNvSpPr/>
-              <p:nvPr/>
-            </p:nvSpPr>
-            <p:spPr>
-              <a:xfrm>
-                <a:off x="6171044" y="2031518"/>
-                <a:ext cx="2547524" cy="3188182"/>
-              </a:xfrm>
-              <a:prstGeom prst="roundRect">
-                <a:avLst/>
-              </a:prstGeom>
+            <a:prstGeom prst="roundRect">
+              <a:avLst/>
+            </a:prstGeom>
+            <a:solidFill>
+              <a:srgbClr val="202020"/>
+            </a:solidFill>
+            <a:ln w="28575">
               <a:solidFill>
-                <a:srgbClr val="202020"/>
+                <a:srgbClr val="5DD62C"/>
               </a:solidFill>
-              <a:ln w="28575">
-                <a:solidFill>
-                  <a:srgbClr val="5DD62C"/>
-                </a:solidFill>
-              </a:ln>
-            </p:spPr>
-            <p:style>
-              <a:lnRef idx="2">
-                <a:schemeClr val="accent1">
-                  <a:shade val="50000"/>
-                </a:schemeClr>
-              </a:lnRef>
-              <a:fillRef idx="1">
-                <a:schemeClr val="accent1"/>
-              </a:fillRef>
-              <a:effectRef idx="0">
-                <a:schemeClr val="accent1"/>
-              </a:effectRef>
-              <a:fontRef idx="minor">
-                <a:schemeClr val="lt1"/>
-              </a:fontRef>
-            </p:style>
-            <p:txBody>
-              <a:bodyPr rtlCol="0" anchor="ctr"/>
-              <a:lstStyle/>
-              <a:p>
-                <a:pPr algn="ctr"/>
-                <a:endParaRPr lang="ru-RU"/>
-              </a:p>
-            </p:txBody>
-          </p:sp>
-          <p:sp>
-            <p:nvSpPr>
-              <p:cNvPr id="22" name="TextBox 21"/>
-              <p:cNvSpPr txBox="1"/>
-              <p:nvPr/>
-            </p:nvSpPr>
-            <p:spPr>
-              <a:xfrm>
-                <a:off x="6327649" y="3073259"/>
-                <a:ext cx="2224011" cy="646331"/>
-              </a:xfrm>
-              <a:prstGeom prst="rect">
-                <a:avLst/>
-              </a:prstGeom>
-              <a:noFill/>
-            </p:spPr>
-            <p:txBody>
-              <a:bodyPr wrap="square" rtlCol="0">
-                <a:spAutoFit/>
-              </a:bodyPr>
-              <a:lstStyle/>
-              <a:p>
-                <a:pPr algn="ctr"/>
-                <a:r>
-                  <a:rPr lang="ru-RU" b="1" dirty="0" smtClean="0">
-                    <a:solidFill>
-                      <a:schemeClr val="bg1"/>
-                    </a:solidFill>
-                    <a:latin typeface="Montserrat" panose="00000500000000000000" pitchFamily="2" charset="-52"/>
-                  </a:rPr>
-                  <a:t>Серверное приложение</a:t>
-                </a:r>
-                <a:endParaRPr lang="ru-RU" b="1" dirty="0">
-                  <a:solidFill>
-                    <a:schemeClr val="bg1"/>
-                  </a:solidFill>
-                  <a:latin typeface="Montserrat" panose="00000500000000000000" pitchFamily="2" charset="-52"/>
-                </a:endParaRPr>
-              </a:p>
-            </p:txBody>
-          </p:sp>
-          <p:pic>
-            <p:nvPicPr>
-              <p:cNvPr id="7" name="Рисунок 6"/>
-              <p:cNvPicPr>
-                <a:picLocks noChangeAspect="1"/>
-              </p:cNvPicPr>
-              <p:nvPr/>
-            </p:nvPicPr>
-            <p:blipFill>
-              <a:blip r:embed="rId4"/>
-              <a:stretch>
-                <a:fillRect/>
-              </a:stretch>
-            </p:blipFill>
-            <p:spPr>
-              <a:xfrm>
-                <a:off x="6581353" y="2006187"/>
-                <a:ext cx="1629197" cy="93254"/>
-              </a:xfrm>
-              <a:prstGeom prst="rect">
-                <a:avLst/>
-              </a:prstGeom>
-            </p:spPr>
-          </p:pic>
-        </p:grpSp>
+            </a:ln>
+          </p:spPr>
+          <p:style>
+            <a:lnRef idx="2">
+              <a:schemeClr val="accent1">
+                <a:shade val="50000"/>
+              </a:schemeClr>
+            </a:lnRef>
+            <a:fillRef idx="1">
+              <a:schemeClr val="accent1"/>
+            </a:fillRef>
+            <a:effectRef idx="0">
+              <a:schemeClr val="accent1"/>
+            </a:effectRef>
+            <a:fontRef idx="minor">
+              <a:schemeClr val="lt1"/>
+            </a:fontRef>
+          </p:style>
+          <p:txBody>
+            <a:bodyPr rtlCol="0" anchor="ctr"/>
+            <a:lstStyle/>
+            <a:p>
+              <a:pPr algn="ctr"/>
+              <a:endParaRPr lang="ru-RU" dirty="0">
+                <a:solidFill>
+                  <a:schemeClr val="bg1"/>
+                </a:solidFill>
+                <a:latin typeface="Montserrat" panose="00000500000000000000" pitchFamily="2" charset="-52"/>
+              </a:endParaRPr>
+            </a:p>
+          </p:txBody>
+        </p:sp>
         <p:pic>
           <p:nvPicPr>
-            <p:cNvPr id="6" name="Рисунок 5"/>
+            <p:cNvPr id="5" name="Рисунок 4"/>
             <p:cNvPicPr>
               <a:picLocks noChangeAspect="1"/>
             </p:cNvPicPr>
             <p:nvPr/>
           </p:nvPicPr>
           <p:blipFill>
-            <a:blip r:embed="rId5">
-              <a:extLst>
-                <a:ext uri="{28A0092B-C50C-407E-A947-70E740481C1C}">
-                  <a14:useLocalDpi xmlns:a14="http://schemas.microsoft.com/office/drawing/2010/main" val="0"/>
-                </a:ext>
-              </a:extLst>
-            </a:blip>
+            <a:blip r:embed="rId4"/>
             <a:stretch>
               <a:fillRect/>
             </a:stretch>
           </p:blipFill>
           <p:spPr>
             <a:xfrm>
-              <a:off x="6524793" y="1127341"/>
-              <a:ext cx="1742315" cy="1742315"/>
+              <a:off x="3931444" y="2031519"/>
+              <a:ext cx="1140821" cy="67921"/>
             </a:xfrm>
             <a:prstGeom prst="rect">
               <a:avLst/>
@@ -8661,368 +8878,76 @@
           </p:spPr>
         </p:pic>
       </p:grpSp>
-      <p:grpSp>
-        <p:nvGrpSpPr>
-          <p:cNvPr id="54" name="Группа 53"/>
-          <p:cNvGrpSpPr/>
-          <p:nvPr/>
-        </p:nvGrpSpPr>
-        <p:grpSpPr>
-          <a:xfrm>
-            <a:off x="9133087" y="1054715"/>
-            <a:ext cx="2547524" cy="4164985"/>
-            <a:chOff x="9133087" y="1054715"/>
-            <a:chExt cx="2547524" cy="4164985"/>
-          </a:xfrm>
-        </p:grpSpPr>
-        <p:grpSp>
-          <p:nvGrpSpPr>
-            <p:cNvPr id="53" name="Группа 52"/>
-            <p:cNvGrpSpPr/>
-            <p:nvPr/>
-          </p:nvGrpSpPr>
-          <p:grpSpPr>
-            <a:xfrm>
-              <a:off x="9133087" y="2006184"/>
-              <a:ext cx="2547524" cy="3213516"/>
-              <a:chOff x="9133087" y="2006184"/>
-              <a:chExt cx="2547524" cy="3213516"/>
-            </a:xfrm>
-          </p:grpSpPr>
-          <p:sp>
-            <p:nvSpPr>
-              <p:cNvPr id="25" name="Скругленный прямоугольник 24"/>
-              <p:cNvSpPr/>
-              <p:nvPr/>
-            </p:nvSpPr>
-            <p:spPr>
-              <a:xfrm>
-                <a:off x="9133087" y="2031518"/>
-                <a:ext cx="2547524" cy="3188182"/>
-              </a:xfrm>
-              <a:prstGeom prst="roundRect">
-                <a:avLst/>
-              </a:prstGeom>
+      <p:pic>
+        <p:nvPicPr>
+          <p:cNvPr id="3" name="Рисунок 2"/>
+          <p:cNvPicPr>
+            <a:picLocks noChangeAspect="1"/>
+          </p:cNvPicPr>
+          <p:nvPr/>
+        </p:nvPicPr>
+        <p:blipFill>
+          <a:blip r:embed="rId7">
+            <a:extLst>
+              <a:ext uri="{28A0092B-C50C-407E-A947-70E740481C1C}">
+                <a14:useLocalDpi xmlns:a14="http://schemas.microsoft.com/office/drawing/2010/main" val="0"/>
+              </a:ext>
+            </a:extLst>
+          </a:blip>
+          <a:stretch>
+            <a:fillRect/>
+          </a:stretch>
+        </p:blipFill>
+        <p:spPr>
+          <a:xfrm>
+            <a:off x="3691807" y="1125616"/>
+            <a:ext cx="1947643" cy="1947643"/>
+          </a:xfrm>
+          <a:prstGeom prst="rect">
+            <a:avLst/>
+          </a:prstGeom>
+        </p:spPr>
+      </p:pic>
+      <p:sp>
+        <p:nvSpPr>
+          <p:cNvPr id="28" name="TextBox 27"/>
+          <p:cNvSpPr txBox="1"/>
+          <p:nvPr/>
+        </p:nvSpPr>
+        <p:spPr>
+          <a:xfrm>
+            <a:off x="3803658" y="3217469"/>
+            <a:ext cx="1855997" cy="369332"/>
+          </a:xfrm>
+          <a:prstGeom prst="rect">
+            <a:avLst/>
+          </a:prstGeom>
+          <a:noFill/>
+        </p:spPr>
+        <p:txBody>
+          <a:bodyPr wrap="square" rtlCol="0">
+            <a:spAutoFit/>
+          </a:bodyPr>
+          <a:lstStyle/>
+          <a:p>
+            <a:r>
+              <a:rPr lang="ru-RU" b="1" dirty="0" smtClean="0">
+                <a:solidFill>
+                  <a:srgbClr val="F8F8F8"/>
+                </a:solidFill>
+                <a:latin typeface="Montserrat" pitchFamily="2" charset="-52"/>
+              </a:rPr>
+              <a:t>База данных</a:t>
+            </a:r>
+            <a:endParaRPr lang="ru-RU" b="1" dirty="0">
               <a:solidFill>
-                <a:srgbClr val="202020"/>
+                <a:srgbClr val="F8F8F8"/>
               </a:solidFill>
-              <a:ln w="28575">
-                <a:solidFill>
-                  <a:srgbClr val="5DD62C"/>
-                </a:solidFill>
-              </a:ln>
-            </p:spPr>
-            <p:style>
-              <a:lnRef idx="2">
-                <a:schemeClr val="accent1">
-                  <a:shade val="50000"/>
-                </a:schemeClr>
-              </a:lnRef>
-              <a:fillRef idx="1">
-                <a:schemeClr val="accent1"/>
-              </a:fillRef>
-              <a:effectRef idx="0">
-                <a:schemeClr val="accent1"/>
-              </a:effectRef>
-              <a:fontRef idx="minor">
-                <a:schemeClr val="lt1"/>
-              </a:fontRef>
-            </p:style>
-            <p:txBody>
-              <a:bodyPr rtlCol="0" anchor="ctr"/>
-              <a:lstStyle/>
-              <a:p>
-                <a:pPr algn="ctr"/>
-                <a:endParaRPr lang="ru-RU"/>
-              </a:p>
-            </p:txBody>
-          </p:sp>
-          <p:sp>
-            <p:nvSpPr>
-              <p:cNvPr id="23" name="TextBox 22"/>
-              <p:cNvSpPr txBox="1"/>
-              <p:nvPr/>
-            </p:nvSpPr>
-            <p:spPr>
-              <a:xfrm>
-                <a:off x="9264573" y="3078251"/>
-                <a:ext cx="2386426" cy="646331"/>
-              </a:xfrm>
-              <a:prstGeom prst="rect">
-                <a:avLst/>
-              </a:prstGeom>
-              <a:noFill/>
-            </p:spPr>
-            <p:txBody>
-              <a:bodyPr wrap="square" rtlCol="0">
-                <a:spAutoFit/>
-              </a:bodyPr>
-              <a:lstStyle/>
-              <a:p>
-                <a:pPr algn="ctr"/>
-                <a:r>
-                  <a:rPr lang="ru-RU" b="1" dirty="0" smtClean="0">
-                    <a:solidFill>
-                      <a:schemeClr val="bg1"/>
-                    </a:solidFill>
-                    <a:latin typeface="Montserrat" panose="00000500000000000000" pitchFamily="2" charset="-52"/>
-                  </a:rPr>
-                  <a:t>Графический</a:t>
-                </a:r>
-              </a:p>
-              <a:p>
-                <a:pPr algn="ctr"/>
-                <a:r>
-                  <a:rPr lang="ru-RU" b="1" dirty="0" smtClean="0">
-                    <a:solidFill>
-                      <a:schemeClr val="bg1"/>
-                    </a:solidFill>
-                    <a:latin typeface="Montserrat" panose="00000500000000000000" pitchFamily="2" charset="-52"/>
-                  </a:rPr>
-                  <a:t>интерфейс</a:t>
-                </a:r>
-                <a:endParaRPr lang="ru-RU" b="1" dirty="0">
-                  <a:solidFill>
-                    <a:schemeClr val="bg1"/>
-                  </a:solidFill>
-                  <a:latin typeface="Montserrat" panose="00000500000000000000" pitchFamily="2" charset="-52"/>
-                </a:endParaRPr>
-              </a:p>
-            </p:txBody>
-          </p:sp>
-          <p:pic>
-            <p:nvPicPr>
-              <p:cNvPr id="11" name="Рисунок 10"/>
-              <p:cNvPicPr>
-                <a:picLocks noChangeAspect="1"/>
-              </p:cNvPicPr>
-              <p:nvPr/>
-            </p:nvPicPr>
-            <p:blipFill>
-              <a:blip r:embed="rId4"/>
-              <a:stretch>
-                <a:fillRect/>
-              </a:stretch>
-            </p:blipFill>
-            <p:spPr>
-              <a:xfrm>
-                <a:off x="9768002" y="2006184"/>
-                <a:ext cx="1332641" cy="186508"/>
-              </a:xfrm>
-              <a:prstGeom prst="rect">
-                <a:avLst/>
-              </a:prstGeom>
-            </p:spPr>
-          </p:pic>
-        </p:grpSp>
-        <p:pic>
-          <p:nvPicPr>
-            <p:cNvPr id="18" name="Рисунок 17"/>
-            <p:cNvPicPr>
-              <a:picLocks noChangeAspect="1"/>
-            </p:cNvPicPr>
-            <p:nvPr/>
-          </p:nvPicPr>
-          <p:blipFill>
-            <a:blip r:embed="rId6">
-              <a:extLst>
-                <a:ext uri="{28A0092B-C50C-407E-A947-70E740481C1C}">
-                  <a14:useLocalDpi xmlns:a14="http://schemas.microsoft.com/office/drawing/2010/main" val="0"/>
-                </a:ext>
-              </a:extLst>
-            </a:blip>
-            <a:stretch>
-              <a:fillRect/>
-            </a:stretch>
-          </p:blipFill>
-          <p:spPr>
-            <a:xfrm>
-              <a:off x="9591429" y="1054715"/>
-              <a:ext cx="1732715" cy="1732715"/>
-            </a:xfrm>
-            <a:prstGeom prst="rect">
-              <a:avLst/>
-            </a:prstGeom>
-          </p:spPr>
-        </p:pic>
-      </p:grpSp>
-      <p:grpSp>
-        <p:nvGrpSpPr>
-          <p:cNvPr id="37" name="Группа 36"/>
-          <p:cNvGrpSpPr/>
-          <p:nvPr/>
-        </p:nvGrpSpPr>
-        <p:grpSpPr>
-          <a:xfrm>
-            <a:off x="3384084" y="1125616"/>
-            <a:ext cx="2547524" cy="4094084"/>
-            <a:chOff x="3234277" y="1158636"/>
-            <a:chExt cx="2547524" cy="4094084"/>
-          </a:xfrm>
-        </p:grpSpPr>
-        <p:grpSp>
-          <p:nvGrpSpPr>
-            <p:cNvPr id="34" name="Группа 33"/>
-            <p:cNvGrpSpPr/>
-            <p:nvPr/>
-          </p:nvGrpSpPr>
-          <p:grpSpPr>
-            <a:xfrm>
-              <a:off x="3234277" y="2031519"/>
-              <a:ext cx="2547524" cy="3221201"/>
-              <a:chOff x="3234277" y="2031519"/>
-              <a:chExt cx="2547524" cy="3221201"/>
-            </a:xfrm>
-          </p:grpSpPr>
-          <p:sp>
-            <p:nvSpPr>
-              <p:cNvPr id="17" name="Скругленный прямоугольник 16"/>
-              <p:cNvSpPr/>
-              <p:nvPr/>
-            </p:nvSpPr>
-            <p:spPr>
-              <a:xfrm>
-                <a:off x="3234277" y="2053086"/>
-                <a:ext cx="2547524" cy="3199634"/>
-              </a:xfrm>
-              <a:prstGeom prst="roundRect">
-                <a:avLst/>
-              </a:prstGeom>
-              <a:solidFill>
-                <a:srgbClr val="202020"/>
-              </a:solidFill>
-              <a:ln w="28575">
-                <a:solidFill>
-                  <a:srgbClr val="5DD62C"/>
-                </a:solidFill>
-              </a:ln>
-            </p:spPr>
-            <p:style>
-              <a:lnRef idx="2">
-                <a:schemeClr val="accent1">
-                  <a:shade val="50000"/>
-                </a:schemeClr>
-              </a:lnRef>
-              <a:fillRef idx="1">
-                <a:schemeClr val="accent1"/>
-              </a:fillRef>
-              <a:effectRef idx="0">
-                <a:schemeClr val="accent1"/>
-              </a:effectRef>
-              <a:fontRef idx="minor">
-                <a:schemeClr val="lt1"/>
-              </a:fontRef>
-            </p:style>
-            <p:txBody>
-              <a:bodyPr rtlCol="0" anchor="ctr"/>
-              <a:lstStyle/>
-              <a:p>
-                <a:pPr algn="ctr"/>
-                <a:endParaRPr lang="ru-RU" dirty="0">
-                  <a:solidFill>
-                    <a:schemeClr val="bg1"/>
-                  </a:solidFill>
-                  <a:latin typeface="Montserrat" panose="00000500000000000000" pitchFamily="2" charset="-52"/>
-                </a:endParaRPr>
-              </a:p>
-            </p:txBody>
-          </p:sp>
-          <p:pic>
-            <p:nvPicPr>
-              <p:cNvPr id="5" name="Рисунок 4"/>
-              <p:cNvPicPr>
-                <a:picLocks noChangeAspect="1"/>
-              </p:cNvPicPr>
-              <p:nvPr/>
-            </p:nvPicPr>
-            <p:blipFill>
-              <a:blip r:embed="rId4"/>
-              <a:stretch>
-                <a:fillRect/>
-              </a:stretch>
-            </p:blipFill>
-            <p:spPr>
-              <a:xfrm>
-                <a:off x="3931444" y="2031519"/>
-                <a:ext cx="1140821" cy="67921"/>
-              </a:xfrm>
-              <a:prstGeom prst="rect">
-                <a:avLst/>
-              </a:prstGeom>
-            </p:spPr>
-          </p:pic>
-        </p:grpSp>
-        <p:pic>
-          <p:nvPicPr>
-            <p:cNvPr id="3" name="Рисунок 2"/>
-            <p:cNvPicPr>
-              <a:picLocks noChangeAspect="1"/>
-            </p:cNvPicPr>
-            <p:nvPr/>
-          </p:nvPicPr>
-          <p:blipFill>
-            <a:blip r:embed="rId7">
-              <a:extLst>
-                <a:ext uri="{28A0092B-C50C-407E-A947-70E740481C1C}">
-                  <a14:useLocalDpi xmlns:a14="http://schemas.microsoft.com/office/drawing/2010/main" val="0"/>
-                </a:ext>
-              </a:extLst>
-            </a:blip>
-            <a:stretch>
-              <a:fillRect/>
-            </a:stretch>
-          </p:blipFill>
-          <p:spPr>
-            <a:xfrm>
-              <a:off x="3542000" y="1158636"/>
-              <a:ext cx="1947643" cy="1947643"/>
-            </a:xfrm>
-            <a:prstGeom prst="rect">
-              <a:avLst/>
-            </a:prstGeom>
-          </p:spPr>
-        </p:pic>
-        <p:sp>
-          <p:nvSpPr>
-            <p:cNvPr id="28" name="TextBox 27"/>
-            <p:cNvSpPr txBox="1"/>
-            <p:nvPr/>
-          </p:nvSpPr>
-          <p:spPr>
-            <a:xfrm>
-              <a:off x="3653851" y="3250489"/>
-              <a:ext cx="1855997" cy="369332"/>
-            </a:xfrm>
-            <a:prstGeom prst="rect">
-              <a:avLst/>
-            </a:prstGeom>
-            <a:noFill/>
-          </p:spPr>
-          <p:txBody>
-            <a:bodyPr wrap="square" rtlCol="0">
-              <a:spAutoFit/>
-            </a:bodyPr>
-            <a:lstStyle/>
-            <a:p>
-              <a:r>
-                <a:rPr lang="ru-RU" b="1" dirty="0" smtClean="0">
-                  <a:solidFill>
-                    <a:srgbClr val="F8F8F8"/>
-                  </a:solidFill>
-                  <a:latin typeface="Montserrat" pitchFamily="2" charset="-52"/>
-                </a:rPr>
-                <a:t>База данных</a:t>
-              </a:r>
-              <a:endParaRPr lang="ru-RU" b="1" dirty="0">
-                <a:solidFill>
-                  <a:srgbClr val="F8F8F8"/>
-                </a:solidFill>
-                <a:latin typeface="Montserrat" pitchFamily="2" charset="-52"/>
-              </a:endParaRPr>
-            </a:p>
-          </p:txBody>
-        </p:sp>
-      </p:grpSp>
+              <a:latin typeface="Montserrat" pitchFamily="2" charset="-52"/>
+            </a:endParaRPr>
+          </a:p>
+        </p:txBody>
+      </p:sp>
       <p:sp>
         <p:nvSpPr>
           <p:cNvPr id="60" name="Скругленный прямоугольник 59"/>
@@ -9223,7 +9148,7 @@
         </p:nvSpPr>
         <p:spPr>
           <a:xfrm>
-            <a:off x="1234031" y="4046758"/>
+            <a:off x="1234031" y="3741956"/>
             <a:ext cx="1015183" cy="369332"/>
           </a:xfrm>
           <a:prstGeom prst="rect">
@@ -9263,7 +9188,7 @@
         </p:nvSpPr>
         <p:spPr>
           <a:xfrm>
-            <a:off x="4158036" y="4046758"/>
+            <a:off x="4158036" y="3760397"/>
             <a:ext cx="1015183" cy="369332"/>
           </a:xfrm>
           <a:prstGeom prst="rect">
@@ -9303,7 +9228,7 @@
         </p:nvSpPr>
         <p:spPr>
           <a:xfrm>
-            <a:off x="6859323" y="4046758"/>
+            <a:off x="6859323" y="3770080"/>
             <a:ext cx="1160662" cy="369332"/>
           </a:xfrm>
           <a:prstGeom prst="rect">
@@ -9343,7 +9268,7 @@
         </p:nvSpPr>
         <p:spPr>
           <a:xfrm>
-            <a:off x="10019651" y="4046758"/>
+            <a:off x="10019651" y="3766451"/>
             <a:ext cx="876270" cy="369332"/>
           </a:xfrm>
           <a:prstGeom prst="rect">
@@ -9371,6 +9296,403 @@
                 <a:srgbClr val="F8F8F8"/>
               </a:solidFill>
               <a:latin typeface="Montserrat" pitchFamily="2" charset="-52"/>
+            </a:endParaRPr>
+          </a:p>
+        </p:txBody>
+      </p:sp>
+      <p:sp>
+        <p:nvSpPr>
+          <p:cNvPr id="35" name="Скругленный прямоугольник 34"/>
+          <p:cNvSpPr/>
+          <p:nvPr/>
+        </p:nvSpPr>
+        <p:spPr>
+          <a:xfrm>
+            <a:off x="3626459" y="4155229"/>
+            <a:ext cx="2088468" cy="45719"/>
+          </a:xfrm>
+          <a:prstGeom prst="roundRect">
+            <a:avLst/>
+          </a:prstGeom>
+          <a:solidFill>
+            <a:srgbClr val="5DD62C"/>
+          </a:solidFill>
+          <a:ln>
+            <a:solidFill>
+              <a:srgbClr val="5DD62C"/>
+            </a:solidFill>
+          </a:ln>
+        </p:spPr>
+        <p:style>
+          <a:lnRef idx="2">
+            <a:schemeClr val="accent1">
+              <a:shade val="50000"/>
+            </a:schemeClr>
+          </a:lnRef>
+          <a:fillRef idx="1">
+            <a:schemeClr val="accent1"/>
+          </a:fillRef>
+          <a:effectRef idx="0">
+            <a:schemeClr val="accent1"/>
+          </a:effectRef>
+          <a:fontRef idx="minor">
+            <a:schemeClr val="lt1"/>
+          </a:fontRef>
+        </p:style>
+        <p:txBody>
+          <a:bodyPr rtlCol="0" anchor="ctr"/>
+          <a:lstStyle/>
+          <a:p>
+            <a:pPr algn="ctr"/>
+            <a:endParaRPr lang="ru-RU"/>
+          </a:p>
+        </p:txBody>
+      </p:sp>
+      <p:sp>
+        <p:nvSpPr>
+          <p:cNvPr id="2" name="TextBox 1"/>
+          <p:cNvSpPr txBox="1"/>
+          <p:nvPr/>
+        </p:nvSpPr>
+        <p:spPr>
+          <a:xfrm>
+            <a:off x="3585485" y="4775276"/>
+            <a:ext cx="2292342" cy="923330"/>
+          </a:xfrm>
+          <a:prstGeom prst="rect">
+            <a:avLst/>
+          </a:prstGeom>
+          <a:noFill/>
+        </p:spPr>
+        <p:txBody>
+          <a:bodyPr wrap="square" rtlCol="0">
+            <a:spAutoFit/>
+          </a:bodyPr>
+          <a:lstStyle/>
+          <a:p>
+            <a:r>
+              <a:rPr lang="ru-RU" dirty="0" smtClean="0">
+                <a:solidFill>
+                  <a:schemeClr val="bg1"/>
+                </a:solidFill>
+                <a:latin typeface="Montserrat Light" pitchFamily="2" charset="-52"/>
+              </a:rPr>
+              <a:t>СУБД</a:t>
+            </a:r>
+            <a:r>
+              <a:rPr lang="en-US" dirty="0" smtClean="0">
+                <a:solidFill>
+                  <a:schemeClr val="bg1"/>
+                </a:solidFill>
+                <a:latin typeface="Montserrat Light" pitchFamily="2" charset="-52"/>
+              </a:rPr>
+              <a:t>: MySQL Workbench 8.0 CE</a:t>
+            </a:r>
+            <a:endParaRPr lang="ru-RU" dirty="0">
+              <a:solidFill>
+                <a:schemeClr val="bg1"/>
+              </a:solidFill>
+              <a:latin typeface="Montserrat Light" pitchFamily="2" charset="-52"/>
+            </a:endParaRPr>
+          </a:p>
+        </p:txBody>
+      </p:sp>
+      <p:sp>
+        <p:nvSpPr>
+          <p:cNvPr id="36" name="Скругленный прямоугольник 35"/>
+          <p:cNvSpPr/>
+          <p:nvPr/>
+        </p:nvSpPr>
+        <p:spPr>
+          <a:xfrm>
+            <a:off x="6412838" y="4132369"/>
+            <a:ext cx="2088468" cy="45719"/>
+          </a:xfrm>
+          <a:prstGeom prst="roundRect">
+            <a:avLst/>
+          </a:prstGeom>
+          <a:solidFill>
+            <a:srgbClr val="5DD62C"/>
+          </a:solidFill>
+          <a:ln>
+            <a:solidFill>
+              <a:srgbClr val="5DD62C"/>
+            </a:solidFill>
+          </a:ln>
+        </p:spPr>
+        <p:style>
+          <a:lnRef idx="2">
+            <a:schemeClr val="accent1">
+              <a:shade val="50000"/>
+            </a:schemeClr>
+          </a:lnRef>
+          <a:fillRef idx="1">
+            <a:schemeClr val="accent1"/>
+          </a:fillRef>
+          <a:effectRef idx="0">
+            <a:schemeClr val="accent1"/>
+          </a:effectRef>
+          <a:fontRef idx="minor">
+            <a:schemeClr val="lt1"/>
+          </a:fontRef>
+        </p:style>
+        <p:txBody>
+          <a:bodyPr rtlCol="0" anchor="ctr"/>
+          <a:lstStyle/>
+          <a:p>
+            <a:pPr algn="ctr"/>
+            <a:endParaRPr lang="ru-RU"/>
+          </a:p>
+        </p:txBody>
+      </p:sp>
+      <p:sp>
+        <p:nvSpPr>
+          <p:cNvPr id="38" name="TextBox 37"/>
+          <p:cNvSpPr txBox="1"/>
+          <p:nvPr/>
+        </p:nvSpPr>
+        <p:spPr>
+          <a:xfrm>
+            <a:off x="6412838" y="4247605"/>
+            <a:ext cx="2292342" cy="369332"/>
+          </a:xfrm>
+          <a:prstGeom prst="rect">
+            <a:avLst/>
+          </a:prstGeom>
+          <a:noFill/>
+        </p:spPr>
+        <p:txBody>
+          <a:bodyPr wrap="square" rtlCol="0">
+            <a:spAutoFit/>
+          </a:bodyPr>
+          <a:lstStyle/>
+          <a:p>
+            <a:r>
+              <a:rPr lang="en-US" dirty="0" smtClean="0">
+                <a:solidFill>
+                  <a:schemeClr val="bg1"/>
+                </a:solidFill>
+                <a:latin typeface="Montserrat Light" pitchFamily="2" charset="-52"/>
+              </a:rPr>
+              <a:t>IDE: VS Code</a:t>
+            </a:r>
+            <a:endParaRPr lang="ru-RU" dirty="0">
+              <a:solidFill>
+                <a:schemeClr val="bg1"/>
+              </a:solidFill>
+              <a:latin typeface="Montserrat Light" pitchFamily="2" charset="-52"/>
+            </a:endParaRPr>
+          </a:p>
+        </p:txBody>
+      </p:sp>
+      <p:sp>
+        <p:nvSpPr>
+          <p:cNvPr id="39" name="TextBox 38"/>
+          <p:cNvSpPr txBox="1"/>
+          <p:nvPr/>
+        </p:nvSpPr>
+        <p:spPr>
+          <a:xfrm>
+            <a:off x="9358657" y="4199649"/>
+            <a:ext cx="2292342" cy="369332"/>
+          </a:xfrm>
+          <a:prstGeom prst="rect">
+            <a:avLst/>
+          </a:prstGeom>
+          <a:noFill/>
+        </p:spPr>
+        <p:txBody>
+          <a:bodyPr wrap="square" rtlCol="0">
+            <a:spAutoFit/>
+          </a:bodyPr>
+          <a:lstStyle/>
+          <a:p>
+            <a:r>
+              <a:rPr lang="en-US" dirty="0" smtClean="0">
+                <a:solidFill>
+                  <a:schemeClr val="bg1"/>
+                </a:solidFill>
+                <a:latin typeface="Montserrat Light" pitchFamily="2" charset="-52"/>
+              </a:rPr>
+              <a:t>IDE: VS Code</a:t>
+            </a:r>
+            <a:endParaRPr lang="ru-RU" dirty="0">
+              <a:solidFill>
+                <a:schemeClr val="bg1"/>
+              </a:solidFill>
+              <a:latin typeface="Montserrat Light" pitchFamily="2" charset="-52"/>
+            </a:endParaRPr>
+          </a:p>
+        </p:txBody>
+      </p:sp>
+      <p:sp>
+        <p:nvSpPr>
+          <p:cNvPr id="40" name="Скругленный прямоугольник 39"/>
+          <p:cNvSpPr/>
+          <p:nvPr/>
+        </p:nvSpPr>
+        <p:spPr>
+          <a:xfrm>
+            <a:off x="9413552" y="4128596"/>
+            <a:ext cx="2088468" cy="45719"/>
+          </a:xfrm>
+          <a:prstGeom prst="roundRect">
+            <a:avLst/>
+          </a:prstGeom>
+          <a:solidFill>
+            <a:srgbClr val="5DD62C"/>
+          </a:solidFill>
+          <a:ln>
+            <a:solidFill>
+              <a:srgbClr val="5DD62C"/>
+            </a:solidFill>
+          </a:ln>
+        </p:spPr>
+        <p:style>
+          <a:lnRef idx="2">
+            <a:schemeClr val="accent1">
+              <a:shade val="50000"/>
+            </a:schemeClr>
+          </a:lnRef>
+          <a:fillRef idx="1">
+            <a:schemeClr val="accent1"/>
+          </a:fillRef>
+          <a:effectRef idx="0">
+            <a:schemeClr val="accent1"/>
+          </a:effectRef>
+          <a:fontRef idx="minor">
+            <a:schemeClr val="lt1"/>
+          </a:fontRef>
+        </p:style>
+        <p:txBody>
+          <a:bodyPr rtlCol="0" anchor="ctr"/>
+          <a:lstStyle/>
+          <a:p>
+            <a:pPr algn="ctr"/>
+            <a:endParaRPr lang="ru-RU"/>
+          </a:p>
+        </p:txBody>
+      </p:sp>
+      <p:sp>
+        <p:nvSpPr>
+          <p:cNvPr id="12" name="TextBox 11"/>
+          <p:cNvSpPr txBox="1"/>
+          <p:nvPr/>
+        </p:nvSpPr>
+        <p:spPr>
+          <a:xfrm>
+            <a:off x="6405453" y="4621270"/>
+            <a:ext cx="2180387" cy="923330"/>
+          </a:xfrm>
+          <a:prstGeom prst="rect">
+            <a:avLst/>
+          </a:prstGeom>
+          <a:noFill/>
+        </p:spPr>
+        <p:txBody>
+          <a:bodyPr wrap="square" rtlCol="0">
+            <a:spAutoFit/>
+          </a:bodyPr>
+          <a:lstStyle/>
+          <a:p>
+            <a:r>
+              <a:rPr lang="ru-RU" dirty="0" smtClean="0">
+                <a:solidFill>
+                  <a:schemeClr val="bg1"/>
+                </a:solidFill>
+                <a:latin typeface="Montserrat Light" pitchFamily="2" charset="-52"/>
+              </a:rPr>
+              <a:t>Библиотеки</a:t>
+            </a:r>
+            <a:r>
+              <a:rPr lang="en-US" dirty="0" smtClean="0">
+                <a:solidFill>
+                  <a:schemeClr val="bg1"/>
+                </a:solidFill>
+                <a:latin typeface="Montserrat Light" pitchFamily="2" charset="-52"/>
+              </a:rPr>
+              <a:t>: JWT, Pomelo, </a:t>
+            </a:r>
+            <a:r>
+              <a:rPr lang="en-US" dirty="0" err="1" smtClean="0">
+                <a:solidFill>
+                  <a:schemeClr val="bg1"/>
+                </a:solidFill>
+                <a:latin typeface="Montserrat Light" pitchFamily="2" charset="-52"/>
+              </a:rPr>
+              <a:t>ByCrypt</a:t>
+            </a:r>
+            <a:endParaRPr lang="ru-RU" dirty="0">
+              <a:solidFill>
+                <a:schemeClr val="bg1"/>
+              </a:solidFill>
+              <a:latin typeface="Montserrat Light" pitchFamily="2" charset="-52"/>
+            </a:endParaRPr>
+          </a:p>
+        </p:txBody>
+      </p:sp>
+      <p:sp>
+        <p:nvSpPr>
+          <p:cNvPr id="45" name="TextBox 44"/>
+          <p:cNvSpPr txBox="1"/>
+          <p:nvPr/>
+        </p:nvSpPr>
+        <p:spPr>
+          <a:xfrm>
+            <a:off x="9367592" y="4626045"/>
+            <a:ext cx="2180387" cy="646331"/>
+          </a:xfrm>
+          <a:prstGeom prst="rect">
+            <a:avLst/>
+          </a:prstGeom>
+          <a:noFill/>
+        </p:spPr>
+        <p:txBody>
+          <a:bodyPr wrap="square" rtlCol="0">
+            <a:spAutoFit/>
+          </a:bodyPr>
+          <a:lstStyle/>
+          <a:p>
+            <a:r>
+              <a:rPr lang="ru-RU" dirty="0" smtClean="0">
+                <a:solidFill>
+                  <a:schemeClr val="bg1"/>
+                </a:solidFill>
+                <a:latin typeface="Montserrat Light" pitchFamily="2" charset="-52"/>
+              </a:rPr>
+              <a:t>Библиотеки</a:t>
+            </a:r>
+            <a:r>
+              <a:rPr lang="en-US" dirty="0" smtClean="0">
+                <a:solidFill>
+                  <a:schemeClr val="bg1"/>
+                </a:solidFill>
+                <a:latin typeface="Montserrat Light" pitchFamily="2" charset="-52"/>
+              </a:rPr>
+              <a:t>:</a:t>
+            </a:r>
+            <a:br>
+              <a:rPr lang="en-US" dirty="0" smtClean="0">
+                <a:solidFill>
+                  <a:schemeClr val="bg1"/>
+                </a:solidFill>
+                <a:latin typeface="Montserrat Light" pitchFamily="2" charset="-52"/>
+              </a:rPr>
+            </a:br>
+            <a:r>
+              <a:rPr lang="en-US" dirty="0" smtClean="0">
+                <a:solidFill>
+                  <a:schemeClr val="bg1"/>
+                </a:solidFill>
+                <a:latin typeface="Montserrat Light" pitchFamily="2" charset="-52"/>
+              </a:rPr>
+              <a:t>Tailwind CSS</a:t>
+            </a:r>
+            <a:endParaRPr lang="ru-RU" dirty="0">
+              <a:solidFill>
+                <a:schemeClr val="bg1"/>
+              </a:solidFill>
+              <a:latin typeface="Montserrat Light" pitchFamily="2" charset="-52"/>
             </a:endParaRPr>
           </a:p>
         </p:txBody>
@@ -10157,8 +10479,8 @@
         </p:blipFill>
         <p:spPr>
           <a:xfrm rot="10800000">
-            <a:off x="-26909" y="-45782"/>
-            <a:ext cx="12217398" cy="6858000"/>
+            <a:off x="0" y="0"/>
+            <a:ext cx="12308114" cy="6908922"/>
           </a:xfrm>
           <a:prstGeom prst="rect">
             <a:avLst/>

--- a/Документация/Разработка подсистемы СмартФикс.pptx
+++ b/Документация/Разработка подсистемы СмартФикс.pptx
@@ -205,7 +205,7 @@
           <a:p>
             <a:fld id="{749E4DA6-E466-4DC0-A80D-18449F9B8947}" type="datetimeFigureOut">
               <a:rPr lang="ru-RU" smtClean="0"/>
-              <a:t>26.11.2025</a:t>
+              <a:t>01.12.2025</a:t>
             </a:fld>
             <a:endParaRPr lang="ru-RU"/>
           </a:p>
@@ -538,6 +538,90 @@
           <a:p>
             <a:fld id="{8C4DFAB7-375F-4002-85C7-3FEB82B22BB2}" type="slidenum">
               <a:rPr lang="ru-RU" smtClean="0"/>
+              <a:t>6</a:t>
+            </a:fld>
+            <a:endParaRPr lang="ru-RU"/>
+          </a:p>
+        </p:txBody>
+      </p:sp>
+    </p:spTree>
+    <p:extLst>
+      <p:ext uri="{BB962C8B-B14F-4D97-AF65-F5344CB8AC3E}">
+        <p14:creationId xmlns:p14="http://schemas.microsoft.com/office/powerpoint/2010/main" val="2129490972"/>
+      </p:ext>
+    </p:extLst>
+  </p:cSld>
+  <p:clrMapOvr>
+    <a:masterClrMapping/>
+  </p:clrMapOvr>
+</p:notes>
+</file>
+
+<file path=ppt/notesSlides/notesSlide2.xml><?xml version="1.0" encoding="utf-8"?>
+<p:notes xmlns:a="http://schemas.openxmlformats.org/drawingml/2006/main" xmlns:r="http://schemas.openxmlformats.org/officeDocument/2006/relationships" xmlns:p="http://schemas.openxmlformats.org/presentationml/2006/main">
+  <p:cSld>
+    <p:spTree>
+      <p:nvGrpSpPr>
+        <p:cNvPr id="1" name=""/>
+        <p:cNvGrpSpPr/>
+        <p:nvPr/>
+      </p:nvGrpSpPr>
+      <p:grpSpPr>
+        <a:xfrm>
+          <a:off x="0" y="0"/>
+          <a:ext cx="0" cy="0"/>
+          <a:chOff x="0" y="0"/>
+          <a:chExt cx="0" cy="0"/>
+        </a:xfrm>
+      </p:grpSpPr>
+      <p:sp>
+        <p:nvSpPr>
+          <p:cNvPr id="2" name="Образ слайда 1"/>
+          <p:cNvSpPr>
+            <a:spLocks noGrp="1" noRot="1" noChangeAspect="1"/>
+          </p:cNvSpPr>
+          <p:nvPr>
+            <p:ph type="sldImg"/>
+          </p:nvPr>
+        </p:nvSpPr>
+        <p:spPr/>
+      </p:sp>
+      <p:sp>
+        <p:nvSpPr>
+          <p:cNvPr id="3" name="Заметки 2"/>
+          <p:cNvSpPr>
+            <a:spLocks noGrp="1"/>
+          </p:cNvSpPr>
+          <p:nvPr>
+            <p:ph type="body" idx="1"/>
+          </p:nvPr>
+        </p:nvSpPr>
+        <p:spPr/>
+        <p:txBody>
+          <a:bodyPr/>
+          <a:lstStyle/>
+          <a:p>
+            <a:endParaRPr lang="ru-RU" dirty="0"/>
+          </a:p>
+        </p:txBody>
+      </p:sp>
+      <p:sp>
+        <p:nvSpPr>
+          <p:cNvPr id="4" name="Номер слайда 3"/>
+          <p:cNvSpPr>
+            <a:spLocks noGrp="1"/>
+          </p:cNvSpPr>
+          <p:nvPr>
+            <p:ph type="sldNum" sz="quarter" idx="10"/>
+          </p:nvPr>
+        </p:nvSpPr>
+        <p:spPr/>
+        <p:txBody>
+          <a:bodyPr/>
+          <a:lstStyle/>
+          <a:p>
+            <a:fld id="{8C4DFAB7-375F-4002-85C7-3FEB82B22BB2}" type="slidenum">
+              <a:rPr lang="ru-RU" smtClean="0"/>
               <a:t>7</a:t>
             </a:fld>
             <a:endParaRPr lang="ru-RU"/>
@@ -548,6 +632,90 @@
     <p:extLst>
       <p:ext uri="{BB962C8B-B14F-4D97-AF65-F5344CB8AC3E}">
         <p14:creationId xmlns:p14="http://schemas.microsoft.com/office/powerpoint/2010/main" val="1931655523"/>
+      </p:ext>
+    </p:extLst>
+  </p:cSld>
+  <p:clrMapOvr>
+    <a:masterClrMapping/>
+  </p:clrMapOvr>
+</p:notes>
+</file>
+
+<file path=ppt/notesSlides/notesSlide3.xml><?xml version="1.0" encoding="utf-8"?>
+<p:notes xmlns:a="http://schemas.openxmlformats.org/drawingml/2006/main" xmlns:r="http://schemas.openxmlformats.org/officeDocument/2006/relationships" xmlns:p="http://schemas.openxmlformats.org/presentationml/2006/main">
+  <p:cSld>
+    <p:spTree>
+      <p:nvGrpSpPr>
+        <p:cNvPr id="1" name=""/>
+        <p:cNvGrpSpPr/>
+        <p:nvPr/>
+      </p:nvGrpSpPr>
+      <p:grpSpPr>
+        <a:xfrm>
+          <a:off x="0" y="0"/>
+          <a:ext cx="0" cy="0"/>
+          <a:chOff x="0" y="0"/>
+          <a:chExt cx="0" cy="0"/>
+        </a:xfrm>
+      </p:grpSpPr>
+      <p:sp>
+        <p:nvSpPr>
+          <p:cNvPr id="2" name="Образ слайда 1"/>
+          <p:cNvSpPr>
+            <a:spLocks noGrp="1" noRot="1" noChangeAspect="1"/>
+          </p:cNvSpPr>
+          <p:nvPr>
+            <p:ph type="sldImg"/>
+          </p:nvPr>
+        </p:nvSpPr>
+        <p:spPr/>
+      </p:sp>
+      <p:sp>
+        <p:nvSpPr>
+          <p:cNvPr id="3" name="Заметки 2"/>
+          <p:cNvSpPr>
+            <a:spLocks noGrp="1"/>
+          </p:cNvSpPr>
+          <p:nvPr>
+            <p:ph type="body" idx="1"/>
+          </p:nvPr>
+        </p:nvSpPr>
+        <p:spPr/>
+        <p:txBody>
+          <a:bodyPr/>
+          <a:lstStyle/>
+          <a:p>
+            <a:endParaRPr lang="ru-RU" dirty="0"/>
+          </a:p>
+        </p:txBody>
+      </p:sp>
+      <p:sp>
+        <p:nvSpPr>
+          <p:cNvPr id="4" name="Номер слайда 3"/>
+          <p:cNvSpPr>
+            <a:spLocks noGrp="1"/>
+          </p:cNvSpPr>
+          <p:nvPr>
+            <p:ph type="sldNum" sz="quarter" idx="10"/>
+          </p:nvPr>
+        </p:nvSpPr>
+        <p:spPr/>
+        <p:txBody>
+          <a:bodyPr/>
+          <a:lstStyle/>
+          <a:p>
+            <a:fld id="{8C4DFAB7-375F-4002-85C7-3FEB82B22BB2}" type="slidenum">
+              <a:rPr lang="ru-RU" smtClean="0"/>
+              <a:t>8</a:t>
+            </a:fld>
+            <a:endParaRPr lang="ru-RU"/>
+          </a:p>
+        </p:txBody>
+      </p:sp>
+    </p:spTree>
+    <p:extLst>
+      <p:ext uri="{BB962C8B-B14F-4D97-AF65-F5344CB8AC3E}">
+        <p14:creationId xmlns:p14="http://schemas.microsoft.com/office/powerpoint/2010/main" val="896003282"/>
       </p:ext>
     </p:extLst>
   </p:cSld>
@@ -704,7 +872,7 @@
           <a:p>
             <a:fld id="{62C09A54-4DF9-4EC3-B7B2-F195F9A44528}" type="datetimeFigureOut">
               <a:rPr lang="ru-RU" smtClean="0"/>
-              <a:t>26.11.2025</a:t>
+              <a:t>01.12.2025</a:t>
             </a:fld>
             <a:endParaRPr lang="ru-RU"/>
           </a:p>
@@ -902,7 +1070,7 @@
           <a:p>
             <a:fld id="{62C09A54-4DF9-4EC3-B7B2-F195F9A44528}" type="datetimeFigureOut">
               <a:rPr lang="ru-RU" smtClean="0"/>
-              <a:t>26.11.2025</a:t>
+              <a:t>01.12.2025</a:t>
             </a:fld>
             <a:endParaRPr lang="ru-RU"/>
           </a:p>
@@ -1110,7 +1278,7 @@
           <a:p>
             <a:fld id="{62C09A54-4DF9-4EC3-B7B2-F195F9A44528}" type="datetimeFigureOut">
               <a:rPr lang="ru-RU" smtClean="0"/>
-              <a:t>26.11.2025</a:t>
+              <a:t>01.12.2025</a:t>
             </a:fld>
             <a:endParaRPr lang="ru-RU"/>
           </a:p>
@@ -1308,7 +1476,7 @@
           <a:p>
             <a:fld id="{62C09A54-4DF9-4EC3-B7B2-F195F9A44528}" type="datetimeFigureOut">
               <a:rPr lang="ru-RU" smtClean="0"/>
-              <a:t>26.11.2025</a:t>
+              <a:t>01.12.2025</a:t>
             </a:fld>
             <a:endParaRPr lang="ru-RU"/>
           </a:p>
@@ -1583,7 +1751,7 @@
           <a:p>
             <a:fld id="{62C09A54-4DF9-4EC3-B7B2-F195F9A44528}" type="datetimeFigureOut">
               <a:rPr lang="ru-RU" smtClean="0"/>
-              <a:t>26.11.2025</a:t>
+              <a:t>01.12.2025</a:t>
             </a:fld>
             <a:endParaRPr lang="ru-RU"/>
           </a:p>
@@ -1848,7 +2016,7 @@
           <a:p>
             <a:fld id="{62C09A54-4DF9-4EC3-B7B2-F195F9A44528}" type="datetimeFigureOut">
               <a:rPr lang="ru-RU" smtClean="0"/>
-              <a:t>26.11.2025</a:t>
+              <a:t>01.12.2025</a:t>
             </a:fld>
             <a:endParaRPr lang="ru-RU"/>
           </a:p>
@@ -2260,7 +2428,7 @@
           <a:p>
             <a:fld id="{62C09A54-4DF9-4EC3-B7B2-F195F9A44528}" type="datetimeFigureOut">
               <a:rPr lang="ru-RU" smtClean="0"/>
-              <a:t>26.11.2025</a:t>
+              <a:t>01.12.2025</a:t>
             </a:fld>
             <a:endParaRPr lang="ru-RU"/>
           </a:p>
@@ -2401,7 +2569,7 @@
           <a:p>
             <a:fld id="{62C09A54-4DF9-4EC3-B7B2-F195F9A44528}" type="datetimeFigureOut">
               <a:rPr lang="ru-RU" smtClean="0"/>
-              <a:t>26.11.2025</a:t>
+              <a:t>01.12.2025</a:t>
             </a:fld>
             <a:endParaRPr lang="ru-RU"/>
           </a:p>
@@ -2514,7 +2682,7 @@
           <a:p>
             <a:fld id="{62C09A54-4DF9-4EC3-B7B2-F195F9A44528}" type="datetimeFigureOut">
               <a:rPr lang="ru-RU" smtClean="0"/>
-              <a:t>26.11.2025</a:t>
+              <a:t>01.12.2025</a:t>
             </a:fld>
             <a:endParaRPr lang="ru-RU"/>
           </a:p>
@@ -2825,7 +2993,7 @@
           <a:p>
             <a:fld id="{62C09A54-4DF9-4EC3-B7B2-F195F9A44528}" type="datetimeFigureOut">
               <a:rPr lang="ru-RU" smtClean="0"/>
-              <a:t>26.11.2025</a:t>
+              <a:t>01.12.2025</a:t>
             </a:fld>
             <a:endParaRPr lang="ru-RU"/>
           </a:p>
@@ -3113,7 +3281,7 @@
           <a:p>
             <a:fld id="{62C09A54-4DF9-4EC3-B7B2-F195F9A44528}" type="datetimeFigureOut">
               <a:rPr lang="ru-RU" smtClean="0"/>
-              <a:t>26.11.2025</a:t>
+              <a:t>01.12.2025</a:t>
             </a:fld>
             <a:endParaRPr lang="ru-RU"/>
           </a:p>
@@ -3354,7 +3522,7 @@
           <a:p>
             <a:fld id="{62C09A54-4DF9-4EC3-B7B2-F195F9A44528}" type="datetimeFigureOut">
               <a:rPr lang="ru-RU" smtClean="0"/>
-              <a:t>26.11.2025</a:t>
+              <a:t>01.12.2025</a:t>
             </a:fld>
             <a:endParaRPr lang="ru-RU"/>
           </a:p>
@@ -4191,6 +4359,70 @@
           </a:p>
         </p:txBody>
       </p:sp>
+      <p:sp>
+        <p:nvSpPr>
+          <p:cNvPr id="8" name="Овал 7"/>
+          <p:cNvSpPr/>
+          <p:nvPr/>
+        </p:nvSpPr>
+        <p:spPr>
+          <a:xfrm>
+            <a:off x="367796" y="216027"/>
+            <a:ext cx="661579" cy="616068"/>
+          </a:xfrm>
+          <a:prstGeom prst="ellipse">
+            <a:avLst/>
+          </a:prstGeom>
+          <a:solidFill>
+            <a:srgbClr val="5DD62C"/>
+          </a:solidFill>
+          <a:ln w="57150">
+            <a:solidFill>
+              <a:srgbClr val="F8F8F8"/>
+            </a:solidFill>
+          </a:ln>
+          <a:effectLst>
+            <a:glow rad="228600">
+              <a:schemeClr val="accent6">
+                <a:satMod val="175000"/>
+                <a:alpha val="40000"/>
+              </a:schemeClr>
+            </a:glow>
+          </a:effectLst>
+        </p:spPr>
+        <p:style>
+          <a:lnRef idx="2">
+            <a:schemeClr val="accent1">
+              <a:shade val="50000"/>
+            </a:schemeClr>
+          </a:lnRef>
+          <a:fillRef idx="1">
+            <a:schemeClr val="accent1"/>
+          </a:fillRef>
+          <a:effectRef idx="0">
+            <a:schemeClr val="accent1"/>
+          </a:effectRef>
+          <a:fontRef idx="minor">
+            <a:schemeClr val="lt1"/>
+          </a:fontRef>
+        </p:style>
+        <p:txBody>
+          <a:bodyPr rtlCol="0" anchor="ctr"/>
+          <a:lstStyle/>
+          <a:p>
+            <a:pPr algn="ctr"/>
+            <a:r>
+              <a:rPr lang="ru-RU" dirty="0" smtClean="0">
+                <a:latin typeface="Montserrat ExtraBold" pitchFamily="2" charset="-52"/>
+              </a:rPr>
+              <a:t>1</a:t>
+            </a:r>
+            <a:endParaRPr lang="ru-RU" dirty="0">
+              <a:latin typeface="Montserrat ExtraBold" pitchFamily="2" charset="-52"/>
+            </a:endParaRPr>
+          </a:p>
+        </p:txBody>
+      </p:sp>
     </p:spTree>
     <p:extLst>
       <p:ext uri="{BB962C8B-B14F-4D97-AF65-F5344CB8AC3E}">
@@ -4566,7 +4798,7 @@
                 <a:solidFill>
                   <a:schemeClr val="bg1"/>
                 </a:solidFill>
-                <a:latin typeface="Montserrat Light" panose="00000400000000000000" pitchFamily="2" charset="-52"/>
+                <a:latin typeface="Montserrat Black" pitchFamily="2" charset="-52"/>
                 <a:ea typeface="Inter" panose="02000503000000020004" pitchFamily="50" charset="0"/>
                 <a:cs typeface="Inter" panose="02000503000000020004" pitchFamily="50" charset="0"/>
               </a:rPr>
@@ -4577,7 +4809,7 @@
                 <a:solidFill>
                   <a:schemeClr val="bg1"/>
                 </a:solidFill>
-                <a:latin typeface="Montserrat Light" panose="00000400000000000000" pitchFamily="2" charset="-52"/>
+                <a:latin typeface="Montserrat Black" pitchFamily="2" charset="-52"/>
                 <a:ea typeface="Inter" panose="02000503000000020004" pitchFamily="50" charset="0"/>
                 <a:cs typeface="Inter" panose="02000503000000020004" pitchFamily="50" charset="0"/>
               </a:rPr>
@@ -4588,7 +4820,7 @@
                 <a:solidFill>
                   <a:schemeClr val="bg1"/>
                 </a:solidFill>
-                <a:latin typeface="Montserrat Light" panose="00000400000000000000" pitchFamily="2" charset="-52"/>
+                <a:latin typeface="Montserrat Black" pitchFamily="2" charset="-52"/>
                 <a:ea typeface="Inter" panose="02000503000000020004" pitchFamily="50" charset="0"/>
                 <a:cs typeface="Inter" panose="02000503000000020004" pitchFamily="50" charset="0"/>
               </a:rPr>
@@ -4598,7 +4830,7 @@
                 <a:solidFill>
                   <a:schemeClr val="bg1"/>
                 </a:solidFill>
-                <a:latin typeface="Montserrat Light" panose="00000400000000000000" pitchFamily="2" charset="-52"/>
+                <a:latin typeface="Montserrat Black" pitchFamily="2" charset="-52"/>
                 <a:ea typeface="Inter" panose="02000503000000020004" pitchFamily="50" charset="0"/>
                 <a:cs typeface="Inter" panose="02000503000000020004" pitchFamily="50" charset="0"/>
               </a:rPr>
@@ -4608,7 +4840,7 @@
               <a:solidFill>
                 <a:schemeClr val="bg1"/>
               </a:solidFill>
-              <a:latin typeface="Montserrat Light" panose="00000400000000000000" pitchFamily="2" charset="-52"/>
+              <a:latin typeface="Montserrat Black" pitchFamily="2" charset="-52"/>
               <a:ea typeface="Inter" panose="02000503000000020004" pitchFamily="50" charset="0"/>
               <a:cs typeface="Inter" panose="02000503000000020004" pitchFamily="50" charset="0"/>
             </a:endParaRPr>
@@ -4643,7 +4875,7 @@
                 <a:solidFill>
                   <a:schemeClr val="bg1"/>
                 </a:solidFill>
-                <a:latin typeface="Montserrat Light" panose="00000400000000000000" pitchFamily="2" charset="-52"/>
+                <a:latin typeface="Montserrat Black" pitchFamily="2" charset="-52"/>
                 <a:ea typeface="Inter" panose="02000503000000020004" pitchFamily="50" charset="0"/>
                 <a:cs typeface="Inter" panose="02000503000000020004" pitchFamily="50" charset="0"/>
               </a:rPr>
@@ -4654,7 +4886,7 @@
                 <a:solidFill>
                   <a:schemeClr val="bg1"/>
                 </a:solidFill>
-                <a:latin typeface="Montserrat Light" panose="00000400000000000000" pitchFamily="2" charset="-52"/>
+                <a:latin typeface="Montserrat Black" pitchFamily="2" charset="-52"/>
                 <a:ea typeface="Inter" panose="02000503000000020004" pitchFamily="50" charset="0"/>
                 <a:cs typeface="Inter" panose="02000503000000020004" pitchFamily="50" charset="0"/>
               </a:rPr>
@@ -4664,7 +4896,7 @@
                 <a:solidFill>
                   <a:schemeClr val="bg1"/>
                 </a:solidFill>
-                <a:latin typeface="Montserrat Light" panose="00000400000000000000" pitchFamily="2" charset="-52"/>
+                <a:latin typeface="Montserrat Black" pitchFamily="2" charset="-52"/>
                 <a:ea typeface="Inter" panose="02000503000000020004" pitchFamily="50" charset="0"/>
                 <a:cs typeface="Inter" panose="02000503000000020004" pitchFamily="50" charset="0"/>
               </a:rPr>
@@ -4674,7 +4906,7 @@
               <a:solidFill>
                 <a:schemeClr val="bg1"/>
               </a:solidFill>
-              <a:latin typeface="Montserrat Light" panose="00000400000000000000" pitchFamily="2" charset="-52"/>
+              <a:latin typeface="Montserrat Black" pitchFamily="2" charset="-52"/>
               <a:ea typeface="Inter" panose="02000503000000020004" pitchFamily="50" charset="0"/>
               <a:cs typeface="Inter" panose="02000503000000020004" pitchFamily="50" charset="0"/>
             </a:endParaRPr>
@@ -4709,7 +4941,7 @@
                 <a:solidFill>
                   <a:schemeClr val="bg1"/>
                 </a:solidFill>
-                <a:latin typeface="Montserrat Light" panose="00000400000000000000" pitchFamily="2" charset="-52"/>
+                <a:latin typeface="Montserrat Black" pitchFamily="2" charset="-52"/>
                 <a:ea typeface="Inter" panose="02000503000000020004" pitchFamily="50" charset="0"/>
                 <a:cs typeface="Inter" panose="02000503000000020004" pitchFamily="50" charset="0"/>
               </a:rPr>
@@ -4720,7 +4952,7 @@
                 <a:solidFill>
                   <a:schemeClr val="bg1"/>
                 </a:solidFill>
-                <a:latin typeface="Montserrat Light" panose="00000400000000000000" pitchFamily="2" charset="-52"/>
+                <a:latin typeface="Montserrat Black" pitchFamily="2" charset="-52"/>
                 <a:ea typeface="Inter" panose="02000503000000020004" pitchFamily="50" charset="0"/>
                 <a:cs typeface="Inter" panose="02000503000000020004" pitchFamily="50" charset="0"/>
               </a:rPr>
@@ -4730,7 +4962,7 @@
                 <a:solidFill>
                   <a:schemeClr val="bg1"/>
                 </a:solidFill>
-                <a:latin typeface="Montserrat Light" panose="00000400000000000000" pitchFamily="2" charset="-52"/>
+                <a:latin typeface="Montserrat Black" pitchFamily="2" charset="-52"/>
                 <a:ea typeface="Inter" panose="02000503000000020004" pitchFamily="50" charset="0"/>
                 <a:cs typeface="Inter" panose="02000503000000020004" pitchFamily="50" charset="0"/>
               </a:rPr>
@@ -4741,7 +4973,7 @@
                 <a:solidFill>
                   <a:schemeClr val="bg1"/>
                 </a:solidFill>
-                <a:latin typeface="Montserrat Light" panose="00000400000000000000" pitchFamily="2" charset="-52"/>
+                <a:latin typeface="Montserrat Black" pitchFamily="2" charset="-52"/>
                 <a:ea typeface="Inter" panose="02000503000000020004" pitchFamily="50" charset="0"/>
                 <a:cs typeface="Inter" panose="02000503000000020004" pitchFamily="50" charset="0"/>
               </a:rPr>
@@ -4751,7 +4983,7 @@
                 <a:solidFill>
                   <a:schemeClr val="bg1"/>
                 </a:solidFill>
-                <a:latin typeface="Montserrat Light" panose="00000400000000000000" pitchFamily="2" charset="-52"/>
+                <a:latin typeface="Montserrat Black" pitchFamily="2" charset="-52"/>
                 <a:ea typeface="Inter" panose="02000503000000020004" pitchFamily="50" charset="0"/>
                 <a:cs typeface="Inter" panose="02000503000000020004" pitchFamily="50" charset="0"/>
               </a:rPr>
@@ -4761,7 +4993,7 @@
               <a:solidFill>
                 <a:schemeClr val="bg1"/>
               </a:solidFill>
-              <a:latin typeface="Montserrat Light" panose="00000400000000000000" pitchFamily="2" charset="-52"/>
+              <a:latin typeface="Montserrat Black" pitchFamily="2" charset="-52"/>
               <a:ea typeface="Inter" panose="02000503000000020004" pitchFamily="50" charset="0"/>
               <a:cs typeface="Inter" panose="02000503000000020004" pitchFamily="50" charset="0"/>
             </a:endParaRPr>
@@ -4796,7 +5028,7 @@
                 <a:solidFill>
                   <a:schemeClr val="bg1"/>
                 </a:solidFill>
-                <a:latin typeface="Montserrat Light" panose="00000400000000000000" pitchFamily="2" charset="-52"/>
+                <a:latin typeface="Montserrat Black" pitchFamily="2" charset="-52"/>
                 <a:ea typeface="Inter" panose="02000503000000020004" pitchFamily="50" charset="0"/>
                 <a:cs typeface="Inter" panose="02000503000000020004" pitchFamily="50" charset="0"/>
               </a:rPr>
@@ -4806,7 +5038,7 @@
               <a:solidFill>
                 <a:schemeClr val="bg1"/>
               </a:solidFill>
-              <a:latin typeface="Montserrat Light" panose="00000400000000000000" pitchFamily="2" charset="-52"/>
+              <a:latin typeface="Montserrat Black" pitchFamily="2" charset="-52"/>
               <a:ea typeface="Inter" panose="02000503000000020004" pitchFamily="50" charset="0"/>
               <a:cs typeface="Inter" panose="02000503000000020004" pitchFamily="50" charset="0"/>
             </a:endParaRPr>
@@ -4821,8 +5053,8 @@
         </p:nvSpPr>
         <p:spPr>
           <a:xfrm>
-            <a:off x="6527184" y="5684563"/>
-            <a:ext cx="3136957" cy="646331"/>
+            <a:off x="6527183" y="5590551"/>
+            <a:ext cx="3136957" cy="923330"/>
           </a:xfrm>
           <a:prstGeom prst="rect">
             <a:avLst/>
@@ -4841,17 +5073,70 @@
                 <a:solidFill>
                   <a:schemeClr val="bg1"/>
                 </a:solidFill>
-                <a:latin typeface="Montserrat Light" panose="00000400000000000000" pitchFamily="2" charset="-52"/>
+                <a:latin typeface="Montserrat Black" pitchFamily="2" charset="-52"/>
                 <a:ea typeface="Inter" panose="02000503000000020004" pitchFamily="50" charset="0"/>
                 <a:cs typeface="Inter" panose="02000503000000020004" pitchFamily="50" charset="0"/>
               </a:rPr>
-              <a:t>Ускорение скорости обращений</a:t>
+              <a:t>Ускорение </a:t>
+            </a:r>
+            <a:r>
+              <a:rPr lang="ru-RU" dirty="0" smtClean="0">
+                <a:solidFill>
+                  <a:schemeClr val="bg1"/>
+                </a:solidFill>
+                <a:latin typeface="Montserrat Black" pitchFamily="2" charset="-52"/>
+                <a:ea typeface="Inter" panose="02000503000000020004" pitchFamily="50" charset="0"/>
+                <a:cs typeface="Inter" panose="02000503000000020004" pitchFamily="50" charset="0"/>
+              </a:rPr>
+              <a:t/>
+            </a:r>
+            <a:br>
+              <a:rPr lang="ru-RU" dirty="0" smtClean="0">
+                <a:solidFill>
+                  <a:schemeClr val="bg1"/>
+                </a:solidFill>
+                <a:latin typeface="Montserrat Black" pitchFamily="2" charset="-52"/>
+                <a:ea typeface="Inter" panose="02000503000000020004" pitchFamily="50" charset="0"/>
+                <a:cs typeface="Inter" panose="02000503000000020004" pitchFamily="50" charset="0"/>
+              </a:rPr>
+            </a:br>
+            <a:r>
+              <a:rPr lang="ru-RU" dirty="0" smtClean="0">
+                <a:solidFill>
+                  <a:schemeClr val="bg1"/>
+                </a:solidFill>
+                <a:latin typeface="Montserrat Black" pitchFamily="2" charset="-52"/>
+                <a:ea typeface="Inter" panose="02000503000000020004" pitchFamily="50" charset="0"/>
+                <a:cs typeface="Inter" panose="02000503000000020004" pitchFamily="50" charset="0"/>
+              </a:rPr>
+              <a:t>скорости </a:t>
+            </a:r>
+            <a:br>
+              <a:rPr lang="ru-RU" dirty="0" smtClean="0">
+                <a:solidFill>
+                  <a:schemeClr val="bg1"/>
+                </a:solidFill>
+                <a:latin typeface="Montserrat Black" pitchFamily="2" charset="-52"/>
+                <a:ea typeface="Inter" panose="02000503000000020004" pitchFamily="50" charset="0"/>
+                <a:cs typeface="Inter" panose="02000503000000020004" pitchFamily="50" charset="0"/>
+              </a:rPr>
+            </a:br>
+            <a:r>
+              <a:rPr lang="ru-RU" dirty="0" smtClean="0">
+                <a:solidFill>
+                  <a:schemeClr val="bg1"/>
+                </a:solidFill>
+                <a:latin typeface="Montserrat Black" pitchFamily="2" charset="-52"/>
+                <a:ea typeface="Inter" panose="02000503000000020004" pitchFamily="50" charset="0"/>
+                <a:cs typeface="Inter" panose="02000503000000020004" pitchFamily="50" charset="0"/>
+              </a:rPr>
+              <a:t>обращений</a:t>
             </a:r>
             <a:endParaRPr lang="ru-RU" dirty="0">
               <a:solidFill>
                 <a:schemeClr val="bg1"/>
               </a:solidFill>
-              <a:latin typeface="Montserrat Light" panose="00000400000000000000" pitchFamily="2" charset="-52"/>
+              <a:latin typeface="Montserrat Black" pitchFamily="2" charset="-52"/>
               <a:ea typeface="Inter" panose="02000503000000020004" pitchFamily="50" charset="0"/>
               <a:cs typeface="Inter" panose="02000503000000020004" pitchFamily="50" charset="0"/>
             </a:endParaRPr>
@@ -5048,6 +5333,70 @@
           </a:effectLst>
         </p:spPr>
       </p:pic>
+      <p:sp>
+        <p:nvSpPr>
+          <p:cNvPr id="22" name="Овал 21"/>
+          <p:cNvSpPr/>
+          <p:nvPr/>
+        </p:nvSpPr>
+        <p:spPr>
+          <a:xfrm>
+            <a:off x="367796" y="216027"/>
+            <a:ext cx="661579" cy="616068"/>
+          </a:xfrm>
+          <a:prstGeom prst="ellipse">
+            <a:avLst/>
+          </a:prstGeom>
+          <a:solidFill>
+            <a:srgbClr val="5DD62C"/>
+          </a:solidFill>
+          <a:ln w="57150">
+            <a:solidFill>
+              <a:srgbClr val="F8F8F8"/>
+            </a:solidFill>
+          </a:ln>
+          <a:effectLst>
+            <a:glow rad="228600">
+              <a:schemeClr val="accent6">
+                <a:satMod val="175000"/>
+                <a:alpha val="40000"/>
+              </a:schemeClr>
+            </a:glow>
+          </a:effectLst>
+        </p:spPr>
+        <p:style>
+          <a:lnRef idx="2">
+            <a:schemeClr val="accent1">
+              <a:shade val="50000"/>
+            </a:schemeClr>
+          </a:lnRef>
+          <a:fillRef idx="1">
+            <a:schemeClr val="accent1"/>
+          </a:fillRef>
+          <a:effectRef idx="0">
+            <a:schemeClr val="accent1"/>
+          </a:effectRef>
+          <a:fontRef idx="minor">
+            <a:schemeClr val="lt1"/>
+          </a:fontRef>
+        </p:style>
+        <p:txBody>
+          <a:bodyPr rtlCol="0" anchor="ctr"/>
+          <a:lstStyle/>
+          <a:p>
+            <a:pPr algn="ctr"/>
+            <a:r>
+              <a:rPr lang="en-US" dirty="0" smtClean="0">
+                <a:latin typeface="Montserrat ExtraBold" pitchFamily="2" charset="-52"/>
+              </a:rPr>
+              <a:t>2</a:t>
+            </a:r>
+            <a:endParaRPr lang="ru-RU" dirty="0">
+              <a:latin typeface="Montserrat ExtraBold" pitchFamily="2" charset="-52"/>
+            </a:endParaRPr>
+          </a:p>
+        </p:txBody>
+      </p:sp>
     </p:spTree>
     <p:extLst>
       <p:ext uri="{BB962C8B-B14F-4D97-AF65-F5344CB8AC3E}">
@@ -5395,7 +5744,7 @@
         <p:spPr>
           <a:xfrm>
             <a:off x="692095" y="4088156"/>
-            <a:ext cx="2787784" cy="646331"/>
+            <a:ext cx="2787784" cy="923330"/>
           </a:xfrm>
           <a:prstGeom prst="rect">
             <a:avLst/>
@@ -5410,33 +5759,85 @@
           <a:p>
             <a:pPr algn="ctr"/>
             <a:r>
-              <a:rPr lang="ru-RU">
+              <a:rPr lang="ru-RU" dirty="0">
                 <a:solidFill>
                   <a:srgbClr val="F8F8F8"/>
                 </a:solidFill>
-                <a:latin typeface="Montserrat" pitchFamily="2" charset="-52"/>
+                <a:latin typeface="Montserrat Black" pitchFamily="2" charset="-52"/>
               </a:rPr>
               <a:t>Мастера по ремонту цифровой техники</a:t>
+            </a:r>
+          </a:p>
+        </p:txBody>
+      </p:sp>
+      <p:sp>
+        <p:nvSpPr>
+          <p:cNvPr id="27" name="TextBox 26"/>
+          <p:cNvSpPr txBox="1"/>
+          <p:nvPr/>
+        </p:nvSpPr>
+        <p:spPr>
+          <a:xfrm>
+            <a:off x="4903653" y="4136925"/>
+            <a:ext cx="2657194" cy="646331"/>
+          </a:xfrm>
+          <a:prstGeom prst="rect">
+            <a:avLst/>
+          </a:prstGeom>
+          <a:noFill/>
+        </p:spPr>
+        <p:txBody>
+          <a:bodyPr wrap="square" rtlCol="0">
+            <a:spAutoFit/>
+          </a:bodyPr>
+          <a:lstStyle/>
+          <a:p>
+            <a:pPr algn="ctr"/>
+            <a:r>
+              <a:rPr lang="ru-RU" dirty="0" smtClean="0">
+                <a:solidFill>
+                  <a:srgbClr val="F8F8F8"/>
+                </a:solidFill>
+                <a:latin typeface="Montserrat Black" pitchFamily="2" charset="-52"/>
+              </a:rPr>
+              <a:t>Администраторы</a:t>
+            </a:r>
+            <a:br>
+              <a:rPr lang="ru-RU" dirty="0" smtClean="0">
+                <a:solidFill>
+                  <a:srgbClr val="F8F8F8"/>
+                </a:solidFill>
+                <a:latin typeface="Montserrat Black" pitchFamily="2" charset="-52"/>
+              </a:rPr>
+            </a:br>
+            <a:r>
+              <a:rPr lang="ru-RU" dirty="0" smtClean="0">
+                <a:solidFill>
+                  <a:srgbClr val="F8F8F8"/>
+                </a:solidFill>
+                <a:latin typeface="Montserrat Black" pitchFamily="2" charset="-52"/>
+              </a:rPr>
+              <a:t>сервисного центра</a:t>
             </a:r>
             <a:endParaRPr lang="ru-RU" dirty="0">
               <a:solidFill>
                 <a:srgbClr val="F8F8F8"/>
               </a:solidFill>
-              <a:latin typeface="Montserrat" pitchFamily="2" charset="-52"/>
+              <a:latin typeface="Montserrat Black" pitchFamily="2" charset="-52"/>
             </a:endParaRPr>
           </a:p>
         </p:txBody>
       </p:sp>
       <p:sp>
         <p:nvSpPr>
-          <p:cNvPr id="27" name="TextBox 26"/>
+          <p:cNvPr id="28" name="TextBox 27"/>
           <p:cNvSpPr txBox="1"/>
           <p:nvPr/>
         </p:nvSpPr>
         <p:spPr>
           <a:xfrm>
-            <a:off x="4903653" y="4136925"/>
-            <a:ext cx="2657194" cy="646331"/>
+            <a:off x="8797521" y="4226655"/>
+            <a:ext cx="2787784" cy="369332"/>
           </a:xfrm>
           <a:prstGeom prst="rect">
             <a:avLst/>
@@ -5455,73 +5856,79 @@
                 <a:solidFill>
                   <a:srgbClr val="F8F8F8"/>
                 </a:solidFill>
-                <a:latin typeface="Montserrat" pitchFamily="2" charset="-52"/>
-              </a:rPr>
-              <a:t>Администраторы</a:t>
-            </a:r>
-            <a:br>
-              <a:rPr lang="ru-RU" dirty="0" smtClean="0">
-                <a:solidFill>
-                  <a:srgbClr val="F8F8F8"/>
-                </a:solidFill>
-                <a:latin typeface="Montserrat" pitchFamily="2" charset="-52"/>
-              </a:rPr>
-            </a:br>
-            <a:r>
-              <a:rPr lang="ru-RU" dirty="0" smtClean="0">
-                <a:solidFill>
-                  <a:srgbClr val="F8F8F8"/>
-                </a:solidFill>
-                <a:latin typeface="Montserrat" pitchFamily="2" charset="-52"/>
-              </a:rPr>
-              <a:t>сервисного центра</a:t>
+                <a:latin typeface="Montserrat Black" pitchFamily="2" charset="-52"/>
+              </a:rPr>
+              <a:t>Клиенты</a:t>
             </a:r>
             <a:endParaRPr lang="ru-RU" dirty="0">
               <a:solidFill>
                 <a:srgbClr val="F8F8F8"/>
               </a:solidFill>
-              <a:latin typeface="Montserrat" pitchFamily="2" charset="-52"/>
+              <a:latin typeface="Montserrat Black" pitchFamily="2" charset="-52"/>
             </a:endParaRPr>
           </a:p>
         </p:txBody>
       </p:sp>
       <p:sp>
         <p:nvSpPr>
-          <p:cNvPr id="28" name="TextBox 27"/>
-          <p:cNvSpPr txBox="1"/>
-          <p:nvPr/>
-        </p:nvSpPr>
-        <p:spPr>
-          <a:xfrm>
-            <a:off x="8797521" y="4226655"/>
-            <a:ext cx="2787784" cy="369332"/>
-          </a:xfrm>
-          <a:prstGeom prst="rect">
-            <a:avLst/>
-          </a:prstGeom>
-          <a:noFill/>
-        </p:spPr>
-        <p:txBody>
-          <a:bodyPr wrap="square" rtlCol="0">
-            <a:spAutoFit/>
-          </a:bodyPr>
+          <p:cNvPr id="13" name="Овал 12"/>
+          <p:cNvSpPr/>
+          <p:nvPr/>
+        </p:nvSpPr>
+        <p:spPr>
+          <a:xfrm>
+            <a:off x="367796" y="216027"/>
+            <a:ext cx="661579" cy="616068"/>
+          </a:xfrm>
+          <a:prstGeom prst="ellipse">
+            <a:avLst/>
+          </a:prstGeom>
+          <a:solidFill>
+            <a:srgbClr val="5DD62C"/>
+          </a:solidFill>
+          <a:ln w="57150">
+            <a:solidFill>
+              <a:srgbClr val="F8F8F8"/>
+            </a:solidFill>
+          </a:ln>
+          <a:effectLst>
+            <a:glow rad="228600">
+              <a:schemeClr val="accent6">
+                <a:satMod val="175000"/>
+                <a:alpha val="40000"/>
+              </a:schemeClr>
+            </a:glow>
+          </a:effectLst>
+        </p:spPr>
+        <p:style>
+          <a:lnRef idx="2">
+            <a:schemeClr val="accent1">
+              <a:shade val="50000"/>
+            </a:schemeClr>
+          </a:lnRef>
+          <a:fillRef idx="1">
+            <a:schemeClr val="accent1"/>
+          </a:fillRef>
+          <a:effectRef idx="0">
+            <a:schemeClr val="accent1"/>
+          </a:effectRef>
+          <a:fontRef idx="minor">
+            <a:schemeClr val="lt1"/>
+          </a:fontRef>
+        </p:style>
+        <p:txBody>
+          <a:bodyPr rtlCol="0" anchor="ctr"/>
           <a:lstStyle/>
           <a:p>
             <a:pPr algn="ctr"/>
             <a:r>
               <a:rPr lang="ru-RU" dirty="0" smtClean="0">
-                <a:solidFill>
-                  <a:srgbClr val="F8F8F8"/>
-                </a:solidFill>
-                <a:latin typeface="Montserrat" pitchFamily="2" charset="-52"/>
-              </a:rPr>
-              <a:t>Клиенты</a:t>
+                <a:latin typeface="Montserrat ExtraBold" pitchFamily="2" charset="-52"/>
+              </a:rPr>
+              <a:t>3</a:t>
             </a:r>
             <a:endParaRPr lang="ru-RU" dirty="0">
-              <a:solidFill>
-                <a:srgbClr val="F8F8F8"/>
-              </a:solidFill>
-              <a:latin typeface="Montserrat" pitchFamily="2" charset="-52"/>
+              <a:latin typeface="Montserrat ExtraBold" pitchFamily="2" charset="-52"/>
             </a:endParaRPr>
           </a:p>
         </p:txBody>
@@ -5749,8 +6156,8 @@
         </p:nvSpPr>
         <p:spPr>
           <a:xfrm>
-            <a:off x="5863574" y="1325457"/>
-            <a:ext cx="6682049" cy="400110"/>
+            <a:off x="5814903" y="1172020"/>
+            <a:ext cx="6682049" cy="707886"/>
           </a:xfrm>
           <a:prstGeom prst="rect">
             <a:avLst/>
@@ -5789,6 +6196,23 @@
                 <a:latin typeface="Druk Wide Cyr" pitchFamily="2" charset="-52"/>
               </a:rPr>
               <a:t>приложения</a:t>
+            </a:r>
+            <a:br>
+              <a:rPr lang="ru-RU" sz="2000" dirty="0" smtClean="0">
+                <a:solidFill>
+                  <a:schemeClr val="bg1"/>
+                </a:solidFill>
+                <a:latin typeface="Druk Wide Cyr" pitchFamily="2" charset="-52"/>
+              </a:rPr>
+            </a:br>
+            <a:r>
+              <a:rPr lang="ru-RU" sz="2000" dirty="0" smtClean="0">
+                <a:solidFill>
+                  <a:schemeClr val="bg1"/>
+                </a:solidFill>
+                <a:latin typeface="Druk Wide Cyr" pitchFamily="2" charset="-52"/>
+              </a:rPr>
+              <a:t>с возможностями</a:t>
             </a:r>
             <a:endParaRPr lang="ru-RU" sz="2000" dirty="0">
               <a:solidFill>
@@ -5808,7 +6232,7 @@
         <p:spPr>
           <a:xfrm>
             <a:off x="5773363" y="2327221"/>
-            <a:ext cx="6379273" cy="400110"/>
+            <a:ext cx="6379273" cy="707886"/>
           </a:xfrm>
           <a:prstGeom prst="rect">
             <a:avLst/>
@@ -5826,7 +6250,7 @@
                 <a:solidFill>
                   <a:schemeClr val="bg1"/>
                 </a:solidFill>
-                <a:latin typeface="Montserrat" panose="00000500000000000000" pitchFamily="2" charset="-52"/>
+                <a:latin typeface="Montserrat Black" pitchFamily="2" charset="-52"/>
               </a:rPr>
               <a:t>Добавлять и редактировать заявки на ремонт</a:t>
             </a:r>
@@ -5834,7 +6258,7 @@
               <a:solidFill>
                 <a:schemeClr val="bg1"/>
               </a:solidFill>
-              <a:latin typeface="Montserrat" panose="00000500000000000000" pitchFamily="2" charset="-52"/>
+              <a:latin typeface="Montserrat Black" pitchFamily="2" charset="-52"/>
             </a:endParaRPr>
           </a:p>
         </p:txBody>
@@ -5866,7 +6290,7 @@
                 <a:solidFill>
                   <a:schemeClr val="bg1"/>
                 </a:solidFill>
-                <a:latin typeface="Montserrat" panose="00000500000000000000" pitchFamily="2" charset="-52"/>
+                <a:latin typeface="Montserrat Black" pitchFamily="2" charset="-52"/>
               </a:rPr>
               <a:t>Управлять списком </a:t>
             </a:r>
@@ -5875,7 +6299,7 @@
                 <a:solidFill>
                   <a:schemeClr val="bg1"/>
                 </a:solidFill>
-                <a:latin typeface="Montserrat" panose="00000500000000000000" pitchFamily="2" charset="-52"/>
+                <a:latin typeface="Montserrat Black" pitchFamily="2" charset="-52"/>
               </a:rPr>
               <a:t>услуг</a:t>
             </a:r>
@@ -5909,7 +6333,7 @@
                 <a:solidFill>
                   <a:schemeClr val="bg1"/>
                 </a:solidFill>
-                <a:latin typeface="Montserrat" panose="00000500000000000000" pitchFamily="2" charset="-52"/>
+                <a:latin typeface="Montserrat Black" pitchFamily="2" charset="-52"/>
               </a:rPr>
               <a:t>Фильтровать заявки по категориям</a:t>
             </a:r>
@@ -5917,7 +6341,7 @@
               <a:solidFill>
                 <a:schemeClr val="bg1"/>
               </a:solidFill>
-              <a:latin typeface="Montserrat" panose="00000500000000000000" pitchFamily="2" charset="-52"/>
+              <a:latin typeface="Montserrat Black" pitchFamily="2" charset="-52"/>
             </a:endParaRPr>
           </a:p>
         </p:txBody>
@@ -5949,7 +6373,7 @@
                 <a:solidFill>
                   <a:schemeClr val="bg1"/>
                 </a:solidFill>
-                <a:latin typeface="Montserrat" panose="00000500000000000000" pitchFamily="2" charset="-52"/>
+                <a:latin typeface="Montserrat Black" pitchFamily="2" charset="-52"/>
               </a:rPr>
               <a:t>Просматривать детальную информацию о заказах</a:t>
             </a:r>
@@ -5957,7 +6381,7 @@
               <a:solidFill>
                 <a:schemeClr val="bg1"/>
               </a:solidFill>
-              <a:latin typeface="Montserrat" panose="00000500000000000000" pitchFamily="2" charset="-52"/>
+              <a:latin typeface="Montserrat Black" pitchFamily="2" charset="-52"/>
             </a:endParaRPr>
           </a:p>
         </p:txBody>
@@ -5989,7 +6413,7 @@
                 <a:solidFill>
                   <a:schemeClr val="bg1"/>
                 </a:solidFill>
-                <a:latin typeface="Montserrat" panose="00000500000000000000" pitchFamily="2" charset="-52"/>
+                <a:latin typeface="Montserrat Black" pitchFamily="2" charset="-52"/>
               </a:rPr>
               <a:t>Формирование </a:t>
             </a:r>
@@ -5998,7 +6422,7 @@
                 <a:solidFill>
                   <a:schemeClr val="bg1"/>
                 </a:solidFill>
-                <a:latin typeface="Montserrat" panose="00000500000000000000" pitchFamily="2" charset="-52"/>
+                <a:latin typeface="Montserrat Black" pitchFamily="2" charset="-52"/>
               </a:rPr>
               <a:t>PDF-</a:t>
             </a:r>
@@ -6007,7 +6431,7 @@
                 <a:solidFill>
                   <a:schemeClr val="bg1"/>
                 </a:solidFill>
-                <a:latin typeface="Montserrat" panose="00000500000000000000" pitchFamily="2" charset="-52"/>
+                <a:latin typeface="Montserrat Black" pitchFamily="2" charset="-52"/>
               </a:rPr>
               <a:t>отчётов</a:t>
             </a:r>
@@ -6015,7 +6439,7 @@
               <a:solidFill>
                 <a:schemeClr val="bg1"/>
               </a:solidFill>
-              <a:latin typeface="Montserrat" panose="00000500000000000000" pitchFamily="2" charset="-52"/>
+              <a:latin typeface="Montserrat Black" pitchFamily="2" charset="-52"/>
             </a:endParaRPr>
           </a:p>
         </p:txBody>
@@ -6170,6 +6594,70 @@
           </a:prstGeom>
         </p:spPr>
       </p:pic>
+      <p:sp>
+        <p:nvSpPr>
+          <p:cNvPr id="24" name="Овал 23"/>
+          <p:cNvSpPr/>
+          <p:nvPr/>
+        </p:nvSpPr>
+        <p:spPr>
+          <a:xfrm>
+            <a:off x="367796" y="216027"/>
+            <a:ext cx="661579" cy="616068"/>
+          </a:xfrm>
+          <a:prstGeom prst="ellipse">
+            <a:avLst/>
+          </a:prstGeom>
+          <a:solidFill>
+            <a:srgbClr val="5DD62C"/>
+          </a:solidFill>
+          <a:ln w="57150">
+            <a:solidFill>
+              <a:srgbClr val="F8F8F8"/>
+            </a:solidFill>
+          </a:ln>
+          <a:effectLst>
+            <a:glow rad="228600">
+              <a:schemeClr val="accent6">
+                <a:satMod val="175000"/>
+                <a:alpha val="40000"/>
+              </a:schemeClr>
+            </a:glow>
+          </a:effectLst>
+        </p:spPr>
+        <p:style>
+          <a:lnRef idx="2">
+            <a:schemeClr val="accent1">
+              <a:shade val="50000"/>
+            </a:schemeClr>
+          </a:lnRef>
+          <a:fillRef idx="1">
+            <a:schemeClr val="accent1"/>
+          </a:fillRef>
+          <a:effectRef idx="0">
+            <a:schemeClr val="accent1"/>
+          </a:effectRef>
+          <a:fontRef idx="minor">
+            <a:schemeClr val="lt1"/>
+          </a:fontRef>
+        </p:style>
+        <p:txBody>
+          <a:bodyPr rtlCol="0" anchor="ctr"/>
+          <a:lstStyle/>
+          <a:p>
+            <a:pPr algn="ctr"/>
+            <a:r>
+              <a:rPr lang="en-US" dirty="0" smtClean="0">
+                <a:latin typeface="Montserrat ExtraBold" pitchFamily="2" charset="-52"/>
+              </a:rPr>
+              <a:t>4</a:t>
+            </a:r>
+            <a:endParaRPr lang="ru-RU" dirty="0">
+              <a:latin typeface="Montserrat ExtraBold" pitchFamily="2" charset="-52"/>
+            </a:endParaRPr>
+          </a:p>
+        </p:txBody>
+      </p:sp>
     </p:spTree>
     <p:extLst>
       <p:ext uri="{BB962C8B-B14F-4D97-AF65-F5344CB8AC3E}">
@@ -7469,8 +7957,8 @@
         </p:nvSpPr>
         <p:spPr>
           <a:xfrm>
-            <a:off x="3380766" y="184257"/>
-            <a:ext cx="3810509" cy="369332"/>
+            <a:off x="3588613" y="388977"/>
+            <a:ext cx="3810509" cy="400110"/>
           </a:xfrm>
           <a:prstGeom prst="rect">
             <a:avLst/>
@@ -7484,7 +7972,7 @@
           <a:lstStyle/>
           <a:p>
             <a:r>
-              <a:rPr lang="ru-RU" dirty="0" smtClean="0">
+              <a:rPr lang="ru-RU" sz="2000" dirty="0" smtClean="0">
                 <a:solidFill>
                   <a:schemeClr val="bg1"/>
                 </a:solidFill>
@@ -7492,7 +7980,7 @@
               </a:rPr>
               <a:t>Анализ требований</a:t>
             </a:r>
-            <a:endParaRPr lang="ru-RU" dirty="0">
+            <a:endParaRPr lang="ru-RU" sz="2000" dirty="0">
               <a:solidFill>
                 <a:schemeClr val="bg1"/>
               </a:solidFill>
@@ -7509,8 +7997,8 @@
         </p:nvSpPr>
         <p:spPr>
           <a:xfrm>
-            <a:off x="4699663" y="1218075"/>
-            <a:ext cx="3810509" cy="369332"/>
+            <a:off x="4781460" y="1411712"/>
+            <a:ext cx="4879196" cy="400110"/>
           </a:xfrm>
           <a:prstGeom prst="rect">
             <a:avLst/>
@@ -7524,7 +8012,7 @@
           <a:lstStyle/>
           <a:p>
             <a:r>
-              <a:rPr lang="ru-RU" dirty="0" smtClean="0">
+              <a:rPr lang="ru-RU" sz="2000" dirty="0" smtClean="0">
                 <a:solidFill>
                   <a:schemeClr val="bg1"/>
                 </a:solidFill>
@@ -7532,7 +8020,7 @@
               </a:rPr>
               <a:t>Проектирование системы</a:t>
             </a:r>
-            <a:endParaRPr lang="ru-RU" dirty="0">
+            <a:endParaRPr lang="ru-RU" sz="2000" dirty="0">
               <a:solidFill>
                 <a:schemeClr val="bg1"/>
               </a:solidFill>
@@ -7549,8 +8037,8 @@
         </p:nvSpPr>
         <p:spPr>
           <a:xfrm>
-            <a:off x="5217456" y="2315002"/>
-            <a:ext cx="3810509" cy="369332"/>
+            <a:off x="6117499" y="2530363"/>
+            <a:ext cx="3810509" cy="400110"/>
           </a:xfrm>
           <a:prstGeom prst="rect">
             <a:avLst/>
@@ -7564,7 +8052,7 @@
           <a:lstStyle/>
           <a:p>
             <a:r>
-              <a:rPr lang="ru-RU" dirty="0" smtClean="0">
+              <a:rPr lang="ru-RU" sz="2000" dirty="0" smtClean="0">
                 <a:solidFill>
                   <a:schemeClr val="bg1"/>
                 </a:solidFill>
@@ -7572,7 +8060,7 @@
               </a:rPr>
               <a:t>Разработка</a:t>
             </a:r>
-            <a:endParaRPr lang="ru-RU" dirty="0">
+            <a:endParaRPr lang="ru-RU" sz="2000" dirty="0">
               <a:solidFill>
                 <a:schemeClr val="bg1"/>
               </a:solidFill>
@@ -7589,8 +8077,8 @@
         </p:nvSpPr>
         <p:spPr>
           <a:xfrm>
-            <a:off x="5167032" y="3479022"/>
-            <a:ext cx="3810509" cy="369332"/>
+            <a:off x="6009410" y="3708360"/>
+            <a:ext cx="3810509" cy="400110"/>
           </a:xfrm>
           <a:prstGeom prst="rect">
             <a:avLst/>
@@ -7604,7 +8092,7 @@
           <a:lstStyle/>
           <a:p>
             <a:r>
-              <a:rPr lang="ru-RU" dirty="0" smtClean="0">
+              <a:rPr lang="ru-RU" sz="2000" dirty="0" smtClean="0">
                 <a:solidFill>
                   <a:schemeClr val="bg1"/>
                 </a:solidFill>
@@ -7612,7 +8100,7 @@
               </a:rPr>
               <a:t>Тестирование</a:t>
             </a:r>
-            <a:endParaRPr lang="ru-RU" dirty="0">
+            <a:endParaRPr lang="ru-RU" sz="2000" dirty="0">
               <a:solidFill>
                 <a:schemeClr val="bg1"/>
               </a:solidFill>
@@ -7629,8 +8117,8 @@
         </p:nvSpPr>
         <p:spPr>
           <a:xfrm>
-            <a:off x="4873008" y="4603312"/>
-            <a:ext cx="3810509" cy="369332"/>
+            <a:off x="5286021" y="4800727"/>
+            <a:ext cx="3810509" cy="400110"/>
           </a:xfrm>
           <a:prstGeom prst="rect">
             <a:avLst/>
@@ -7644,7 +8132,7 @@
           <a:lstStyle/>
           <a:p>
             <a:r>
-              <a:rPr lang="ru-RU" dirty="0" smtClean="0">
+              <a:rPr lang="ru-RU" sz="2000" dirty="0" smtClean="0">
                 <a:solidFill>
                   <a:schemeClr val="bg1"/>
                 </a:solidFill>
@@ -7652,7 +8140,7 @@
               </a:rPr>
               <a:t>Документирование</a:t>
             </a:r>
-            <a:endParaRPr lang="ru-RU" dirty="0">
+            <a:endParaRPr lang="ru-RU" sz="2000" dirty="0">
               <a:solidFill>
                 <a:schemeClr val="bg1"/>
               </a:solidFill>
@@ -7669,8 +8157,8 @@
         </p:nvSpPr>
         <p:spPr>
           <a:xfrm>
-            <a:off x="3659989" y="5666195"/>
-            <a:ext cx="3810509" cy="369332"/>
+            <a:off x="3886508" y="5912854"/>
+            <a:ext cx="3810509" cy="400110"/>
           </a:xfrm>
           <a:prstGeom prst="rect">
             <a:avLst/>
@@ -7684,7 +8172,7 @@
           <a:lstStyle/>
           <a:p>
             <a:r>
-              <a:rPr lang="ru-RU" dirty="0" smtClean="0">
+              <a:rPr lang="ru-RU" sz="2000" dirty="0" smtClean="0">
                 <a:solidFill>
                   <a:schemeClr val="bg1"/>
                 </a:solidFill>
@@ -7693,7 +8181,7 @@
               <a:t>Ввод </a:t>
             </a:r>
             <a:r>
-              <a:rPr lang="ru-RU" dirty="0">
+              <a:rPr lang="ru-RU" sz="2000" dirty="0">
                 <a:solidFill>
                   <a:schemeClr val="bg1"/>
                 </a:solidFill>
@@ -7941,6 +8429,40 @@
               </a:rPr>
               <a:t>05</a:t>
             </a:r>
+          </a:p>
+        </p:txBody>
+      </p:sp>
+      <p:sp>
+        <p:nvSpPr>
+          <p:cNvPr id="120" name="TextBox 119"/>
+          <p:cNvSpPr txBox="1"/>
+          <p:nvPr/>
+        </p:nvSpPr>
+        <p:spPr>
+          <a:xfrm>
+            <a:off x="2948205" y="5621685"/>
+            <a:ext cx="509865" cy="369332"/>
+          </a:xfrm>
+          <a:prstGeom prst="rect">
+            <a:avLst/>
+          </a:prstGeom>
+          <a:noFill/>
+        </p:spPr>
+        <p:txBody>
+          <a:bodyPr wrap="square" rtlCol="0">
+            <a:spAutoFit/>
+          </a:bodyPr>
+          <a:lstStyle/>
+          <a:p>
+            <a:r>
+              <a:rPr lang="ru-RU" dirty="0" smtClean="0">
+                <a:solidFill>
+                  <a:schemeClr val="bg1"/>
+                </a:solidFill>
+                <a:latin typeface="Montserrat Black" pitchFamily="2" charset="-52"/>
+              </a:rPr>
+              <a:t>06</a:t>
+            </a:r>
             <a:endParaRPr lang="ru-RU" dirty="0">
               <a:solidFill>
                 <a:schemeClr val="bg1"/>
@@ -7952,272 +8474,65 @@
       </p:sp>
       <p:sp>
         <p:nvSpPr>
-          <p:cNvPr id="120" name="TextBox 119"/>
-          <p:cNvSpPr txBox="1"/>
-          <p:nvPr/>
-        </p:nvSpPr>
-        <p:spPr>
-          <a:xfrm>
-            <a:off x="2948205" y="5621685"/>
-            <a:ext cx="509865" cy="369332"/>
-          </a:xfrm>
-          <a:prstGeom prst="rect">
-            <a:avLst/>
-          </a:prstGeom>
-          <a:noFill/>
-        </p:spPr>
-        <p:txBody>
-          <a:bodyPr wrap="square" rtlCol="0">
-            <a:spAutoFit/>
-          </a:bodyPr>
-          <a:lstStyle/>
-          <a:p>
-            <a:r>
-              <a:rPr lang="ru-RU" dirty="0" smtClean="0">
-                <a:solidFill>
-                  <a:schemeClr val="bg1"/>
-                </a:solidFill>
-                <a:latin typeface="Montserrat Black" pitchFamily="2" charset="-52"/>
-              </a:rPr>
-              <a:t>06</a:t>
+          <p:cNvPr id="48" name="Овал 47"/>
+          <p:cNvSpPr/>
+          <p:nvPr/>
+        </p:nvSpPr>
+        <p:spPr>
+          <a:xfrm>
+            <a:off x="11661942" y="113655"/>
+            <a:ext cx="661579" cy="616068"/>
+          </a:xfrm>
+          <a:prstGeom prst="ellipse">
+            <a:avLst/>
+          </a:prstGeom>
+          <a:solidFill>
+            <a:srgbClr val="5DD62C"/>
+          </a:solidFill>
+          <a:ln w="57150">
+            <a:solidFill>
+              <a:srgbClr val="F8F8F8"/>
+            </a:solidFill>
+          </a:ln>
+          <a:effectLst>
+            <a:glow rad="228600">
+              <a:schemeClr val="accent6">
+                <a:satMod val="175000"/>
+                <a:alpha val="40000"/>
+              </a:schemeClr>
+            </a:glow>
+          </a:effectLst>
+        </p:spPr>
+        <p:style>
+          <a:lnRef idx="2">
+            <a:schemeClr val="accent1">
+              <a:shade val="50000"/>
+            </a:schemeClr>
+          </a:lnRef>
+          <a:fillRef idx="1">
+            <a:schemeClr val="accent1"/>
+          </a:fillRef>
+          <a:effectRef idx="0">
+            <a:schemeClr val="accent1"/>
+          </a:effectRef>
+          <a:fontRef idx="minor">
+            <a:schemeClr val="lt1"/>
+          </a:fontRef>
+        </p:style>
+        <p:txBody>
+          <a:bodyPr rtlCol="0" anchor="ctr"/>
+          <a:lstStyle/>
+          <a:p>
+            <a:pPr algn="ctr"/>
+            <a:r>
+              <a:rPr lang="en-US" dirty="0" smtClean="0">
+                <a:latin typeface="Montserrat ExtraBold" pitchFamily="2" charset="-52"/>
+              </a:rPr>
+              <a:t>5</a:t>
             </a:r>
             <a:endParaRPr lang="ru-RU" dirty="0">
-              <a:solidFill>
-                <a:schemeClr val="bg1"/>
-              </a:solidFill>
-              <a:latin typeface="Montserrat Black" pitchFamily="2" charset="-52"/>
+              <a:latin typeface="Montserrat ExtraBold" pitchFamily="2" charset="-52"/>
             </a:endParaRPr>
-          </a:p>
-        </p:txBody>
-      </p:sp>
-      <p:sp>
-        <p:nvSpPr>
-          <p:cNvPr id="121" name="TextBox 120"/>
-          <p:cNvSpPr txBox="1"/>
-          <p:nvPr/>
-        </p:nvSpPr>
-        <p:spPr>
-          <a:xfrm>
-            <a:off x="3365596" y="477154"/>
-            <a:ext cx="4468171" cy="461665"/>
-          </a:xfrm>
-          <a:prstGeom prst="rect">
-            <a:avLst/>
-          </a:prstGeom>
-          <a:noFill/>
-        </p:spPr>
-        <p:txBody>
-          <a:bodyPr wrap="square" rtlCol="0">
-            <a:spAutoFit/>
-          </a:bodyPr>
-          <a:lstStyle/>
-          <a:p>
-            <a:r>
-              <a:rPr lang="ru-RU" sz="1200" dirty="0" smtClean="0">
-                <a:solidFill>
-                  <a:schemeClr val="bg1"/>
-                </a:solidFill>
-                <a:latin typeface="Montserrat Light" pitchFamily="2" charset="-52"/>
-              </a:rPr>
-              <a:t>Определение цели, ролей, функционала и ограничений</a:t>
-            </a:r>
-            <a:endParaRPr lang="ru-RU" sz="1200" dirty="0">
-              <a:solidFill>
-                <a:schemeClr val="bg1"/>
-              </a:solidFill>
-              <a:latin typeface="Montserrat Light" pitchFamily="2" charset="-52"/>
-            </a:endParaRPr>
-          </a:p>
-        </p:txBody>
-      </p:sp>
-      <p:sp>
-        <p:nvSpPr>
-          <p:cNvPr id="122" name="TextBox 121"/>
-          <p:cNvSpPr txBox="1"/>
-          <p:nvPr/>
-        </p:nvSpPr>
-        <p:spPr>
-          <a:xfrm>
-            <a:off x="4719851" y="1528425"/>
-            <a:ext cx="4174776" cy="461665"/>
-          </a:xfrm>
-          <a:prstGeom prst="rect">
-            <a:avLst/>
-          </a:prstGeom>
-          <a:noFill/>
-        </p:spPr>
-        <p:txBody>
-          <a:bodyPr wrap="square" rtlCol="0">
-            <a:spAutoFit/>
-          </a:bodyPr>
-          <a:lstStyle/>
-          <a:p>
-            <a:r>
-              <a:rPr lang="ru-RU" sz="1200" dirty="0" smtClean="0">
-                <a:solidFill>
-                  <a:schemeClr val="bg1"/>
-                </a:solidFill>
-                <a:latin typeface="Montserrat Light" pitchFamily="2" charset="-52"/>
-              </a:rPr>
-              <a:t>Архитектура, база данных, прототипы интерфейсов</a:t>
-            </a:r>
-            <a:endParaRPr lang="ru-RU" sz="1200" dirty="0">
-              <a:solidFill>
-                <a:schemeClr val="bg1"/>
-              </a:solidFill>
-              <a:latin typeface="Montserrat Light" pitchFamily="2" charset="-52"/>
-            </a:endParaRPr>
-          </a:p>
-        </p:txBody>
-      </p:sp>
-      <p:sp>
-        <p:nvSpPr>
-          <p:cNvPr id="123" name="TextBox 122"/>
-          <p:cNvSpPr txBox="1"/>
-          <p:nvPr/>
-        </p:nvSpPr>
-        <p:spPr>
-          <a:xfrm>
-            <a:off x="5221891" y="2641660"/>
-            <a:ext cx="4174776" cy="461665"/>
-          </a:xfrm>
-          <a:prstGeom prst="rect">
-            <a:avLst/>
-          </a:prstGeom>
-          <a:noFill/>
-        </p:spPr>
-        <p:txBody>
-          <a:bodyPr wrap="square" rtlCol="0">
-            <a:spAutoFit/>
-          </a:bodyPr>
-          <a:lstStyle/>
-          <a:p>
-            <a:r>
-              <a:rPr lang="ru-RU" sz="1200" dirty="0">
-                <a:solidFill>
-                  <a:schemeClr val="bg1"/>
-                </a:solidFill>
-                <a:latin typeface="Montserrat Light" pitchFamily="2" charset="-52"/>
-              </a:rPr>
-              <a:t>Реализация backend и frontend, API, авторизация, работа с заявками и услугами</a:t>
-            </a:r>
-          </a:p>
-        </p:txBody>
-      </p:sp>
-      <p:sp>
-        <p:nvSpPr>
-          <p:cNvPr id="124" name="TextBox 123"/>
-          <p:cNvSpPr txBox="1"/>
-          <p:nvPr/>
-        </p:nvSpPr>
-        <p:spPr>
-          <a:xfrm>
-            <a:off x="5157690" y="3785440"/>
-            <a:ext cx="4174776" cy="461665"/>
-          </a:xfrm>
-          <a:prstGeom prst="rect">
-            <a:avLst/>
-          </a:prstGeom>
-          <a:noFill/>
-        </p:spPr>
-        <p:txBody>
-          <a:bodyPr wrap="square" rtlCol="0">
-            <a:spAutoFit/>
-          </a:bodyPr>
-          <a:lstStyle/>
-          <a:p>
-            <a:r>
-              <a:rPr lang="ru-RU" sz="1200" dirty="0">
-                <a:solidFill>
-                  <a:schemeClr val="bg1"/>
-                </a:solidFill>
-                <a:latin typeface="Montserrat Light" pitchFamily="2" charset="-52"/>
-              </a:rPr>
-              <a:t>Проверка функционала, интеграции, производительности и </a:t>
-            </a:r>
-            <a:r>
-              <a:rPr lang="ru-RU" sz="1200" dirty="0" smtClean="0">
-                <a:solidFill>
-                  <a:schemeClr val="bg1"/>
-                </a:solidFill>
-                <a:latin typeface="Montserrat Light" pitchFamily="2" charset="-52"/>
-              </a:rPr>
-              <a:t>устойчивости</a:t>
-            </a:r>
-            <a:endParaRPr lang="ru-RU" sz="1200" dirty="0">
-              <a:solidFill>
-                <a:schemeClr val="bg1"/>
-              </a:solidFill>
-              <a:latin typeface="Montserrat Light" pitchFamily="2" charset="-52"/>
-            </a:endParaRPr>
-          </a:p>
-        </p:txBody>
-      </p:sp>
-      <p:sp>
-        <p:nvSpPr>
-          <p:cNvPr id="125" name="TextBox 124"/>
-          <p:cNvSpPr txBox="1"/>
-          <p:nvPr/>
-        </p:nvSpPr>
-        <p:spPr>
-          <a:xfrm>
-            <a:off x="4873008" y="4916692"/>
-            <a:ext cx="4174776" cy="461665"/>
-          </a:xfrm>
-          <a:prstGeom prst="rect">
-            <a:avLst/>
-          </a:prstGeom>
-          <a:noFill/>
-        </p:spPr>
-        <p:txBody>
-          <a:bodyPr wrap="square" rtlCol="0">
-            <a:spAutoFit/>
-          </a:bodyPr>
-          <a:lstStyle/>
-          <a:p>
-            <a:r>
-              <a:rPr lang="ru-RU" sz="1200" dirty="0">
-                <a:solidFill>
-                  <a:schemeClr val="bg1"/>
-                </a:solidFill>
-                <a:latin typeface="Montserrat Light" pitchFamily="2" charset="-52"/>
-              </a:rPr>
-              <a:t>Пользовательские инструкции, техническое описание, отчётность</a:t>
-            </a:r>
-          </a:p>
-        </p:txBody>
-      </p:sp>
-      <p:sp>
-        <p:nvSpPr>
-          <p:cNvPr id="126" name="TextBox 125"/>
-          <p:cNvSpPr txBox="1"/>
-          <p:nvPr/>
-        </p:nvSpPr>
-        <p:spPr>
-          <a:xfrm>
-            <a:off x="3641533" y="6001938"/>
-            <a:ext cx="4174776" cy="461665"/>
-          </a:xfrm>
-          <a:prstGeom prst="rect">
-            <a:avLst/>
-          </a:prstGeom>
-          <a:noFill/>
-        </p:spPr>
-        <p:txBody>
-          <a:bodyPr wrap="square" rtlCol="0">
-            <a:spAutoFit/>
-          </a:bodyPr>
-          <a:lstStyle/>
-          <a:p>
-            <a:r>
-              <a:rPr lang="ru-RU" sz="1200" dirty="0">
-                <a:solidFill>
-                  <a:schemeClr val="bg1"/>
-                </a:solidFill>
-                <a:latin typeface="Montserrat Light" pitchFamily="2" charset="-52"/>
-              </a:rPr>
-              <a:t>Развёртывание, настройка системы и проверка работы</a:t>
-            </a:r>
           </a:p>
         </p:txBody>
       </p:sp>
@@ -8267,7 +8582,7 @@
           <p:nvPr/>
         </p:nvPicPr>
         <p:blipFill rotWithShape="1">
-          <a:blip r:embed="rId2">
+          <a:blip r:embed="rId3">
             <a:extLst>
               <a:ext uri="{28A0092B-C50C-407E-A947-70E740481C1C}">
                 <a14:useLocalDpi xmlns:a14="http://schemas.microsoft.com/office/drawing/2010/main" val="0"/>
@@ -8427,7 +8742,7 @@
           <p:nvPr/>
         </p:nvPicPr>
         <p:blipFill>
-          <a:blip r:embed="rId3">
+          <a:blip r:embed="rId4">
             <a:extLst>
               <a:ext uri="{28A0092B-C50C-407E-A947-70E740481C1C}">
                 <a14:useLocalDpi xmlns:a14="http://schemas.microsoft.com/office/drawing/2010/main" val="0"/>
@@ -8586,7 +8901,7 @@
           <p:nvPr/>
         </p:nvPicPr>
         <p:blipFill>
-          <a:blip r:embed="rId4"/>
+          <a:blip r:embed="rId5"/>
           <a:stretch>
             <a:fillRect/>
           </a:stretch>
@@ -8610,7 +8925,7 @@
           <p:nvPr/>
         </p:nvPicPr>
         <p:blipFill>
-          <a:blip r:embed="rId5">
+          <a:blip r:embed="rId6">
             <a:extLst>
               <a:ext uri="{28A0092B-C50C-407E-A947-70E740481C1C}">
                 <a14:useLocalDpi xmlns:a14="http://schemas.microsoft.com/office/drawing/2010/main" val="0"/>
@@ -8741,7 +9056,7 @@
           <p:nvPr/>
         </p:nvPicPr>
         <p:blipFill>
-          <a:blip r:embed="rId4"/>
+          <a:blip r:embed="rId5"/>
           <a:stretch>
             <a:fillRect/>
           </a:stretch>
@@ -8765,7 +9080,7 @@
           <p:nvPr/>
         </p:nvPicPr>
         <p:blipFill>
-          <a:blip r:embed="rId6">
+          <a:blip r:embed="rId7">
             <a:extLst>
               <a:ext uri="{28A0092B-C50C-407E-A947-70E740481C1C}">
                 <a14:useLocalDpi xmlns:a14="http://schemas.microsoft.com/office/drawing/2010/main" val="0"/>
@@ -8862,7 +9177,7 @@
             <p:nvPr/>
           </p:nvPicPr>
           <p:blipFill>
-            <a:blip r:embed="rId4"/>
+            <a:blip r:embed="rId5"/>
             <a:stretch>
               <a:fillRect/>
             </a:stretch>
@@ -8887,7 +9202,7 @@
           <p:nvPr/>
         </p:nvPicPr>
         <p:blipFill>
-          <a:blip r:embed="rId7">
+          <a:blip r:embed="rId8">
             <a:extLst>
               <a:ext uri="{28A0092B-C50C-407E-A947-70E740481C1C}">
                 <a14:useLocalDpi xmlns:a14="http://schemas.microsoft.com/office/drawing/2010/main" val="0"/>
@@ -9148,8 +9463,8 @@
         </p:nvSpPr>
         <p:spPr>
           <a:xfrm>
-            <a:off x="1234031" y="3741956"/>
-            <a:ext cx="1015183" cy="369332"/>
+            <a:off x="1195881" y="3800005"/>
+            <a:ext cx="1177475" cy="369332"/>
           </a:xfrm>
           <a:prstGeom prst="rect">
             <a:avLst/>
@@ -9167,7 +9482,7 @@
                 <a:solidFill>
                   <a:srgbClr val="F8F8F8"/>
                 </a:solidFill>
-                <a:latin typeface="Montserrat" pitchFamily="2" charset="-52"/>
+                <a:latin typeface="Montserrat Black" pitchFamily="2" charset="-52"/>
               </a:rPr>
               <a:t>Docker</a:t>
             </a:r>
@@ -9175,7 +9490,7 @@
               <a:solidFill>
                 <a:srgbClr val="F8F8F8"/>
               </a:solidFill>
-              <a:latin typeface="Montserrat" pitchFamily="2" charset="-52"/>
+              <a:latin typeface="Montserrat Black" pitchFamily="2" charset="-52"/>
             </a:endParaRPr>
           </a:p>
         </p:txBody>
@@ -9188,8 +9503,8 @@
         </p:nvSpPr>
         <p:spPr>
           <a:xfrm>
-            <a:off x="4158036" y="3760397"/>
-            <a:ext cx="1015183" cy="369332"/>
+            <a:off x="4082712" y="3829432"/>
+            <a:ext cx="1179464" cy="369332"/>
           </a:xfrm>
           <a:prstGeom prst="rect">
             <a:avLst/>
@@ -9207,7 +9522,7 @@
                 <a:solidFill>
                   <a:srgbClr val="F8F8F8"/>
                 </a:solidFill>
-                <a:latin typeface="Montserrat" pitchFamily="2" charset="-52"/>
+                <a:latin typeface="Montserrat Black" pitchFamily="2" charset="-52"/>
               </a:rPr>
               <a:t>MySQL</a:t>
             </a:r>
@@ -9215,7 +9530,7 @@
               <a:solidFill>
                 <a:srgbClr val="F8F8F8"/>
               </a:solidFill>
-              <a:latin typeface="Montserrat" pitchFamily="2" charset="-52"/>
+              <a:latin typeface="Montserrat Black" pitchFamily="2" charset="-52"/>
             </a:endParaRPr>
           </a:p>
         </p:txBody>
@@ -9228,8 +9543,8 @@
         </p:nvSpPr>
         <p:spPr>
           <a:xfrm>
-            <a:off x="6859323" y="3770080"/>
-            <a:ext cx="1160662" cy="369332"/>
+            <a:off x="6816893" y="3804983"/>
+            <a:ext cx="1351227" cy="369332"/>
           </a:xfrm>
           <a:prstGeom prst="rect">
             <a:avLst/>
@@ -9247,7 +9562,7 @@
                 <a:solidFill>
                   <a:srgbClr val="F8F8F8"/>
                 </a:solidFill>
-                <a:latin typeface="Montserrat" pitchFamily="2" charset="-52"/>
+                <a:latin typeface="Montserrat Black" pitchFamily="2" charset="-52"/>
               </a:rPr>
               <a:t>ASP .net</a:t>
             </a:r>
@@ -9255,7 +9570,7 @@
               <a:solidFill>
                 <a:srgbClr val="F8F8F8"/>
               </a:solidFill>
-              <a:latin typeface="Montserrat" pitchFamily="2" charset="-52"/>
+              <a:latin typeface="Montserrat Black" pitchFamily="2" charset="-52"/>
             </a:endParaRPr>
           </a:p>
         </p:txBody>
@@ -9268,8 +9583,8 @@
         </p:nvSpPr>
         <p:spPr>
           <a:xfrm>
-            <a:off x="10019651" y="3766451"/>
-            <a:ext cx="876270" cy="369332"/>
+            <a:off x="9977068" y="3797521"/>
+            <a:ext cx="989008" cy="369332"/>
           </a:xfrm>
           <a:prstGeom prst="rect">
             <a:avLst/>
@@ -9287,7 +9602,7 @@
                 <a:solidFill>
                   <a:srgbClr val="F8F8F8"/>
                 </a:solidFill>
-                <a:latin typeface="Montserrat" pitchFamily="2" charset="-52"/>
+                <a:latin typeface="Montserrat Black" pitchFamily="2" charset="-52"/>
               </a:rPr>
               <a:t>React</a:t>
             </a:r>
@@ -9295,7 +9610,7 @@
               <a:solidFill>
                 <a:srgbClr val="F8F8F8"/>
               </a:solidFill>
-              <a:latin typeface="Montserrat" pitchFamily="2" charset="-52"/>
+              <a:latin typeface="Montserrat Black" pitchFamily="2" charset="-52"/>
             </a:endParaRPr>
           </a:p>
         </p:txBody>
@@ -9308,7 +9623,7 @@
         </p:nvSpPr>
         <p:spPr>
           <a:xfrm>
-            <a:off x="3626459" y="4155229"/>
+            <a:off x="3626459" y="4209488"/>
             <a:ext cx="2088468" cy="45719"/>
           </a:xfrm>
           <a:prstGeom prst="roundRect">
@@ -9356,7 +9671,7 @@
         </p:nvSpPr>
         <p:spPr>
           <a:xfrm>
-            <a:off x="3585485" y="4775276"/>
+            <a:off x="3604689" y="4443744"/>
             <a:ext cx="2292342" cy="923330"/>
           </a:xfrm>
           <a:prstGeom prst="rect">
@@ -9375,7 +9690,7 @@
                 <a:solidFill>
                   <a:schemeClr val="bg1"/>
                 </a:solidFill>
-                <a:latin typeface="Montserrat Light" pitchFamily="2" charset="-52"/>
+                <a:latin typeface="Montserrat Black" pitchFamily="2" charset="-52"/>
               </a:rPr>
               <a:t>СУБД</a:t>
             </a:r>
@@ -9384,7 +9699,7 @@
                 <a:solidFill>
                   <a:schemeClr val="bg1"/>
                 </a:solidFill>
-                <a:latin typeface="Montserrat Light" pitchFamily="2" charset="-52"/>
+                <a:latin typeface="Montserrat Black" pitchFamily="2" charset="-52"/>
               </a:rPr>
               <a:t>: MySQL Workbench 8.0 CE</a:t>
             </a:r>
@@ -9392,7 +9707,7 @@
               <a:solidFill>
                 <a:schemeClr val="bg1"/>
               </a:solidFill>
-              <a:latin typeface="Montserrat Light" pitchFamily="2" charset="-52"/>
+              <a:latin typeface="Montserrat Black" pitchFamily="2" charset="-52"/>
             </a:endParaRPr>
           </a:p>
         </p:txBody>
@@ -9405,7 +9720,7 @@
         </p:nvSpPr>
         <p:spPr>
           <a:xfrm>
-            <a:off x="6412838" y="4132369"/>
+            <a:off x="6412838" y="4209488"/>
             <a:ext cx="2088468" cy="45719"/>
           </a:xfrm>
           <a:prstGeom prst="roundRect">
@@ -9453,7 +9768,7 @@
         </p:nvSpPr>
         <p:spPr>
           <a:xfrm>
-            <a:off x="6412838" y="4247605"/>
+            <a:off x="6388374" y="4336819"/>
             <a:ext cx="2292342" cy="369332"/>
           </a:xfrm>
           <a:prstGeom prst="rect">
@@ -9472,7 +9787,7 @@
                 <a:solidFill>
                   <a:schemeClr val="bg1"/>
                 </a:solidFill>
-                <a:latin typeface="Montserrat Light" pitchFamily="2" charset="-52"/>
+                <a:latin typeface="Montserrat Black" pitchFamily="2" charset="-52"/>
               </a:rPr>
               <a:t>IDE: VS Code</a:t>
             </a:r>
@@ -9480,7 +9795,7 @@
               <a:solidFill>
                 <a:schemeClr val="bg1"/>
               </a:solidFill>
-              <a:latin typeface="Montserrat Light" pitchFamily="2" charset="-52"/>
+              <a:latin typeface="Montserrat Black" pitchFamily="2" charset="-52"/>
             </a:endParaRPr>
           </a:p>
         </p:txBody>
@@ -9493,7 +9808,7 @@
         </p:nvSpPr>
         <p:spPr>
           <a:xfrm>
-            <a:off x="9358657" y="4199649"/>
+            <a:off x="9381379" y="4361876"/>
             <a:ext cx="2292342" cy="369332"/>
           </a:xfrm>
           <a:prstGeom prst="rect">
@@ -9512,7 +9827,7 @@
                 <a:solidFill>
                   <a:schemeClr val="bg1"/>
                 </a:solidFill>
-                <a:latin typeface="Montserrat Light" pitchFamily="2" charset="-52"/>
+                <a:latin typeface="Montserrat Black" pitchFamily="2" charset="-52"/>
               </a:rPr>
               <a:t>IDE: VS Code</a:t>
             </a:r>
@@ -9520,7 +9835,7 @@
               <a:solidFill>
                 <a:schemeClr val="bg1"/>
               </a:solidFill>
-              <a:latin typeface="Montserrat Light" pitchFamily="2" charset="-52"/>
+              <a:latin typeface="Montserrat Black" pitchFamily="2" charset="-52"/>
             </a:endParaRPr>
           </a:p>
         </p:txBody>
@@ -9533,7 +9848,7 @@
         </p:nvSpPr>
         <p:spPr>
           <a:xfrm>
-            <a:off x="9413552" y="4128596"/>
+            <a:off x="9413552" y="4198764"/>
             <a:ext cx="2088468" cy="45719"/>
           </a:xfrm>
           <a:prstGeom prst="roundRect">
@@ -9581,7 +9896,7 @@
         </p:nvSpPr>
         <p:spPr>
           <a:xfrm>
-            <a:off x="6405453" y="4621270"/>
+            <a:off x="6388374" y="4743762"/>
             <a:ext cx="2180387" cy="923330"/>
           </a:xfrm>
           <a:prstGeom prst="rect">
@@ -9600,7 +9915,7 @@
                 <a:solidFill>
                   <a:schemeClr val="bg1"/>
                 </a:solidFill>
-                <a:latin typeface="Montserrat Light" pitchFamily="2" charset="-52"/>
+                <a:latin typeface="Montserrat Black" pitchFamily="2" charset="-52"/>
               </a:rPr>
               <a:t>Библиотеки</a:t>
             </a:r>
@@ -9609,7 +9924,7 @@
                 <a:solidFill>
                   <a:schemeClr val="bg1"/>
                 </a:solidFill>
-                <a:latin typeface="Montserrat Light" pitchFamily="2" charset="-52"/>
+                <a:latin typeface="Montserrat Black" pitchFamily="2" charset="-52"/>
               </a:rPr>
               <a:t>: JWT, Pomelo, </a:t>
             </a:r>
@@ -9618,7 +9933,7 @@
                 <a:solidFill>
                   <a:schemeClr val="bg1"/>
                 </a:solidFill>
-                <a:latin typeface="Montserrat Light" pitchFamily="2" charset="-52"/>
+                <a:latin typeface="Montserrat Black" pitchFamily="2" charset="-52"/>
               </a:rPr>
               <a:t>ByCrypt</a:t>
             </a:r>
@@ -9626,7 +9941,7 @@
               <a:solidFill>
                 <a:schemeClr val="bg1"/>
               </a:solidFill>
-              <a:latin typeface="Montserrat Light" pitchFamily="2" charset="-52"/>
+              <a:latin typeface="Montserrat Black" pitchFamily="2" charset="-52"/>
             </a:endParaRPr>
           </a:p>
         </p:txBody>
@@ -9639,7 +9954,7 @@
         </p:nvSpPr>
         <p:spPr>
           <a:xfrm>
-            <a:off x="9367592" y="4626045"/>
+            <a:off x="9381379" y="4759769"/>
             <a:ext cx="2180387" cy="646331"/>
           </a:xfrm>
           <a:prstGeom prst="rect">
@@ -9658,7 +9973,7 @@
                 <a:solidFill>
                   <a:schemeClr val="bg1"/>
                 </a:solidFill>
-                <a:latin typeface="Montserrat Light" pitchFamily="2" charset="-52"/>
+                <a:latin typeface="Montserrat Black" pitchFamily="2" charset="-52"/>
               </a:rPr>
               <a:t>Библиотеки</a:t>
             </a:r>
@@ -9667,7 +9982,7 @@
                 <a:solidFill>
                   <a:schemeClr val="bg1"/>
                 </a:solidFill>
-                <a:latin typeface="Montserrat Light" pitchFamily="2" charset="-52"/>
+                <a:latin typeface="Montserrat Black" pitchFamily="2" charset="-52"/>
               </a:rPr>
               <a:t>:</a:t>
             </a:r>
@@ -9676,7 +9991,7 @@
                 <a:solidFill>
                   <a:schemeClr val="bg1"/>
                 </a:solidFill>
-                <a:latin typeface="Montserrat Light" pitchFamily="2" charset="-52"/>
+                <a:latin typeface="Montserrat Black" pitchFamily="2" charset="-52"/>
               </a:rPr>
             </a:br>
             <a:r>
@@ -9684,7 +9999,7 @@
                 <a:solidFill>
                   <a:schemeClr val="bg1"/>
                 </a:solidFill>
-                <a:latin typeface="Montserrat Light" pitchFamily="2" charset="-52"/>
+                <a:latin typeface="Montserrat Black" pitchFamily="2" charset="-52"/>
               </a:rPr>
               <a:t>Tailwind CSS</a:t>
             </a:r>
@@ -9692,7 +10007,176 @@
               <a:solidFill>
                 <a:schemeClr val="bg1"/>
               </a:solidFill>
-              <a:latin typeface="Montserrat Light" pitchFamily="2" charset="-52"/>
+              <a:latin typeface="Montserrat Black" pitchFamily="2" charset="-52"/>
+            </a:endParaRPr>
+          </a:p>
+        </p:txBody>
+      </p:sp>
+      <p:sp>
+        <p:nvSpPr>
+          <p:cNvPr id="37" name="Скругленный прямоугольник 36"/>
+          <p:cNvSpPr/>
+          <p:nvPr/>
+        </p:nvSpPr>
+        <p:spPr>
+          <a:xfrm>
+            <a:off x="697389" y="4199770"/>
+            <a:ext cx="2088468" cy="45719"/>
+          </a:xfrm>
+          <a:prstGeom prst="roundRect">
+            <a:avLst/>
+          </a:prstGeom>
+          <a:solidFill>
+            <a:srgbClr val="5DD62C"/>
+          </a:solidFill>
+          <a:ln>
+            <a:solidFill>
+              <a:srgbClr val="5DD62C"/>
+            </a:solidFill>
+          </a:ln>
+        </p:spPr>
+        <p:style>
+          <a:lnRef idx="2">
+            <a:schemeClr val="accent1">
+              <a:shade val="50000"/>
+            </a:schemeClr>
+          </a:lnRef>
+          <a:fillRef idx="1">
+            <a:schemeClr val="accent1"/>
+          </a:fillRef>
+          <a:effectRef idx="0">
+            <a:schemeClr val="accent1"/>
+          </a:effectRef>
+          <a:fontRef idx="minor">
+            <a:schemeClr val="lt1"/>
+          </a:fontRef>
+        </p:style>
+        <p:txBody>
+          <a:bodyPr rtlCol="0" anchor="ctr"/>
+          <a:lstStyle/>
+          <a:p>
+            <a:pPr algn="ctr"/>
+            <a:endParaRPr lang="ru-RU"/>
+          </a:p>
+        </p:txBody>
+      </p:sp>
+      <p:sp>
+        <p:nvSpPr>
+          <p:cNvPr id="41" name="Овал 40"/>
+          <p:cNvSpPr/>
+          <p:nvPr/>
+        </p:nvSpPr>
+        <p:spPr>
+          <a:xfrm>
+            <a:off x="367796" y="216027"/>
+            <a:ext cx="661579" cy="616068"/>
+          </a:xfrm>
+          <a:prstGeom prst="ellipse">
+            <a:avLst/>
+          </a:prstGeom>
+          <a:solidFill>
+            <a:srgbClr val="5DD62C"/>
+          </a:solidFill>
+          <a:ln w="57150">
+            <a:solidFill>
+              <a:srgbClr val="F8F8F8"/>
+            </a:solidFill>
+          </a:ln>
+          <a:effectLst>
+            <a:glow rad="228600">
+              <a:schemeClr val="accent6">
+                <a:satMod val="175000"/>
+                <a:alpha val="40000"/>
+              </a:schemeClr>
+            </a:glow>
+          </a:effectLst>
+        </p:spPr>
+        <p:style>
+          <a:lnRef idx="2">
+            <a:schemeClr val="accent1">
+              <a:shade val="50000"/>
+            </a:schemeClr>
+          </a:lnRef>
+          <a:fillRef idx="1">
+            <a:schemeClr val="accent1"/>
+          </a:fillRef>
+          <a:effectRef idx="0">
+            <a:schemeClr val="accent1"/>
+          </a:effectRef>
+          <a:fontRef idx="minor">
+            <a:schemeClr val="lt1"/>
+          </a:fontRef>
+        </p:style>
+        <p:txBody>
+          <a:bodyPr rtlCol="0" anchor="ctr"/>
+          <a:lstStyle/>
+          <a:p>
+            <a:pPr algn="ctr"/>
+            <a:r>
+              <a:rPr lang="en-US" dirty="0" smtClean="0">
+                <a:latin typeface="Montserrat ExtraBold" pitchFamily="2" charset="-52"/>
+              </a:rPr>
+              <a:t>6</a:t>
+            </a:r>
+            <a:endParaRPr lang="ru-RU" dirty="0">
+              <a:latin typeface="Montserrat ExtraBold" pitchFamily="2" charset="-52"/>
+            </a:endParaRPr>
+          </a:p>
+        </p:txBody>
+      </p:sp>
+      <p:sp>
+        <p:nvSpPr>
+          <p:cNvPr id="42" name="TextBox 41"/>
+          <p:cNvSpPr txBox="1"/>
+          <p:nvPr/>
+        </p:nvSpPr>
+        <p:spPr>
+          <a:xfrm>
+            <a:off x="701973" y="4408667"/>
+            <a:ext cx="2292342" cy="646331"/>
+          </a:xfrm>
+          <a:prstGeom prst="rect">
+            <a:avLst/>
+          </a:prstGeom>
+          <a:noFill/>
+        </p:spPr>
+        <p:txBody>
+          <a:bodyPr wrap="square" rtlCol="0">
+            <a:spAutoFit/>
+          </a:bodyPr>
+          <a:lstStyle/>
+          <a:p>
+            <a:r>
+              <a:rPr lang="ru-RU" dirty="0" smtClean="0">
+                <a:solidFill>
+                  <a:schemeClr val="bg1"/>
+                </a:solidFill>
+                <a:latin typeface="Montserrat Black" pitchFamily="2" charset="-52"/>
+              </a:rPr>
+              <a:t>Развёртка </a:t>
+            </a:r>
+            <a:br>
+              <a:rPr lang="ru-RU" dirty="0" smtClean="0">
+                <a:solidFill>
+                  <a:schemeClr val="bg1"/>
+                </a:solidFill>
+                <a:latin typeface="Montserrat Black" pitchFamily="2" charset="-52"/>
+              </a:rPr>
+            </a:br>
+            <a:r>
+              <a:rPr lang="ru-RU" dirty="0" smtClean="0">
+                <a:solidFill>
+                  <a:schemeClr val="bg1"/>
+                </a:solidFill>
+                <a:latin typeface="Montserrat Black" pitchFamily="2" charset="-52"/>
+              </a:rPr>
+              <a:t>контейнеров</a:t>
+            </a:r>
+            <a:endParaRPr lang="ru-RU" dirty="0">
+              <a:solidFill>
+                <a:schemeClr val="bg1"/>
+              </a:solidFill>
+              <a:latin typeface="Montserrat Black" pitchFamily="2" charset="-52"/>
             </a:endParaRPr>
           </a:p>
         </p:txBody>
@@ -10249,8 +10733,8 @@
         </p:nvSpPr>
         <p:spPr>
           <a:xfrm>
-            <a:off x="2245698" y="3529559"/>
-            <a:ext cx="1663700" cy="584775"/>
+            <a:off x="2188739" y="3529559"/>
+            <a:ext cx="1760747" cy="584775"/>
           </a:xfrm>
           <a:prstGeom prst="rect">
             <a:avLst/>
@@ -10269,7 +10753,7 @@
                 <a:solidFill>
                   <a:schemeClr val="bg1"/>
                 </a:solidFill>
-                <a:latin typeface="Montserrat Light" pitchFamily="2" charset="-52"/>
+                <a:latin typeface="Montserrat ExtraBold" pitchFamily="2" charset="-52"/>
               </a:rPr>
               <a:t>Графический интерфейс</a:t>
             </a:r>
@@ -10277,7 +10761,7 @@
               <a:solidFill>
                 <a:schemeClr val="bg1"/>
               </a:solidFill>
-              <a:latin typeface="Montserrat Light" pitchFamily="2" charset="-52"/>
+              <a:latin typeface="Montserrat ExtraBold" pitchFamily="2" charset="-52"/>
             </a:endParaRPr>
           </a:p>
         </p:txBody>
@@ -10310,7 +10794,7 @@
                 <a:solidFill>
                   <a:schemeClr val="bg1"/>
                 </a:solidFill>
-                <a:latin typeface="Montserrat Light" pitchFamily="2" charset="-52"/>
+                <a:latin typeface="Montserrat ExtraBold" pitchFamily="2" charset="-52"/>
               </a:rPr>
               <a:t>Серверное </a:t>
             </a:r>
@@ -10319,7 +10803,7 @@
                 <a:solidFill>
                   <a:schemeClr val="bg1"/>
                 </a:solidFill>
-                <a:latin typeface="Montserrat Light" pitchFamily="2" charset="-52"/>
+                <a:latin typeface="Montserrat ExtraBold" pitchFamily="2" charset="-52"/>
               </a:rPr>
             </a:br>
             <a:r>
@@ -10327,7 +10811,7 @@
                 <a:solidFill>
                   <a:schemeClr val="bg1"/>
                 </a:solidFill>
-                <a:latin typeface="Montserrat Light" pitchFamily="2" charset="-52"/>
+                <a:latin typeface="Montserrat ExtraBold" pitchFamily="2" charset="-52"/>
               </a:rPr>
               <a:t>приложение</a:t>
             </a:r>
@@ -10335,7 +10819,7 @@
               <a:solidFill>
                 <a:schemeClr val="bg1"/>
               </a:solidFill>
-              <a:latin typeface="Montserrat Light" pitchFamily="2" charset="-52"/>
+              <a:latin typeface="Montserrat ExtraBold" pitchFamily="2" charset="-52"/>
             </a:endParaRPr>
           </a:p>
         </p:txBody>
@@ -10368,7 +10852,7 @@
                 <a:solidFill>
                   <a:schemeClr val="bg1"/>
                 </a:solidFill>
-                <a:latin typeface="Montserrat Light" pitchFamily="2" charset="-52"/>
+                <a:latin typeface="Montserrat ExtraBold" pitchFamily="2" charset="-52"/>
               </a:rPr>
               <a:t>База данных</a:t>
             </a:r>
@@ -10376,47 +10860,71 @@
               <a:solidFill>
                 <a:schemeClr val="bg1"/>
               </a:solidFill>
-              <a:latin typeface="Montserrat Light" pitchFamily="2" charset="-52"/>
+              <a:latin typeface="Montserrat ExtraBold" pitchFamily="2" charset="-52"/>
             </a:endParaRPr>
           </a:p>
         </p:txBody>
       </p:sp>
       <p:sp>
         <p:nvSpPr>
-          <p:cNvPr id="30" name="TextBox 29"/>
-          <p:cNvSpPr txBox="1"/>
-          <p:nvPr/>
-        </p:nvSpPr>
-        <p:spPr>
-          <a:xfrm>
-            <a:off x="5313062" y="2211823"/>
-            <a:ext cx="1565865" cy="369332"/>
-          </a:xfrm>
-          <a:prstGeom prst="rect">
-            <a:avLst/>
-          </a:prstGeom>
-          <a:noFill/>
-        </p:spPr>
-        <p:txBody>
-          <a:bodyPr wrap="square" rtlCol="0">
-            <a:spAutoFit/>
-          </a:bodyPr>
-          <a:lstStyle/>
-          <a:p>
-            <a:r>
-              <a:rPr lang="ru-RU" dirty="0" smtClean="0">
-                <a:solidFill>
-                  <a:schemeClr val="bg1"/>
-                </a:solidFill>
-                <a:latin typeface="Montserrat Light" pitchFamily="2" charset="-52"/>
-              </a:rPr>
-              <a:t>Контейнер</a:t>
+          <p:cNvPr id="18" name="Овал 17"/>
+          <p:cNvSpPr/>
+          <p:nvPr/>
+        </p:nvSpPr>
+        <p:spPr>
+          <a:xfrm>
+            <a:off x="367796" y="216027"/>
+            <a:ext cx="661579" cy="616068"/>
+          </a:xfrm>
+          <a:prstGeom prst="ellipse">
+            <a:avLst/>
+          </a:prstGeom>
+          <a:solidFill>
+            <a:srgbClr val="5DD62C"/>
+          </a:solidFill>
+          <a:ln w="57150">
+            <a:solidFill>
+              <a:srgbClr val="F8F8F8"/>
+            </a:solidFill>
+          </a:ln>
+          <a:effectLst>
+            <a:glow rad="228600">
+              <a:schemeClr val="accent6">
+                <a:satMod val="175000"/>
+                <a:alpha val="40000"/>
+              </a:schemeClr>
+            </a:glow>
+          </a:effectLst>
+        </p:spPr>
+        <p:style>
+          <a:lnRef idx="2">
+            <a:schemeClr val="accent1">
+              <a:shade val="50000"/>
+            </a:schemeClr>
+          </a:lnRef>
+          <a:fillRef idx="1">
+            <a:schemeClr val="accent1"/>
+          </a:fillRef>
+          <a:effectRef idx="0">
+            <a:schemeClr val="accent1"/>
+          </a:effectRef>
+          <a:fontRef idx="minor">
+            <a:schemeClr val="lt1"/>
+          </a:fontRef>
+        </p:style>
+        <p:txBody>
+          <a:bodyPr rtlCol="0" anchor="ctr"/>
+          <a:lstStyle/>
+          <a:p>
+            <a:pPr algn="ctr"/>
+            <a:r>
+              <a:rPr lang="en-US" dirty="0" smtClean="0">
+                <a:latin typeface="Montserrat ExtraBold" pitchFamily="2" charset="-52"/>
+              </a:rPr>
+              <a:t>7</a:t>
             </a:r>
             <a:endParaRPr lang="ru-RU" dirty="0">
-              <a:solidFill>
-                <a:schemeClr val="bg1"/>
-              </a:solidFill>
-              <a:latin typeface="Montserrat Light" pitchFamily="2" charset="-52"/>
+              <a:latin typeface="Montserrat ExtraBold" pitchFamily="2" charset="-52"/>
             </a:endParaRPr>
           </a:p>
         </p:txBody>
@@ -10467,7 +10975,7 @@
           <p:nvPr/>
         </p:nvPicPr>
         <p:blipFill rotWithShape="1">
-          <a:blip r:embed="rId2">
+          <a:blip r:embed="rId3">
             <a:extLst>
               <a:ext uri="{28A0092B-C50C-407E-A947-70E740481C1C}">
                 <a14:useLocalDpi xmlns:a14="http://schemas.microsoft.com/office/drawing/2010/main" val="0"/>
@@ -10582,84 +11090,6 @@
           <p:nvPr/>
         </p:nvPicPr>
         <p:blipFill>
-          <a:blip r:embed="rId3" cstate="hqprint">
-            <a:extLst>
-              <a:ext uri="{28A0092B-C50C-407E-A947-70E740481C1C}">
-                <a14:useLocalDpi xmlns:a14="http://schemas.microsoft.com/office/drawing/2010/main" val="0"/>
-              </a:ext>
-            </a:extLst>
-          </a:blip>
-          <a:stretch>
-            <a:fillRect/>
-          </a:stretch>
-        </p:blipFill>
-        <p:spPr>
-          <a:xfrm>
-            <a:off x="2359206" y="1224331"/>
-            <a:ext cx="1768718" cy="2653077"/>
-          </a:xfrm>
-          <a:prstGeom prst="rect">
-            <a:avLst/>
-          </a:prstGeom>
-        </p:spPr>
-      </p:pic>
-      <p:sp>
-        <p:nvSpPr>
-          <p:cNvPr id="9" name="Скругленный прямоугольник 8"/>
-          <p:cNvSpPr/>
-          <p:nvPr/>
-        </p:nvSpPr>
-        <p:spPr>
-          <a:xfrm>
-            <a:off x="4402776" y="2265131"/>
-            <a:ext cx="2567353" cy="1522163"/>
-          </a:xfrm>
-          <a:prstGeom prst="roundRect">
-            <a:avLst/>
-          </a:prstGeom>
-          <a:solidFill>
-            <a:srgbClr val="202020"/>
-          </a:solidFill>
-          <a:ln w="38100">
-            <a:solidFill>
-              <a:srgbClr val="5DD62C"/>
-            </a:solidFill>
-          </a:ln>
-        </p:spPr>
-        <p:style>
-          <a:lnRef idx="2">
-            <a:schemeClr val="accent1">
-              <a:shade val="50000"/>
-            </a:schemeClr>
-          </a:lnRef>
-          <a:fillRef idx="1">
-            <a:schemeClr val="accent1"/>
-          </a:fillRef>
-          <a:effectRef idx="0">
-            <a:schemeClr val="accent1"/>
-          </a:effectRef>
-          <a:fontRef idx="minor">
-            <a:schemeClr val="lt1"/>
-          </a:fontRef>
-        </p:style>
-        <p:txBody>
-          <a:bodyPr rtlCol="0" anchor="ctr"/>
-          <a:lstStyle/>
-          <a:p>
-            <a:pPr algn="ctr"/>
-            <a:endParaRPr lang="ru-RU"/>
-          </a:p>
-        </p:txBody>
-      </p:sp>
-      <p:pic>
-        <p:nvPicPr>
-          <p:cNvPr id="5" name="Рисунок 4"/>
-          <p:cNvPicPr>
-            <a:picLocks noChangeAspect="1"/>
-          </p:cNvPicPr>
-          <p:nvPr/>
-        </p:nvPicPr>
-        <p:blipFill>
           <a:blip r:embed="rId4" cstate="hqprint">
             <a:extLst>
               <a:ext uri="{28A0092B-C50C-407E-A947-70E740481C1C}">
@@ -10673,8 +11103,8 @@
         </p:blipFill>
         <p:spPr>
           <a:xfrm>
-            <a:off x="5668026" y="1146990"/>
-            <a:ext cx="1838122" cy="2450829"/>
+            <a:off x="2359206" y="1224331"/>
+            <a:ext cx="1768718" cy="2653077"/>
           </a:xfrm>
           <a:prstGeom prst="rect">
             <a:avLst/>
@@ -10683,13 +11113,13 @@
       </p:pic>
       <p:sp>
         <p:nvSpPr>
-          <p:cNvPr id="10" name="Скругленный прямоугольник 9"/>
+          <p:cNvPr id="9" name="Скругленный прямоугольник 8"/>
           <p:cNvSpPr/>
           <p:nvPr/>
         </p:nvSpPr>
         <p:spPr>
           <a:xfrm>
-            <a:off x="8145056" y="2265131"/>
+            <a:off x="4402776" y="2265131"/>
             <a:ext cx="2567353" cy="1522163"/>
           </a:xfrm>
           <a:prstGeom prst="roundRect">
@@ -10731,14 +11161,14 @@
       </p:sp>
       <p:pic>
         <p:nvPicPr>
-          <p:cNvPr id="6" name="Рисунок 5"/>
+          <p:cNvPr id="5" name="Рисунок 4"/>
           <p:cNvPicPr>
             <a:picLocks noChangeAspect="1"/>
           </p:cNvPicPr>
           <p:nvPr/>
         </p:nvPicPr>
         <p:blipFill>
-          <a:blip r:embed="rId5">
+          <a:blip r:embed="rId5" cstate="hqprint">
             <a:extLst>
               <a:ext uri="{28A0092B-C50C-407E-A947-70E740481C1C}">
                 <a14:useLocalDpi xmlns:a14="http://schemas.microsoft.com/office/drawing/2010/main" val="0"/>
@@ -10751,8 +11181,8 @@
         </p:blipFill>
         <p:spPr>
           <a:xfrm>
-            <a:off x="9370740" y="1224331"/>
-            <a:ext cx="2158887" cy="2158887"/>
+            <a:off x="5668026" y="1146990"/>
+            <a:ext cx="1838122" cy="2450829"/>
           </a:xfrm>
           <a:prstGeom prst="rect">
             <a:avLst/>
@@ -10761,13 +11191,13 @@
       </p:pic>
       <p:sp>
         <p:nvSpPr>
-          <p:cNvPr id="11" name="Скругленный прямоугольник 10"/>
+          <p:cNvPr id="10" name="Скругленный прямоугольник 9"/>
           <p:cNvSpPr/>
           <p:nvPr/>
         </p:nvSpPr>
         <p:spPr>
           <a:xfrm>
-            <a:off x="839245" y="4561566"/>
+            <a:off x="8145056" y="2265131"/>
             <a:ext cx="2567353" cy="1522163"/>
           </a:xfrm>
           <a:prstGeom prst="roundRect">
@@ -10809,14 +11239,14 @@
       </p:sp>
       <p:pic>
         <p:nvPicPr>
-          <p:cNvPr id="7" name="Рисунок 6"/>
+          <p:cNvPr id="6" name="Рисунок 5"/>
           <p:cNvPicPr>
             <a:picLocks noChangeAspect="1"/>
           </p:cNvPicPr>
           <p:nvPr/>
         </p:nvPicPr>
         <p:blipFill>
-          <a:blip r:embed="rId6" cstate="hqprint">
+          <a:blip r:embed="rId6">
             <a:extLst>
               <a:ext uri="{28A0092B-C50C-407E-A947-70E740481C1C}">
                 <a14:useLocalDpi xmlns:a14="http://schemas.microsoft.com/office/drawing/2010/main" val="0"/>
@@ -10829,8 +11259,8 @@
         </p:blipFill>
         <p:spPr>
           <a:xfrm>
-            <a:off x="2512554" y="4039514"/>
-            <a:ext cx="1224331" cy="1224331"/>
+            <a:off x="9370740" y="1224331"/>
+            <a:ext cx="2158887" cy="2158887"/>
           </a:xfrm>
           <a:prstGeom prst="rect">
             <a:avLst/>
@@ -10839,13 +11269,13 @@
       </p:pic>
       <p:sp>
         <p:nvSpPr>
-          <p:cNvPr id="12" name="Скругленный прямоугольник 11"/>
+          <p:cNvPr id="11" name="Скругленный прямоугольник 10"/>
           <p:cNvSpPr/>
           <p:nvPr/>
         </p:nvSpPr>
         <p:spPr>
           <a:xfrm>
-            <a:off x="4384349" y="4561459"/>
+            <a:off x="839245" y="4561566"/>
             <a:ext cx="2567353" cy="1522163"/>
           </a:xfrm>
           <a:prstGeom prst="roundRect">
@@ -10887,14 +11317,14 @@
       </p:sp>
       <p:pic>
         <p:nvPicPr>
-          <p:cNvPr id="13" name="Рисунок 12"/>
+          <p:cNvPr id="7" name="Рисунок 6"/>
           <p:cNvPicPr>
             <a:picLocks noChangeAspect="1"/>
           </p:cNvPicPr>
           <p:nvPr/>
         </p:nvPicPr>
         <p:blipFill>
-          <a:blip r:embed="rId7">
+          <a:blip r:embed="rId7" cstate="hqprint">
             <a:extLst>
               <a:ext uri="{28A0092B-C50C-407E-A947-70E740481C1C}">
                 <a14:useLocalDpi xmlns:a14="http://schemas.microsoft.com/office/drawing/2010/main" val="0"/>
@@ -10907,8 +11337,8 @@
         </p:blipFill>
         <p:spPr>
           <a:xfrm>
-            <a:off x="5987918" y="4009329"/>
-            <a:ext cx="1424565" cy="1297491"/>
+            <a:off x="2581752" y="3877408"/>
+            <a:ext cx="1224331" cy="1224331"/>
           </a:xfrm>
           <a:prstGeom prst="rect">
             <a:avLst/>
@@ -10917,13 +11347,13 @@
       </p:pic>
       <p:sp>
         <p:nvSpPr>
-          <p:cNvPr id="14" name="Скругленный прямоугольник 13"/>
+          <p:cNvPr id="12" name="Скругленный прямоугольник 11"/>
           <p:cNvSpPr/>
           <p:nvPr/>
         </p:nvSpPr>
         <p:spPr>
           <a:xfrm>
-            <a:off x="8145056" y="4585141"/>
+            <a:off x="4384349" y="4561459"/>
             <a:ext cx="2567353" cy="1522163"/>
           </a:xfrm>
           <a:prstGeom prst="roundRect">
@@ -10965,14 +11395,14 @@
       </p:sp>
       <p:pic>
         <p:nvPicPr>
-          <p:cNvPr id="15" name="Рисунок 14"/>
+          <p:cNvPr id="13" name="Рисунок 12"/>
           <p:cNvPicPr>
             <a:picLocks noChangeAspect="1"/>
           </p:cNvPicPr>
           <p:nvPr/>
         </p:nvPicPr>
         <p:blipFill>
-          <a:blip r:embed="rId8" cstate="hqprint">
+          <a:blip r:embed="rId8">
             <a:extLst>
               <a:ext uri="{28A0092B-C50C-407E-A947-70E740481C1C}">
                 <a14:useLocalDpi xmlns:a14="http://schemas.microsoft.com/office/drawing/2010/main" val="0"/>
@@ -10985,6 +11415,84 @@
         </p:blipFill>
         <p:spPr>
           <a:xfrm>
+            <a:off x="5987918" y="4009329"/>
+            <a:ext cx="1424565" cy="1297491"/>
+          </a:xfrm>
+          <a:prstGeom prst="rect">
+            <a:avLst/>
+          </a:prstGeom>
+        </p:spPr>
+      </p:pic>
+      <p:sp>
+        <p:nvSpPr>
+          <p:cNvPr id="14" name="Скругленный прямоугольник 13"/>
+          <p:cNvSpPr/>
+          <p:nvPr/>
+        </p:nvSpPr>
+        <p:spPr>
+          <a:xfrm>
+            <a:off x="8145056" y="4585141"/>
+            <a:ext cx="2567353" cy="1522163"/>
+          </a:xfrm>
+          <a:prstGeom prst="roundRect">
+            <a:avLst/>
+          </a:prstGeom>
+          <a:solidFill>
+            <a:srgbClr val="202020"/>
+          </a:solidFill>
+          <a:ln w="38100">
+            <a:solidFill>
+              <a:srgbClr val="5DD62C"/>
+            </a:solidFill>
+          </a:ln>
+        </p:spPr>
+        <p:style>
+          <a:lnRef idx="2">
+            <a:schemeClr val="accent1">
+              <a:shade val="50000"/>
+            </a:schemeClr>
+          </a:lnRef>
+          <a:fillRef idx="1">
+            <a:schemeClr val="accent1"/>
+          </a:fillRef>
+          <a:effectRef idx="0">
+            <a:schemeClr val="accent1"/>
+          </a:effectRef>
+          <a:fontRef idx="minor">
+            <a:schemeClr val="lt1"/>
+          </a:fontRef>
+        </p:style>
+        <p:txBody>
+          <a:bodyPr rtlCol="0" anchor="ctr"/>
+          <a:lstStyle/>
+          <a:p>
+            <a:pPr algn="ctr"/>
+            <a:endParaRPr lang="ru-RU"/>
+          </a:p>
+        </p:txBody>
+      </p:sp>
+      <p:pic>
+        <p:nvPicPr>
+          <p:cNvPr id="15" name="Рисунок 14"/>
+          <p:cNvPicPr>
+            <a:picLocks noChangeAspect="1"/>
+          </p:cNvPicPr>
+          <p:nvPr/>
+        </p:nvPicPr>
+        <p:blipFill>
+          <a:blip r:embed="rId9" cstate="hqprint">
+            <a:extLst>
+              <a:ext uri="{28A0092B-C50C-407E-A947-70E740481C1C}">
+                <a14:useLocalDpi xmlns:a14="http://schemas.microsoft.com/office/drawing/2010/main" val="0"/>
+              </a:ext>
+            </a:extLst>
+          </a:blip>
+          <a:stretch>
+            <a:fillRect/>
+          </a:stretch>
+        </p:blipFill>
+        <p:spPr>
+          <a:xfrm>
             <a:off x="9847744" y="3837532"/>
             <a:ext cx="1400487" cy="1400487"/>
           </a:xfrm>
@@ -11020,7 +11528,7 @@
                 <a:solidFill>
                   <a:schemeClr val="bg1"/>
                 </a:solidFill>
-                <a:latin typeface="Montserrat Light" pitchFamily="2" charset="-52"/>
+                <a:latin typeface="Montserrat ExtraBold" pitchFamily="2" charset="-52"/>
               </a:rPr>
               <a:t>Ускорение обработки заявок</a:t>
             </a:r>
@@ -11028,7 +11536,7 @@
               <a:solidFill>
                 <a:schemeClr val="bg1"/>
               </a:solidFill>
-              <a:latin typeface="Montserrat Light" pitchFamily="2" charset="-52"/>
+              <a:latin typeface="Montserrat ExtraBold" pitchFamily="2" charset="-52"/>
             </a:endParaRPr>
           </a:p>
         </p:txBody>
@@ -11060,7 +11568,7 @@
                 <a:solidFill>
                   <a:schemeClr val="bg1"/>
                 </a:solidFill>
-                <a:latin typeface="Montserrat Light" pitchFamily="2" charset="-52"/>
+                <a:latin typeface="Montserrat ExtraBold" pitchFamily="2" charset="-52"/>
               </a:rPr>
               <a:t>Упрощение работы мастеров</a:t>
             </a:r>
@@ -11094,29 +11602,122 @@
                 <a:solidFill>
                   <a:schemeClr val="bg1"/>
                 </a:solidFill>
-                <a:latin typeface="Montserrat Light" pitchFamily="2" charset="-52"/>
+                <a:latin typeface="Montserrat ExtraBold" pitchFamily="2" charset="-52"/>
               </a:rPr>
               <a:t>Повышение прозрачности ремонта</a:t>
+            </a:r>
+          </a:p>
+        </p:txBody>
+      </p:sp>
+      <p:sp>
+        <p:nvSpPr>
+          <p:cNvPr id="19" name="TextBox 18"/>
+          <p:cNvSpPr txBox="1"/>
+          <p:nvPr/>
+        </p:nvSpPr>
+        <p:spPr>
+          <a:xfrm>
+            <a:off x="955587" y="4823035"/>
+            <a:ext cx="2025650" cy="923330"/>
+          </a:xfrm>
+          <a:prstGeom prst="rect">
+            <a:avLst/>
+          </a:prstGeom>
+          <a:noFill/>
+        </p:spPr>
+        <p:txBody>
+          <a:bodyPr wrap="square" rtlCol="0">
+            <a:spAutoFit/>
+          </a:bodyPr>
+          <a:lstStyle/>
+          <a:p>
+            <a:r>
+              <a:rPr lang="ru-RU" dirty="0">
+                <a:solidFill>
+                  <a:schemeClr val="bg1"/>
+                </a:solidFill>
+                <a:latin typeface="Montserrat ExtraBold" pitchFamily="2" charset="-52"/>
+              </a:rPr>
+              <a:t>Безопасность и контроль доступа</a:t>
+            </a:r>
+          </a:p>
+        </p:txBody>
+      </p:sp>
+      <p:sp>
+        <p:nvSpPr>
+          <p:cNvPr id="20" name="Прямоугольник 19"/>
+          <p:cNvSpPr/>
+          <p:nvPr/>
+        </p:nvSpPr>
+        <p:spPr>
+          <a:xfrm>
+            <a:off x="4527832" y="4845155"/>
+            <a:ext cx="2382174" cy="923330"/>
+          </a:xfrm>
+          <a:prstGeom prst="rect">
+            <a:avLst/>
+          </a:prstGeom>
+        </p:spPr>
+        <p:txBody>
+          <a:bodyPr wrap="square">
+            <a:spAutoFit/>
+          </a:bodyPr>
+          <a:lstStyle/>
+          <a:p>
+            <a:r>
+              <a:rPr lang="ru-RU" dirty="0">
+                <a:solidFill>
+                  <a:schemeClr val="bg1"/>
+                </a:solidFill>
+                <a:latin typeface="Montserrat ExtraBold" pitchFamily="2" charset="-52"/>
+              </a:rPr>
+              <a:t>Интуитивно понятный </a:t>
+            </a:r>
+            <a:r>
+              <a:rPr lang="en-US" dirty="0" smtClean="0">
+                <a:solidFill>
+                  <a:schemeClr val="bg1"/>
+                </a:solidFill>
+                <a:latin typeface="Montserrat ExtraBold" pitchFamily="2" charset="-52"/>
+              </a:rPr>
+              <a:t/>
+            </a:r>
+            <a:br>
+              <a:rPr lang="en-US" dirty="0" smtClean="0">
+                <a:solidFill>
+                  <a:schemeClr val="bg1"/>
+                </a:solidFill>
+                <a:latin typeface="Montserrat ExtraBold" pitchFamily="2" charset="-52"/>
+              </a:rPr>
+            </a:br>
+            <a:r>
+              <a:rPr lang="ru-RU" dirty="0" smtClean="0">
+                <a:solidFill>
+                  <a:schemeClr val="bg1"/>
+                </a:solidFill>
+                <a:latin typeface="Montserrat ExtraBold" pitchFamily="2" charset="-52"/>
+              </a:rPr>
+              <a:t>веб-интерфейс</a:t>
             </a:r>
             <a:endParaRPr lang="ru-RU" dirty="0">
               <a:solidFill>
                 <a:schemeClr val="bg1"/>
               </a:solidFill>
-              <a:latin typeface="Montserrat Light" pitchFamily="2" charset="-52"/>
+              <a:latin typeface="Montserrat ExtraBold" pitchFamily="2" charset="-52"/>
             </a:endParaRPr>
           </a:p>
         </p:txBody>
       </p:sp>
       <p:sp>
         <p:nvSpPr>
-          <p:cNvPr id="19" name="TextBox 18"/>
+          <p:cNvPr id="21" name="TextBox 20"/>
           <p:cNvSpPr txBox="1"/>
           <p:nvPr/>
         </p:nvSpPr>
         <p:spPr>
           <a:xfrm>
-            <a:off x="955587" y="4823035"/>
-            <a:ext cx="2025650" cy="923330"/>
+            <a:off x="8317645" y="4845155"/>
+            <a:ext cx="2138635" cy="923330"/>
           </a:xfrm>
           <a:prstGeom prst="rect">
             <a:avLst/>
@@ -11134,88 +11735,73 @@
                 <a:solidFill>
                   <a:schemeClr val="bg1"/>
                 </a:solidFill>
-                <a:latin typeface="Montserrat Light" pitchFamily="2" charset="-52"/>
-              </a:rPr>
-              <a:t>Безопасность и контроль доступа</a:t>
+                <a:latin typeface="Montserrat ExtraBold" pitchFamily="2" charset="-52"/>
+              </a:rPr>
+              <a:t>Хранение данных и отчётность</a:t>
+            </a:r>
+          </a:p>
+        </p:txBody>
+      </p:sp>
+      <p:sp>
+        <p:nvSpPr>
+          <p:cNvPr id="22" name="Овал 21"/>
+          <p:cNvSpPr/>
+          <p:nvPr/>
+        </p:nvSpPr>
+        <p:spPr>
+          <a:xfrm>
+            <a:off x="367796" y="216027"/>
+            <a:ext cx="661579" cy="616068"/>
+          </a:xfrm>
+          <a:prstGeom prst="ellipse">
+            <a:avLst/>
+          </a:prstGeom>
+          <a:solidFill>
+            <a:srgbClr val="5DD62C"/>
+          </a:solidFill>
+          <a:ln w="57150">
+            <a:solidFill>
+              <a:srgbClr val="F8F8F8"/>
+            </a:solidFill>
+          </a:ln>
+          <a:effectLst>
+            <a:glow rad="228600">
+              <a:schemeClr val="accent6">
+                <a:satMod val="175000"/>
+                <a:alpha val="40000"/>
+              </a:schemeClr>
+            </a:glow>
+          </a:effectLst>
+        </p:spPr>
+        <p:style>
+          <a:lnRef idx="2">
+            <a:schemeClr val="accent1">
+              <a:shade val="50000"/>
+            </a:schemeClr>
+          </a:lnRef>
+          <a:fillRef idx="1">
+            <a:schemeClr val="accent1"/>
+          </a:fillRef>
+          <a:effectRef idx="0">
+            <a:schemeClr val="accent1"/>
+          </a:effectRef>
+          <a:fontRef idx="minor">
+            <a:schemeClr val="lt1"/>
+          </a:fontRef>
+        </p:style>
+        <p:txBody>
+          <a:bodyPr rtlCol="0" anchor="ctr"/>
+          <a:lstStyle/>
+          <a:p>
+            <a:pPr algn="ctr"/>
+            <a:r>
+              <a:rPr lang="en-US" dirty="0" smtClean="0">
+                <a:latin typeface="Montserrat ExtraBold" pitchFamily="2" charset="-52"/>
+              </a:rPr>
+              <a:t>8</a:t>
             </a:r>
             <a:endParaRPr lang="ru-RU" dirty="0">
-              <a:solidFill>
-                <a:schemeClr val="bg1"/>
-              </a:solidFill>
-              <a:latin typeface="Montserrat Light" pitchFamily="2" charset="-52"/>
-            </a:endParaRPr>
-          </a:p>
-        </p:txBody>
-      </p:sp>
-      <p:sp>
-        <p:nvSpPr>
-          <p:cNvPr id="20" name="Прямоугольник 19"/>
-          <p:cNvSpPr/>
-          <p:nvPr/>
-        </p:nvSpPr>
-        <p:spPr>
-          <a:xfrm>
-            <a:off x="4527832" y="4845155"/>
-            <a:ext cx="2382174" cy="923330"/>
-          </a:xfrm>
-          <a:prstGeom prst="rect">
-            <a:avLst/>
-          </a:prstGeom>
-        </p:spPr>
-        <p:txBody>
-          <a:bodyPr wrap="square">
-            <a:spAutoFit/>
-          </a:bodyPr>
-          <a:lstStyle/>
-          <a:p>
-            <a:r>
-              <a:rPr lang="ru-RU" dirty="0">
-                <a:solidFill>
-                  <a:schemeClr val="bg1"/>
-                </a:solidFill>
-                <a:latin typeface="Montserrat Light" pitchFamily="2" charset="-52"/>
-              </a:rPr>
-              <a:t>Интуитивно понятный веб-интерфейс</a:t>
-            </a:r>
-          </a:p>
-        </p:txBody>
-      </p:sp>
-      <p:sp>
-        <p:nvSpPr>
-          <p:cNvPr id="21" name="TextBox 20"/>
-          <p:cNvSpPr txBox="1"/>
-          <p:nvPr/>
-        </p:nvSpPr>
-        <p:spPr>
-          <a:xfrm>
-            <a:off x="8317645" y="4845155"/>
-            <a:ext cx="2138635" cy="923330"/>
-          </a:xfrm>
-          <a:prstGeom prst="rect">
-            <a:avLst/>
-          </a:prstGeom>
-          <a:noFill/>
-        </p:spPr>
-        <p:txBody>
-          <a:bodyPr wrap="square" rtlCol="0">
-            <a:spAutoFit/>
-          </a:bodyPr>
-          <a:lstStyle/>
-          <a:p>
-            <a:r>
-              <a:rPr lang="ru-RU" dirty="0">
-                <a:solidFill>
-                  <a:schemeClr val="bg1"/>
-                </a:solidFill>
-                <a:latin typeface="Montserrat Light" pitchFamily="2" charset="-52"/>
-              </a:rPr>
-              <a:t>Хранение данных и отчётность</a:t>
-            </a:r>
-            <a:endParaRPr lang="ru-RU" dirty="0">
-              <a:solidFill>
-                <a:schemeClr val="bg1"/>
-              </a:solidFill>
-              <a:latin typeface="Montserrat Light" pitchFamily="2" charset="-52"/>
+              <a:latin typeface="Montserrat ExtraBold" pitchFamily="2" charset="-52"/>
             </a:endParaRPr>
           </a:p>
         </p:txBody>
@@ -11398,6 +11984,70 @@
                 <a:schemeClr val="bg1"/>
               </a:solidFill>
               <a:latin typeface="Montserrat Black" pitchFamily="2" charset="-52"/>
+            </a:endParaRPr>
+          </a:p>
+        </p:txBody>
+      </p:sp>
+      <p:sp>
+        <p:nvSpPr>
+          <p:cNvPr id="6" name="Овал 5"/>
+          <p:cNvSpPr/>
+          <p:nvPr/>
+        </p:nvSpPr>
+        <p:spPr>
+          <a:xfrm>
+            <a:off x="367796" y="216027"/>
+            <a:ext cx="661579" cy="616068"/>
+          </a:xfrm>
+          <a:prstGeom prst="ellipse">
+            <a:avLst/>
+          </a:prstGeom>
+          <a:solidFill>
+            <a:srgbClr val="5DD62C"/>
+          </a:solidFill>
+          <a:ln w="57150">
+            <a:solidFill>
+              <a:srgbClr val="F8F8F8"/>
+            </a:solidFill>
+          </a:ln>
+          <a:effectLst>
+            <a:glow rad="228600">
+              <a:schemeClr val="accent6">
+                <a:satMod val="175000"/>
+                <a:alpha val="40000"/>
+              </a:schemeClr>
+            </a:glow>
+          </a:effectLst>
+        </p:spPr>
+        <p:style>
+          <a:lnRef idx="2">
+            <a:schemeClr val="accent1">
+              <a:shade val="50000"/>
+            </a:schemeClr>
+          </a:lnRef>
+          <a:fillRef idx="1">
+            <a:schemeClr val="accent1"/>
+          </a:fillRef>
+          <a:effectRef idx="0">
+            <a:schemeClr val="accent1"/>
+          </a:effectRef>
+          <a:fontRef idx="minor">
+            <a:schemeClr val="lt1"/>
+          </a:fontRef>
+        </p:style>
+        <p:txBody>
+          <a:bodyPr rtlCol="0" anchor="ctr"/>
+          <a:lstStyle/>
+          <a:p>
+            <a:pPr algn="ctr"/>
+            <a:r>
+              <a:rPr lang="en-US" dirty="0" smtClean="0">
+                <a:latin typeface="Montserrat ExtraBold" pitchFamily="2" charset="-52"/>
+              </a:rPr>
+              <a:t>9</a:t>
+            </a:r>
+            <a:endParaRPr lang="ru-RU" dirty="0">
+              <a:latin typeface="Montserrat ExtraBold" pitchFamily="2" charset="-52"/>
             </a:endParaRPr>
           </a:p>
         </p:txBody>
